--- a/Project1_TrafficViolations.pptx
+++ b/Project1_TrafficViolations.pptx
@@ -1,66 +1,75 @@
 
 <file path=ppt/presentation.xml><?xml version="1.0" encoding="utf-8"?>
-<p:presentation xmlns:a="http://schemas.openxmlformats.org/drawingml/2006/main" xmlns:r="http://schemas.openxmlformats.org/officeDocument/2006/relationships" xmlns:mc="http://schemas.openxmlformats.org/markup-compatibility/2006" xmlns:mv="urn:schemas-microsoft-com:mac:vml" xmlns:p="http://schemas.openxmlformats.org/presentationml/2006/main" xmlns:c="http://schemas.openxmlformats.org/drawingml/2006/chart" xmlns:dgm="http://schemas.openxmlformats.org/drawingml/2006/diagram" xmlns:o="urn:schemas-microsoft-com:office:office" xmlns:v="urn:schemas-microsoft-com:vml" xmlns:pvml="urn:schemas-microsoft-com:office:powerpoint" xmlns:com="http://schemas.openxmlformats.org/drawingml/2006/compatibility" xmlns:p14="http://schemas.microsoft.com/office/powerpoint/2010/main" xmlns:p15="http://schemas.microsoft.com/office/powerpoint/2012/main" xmlns:ahyp="http://schemas.microsoft.com/office/drawing/2018/hyperlinkcolor" autoCompressPictures="0" embedTrueTypeFonts="1" strictFirstAndLastChars="0" saveSubsetFonts="1">
+<p:presentation xmlns:a="http://schemas.openxmlformats.org/drawingml/2006/main" xmlns:r="http://schemas.openxmlformats.org/officeDocument/2006/relationships" xmlns:p="http://schemas.openxmlformats.org/presentationml/2006/main" strictFirstAndLastChars="0" embedTrueTypeFonts="1" saveSubsetFonts="1" autoCompressPictures="0">
   <p:sldMasterIdLst>
-    <p:sldMasterId id="2147483659" r:id="rId4"/>
+    <p:sldMasterId id="2147483659" r:id="rId1"/>
   </p:sldMasterIdLst>
   <p:notesMasterIdLst>
-    <p:notesMasterId r:id="rId5"/>
+    <p:notesMasterId r:id="rId29"/>
   </p:notesMasterIdLst>
   <p:sldIdLst>
-    <p:sldId id="256" r:id="rId6"/>
-    <p:sldId id="257" r:id="rId7"/>
-    <p:sldId id="258" r:id="rId8"/>
-    <p:sldId id="259" r:id="rId9"/>
-    <p:sldId id="260" r:id="rId10"/>
-    <p:sldId id="261" r:id="rId11"/>
-    <p:sldId id="262" r:id="rId12"/>
-    <p:sldId id="263" r:id="rId13"/>
-    <p:sldId id="264" r:id="rId14"/>
-    <p:sldId id="265" r:id="rId15"/>
-    <p:sldId id="266" r:id="rId16"/>
-    <p:sldId id="267" r:id="rId17"/>
-    <p:sldId id="268" r:id="rId18"/>
-    <p:sldId id="269" r:id="rId19"/>
-    <p:sldId id="270" r:id="rId20"/>
-    <p:sldId id="271" r:id="rId21"/>
-    <p:sldId id="272" r:id="rId22"/>
-    <p:sldId id="273" r:id="rId23"/>
-    <p:sldId id="274" r:id="rId24"/>
-    <p:sldId id="275" r:id="rId25"/>
-    <p:sldId id="276" r:id="rId26"/>
-    <p:sldId id="277" r:id="rId27"/>
-    <p:sldId id="278" r:id="rId28"/>
-    <p:sldId id="279" r:id="rId29"/>
-    <p:sldId id="280" r:id="rId30"/>
+    <p:sldId id="256" r:id="rId2"/>
+    <p:sldId id="257" r:id="rId3"/>
+    <p:sldId id="258" r:id="rId4"/>
+    <p:sldId id="259" r:id="rId5"/>
+    <p:sldId id="260" r:id="rId6"/>
+    <p:sldId id="261" r:id="rId7"/>
+    <p:sldId id="262" r:id="rId8"/>
+    <p:sldId id="263" r:id="rId9"/>
+    <p:sldId id="264" r:id="rId10"/>
+    <p:sldId id="265" r:id="rId11"/>
+    <p:sldId id="266" r:id="rId12"/>
+    <p:sldId id="267" r:id="rId13"/>
+    <p:sldId id="268" r:id="rId14"/>
+    <p:sldId id="269" r:id="rId15"/>
+    <p:sldId id="270" r:id="rId16"/>
+    <p:sldId id="271" r:id="rId17"/>
+    <p:sldId id="272" r:id="rId18"/>
+    <p:sldId id="273" r:id="rId19"/>
+    <p:sldId id="274" r:id="rId20"/>
+    <p:sldId id="275" r:id="rId21"/>
+    <p:sldId id="276" r:id="rId22"/>
+    <p:sldId id="277" r:id="rId23"/>
+    <p:sldId id="278" r:id="rId24"/>
+    <p:sldId id="279" r:id="rId25"/>
+    <p:sldId id="280" r:id="rId26"/>
+    <p:sldId id="281" r:id="rId27"/>
+    <p:sldId id="282" r:id="rId28"/>
   </p:sldIdLst>
-  <p:sldSz cy="5143500" cx="9144000"/>
+  <p:sldSz cx="9144000" cy="5143500" type="screen16x9"/>
   <p:notesSz cx="6858000" cy="9144000"/>
   <p:embeddedFontLst>
     <p:embeddedFont>
-      <p:font typeface="Raleway"/>
-      <p:regular r:id="rId31"/>
-      <p:bold r:id="rId32"/>
-      <p:italic r:id="rId33"/>
-      <p:boldItalic r:id="rId34"/>
+      <p:font typeface="Calibri" panose="020F0502020204030204" pitchFamily="34" charset="0"/>
+      <p:regular r:id="rId30"/>
+      <p:bold r:id="rId31"/>
+      <p:italic r:id="rId32"/>
+      <p:boldItalic r:id="rId33"/>
     </p:embeddedFont>
     <p:embeddedFont>
-      <p:font typeface="Nunito"/>
-      <p:regular r:id="rId35"/>
-      <p:bold r:id="rId36"/>
-      <p:italic r:id="rId37"/>
-      <p:boldItalic r:id="rId38"/>
+      <p:font typeface="Lato" panose="020B0604020202020204" charset="0"/>
+      <p:regular r:id="rId34"/>
+      <p:bold r:id="rId35"/>
+      <p:italic r:id="rId36"/>
+      <p:boldItalic r:id="rId37"/>
     </p:embeddedFont>
     <p:embeddedFont>
-      <p:font typeface="Lato"/>
-      <p:regular r:id="rId39"/>
-      <p:bold r:id="rId40"/>
-      <p:italic r:id="rId41"/>
-      <p:boldItalic r:id="rId42"/>
+      <p:font typeface="Nunito" panose="020B0604020202020204" charset="0"/>
+      <p:regular r:id="rId38"/>
+      <p:bold r:id="rId39"/>
+      <p:italic r:id="rId40"/>
+      <p:boldItalic r:id="rId41"/>
+    </p:embeddedFont>
+    <p:embeddedFont>
+      <p:font typeface="Raleway" panose="020B0604020202020204" charset="0"/>
+      <p:regular r:id="rId42"/>
+      <p:bold r:id="rId43"/>
+      <p:italic r:id="rId44"/>
+      <p:boldItalic r:id="rId45"/>
     </p:embeddedFont>
   </p:embeddedFontLst>
   <p:defaultTextStyle>
-    <a:defPPr lvl="0" marR="0" rtl="0" algn="l">
+    <a:defPPr marR="0" lvl="0" algn="l" rtl="0">
       <a:lnSpc>
         <a:spcPct val="100000"/>
       </a:lnSpc>
@@ -71,7 +80,7 @@
         <a:spcPts val="0"/>
       </a:spcAft>
     </a:defPPr>
-    <a:lvl1pPr lvl="0" marR="0" rtl="0" algn="l">
+    <a:lvl1pPr marR="0" lvl="0" algn="l" rtl="0">
       <a:lnSpc>
         <a:spcPct val="100000"/>
       </a:lnSpc>
@@ -85,7 +94,7 @@
         <a:srgbClr val="000000"/>
       </a:buClr>
       <a:buFont typeface="Arial"/>
-      <a:defRPr b="0" i="0" sz="1400" u="none" cap="none" strike="noStrike">
+      <a:defRPr sz="1400" b="0" i="0" u="none" strike="noStrike" cap="none">
         <a:solidFill>
           <a:srgbClr val="000000"/>
         </a:solidFill>
@@ -95,7 +104,7 @@
         <a:sym typeface="Arial"/>
       </a:defRPr>
     </a:lvl1pPr>
-    <a:lvl2pPr lvl="1" marR="0" rtl="0" algn="l">
+    <a:lvl2pPr marR="0" lvl="1" algn="l" rtl="0">
       <a:lnSpc>
         <a:spcPct val="100000"/>
       </a:lnSpc>
@@ -109,7 +118,7 @@
         <a:srgbClr val="000000"/>
       </a:buClr>
       <a:buFont typeface="Arial"/>
-      <a:defRPr b="0" i="0" sz="1400" u="none" cap="none" strike="noStrike">
+      <a:defRPr sz="1400" b="0" i="0" u="none" strike="noStrike" cap="none">
         <a:solidFill>
           <a:srgbClr val="000000"/>
         </a:solidFill>
@@ -119,7 +128,7 @@
         <a:sym typeface="Arial"/>
       </a:defRPr>
     </a:lvl2pPr>
-    <a:lvl3pPr lvl="2" marR="0" rtl="0" algn="l">
+    <a:lvl3pPr marR="0" lvl="2" algn="l" rtl="0">
       <a:lnSpc>
         <a:spcPct val="100000"/>
       </a:lnSpc>
@@ -133,7 +142,7 @@
         <a:srgbClr val="000000"/>
       </a:buClr>
       <a:buFont typeface="Arial"/>
-      <a:defRPr b="0" i="0" sz="1400" u="none" cap="none" strike="noStrike">
+      <a:defRPr sz="1400" b="0" i="0" u="none" strike="noStrike" cap="none">
         <a:solidFill>
           <a:srgbClr val="000000"/>
         </a:solidFill>
@@ -143,7 +152,7 @@
         <a:sym typeface="Arial"/>
       </a:defRPr>
     </a:lvl3pPr>
-    <a:lvl4pPr lvl="3" marR="0" rtl="0" algn="l">
+    <a:lvl4pPr marR="0" lvl="3" algn="l" rtl="0">
       <a:lnSpc>
         <a:spcPct val="100000"/>
       </a:lnSpc>
@@ -157,7 +166,7 @@
         <a:srgbClr val="000000"/>
       </a:buClr>
       <a:buFont typeface="Arial"/>
-      <a:defRPr b="0" i="0" sz="1400" u="none" cap="none" strike="noStrike">
+      <a:defRPr sz="1400" b="0" i="0" u="none" strike="noStrike" cap="none">
         <a:solidFill>
           <a:srgbClr val="000000"/>
         </a:solidFill>
@@ -167,7 +176,7 @@
         <a:sym typeface="Arial"/>
       </a:defRPr>
     </a:lvl4pPr>
-    <a:lvl5pPr lvl="4" marR="0" rtl="0" algn="l">
+    <a:lvl5pPr marR="0" lvl="4" algn="l" rtl="0">
       <a:lnSpc>
         <a:spcPct val="100000"/>
       </a:lnSpc>
@@ -181,7 +190,7 @@
         <a:srgbClr val="000000"/>
       </a:buClr>
       <a:buFont typeface="Arial"/>
-      <a:defRPr b="0" i="0" sz="1400" u="none" cap="none" strike="noStrike">
+      <a:defRPr sz="1400" b="0" i="0" u="none" strike="noStrike" cap="none">
         <a:solidFill>
           <a:srgbClr val="000000"/>
         </a:solidFill>
@@ -191,7 +200,7 @@
         <a:sym typeface="Arial"/>
       </a:defRPr>
     </a:lvl5pPr>
-    <a:lvl6pPr lvl="5" marR="0" rtl="0" algn="l">
+    <a:lvl6pPr marR="0" lvl="5" algn="l" rtl="0">
       <a:lnSpc>
         <a:spcPct val="100000"/>
       </a:lnSpc>
@@ -205,7 +214,7 @@
         <a:srgbClr val="000000"/>
       </a:buClr>
       <a:buFont typeface="Arial"/>
-      <a:defRPr b="0" i="0" sz="1400" u="none" cap="none" strike="noStrike">
+      <a:defRPr sz="1400" b="0" i="0" u="none" strike="noStrike" cap="none">
         <a:solidFill>
           <a:srgbClr val="000000"/>
         </a:solidFill>
@@ -215,7 +224,7 @@
         <a:sym typeface="Arial"/>
       </a:defRPr>
     </a:lvl6pPr>
-    <a:lvl7pPr lvl="6" marR="0" rtl="0" algn="l">
+    <a:lvl7pPr marR="0" lvl="6" algn="l" rtl="0">
       <a:lnSpc>
         <a:spcPct val="100000"/>
       </a:lnSpc>
@@ -229,7 +238,7 @@
         <a:srgbClr val="000000"/>
       </a:buClr>
       <a:buFont typeface="Arial"/>
-      <a:defRPr b="0" i="0" sz="1400" u="none" cap="none" strike="noStrike">
+      <a:defRPr sz="1400" b="0" i="0" u="none" strike="noStrike" cap="none">
         <a:solidFill>
           <a:srgbClr val="000000"/>
         </a:solidFill>
@@ -239,7 +248,7 @@
         <a:sym typeface="Arial"/>
       </a:defRPr>
     </a:lvl7pPr>
-    <a:lvl8pPr lvl="7" marR="0" rtl="0" algn="l">
+    <a:lvl8pPr marR="0" lvl="7" algn="l" rtl="0">
       <a:lnSpc>
         <a:spcPct val="100000"/>
       </a:lnSpc>
@@ -253,7 +262,7 @@
         <a:srgbClr val="000000"/>
       </a:buClr>
       <a:buFont typeface="Arial"/>
-      <a:defRPr b="0" i="0" sz="1400" u="none" cap="none" strike="noStrike">
+      <a:defRPr sz="1400" b="0" i="0" u="none" strike="noStrike" cap="none">
         <a:solidFill>
           <a:srgbClr val="000000"/>
         </a:solidFill>
@@ -263,7 +272,7 @@
         <a:sym typeface="Arial"/>
       </a:defRPr>
     </a:lvl8pPr>
-    <a:lvl9pPr lvl="8" marR="0" rtl="0" algn="l">
+    <a:lvl9pPr marR="0" lvl="8" algn="l" rtl="0">
       <a:lnSpc>
         <a:spcPct val="100000"/>
       </a:lnSpc>
@@ -277,7 +286,7 @@
         <a:srgbClr val="000000"/>
       </a:buClr>
       <a:buFont typeface="Arial"/>
-      <a:defRPr b="0" i="0" sz="1400" u="none" cap="none" strike="noStrike">
+      <a:defRPr sz="1400" b="0" i="0" u="none" strike="noStrike" cap="none">
         <a:solidFill>
           <a:srgbClr val="000000"/>
         </a:solidFill>
@@ -290,7 +299,7 @@
   </p:defaultTextStyle>
   <p:extLst>
     <p:ext uri="{EFAFB233-063F-42B5-8137-9DF3F51BA10A}">
-      <p15:sldGuideLst>
+      <p15:sldGuideLst xmlns:p15="http://schemas.microsoft.com/office/powerpoint/2012/main">
         <p15:guide id="1" orient="horz" pos="1620">
           <p15:clr>
             <a:srgbClr val="A4A3A4"/>
@@ -308,11 +317,16 @@
 </file>
 
 <file path=ppt/notesMasters/notesMaster1.xml><?xml version="1.0" encoding="utf-8"?>
-<p:notesMaster xmlns:a="http://schemas.openxmlformats.org/drawingml/2006/main" xmlns:r="http://schemas.openxmlformats.org/officeDocument/2006/relationships" xmlns:mc="http://schemas.openxmlformats.org/markup-compatibility/2006" xmlns:mv="urn:schemas-microsoft-com:mac:vml" xmlns:p="http://schemas.openxmlformats.org/presentationml/2006/main" xmlns:c="http://schemas.openxmlformats.org/drawingml/2006/chart" xmlns:dgm="http://schemas.openxmlformats.org/drawingml/2006/diagram" xmlns:o="urn:schemas-microsoft-com:office:office" xmlns:v="urn:schemas-microsoft-com:vml" xmlns:pvml="urn:schemas-microsoft-com:office:powerpoint" xmlns:com="http://schemas.openxmlformats.org/drawingml/2006/compatibility" xmlns:p14="http://schemas.microsoft.com/office/powerpoint/2010/main" xmlns:p15="http://schemas.microsoft.com/office/powerpoint/2012/main" xmlns:ahyp="http://schemas.microsoft.com/office/drawing/2018/hyperlinkcolor">
+<p:notesMaster xmlns:a="http://schemas.openxmlformats.org/drawingml/2006/main" xmlns:r="http://schemas.openxmlformats.org/officeDocument/2006/relationships" xmlns:p="http://schemas.openxmlformats.org/presentationml/2006/main">
   <p:cSld>
+    <p:bg>
+      <p:bgRef idx="1001">
+        <a:schemeClr val="bg1"/>
+      </p:bgRef>
+    </p:bg>
     <p:spTree>
       <p:nvGrpSpPr>
-        <p:cNvPr id="2" name="Shape 2"/>
+        <p:cNvPr id="1" name="Shape 2"/>
         <p:cNvGrpSpPr/>
         <p:nvPr/>
       </p:nvGrpSpPr>
@@ -327,9 +341,11 @@
       <p:sp>
         <p:nvSpPr>
           <p:cNvPr id="3" name="Google Shape;3;n"/>
-          <p:cNvSpPr/>
+          <p:cNvSpPr>
+            <a:spLocks noGrp="1" noRot="1" noChangeAspect="1"/>
+          </p:cNvSpPr>
           <p:nvPr>
-            <p:ph idx="2" type="sldImg"/>
+            <p:ph type="sldImg" idx="2"/>
           </p:nvPr>
         </p:nvSpPr>
         <p:spPr>
@@ -338,9 +354,13 @@
             <a:ext cx="6096075" cy="3429000"/>
           </a:xfrm>
           <a:custGeom>
-            <a:rect b="b" l="l" r="r" t="t"/>
+            <a:avLst/>
+            <a:gdLst/>
+            <a:ahLst/>
+            <a:cxnLst/>
+            <a:rect l="l" t="t" r="r" b="b"/>
             <a:pathLst>
-              <a:path extrusionOk="0" h="120000" w="120000">
+              <a:path w="120000" h="120000" extrusionOk="0">
                 <a:moveTo>
                   <a:pt x="0" y="0"/>
                 </a:moveTo>
@@ -358,23 +378,25 @@
             </a:pathLst>
           </a:custGeom>
           <a:noFill/>
-          <a:ln cap="flat" cmpd="sng" w="9525">
+          <a:ln w="9525" cap="flat" cmpd="sng">
             <a:solidFill>
               <a:srgbClr val="000000"/>
             </a:solidFill>
             <a:prstDash val="solid"/>
             <a:round/>
-            <a:headEnd len="sm" w="sm" type="none"/>
-            <a:tailEnd len="sm" w="sm" type="none"/>
+            <a:headEnd type="none" w="sm" len="sm"/>
+            <a:tailEnd type="none" w="sm" len="sm"/>
           </a:ln>
         </p:spPr>
       </p:sp>
       <p:sp>
         <p:nvSpPr>
           <p:cNvPr id="4" name="Google Shape;4;n"/>
-          <p:cNvSpPr txBox="1"/>
+          <p:cNvSpPr txBox="1">
+            <a:spLocks noGrp="1"/>
+          </p:cNvSpPr>
           <p:nvPr>
-            <p:ph idx="1" type="body"/>
+            <p:ph type="body" idx="1"/>
           </p:nvPr>
         </p:nvSpPr>
         <p:spPr>
@@ -391,11 +413,11 @@
           </a:ln>
         </p:spPr>
         <p:txBody>
-          <a:bodyPr anchorCtr="0" anchor="t" bIns="91425" lIns="91425" spcFirstLastPara="1" rIns="91425" wrap="square" tIns="91425">
+          <a:bodyPr spcFirstLastPara="1" wrap="square" lIns="91425" tIns="91425" rIns="91425" bIns="91425" anchor="t" anchorCtr="0">
             <a:noAutofit/>
           </a:bodyPr>
           <a:lstStyle>
-            <a:lvl1pPr indent="-298450" lvl="0" marL="457200">
+            <a:lvl1pPr marL="457200" lvl="0" indent="-298450">
               <a:spcBef>
                 <a:spcPts val="0"/>
               </a:spcBef>
@@ -406,7 +428,7 @@
               <a:buChar char="●"/>
               <a:defRPr sz="1100"/>
             </a:lvl1pPr>
-            <a:lvl2pPr indent="-298450" lvl="1" marL="914400">
+            <a:lvl2pPr marL="914400" lvl="1" indent="-298450">
               <a:spcBef>
                 <a:spcPts val="0"/>
               </a:spcBef>
@@ -417,7 +439,7 @@
               <a:buChar char="○"/>
               <a:defRPr sz="1100"/>
             </a:lvl2pPr>
-            <a:lvl3pPr indent="-298450" lvl="2" marL="1371600">
+            <a:lvl3pPr marL="1371600" lvl="2" indent="-298450">
               <a:spcBef>
                 <a:spcPts val="0"/>
               </a:spcBef>
@@ -428,7 +450,7 @@
               <a:buChar char="■"/>
               <a:defRPr sz="1100"/>
             </a:lvl3pPr>
-            <a:lvl4pPr indent="-298450" lvl="3" marL="1828800">
+            <a:lvl4pPr marL="1828800" lvl="3" indent="-298450">
               <a:spcBef>
                 <a:spcPts val="0"/>
               </a:spcBef>
@@ -439,7 +461,7 @@
               <a:buChar char="●"/>
               <a:defRPr sz="1100"/>
             </a:lvl4pPr>
-            <a:lvl5pPr indent="-298450" lvl="4" marL="2286000">
+            <a:lvl5pPr marL="2286000" lvl="4" indent="-298450">
               <a:spcBef>
                 <a:spcPts val="0"/>
               </a:spcBef>
@@ -450,7 +472,7 @@
               <a:buChar char="○"/>
               <a:defRPr sz="1100"/>
             </a:lvl5pPr>
-            <a:lvl6pPr indent="-298450" lvl="5" marL="2743200">
+            <a:lvl6pPr marL="2743200" lvl="5" indent="-298450">
               <a:spcBef>
                 <a:spcPts val="0"/>
               </a:spcBef>
@@ -461,7 +483,7 @@
               <a:buChar char="■"/>
               <a:defRPr sz="1100"/>
             </a:lvl6pPr>
-            <a:lvl7pPr indent="-298450" lvl="6" marL="3200400">
+            <a:lvl7pPr marL="3200400" lvl="6" indent="-298450">
               <a:spcBef>
                 <a:spcPts val="0"/>
               </a:spcBef>
@@ -472,7 +494,7 @@
               <a:buChar char="●"/>
               <a:defRPr sz="1100"/>
             </a:lvl7pPr>
-            <a:lvl8pPr indent="-298450" lvl="7" marL="3657600">
+            <a:lvl8pPr marL="3657600" lvl="7" indent="-298450">
               <a:spcBef>
                 <a:spcPts val="0"/>
               </a:spcBef>
@@ -483,7 +505,7 @@
               <a:buChar char="○"/>
               <a:defRPr sz="1100"/>
             </a:lvl8pPr>
-            <a:lvl9pPr indent="-298450" lvl="8" marL="4114800">
+            <a:lvl9pPr marL="4114800" lvl="8" indent="-298450">
               <a:spcBef>
                 <a:spcPts val="0"/>
               </a:spcBef>
@@ -495,14 +517,16 @@
               <a:defRPr sz="1100"/>
             </a:lvl9pPr>
           </a:lstStyle>
-          <a:p/>
+          <a:p>
+            <a:endParaRPr/>
+          </a:p>
         </p:txBody>
       </p:sp>
     </p:spTree>
   </p:cSld>
-  <p:clrMap accent1="accent1" accent2="accent2" accent3="accent3" accent4="accent4" accent5="accent5" accent6="accent6" bg1="lt1" bg2="dk2" tx1="dk1" tx2="lt2" folHlink="folHlink" hlink="hlink"/>
+  <p:clrMap bg1="lt1" tx1="dk1" bg2="dk2" tx2="lt2" accent1="accent1" accent2="accent2" accent3="accent3" accent4="accent4" accent5="accent5" accent6="accent6" hlink="hlink" folHlink="folHlink"/>
   <p:notesStyle>
-    <a:defPPr lvl="0" marR="0" rtl="0" algn="l">
+    <a:defPPr marR="0" lvl="0" algn="l" rtl="0">
       <a:lnSpc>
         <a:spcPct val="100000"/>
       </a:lnSpc>
@@ -513,7 +537,7 @@
         <a:spcPts val="0"/>
       </a:spcAft>
     </a:defPPr>
-    <a:lvl1pPr lvl="0" marR="0" rtl="0" algn="l">
+    <a:lvl1pPr marR="0" lvl="0" algn="l" rtl="0">
       <a:lnSpc>
         <a:spcPct val="100000"/>
       </a:lnSpc>
@@ -527,7 +551,7 @@
         <a:srgbClr val="000000"/>
       </a:buClr>
       <a:buFont typeface="Arial"/>
-      <a:defRPr b="0" i="0" sz="1400" u="none" cap="none" strike="noStrike">
+      <a:defRPr sz="1400" b="0" i="0" u="none" strike="noStrike" cap="none">
         <a:solidFill>
           <a:srgbClr val="000000"/>
         </a:solidFill>
@@ -537,7 +561,7 @@
         <a:sym typeface="Arial"/>
       </a:defRPr>
     </a:lvl1pPr>
-    <a:lvl2pPr lvl="1" marR="0" rtl="0" algn="l">
+    <a:lvl2pPr marR="0" lvl="1" algn="l" rtl="0">
       <a:lnSpc>
         <a:spcPct val="100000"/>
       </a:lnSpc>
@@ -551,7 +575,7 @@
         <a:srgbClr val="000000"/>
       </a:buClr>
       <a:buFont typeface="Arial"/>
-      <a:defRPr b="0" i="0" sz="1400" u="none" cap="none" strike="noStrike">
+      <a:defRPr sz="1400" b="0" i="0" u="none" strike="noStrike" cap="none">
         <a:solidFill>
           <a:srgbClr val="000000"/>
         </a:solidFill>
@@ -561,7 +585,7 @@
         <a:sym typeface="Arial"/>
       </a:defRPr>
     </a:lvl2pPr>
-    <a:lvl3pPr lvl="2" marR="0" rtl="0" algn="l">
+    <a:lvl3pPr marR="0" lvl="2" algn="l" rtl="0">
       <a:lnSpc>
         <a:spcPct val="100000"/>
       </a:lnSpc>
@@ -575,7 +599,7 @@
         <a:srgbClr val="000000"/>
       </a:buClr>
       <a:buFont typeface="Arial"/>
-      <a:defRPr b="0" i="0" sz="1400" u="none" cap="none" strike="noStrike">
+      <a:defRPr sz="1400" b="0" i="0" u="none" strike="noStrike" cap="none">
         <a:solidFill>
           <a:srgbClr val="000000"/>
         </a:solidFill>
@@ -585,7 +609,7 @@
         <a:sym typeface="Arial"/>
       </a:defRPr>
     </a:lvl3pPr>
-    <a:lvl4pPr lvl="3" marR="0" rtl="0" algn="l">
+    <a:lvl4pPr marR="0" lvl="3" algn="l" rtl="0">
       <a:lnSpc>
         <a:spcPct val="100000"/>
       </a:lnSpc>
@@ -599,7 +623,7 @@
         <a:srgbClr val="000000"/>
       </a:buClr>
       <a:buFont typeface="Arial"/>
-      <a:defRPr b="0" i="0" sz="1400" u="none" cap="none" strike="noStrike">
+      <a:defRPr sz="1400" b="0" i="0" u="none" strike="noStrike" cap="none">
         <a:solidFill>
           <a:srgbClr val="000000"/>
         </a:solidFill>
@@ -609,7 +633,7 @@
         <a:sym typeface="Arial"/>
       </a:defRPr>
     </a:lvl4pPr>
-    <a:lvl5pPr lvl="4" marR="0" rtl="0" algn="l">
+    <a:lvl5pPr marR="0" lvl="4" algn="l" rtl="0">
       <a:lnSpc>
         <a:spcPct val="100000"/>
       </a:lnSpc>
@@ -623,7 +647,7 @@
         <a:srgbClr val="000000"/>
       </a:buClr>
       <a:buFont typeface="Arial"/>
-      <a:defRPr b="0" i="0" sz="1400" u="none" cap="none" strike="noStrike">
+      <a:defRPr sz="1400" b="0" i="0" u="none" strike="noStrike" cap="none">
         <a:solidFill>
           <a:srgbClr val="000000"/>
         </a:solidFill>
@@ -633,7 +657,7 @@
         <a:sym typeface="Arial"/>
       </a:defRPr>
     </a:lvl5pPr>
-    <a:lvl6pPr lvl="5" marR="0" rtl="0" algn="l">
+    <a:lvl6pPr marR="0" lvl="5" algn="l" rtl="0">
       <a:lnSpc>
         <a:spcPct val="100000"/>
       </a:lnSpc>
@@ -647,7 +671,7 @@
         <a:srgbClr val="000000"/>
       </a:buClr>
       <a:buFont typeface="Arial"/>
-      <a:defRPr b="0" i="0" sz="1400" u="none" cap="none" strike="noStrike">
+      <a:defRPr sz="1400" b="0" i="0" u="none" strike="noStrike" cap="none">
         <a:solidFill>
           <a:srgbClr val="000000"/>
         </a:solidFill>
@@ -657,7 +681,7 @@
         <a:sym typeface="Arial"/>
       </a:defRPr>
     </a:lvl6pPr>
-    <a:lvl7pPr lvl="6" marR="0" rtl="0" algn="l">
+    <a:lvl7pPr marR="0" lvl="6" algn="l" rtl="0">
       <a:lnSpc>
         <a:spcPct val="100000"/>
       </a:lnSpc>
@@ -671,7 +695,7 @@
         <a:srgbClr val="000000"/>
       </a:buClr>
       <a:buFont typeface="Arial"/>
-      <a:defRPr b="0" i="0" sz="1400" u="none" cap="none" strike="noStrike">
+      <a:defRPr sz="1400" b="0" i="0" u="none" strike="noStrike" cap="none">
         <a:solidFill>
           <a:srgbClr val="000000"/>
         </a:solidFill>
@@ -681,7 +705,7 @@
         <a:sym typeface="Arial"/>
       </a:defRPr>
     </a:lvl7pPr>
-    <a:lvl8pPr lvl="7" marR="0" rtl="0" algn="l">
+    <a:lvl8pPr marR="0" lvl="7" algn="l" rtl="0">
       <a:lnSpc>
         <a:spcPct val="100000"/>
       </a:lnSpc>
@@ -695,7 +719,7 @@
         <a:srgbClr val="000000"/>
       </a:buClr>
       <a:buFont typeface="Arial"/>
-      <a:defRPr b="0" i="0" sz="1400" u="none" cap="none" strike="noStrike">
+      <a:defRPr sz="1400" b="0" i="0" u="none" strike="noStrike" cap="none">
         <a:solidFill>
           <a:srgbClr val="000000"/>
         </a:solidFill>
@@ -705,7 +729,7 @@
         <a:sym typeface="Arial"/>
       </a:defRPr>
     </a:lvl8pPr>
-    <a:lvl9pPr lvl="8" marR="0" rtl="0" algn="l">
+    <a:lvl9pPr marR="0" lvl="8" algn="l" rtl="0">
       <a:lnSpc>
         <a:spcPct val="100000"/>
       </a:lnSpc>
@@ -719,7 +743,7 @@
         <a:srgbClr val="000000"/>
       </a:buClr>
       <a:buFont typeface="Arial"/>
-      <a:defRPr b="0" i="0" sz="1400" u="none" cap="none" strike="noStrike">
+      <a:defRPr sz="1400" b="0" i="0" u="none" strike="noStrike" cap="none">
         <a:solidFill>
           <a:srgbClr val="000000"/>
         </a:solidFill>
@@ -734,11 +758,11 @@
 </file>
 
 <file path=ppt/notesSlides/notesSlide1.xml><?xml version="1.0" encoding="utf-8"?>
-<p:notes xmlns:a="http://schemas.openxmlformats.org/drawingml/2006/main" xmlns:r="http://schemas.openxmlformats.org/officeDocument/2006/relationships" xmlns:mc="http://schemas.openxmlformats.org/markup-compatibility/2006" xmlns:mv="urn:schemas-microsoft-com:mac:vml" xmlns:p="http://schemas.openxmlformats.org/presentationml/2006/main" xmlns:c="http://schemas.openxmlformats.org/drawingml/2006/chart" xmlns:dgm="http://schemas.openxmlformats.org/drawingml/2006/diagram" xmlns:o="urn:schemas-microsoft-com:office:office" xmlns:v="urn:schemas-microsoft-com:vml" xmlns:pvml="urn:schemas-microsoft-com:office:powerpoint" xmlns:com="http://schemas.openxmlformats.org/drawingml/2006/compatibility" xmlns:p14="http://schemas.microsoft.com/office/powerpoint/2010/main" xmlns:p15="http://schemas.microsoft.com/office/powerpoint/2012/main" xmlns:ahyp="http://schemas.microsoft.com/office/drawing/2018/hyperlinkcolor" showMasterPhAnim="0" showMasterSp="0">
+<p:notes xmlns:a="http://schemas.openxmlformats.org/drawingml/2006/main" xmlns:r="http://schemas.openxmlformats.org/officeDocument/2006/relationships" xmlns:p="http://schemas.openxmlformats.org/presentationml/2006/main" showMasterSp="0" showMasterPhAnim="0">
   <p:cSld>
     <p:spTree>
       <p:nvGrpSpPr>
-        <p:cNvPr id="82" name="Shape 82"/>
+        <p:cNvPr id="1" name="Shape 82"/>
         <p:cNvGrpSpPr/>
         <p:nvPr/>
       </p:nvGrpSpPr>
@@ -753,9 +777,11 @@
       <p:sp>
         <p:nvSpPr>
           <p:cNvPr id="83" name="Google Shape;83;ga4c32d356e_2_10:notes"/>
-          <p:cNvSpPr/>
+          <p:cNvSpPr>
+            <a:spLocks noGrp="1" noRot="1" noChangeAspect="1"/>
+          </p:cNvSpPr>
           <p:nvPr>
-            <p:ph idx="2" type="sldImg"/>
+            <p:ph type="sldImg" idx="2"/>
           </p:nvPr>
         </p:nvSpPr>
         <p:spPr>
@@ -764,9 +790,13 @@
             <a:ext cx="6096000" cy="3429000"/>
           </a:xfrm>
           <a:custGeom>
-            <a:rect b="b" l="l" r="r" t="t"/>
+            <a:avLst/>
+            <a:gdLst/>
+            <a:ahLst/>
+            <a:cxnLst/>
+            <a:rect l="l" t="t" r="r" b="b"/>
             <a:pathLst>
-              <a:path extrusionOk="0" h="120000" w="120000">
+              <a:path w="120000" h="120000" extrusionOk="0">
                 <a:moveTo>
                   <a:pt x="0" y="0"/>
                 </a:moveTo>
@@ -788,9 +818,11 @@
       <p:sp>
         <p:nvSpPr>
           <p:cNvPr id="84" name="Google Shape;84;ga4c32d356e_2_10:notes"/>
-          <p:cNvSpPr txBox="1"/>
+          <p:cNvSpPr txBox="1">
+            <a:spLocks noGrp="1"/>
+          </p:cNvSpPr>
           <p:nvPr>
-            <p:ph idx="1" type="body"/>
+            <p:ph type="body" idx="1"/>
           </p:nvPr>
         </p:nvSpPr>
         <p:spPr>
@@ -803,12 +835,12 @@
           </a:prstGeom>
         </p:spPr>
         <p:txBody>
-          <a:bodyPr anchorCtr="0" anchor="t" bIns="91425" lIns="91425" spcFirstLastPara="1" rIns="91425" wrap="square" tIns="91425">
+          <a:bodyPr spcFirstLastPara="1" wrap="square" lIns="91425" tIns="91425" rIns="91425" bIns="91425" anchor="t" anchorCtr="0">
             <a:noAutofit/>
           </a:bodyPr>
           <a:lstStyle/>
           <a:p>
-            <a:pPr indent="0" lvl="0" marL="0" rtl="0" algn="l">
+            <a:pPr marL="0" lvl="0" indent="0" algn="l" rtl="0">
               <a:spcBef>
                 <a:spcPts val="0"/>
               </a:spcBef>
@@ -817,9 +849,6 @@
               </a:spcAft>
               <a:buNone/>
             </a:pPr>
-            <a:r>
-              <a:t/>
-            </a:r>
             <a:endParaRPr/>
           </a:p>
         </p:txBody>
@@ -833,11 +862,11 @@
 </file>
 
 <file path=ppt/notesSlides/notesSlide10.xml><?xml version="1.0" encoding="utf-8"?>
-<p:notes xmlns:a="http://schemas.openxmlformats.org/drawingml/2006/main" xmlns:r="http://schemas.openxmlformats.org/officeDocument/2006/relationships" xmlns:mc="http://schemas.openxmlformats.org/markup-compatibility/2006" xmlns:mv="urn:schemas-microsoft-com:mac:vml" xmlns:p="http://schemas.openxmlformats.org/presentationml/2006/main" xmlns:c="http://schemas.openxmlformats.org/drawingml/2006/chart" xmlns:dgm="http://schemas.openxmlformats.org/drawingml/2006/diagram" xmlns:o="urn:schemas-microsoft-com:office:office" xmlns:v="urn:schemas-microsoft-com:vml" xmlns:pvml="urn:schemas-microsoft-com:office:powerpoint" xmlns:com="http://schemas.openxmlformats.org/drawingml/2006/compatibility" xmlns:p14="http://schemas.microsoft.com/office/powerpoint/2010/main" xmlns:p15="http://schemas.microsoft.com/office/powerpoint/2012/main" xmlns:ahyp="http://schemas.microsoft.com/office/drawing/2018/hyperlinkcolor" showMasterPhAnim="0" showMasterSp="0">
+<p:notes xmlns:a="http://schemas.openxmlformats.org/drawingml/2006/main" xmlns:r="http://schemas.openxmlformats.org/officeDocument/2006/relationships" xmlns:p="http://schemas.openxmlformats.org/presentationml/2006/main" showMasterSp="0" showMasterPhAnim="0">
   <p:cSld>
     <p:spTree>
       <p:nvGrpSpPr>
-        <p:cNvPr id="135" name="Shape 135"/>
+        <p:cNvPr id="1" name="Shape 135"/>
         <p:cNvGrpSpPr/>
         <p:nvPr/>
       </p:nvGrpSpPr>
@@ -852,9 +881,11 @@
       <p:sp>
         <p:nvSpPr>
           <p:cNvPr id="136" name="Google Shape;136;g9e82b257e3_0_0:notes"/>
-          <p:cNvSpPr/>
+          <p:cNvSpPr>
+            <a:spLocks noGrp="1" noRot="1" noChangeAspect="1"/>
+          </p:cNvSpPr>
           <p:nvPr>
-            <p:ph idx="2" type="sldImg"/>
+            <p:ph type="sldImg" idx="2"/>
           </p:nvPr>
         </p:nvSpPr>
         <p:spPr>
@@ -863,9 +894,13 @@
             <a:ext cx="6096000" cy="3429000"/>
           </a:xfrm>
           <a:custGeom>
-            <a:rect b="b" l="l" r="r" t="t"/>
+            <a:avLst/>
+            <a:gdLst/>
+            <a:ahLst/>
+            <a:cxnLst/>
+            <a:rect l="l" t="t" r="r" b="b"/>
             <a:pathLst>
-              <a:path extrusionOk="0" h="120000" w="120000">
+              <a:path w="120000" h="120000" extrusionOk="0">
                 <a:moveTo>
                   <a:pt x="0" y="0"/>
                 </a:moveTo>
@@ -887,9 +922,11 @@
       <p:sp>
         <p:nvSpPr>
           <p:cNvPr id="137" name="Google Shape;137;g9e82b257e3_0_0:notes"/>
-          <p:cNvSpPr txBox="1"/>
+          <p:cNvSpPr txBox="1">
+            <a:spLocks noGrp="1"/>
+          </p:cNvSpPr>
           <p:nvPr>
-            <p:ph idx="1" type="body"/>
+            <p:ph type="body" idx="1"/>
           </p:nvPr>
         </p:nvSpPr>
         <p:spPr>
@@ -902,12 +939,12 @@
           </a:prstGeom>
         </p:spPr>
         <p:txBody>
-          <a:bodyPr anchorCtr="0" anchor="t" bIns="91425" lIns="91425" spcFirstLastPara="1" rIns="91425" wrap="square" tIns="91425">
+          <a:bodyPr spcFirstLastPara="1" wrap="square" lIns="91425" tIns="91425" rIns="91425" bIns="91425" anchor="t" anchorCtr="0">
             <a:noAutofit/>
           </a:bodyPr>
           <a:lstStyle/>
           <a:p>
-            <a:pPr indent="0" lvl="0" marL="0" rtl="0" algn="l">
+            <a:pPr marL="0" lvl="0" indent="0" algn="l" rtl="0">
               <a:spcBef>
                 <a:spcPts val="0"/>
               </a:spcBef>
@@ -916,9 +953,6 @@
               </a:spcAft>
               <a:buNone/>
             </a:pPr>
-            <a:r>
-              <a:t/>
-            </a:r>
             <a:endParaRPr/>
           </a:p>
         </p:txBody>
@@ -932,11 +966,11 @@
 </file>
 
 <file path=ppt/notesSlides/notesSlide11.xml><?xml version="1.0" encoding="utf-8"?>
-<p:notes xmlns:a="http://schemas.openxmlformats.org/drawingml/2006/main" xmlns:r="http://schemas.openxmlformats.org/officeDocument/2006/relationships" xmlns:mc="http://schemas.openxmlformats.org/markup-compatibility/2006" xmlns:mv="urn:schemas-microsoft-com:mac:vml" xmlns:p="http://schemas.openxmlformats.org/presentationml/2006/main" xmlns:c="http://schemas.openxmlformats.org/drawingml/2006/chart" xmlns:dgm="http://schemas.openxmlformats.org/drawingml/2006/diagram" xmlns:o="urn:schemas-microsoft-com:office:office" xmlns:v="urn:schemas-microsoft-com:vml" xmlns:pvml="urn:schemas-microsoft-com:office:powerpoint" xmlns:com="http://schemas.openxmlformats.org/drawingml/2006/compatibility" xmlns:p14="http://schemas.microsoft.com/office/powerpoint/2010/main" xmlns:p15="http://schemas.microsoft.com/office/powerpoint/2012/main" xmlns:ahyp="http://schemas.microsoft.com/office/drawing/2018/hyperlinkcolor" showMasterPhAnim="0" showMasterSp="0">
+<p:notes xmlns:a="http://schemas.openxmlformats.org/drawingml/2006/main" xmlns:r="http://schemas.openxmlformats.org/officeDocument/2006/relationships" xmlns:p="http://schemas.openxmlformats.org/presentationml/2006/main" showMasterSp="0" showMasterPhAnim="0">
   <p:cSld>
     <p:spTree>
       <p:nvGrpSpPr>
-        <p:cNvPr id="141" name="Shape 141"/>
+        <p:cNvPr id="1" name="Shape 141"/>
         <p:cNvGrpSpPr/>
         <p:nvPr/>
       </p:nvGrpSpPr>
@@ -951,9 +985,11 @@
       <p:sp>
         <p:nvSpPr>
           <p:cNvPr id="142" name="Google Shape;142;ga4d48ac11c_1_7:notes"/>
-          <p:cNvSpPr/>
+          <p:cNvSpPr>
+            <a:spLocks noGrp="1" noRot="1" noChangeAspect="1"/>
+          </p:cNvSpPr>
           <p:nvPr>
-            <p:ph idx="2" type="sldImg"/>
+            <p:ph type="sldImg" idx="2"/>
           </p:nvPr>
         </p:nvSpPr>
         <p:spPr>
@@ -962,9 +998,13 @@
             <a:ext cx="6096000" cy="3429000"/>
           </a:xfrm>
           <a:custGeom>
-            <a:rect b="b" l="l" r="r" t="t"/>
+            <a:avLst/>
+            <a:gdLst/>
+            <a:ahLst/>
+            <a:cxnLst/>
+            <a:rect l="l" t="t" r="r" b="b"/>
             <a:pathLst>
-              <a:path extrusionOk="0" h="120000" w="120000">
+              <a:path w="120000" h="120000" extrusionOk="0">
                 <a:moveTo>
                   <a:pt x="0" y="0"/>
                 </a:moveTo>
@@ -986,9 +1026,11 @@
       <p:sp>
         <p:nvSpPr>
           <p:cNvPr id="143" name="Google Shape;143;ga4d48ac11c_1_7:notes"/>
-          <p:cNvSpPr txBox="1"/>
+          <p:cNvSpPr txBox="1">
+            <a:spLocks noGrp="1"/>
+          </p:cNvSpPr>
           <p:nvPr>
-            <p:ph idx="1" type="body"/>
+            <p:ph type="body" idx="1"/>
           </p:nvPr>
         </p:nvSpPr>
         <p:spPr>
@@ -1001,12 +1043,12 @@
           </a:prstGeom>
         </p:spPr>
         <p:txBody>
-          <a:bodyPr anchorCtr="0" anchor="t" bIns="91425" lIns="91425" spcFirstLastPara="1" rIns="91425" wrap="square" tIns="91425">
+          <a:bodyPr spcFirstLastPara="1" wrap="square" lIns="91425" tIns="91425" rIns="91425" bIns="91425" anchor="t" anchorCtr="0">
             <a:noAutofit/>
           </a:bodyPr>
           <a:lstStyle/>
           <a:p>
-            <a:pPr indent="0" lvl="0" marL="0" rtl="0" algn="l">
+            <a:pPr marL="0" lvl="0" indent="0" algn="l" rtl="0">
               <a:spcBef>
                 <a:spcPts val="0"/>
               </a:spcBef>
@@ -1015,9 +1057,6 @@
               </a:spcAft>
               <a:buNone/>
             </a:pPr>
-            <a:r>
-              <a:t/>
-            </a:r>
             <a:endParaRPr/>
           </a:p>
         </p:txBody>
@@ -1031,11 +1070,11 @@
 </file>
 
 <file path=ppt/notesSlides/notesSlide12.xml><?xml version="1.0" encoding="utf-8"?>
-<p:notes xmlns:a="http://schemas.openxmlformats.org/drawingml/2006/main" xmlns:r="http://schemas.openxmlformats.org/officeDocument/2006/relationships" xmlns:mc="http://schemas.openxmlformats.org/markup-compatibility/2006" xmlns:mv="urn:schemas-microsoft-com:mac:vml" xmlns:p="http://schemas.openxmlformats.org/presentationml/2006/main" xmlns:c="http://schemas.openxmlformats.org/drawingml/2006/chart" xmlns:dgm="http://schemas.openxmlformats.org/drawingml/2006/diagram" xmlns:o="urn:schemas-microsoft-com:office:office" xmlns:v="urn:schemas-microsoft-com:vml" xmlns:pvml="urn:schemas-microsoft-com:office:powerpoint" xmlns:com="http://schemas.openxmlformats.org/drawingml/2006/compatibility" xmlns:p14="http://schemas.microsoft.com/office/powerpoint/2010/main" xmlns:p15="http://schemas.microsoft.com/office/powerpoint/2012/main" xmlns:ahyp="http://schemas.microsoft.com/office/drawing/2018/hyperlinkcolor" showMasterPhAnim="0" showMasterSp="0">
+<p:notes xmlns:a="http://schemas.openxmlformats.org/drawingml/2006/main" xmlns:r="http://schemas.openxmlformats.org/officeDocument/2006/relationships" xmlns:p="http://schemas.openxmlformats.org/presentationml/2006/main" showMasterSp="0" showMasterPhAnim="0">
   <p:cSld>
     <p:spTree>
       <p:nvGrpSpPr>
-        <p:cNvPr id="149" name="Shape 149"/>
+        <p:cNvPr id="1" name="Shape 149"/>
         <p:cNvGrpSpPr/>
         <p:nvPr/>
       </p:nvGrpSpPr>
@@ -1050,9 +1089,11 @@
       <p:sp>
         <p:nvSpPr>
           <p:cNvPr id="150" name="Google Shape;150;ga4d4b1f167_0_124:notes"/>
-          <p:cNvSpPr/>
+          <p:cNvSpPr>
+            <a:spLocks noGrp="1" noRot="1" noChangeAspect="1"/>
+          </p:cNvSpPr>
           <p:nvPr>
-            <p:ph idx="2" type="sldImg"/>
+            <p:ph type="sldImg" idx="2"/>
           </p:nvPr>
         </p:nvSpPr>
         <p:spPr>
@@ -1061,9 +1102,13 @@
             <a:ext cx="6096000" cy="3429000"/>
           </a:xfrm>
           <a:custGeom>
-            <a:rect b="b" l="l" r="r" t="t"/>
+            <a:avLst/>
+            <a:gdLst/>
+            <a:ahLst/>
+            <a:cxnLst/>
+            <a:rect l="l" t="t" r="r" b="b"/>
             <a:pathLst>
-              <a:path extrusionOk="0" h="120000" w="120000">
+              <a:path w="120000" h="120000" extrusionOk="0">
                 <a:moveTo>
                   <a:pt x="0" y="0"/>
                 </a:moveTo>
@@ -1085,9 +1130,11 @@
       <p:sp>
         <p:nvSpPr>
           <p:cNvPr id="151" name="Google Shape;151;ga4d4b1f167_0_124:notes"/>
-          <p:cNvSpPr txBox="1"/>
+          <p:cNvSpPr txBox="1">
+            <a:spLocks noGrp="1"/>
+          </p:cNvSpPr>
           <p:nvPr>
-            <p:ph idx="1" type="body"/>
+            <p:ph type="body" idx="1"/>
           </p:nvPr>
         </p:nvSpPr>
         <p:spPr>
@@ -1100,12 +1147,12 @@
           </a:prstGeom>
         </p:spPr>
         <p:txBody>
-          <a:bodyPr anchorCtr="0" anchor="t" bIns="91425" lIns="91425" spcFirstLastPara="1" rIns="91425" wrap="square" tIns="91425">
+          <a:bodyPr spcFirstLastPara="1" wrap="square" lIns="91425" tIns="91425" rIns="91425" bIns="91425" anchor="t" anchorCtr="0">
             <a:noAutofit/>
           </a:bodyPr>
           <a:lstStyle/>
           <a:p>
-            <a:pPr indent="0" lvl="0" marL="0" rtl="0" algn="l">
+            <a:pPr marL="0" lvl="0" indent="0" algn="l" rtl="0">
               <a:spcBef>
                 <a:spcPts val="0"/>
               </a:spcBef>
@@ -1114,9 +1161,6 @@
               </a:spcAft>
               <a:buNone/>
             </a:pPr>
-            <a:r>
-              <a:t/>
-            </a:r>
             <a:endParaRPr/>
           </a:p>
         </p:txBody>
@@ -1130,11 +1174,11 @@
 </file>
 
 <file path=ppt/notesSlides/notesSlide13.xml><?xml version="1.0" encoding="utf-8"?>
-<p:notes xmlns:a="http://schemas.openxmlformats.org/drawingml/2006/main" xmlns:r="http://schemas.openxmlformats.org/officeDocument/2006/relationships" xmlns:mc="http://schemas.openxmlformats.org/markup-compatibility/2006" xmlns:mv="urn:schemas-microsoft-com:mac:vml" xmlns:p="http://schemas.openxmlformats.org/presentationml/2006/main" xmlns:c="http://schemas.openxmlformats.org/drawingml/2006/chart" xmlns:dgm="http://schemas.openxmlformats.org/drawingml/2006/diagram" xmlns:o="urn:schemas-microsoft-com:office:office" xmlns:v="urn:schemas-microsoft-com:vml" xmlns:pvml="urn:schemas-microsoft-com:office:powerpoint" xmlns:com="http://schemas.openxmlformats.org/drawingml/2006/compatibility" xmlns:p14="http://schemas.microsoft.com/office/powerpoint/2010/main" xmlns:p15="http://schemas.microsoft.com/office/powerpoint/2012/main" xmlns:ahyp="http://schemas.microsoft.com/office/drawing/2018/hyperlinkcolor" showMasterPhAnim="0" showMasterSp="0">
+<p:notes xmlns:a="http://schemas.openxmlformats.org/drawingml/2006/main" xmlns:r="http://schemas.openxmlformats.org/officeDocument/2006/relationships" xmlns:p="http://schemas.openxmlformats.org/presentationml/2006/main" showMasterSp="0" showMasterPhAnim="0">
   <p:cSld>
     <p:spTree>
       <p:nvGrpSpPr>
-        <p:cNvPr id="155" name="Shape 155"/>
+        <p:cNvPr id="1" name="Shape 155"/>
         <p:cNvGrpSpPr/>
         <p:nvPr/>
       </p:nvGrpSpPr>
@@ -1149,9 +1193,11 @@
       <p:sp>
         <p:nvSpPr>
           <p:cNvPr id="156" name="Google Shape;156;g9e82b257e3_0_5:notes"/>
-          <p:cNvSpPr/>
+          <p:cNvSpPr>
+            <a:spLocks noGrp="1" noRot="1" noChangeAspect="1"/>
+          </p:cNvSpPr>
           <p:nvPr>
-            <p:ph idx="2" type="sldImg"/>
+            <p:ph type="sldImg" idx="2"/>
           </p:nvPr>
         </p:nvSpPr>
         <p:spPr>
@@ -1160,9 +1206,13 @@
             <a:ext cx="6096000" cy="3429000"/>
           </a:xfrm>
           <a:custGeom>
-            <a:rect b="b" l="l" r="r" t="t"/>
+            <a:avLst/>
+            <a:gdLst/>
+            <a:ahLst/>
+            <a:cxnLst/>
+            <a:rect l="l" t="t" r="r" b="b"/>
             <a:pathLst>
-              <a:path extrusionOk="0" h="120000" w="120000">
+              <a:path w="120000" h="120000" extrusionOk="0">
                 <a:moveTo>
                   <a:pt x="0" y="0"/>
                 </a:moveTo>
@@ -1184,9 +1234,11 @@
       <p:sp>
         <p:nvSpPr>
           <p:cNvPr id="157" name="Google Shape;157;g9e82b257e3_0_5:notes"/>
-          <p:cNvSpPr txBox="1"/>
+          <p:cNvSpPr txBox="1">
+            <a:spLocks noGrp="1"/>
+          </p:cNvSpPr>
           <p:nvPr>
-            <p:ph idx="1" type="body"/>
+            <p:ph type="body" idx="1"/>
           </p:nvPr>
         </p:nvSpPr>
         <p:spPr>
@@ -1199,12 +1251,12 @@
           </a:prstGeom>
         </p:spPr>
         <p:txBody>
-          <a:bodyPr anchorCtr="0" anchor="t" bIns="91425" lIns="91425" spcFirstLastPara="1" rIns="91425" wrap="square" tIns="91425">
+          <a:bodyPr spcFirstLastPara="1" wrap="square" lIns="91425" tIns="91425" rIns="91425" bIns="91425" anchor="t" anchorCtr="0">
             <a:noAutofit/>
           </a:bodyPr>
           <a:lstStyle/>
           <a:p>
-            <a:pPr indent="0" lvl="0" marL="0" rtl="0" algn="l">
+            <a:pPr marL="0" lvl="0" indent="0" algn="l" rtl="0">
               <a:spcBef>
                 <a:spcPts val="0"/>
               </a:spcBef>
@@ -1213,9 +1265,6 @@
               </a:spcAft>
               <a:buNone/>
             </a:pPr>
-            <a:r>
-              <a:t/>
-            </a:r>
             <a:endParaRPr/>
           </a:p>
         </p:txBody>
@@ -1229,11 +1278,11 @@
 </file>
 
 <file path=ppt/notesSlides/notesSlide14.xml><?xml version="1.0" encoding="utf-8"?>
-<p:notes xmlns:a="http://schemas.openxmlformats.org/drawingml/2006/main" xmlns:r="http://schemas.openxmlformats.org/officeDocument/2006/relationships" xmlns:mc="http://schemas.openxmlformats.org/markup-compatibility/2006" xmlns:mv="urn:schemas-microsoft-com:mac:vml" xmlns:p="http://schemas.openxmlformats.org/presentationml/2006/main" xmlns:c="http://schemas.openxmlformats.org/drawingml/2006/chart" xmlns:dgm="http://schemas.openxmlformats.org/drawingml/2006/diagram" xmlns:o="urn:schemas-microsoft-com:office:office" xmlns:v="urn:schemas-microsoft-com:vml" xmlns:pvml="urn:schemas-microsoft-com:office:powerpoint" xmlns:com="http://schemas.openxmlformats.org/drawingml/2006/compatibility" xmlns:p14="http://schemas.microsoft.com/office/powerpoint/2010/main" xmlns:p15="http://schemas.microsoft.com/office/powerpoint/2012/main" xmlns:ahyp="http://schemas.microsoft.com/office/drawing/2018/hyperlinkcolor" showMasterPhAnim="0" showMasterSp="0">
+<p:notes xmlns:a="http://schemas.openxmlformats.org/drawingml/2006/main" xmlns:r="http://schemas.openxmlformats.org/officeDocument/2006/relationships" xmlns:p="http://schemas.openxmlformats.org/presentationml/2006/main" showMasterSp="0" showMasterPhAnim="0">
   <p:cSld>
     <p:spTree>
       <p:nvGrpSpPr>
-        <p:cNvPr id="162" name="Shape 162"/>
+        <p:cNvPr id="1" name="Shape 162"/>
         <p:cNvGrpSpPr/>
         <p:nvPr/>
       </p:nvGrpSpPr>
@@ -1248,9 +1297,11 @@
       <p:sp>
         <p:nvSpPr>
           <p:cNvPr id="163" name="Google Shape;163;g9e82b257e3_0_9:notes"/>
-          <p:cNvSpPr/>
+          <p:cNvSpPr>
+            <a:spLocks noGrp="1" noRot="1" noChangeAspect="1"/>
+          </p:cNvSpPr>
           <p:nvPr>
-            <p:ph idx="2" type="sldImg"/>
+            <p:ph type="sldImg" idx="2"/>
           </p:nvPr>
         </p:nvSpPr>
         <p:spPr>
@@ -1259,9 +1310,13 @@
             <a:ext cx="6096000" cy="3429000"/>
           </a:xfrm>
           <a:custGeom>
-            <a:rect b="b" l="l" r="r" t="t"/>
+            <a:avLst/>
+            <a:gdLst/>
+            <a:ahLst/>
+            <a:cxnLst/>
+            <a:rect l="l" t="t" r="r" b="b"/>
             <a:pathLst>
-              <a:path extrusionOk="0" h="120000" w="120000">
+              <a:path w="120000" h="120000" extrusionOk="0">
                 <a:moveTo>
                   <a:pt x="0" y="0"/>
                 </a:moveTo>
@@ -1283,9 +1338,11 @@
       <p:sp>
         <p:nvSpPr>
           <p:cNvPr id="164" name="Google Shape;164;g9e82b257e3_0_9:notes"/>
-          <p:cNvSpPr txBox="1"/>
+          <p:cNvSpPr txBox="1">
+            <a:spLocks noGrp="1"/>
+          </p:cNvSpPr>
           <p:nvPr>
-            <p:ph idx="1" type="body"/>
+            <p:ph type="body" idx="1"/>
           </p:nvPr>
         </p:nvSpPr>
         <p:spPr>
@@ -1298,12 +1355,12 @@
           </a:prstGeom>
         </p:spPr>
         <p:txBody>
-          <a:bodyPr anchorCtr="0" anchor="t" bIns="91425" lIns="91425" spcFirstLastPara="1" rIns="91425" wrap="square" tIns="91425">
+          <a:bodyPr spcFirstLastPara="1" wrap="square" lIns="91425" tIns="91425" rIns="91425" bIns="91425" anchor="t" anchorCtr="0">
             <a:noAutofit/>
           </a:bodyPr>
           <a:lstStyle/>
           <a:p>
-            <a:pPr indent="0" lvl="0" marL="0" rtl="0" algn="l">
+            <a:pPr marL="0" lvl="0" indent="0" algn="l" rtl="0">
               <a:spcBef>
                 <a:spcPts val="0"/>
               </a:spcBef>
@@ -1312,9 +1369,6 @@
               </a:spcAft>
               <a:buNone/>
             </a:pPr>
-            <a:r>
-              <a:t/>
-            </a:r>
             <a:endParaRPr/>
           </a:p>
         </p:txBody>
@@ -1328,11 +1382,11 @@
 </file>
 
 <file path=ppt/notesSlides/notesSlide15.xml><?xml version="1.0" encoding="utf-8"?>
-<p:notes xmlns:a="http://schemas.openxmlformats.org/drawingml/2006/main" xmlns:r="http://schemas.openxmlformats.org/officeDocument/2006/relationships" xmlns:mc="http://schemas.openxmlformats.org/markup-compatibility/2006" xmlns:mv="urn:schemas-microsoft-com:mac:vml" xmlns:p="http://schemas.openxmlformats.org/presentationml/2006/main" xmlns:c="http://schemas.openxmlformats.org/drawingml/2006/chart" xmlns:dgm="http://schemas.openxmlformats.org/drawingml/2006/diagram" xmlns:o="urn:schemas-microsoft-com:office:office" xmlns:v="urn:schemas-microsoft-com:vml" xmlns:pvml="urn:schemas-microsoft-com:office:powerpoint" xmlns:com="http://schemas.openxmlformats.org/drawingml/2006/compatibility" xmlns:p14="http://schemas.microsoft.com/office/powerpoint/2010/main" xmlns:p15="http://schemas.microsoft.com/office/powerpoint/2012/main" xmlns:ahyp="http://schemas.microsoft.com/office/drawing/2018/hyperlinkcolor" showMasterPhAnim="0" showMasterSp="0">
+<p:notes xmlns:a="http://schemas.openxmlformats.org/drawingml/2006/main" xmlns:r="http://schemas.openxmlformats.org/officeDocument/2006/relationships" xmlns:p="http://schemas.openxmlformats.org/presentationml/2006/main" showMasterSp="0" showMasterPhAnim="0">
   <p:cSld>
     <p:spTree>
       <p:nvGrpSpPr>
-        <p:cNvPr id="168" name="Shape 168"/>
+        <p:cNvPr id="1" name="Shape 168"/>
         <p:cNvGrpSpPr/>
         <p:nvPr/>
       </p:nvGrpSpPr>
@@ -1347,9 +1401,11 @@
       <p:sp>
         <p:nvSpPr>
           <p:cNvPr id="169" name="Google Shape;169;ga4d48ac11c_7_0:notes"/>
-          <p:cNvSpPr/>
+          <p:cNvSpPr>
+            <a:spLocks noGrp="1" noRot="1" noChangeAspect="1"/>
+          </p:cNvSpPr>
           <p:nvPr>
-            <p:ph idx="2" type="sldImg"/>
+            <p:ph type="sldImg" idx="2"/>
           </p:nvPr>
         </p:nvSpPr>
         <p:spPr>
@@ -1358,9 +1414,13 @@
             <a:ext cx="6096000" cy="3429000"/>
           </a:xfrm>
           <a:custGeom>
-            <a:rect b="b" l="l" r="r" t="t"/>
+            <a:avLst/>
+            <a:gdLst/>
+            <a:ahLst/>
+            <a:cxnLst/>
+            <a:rect l="l" t="t" r="r" b="b"/>
             <a:pathLst>
-              <a:path extrusionOk="0" h="120000" w="120000">
+              <a:path w="120000" h="120000" extrusionOk="0">
                 <a:moveTo>
                   <a:pt x="0" y="0"/>
                 </a:moveTo>
@@ -1382,9 +1442,11 @@
       <p:sp>
         <p:nvSpPr>
           <p:cNvPr id="170" name="Google Shape;170;ga4d48ac11c_7_0:notes"/>
-          <p:cNvSpPr txBox="1"/>
+          <p:cNvSpPr txBox="1">
+            <a:spLocks noGrp="1"/>
+          </p:cNvSpPr>
           <p:nvPr>
-            <p:ph idx="1" type="body"/>
+            <p:ph type="body" idx="1"/>
           </p:nvPr>
         </p:nvSpPr>
         <p:spPr>
@@ -1397,12 +1459,12 @@
           </a:prstGeom>
         </p:spPr>
         <p:txBody>
-          <a:bodyPr anchorCtr="0" anchor="t" bIns="91425" lIns="91425" spcFirstLastPara="1" rIns="91425" wrap="square" tIns="91425">
+          <a:bodyPr spcFirstLastPara="1" wrap="square" lIns="91425" tIns="91425" rIns="91425" bIns="91425" anchor="t" anchorCtr="0">
             <a:noAutofit/>
           </a:bodyPr>
           <a:lstStyle/>
           <a:p>
-            <a:pPr indent="0" lvl="0" marL="0" rtl="0" algn="l">
+            <a:pPr marL="0" lvl="0" indent="0" algn="l" rtl="0">
               <a:spcBef>
                 <a:spcPts val="0"/>
               </a:spcBef>
@@ -1411,9 +1473,6 @@
               </a:spcAft>
               <a:buNone/>
             </a:pPr>
-            <a:r>
-              <a:t/>
-            </a:r>
             <a:endParaRPr/>
           </a:p>
         </p:txBody>
@@ -1427,11 +1486,11 @@
 </file>
 
 <file path=ppt/notesSlides/notesSlide16.xml><?xml version="1.0" encoding="utf-8"?>
-<p:notes xmlns:a="http://schemas.openxmlformats.org/drawingml/2006/main" xmlns:r="http://schemas.openxmlformats.org/officeDocument/2006/relationships" xmlns:mc="http://schemas.openxmlformats.org/markup-compatibility/2006" xmlns:mv="urn:schemas-microsoft-com:mac:vml" xmlns:p="http://schemas.openxmlformats.org/presentationml/2006/main" xmlns:c="http://schemas.openxmlformats.org/drawingml/2006/chart" xmlns:dgm="http://schemas.openxmlformats.org/drawingml/2006/diagram" xmlns:o="urn:schemas-microsoft-com:office:office" xmlns:v="urn:schemas-microsoft-com:vml" xmlns:pvml="urn:schemas-microsoft-com:office:powerpoint" xmlns:com="http://schemas.openxmlformats.org/drawingml/2006/compatibility" xmlns:p14="http://schemas.microsoft.com/office/powerpoint/2010/main" xmlns:p15="http://schemas.microsoft.com/office/powerpoint/2012/main" xmlns:ahyp="http://schemas.microsoft.com/office/drawing/2018/hyperlinkcolor" showMasterPhAnim="0" showMasterSp="0">
+<p:notes xmlns:a="http://schemas.openxmlformats.org/drawingml/2006/main" xmlns:r="http://schemas.openxmlformats.org/officeDocument/2006/relationships" xmlns:p="http://schemas.openxmlformats.org/presentationml/2006/main" showMasterSp="0" showMasterPhAnim="0">
   <p:cSld>
     <p:spTree>
       <p:nvGrpSpPr>
-        <p:cNvPr id="174" name="Shape 174"/>
+        <p:cNvPr id="1" name="Shape 174"/>
         <p:cNvGrpSpPr/>
         <p:nvPr/>
       </p:nvGrpSpPr>
@@ -1446,9 +1505,11 @@
       <p:sp>
         <p:nvSpPr>
           <p:cNvPr id="175" name="Google Shape;175;ga4d48ac11c_7_70:notes"/>
-          <p:cNvSpPr/>
+          <p:cNvSpPr>
+            <a:spLocks noGrp="1" noRot="1" noChangeAspect="1"/>
+          </p:cNvSpPr>
           <p:nvPr>
-            <p:ph idx="2" type="sldImg"/>
+            <p:ph type="sldImg" idx="2"/>
           </p:nvPr>
         </p:nvSpPr>
         <p:spPr>
@@ -1457,9 +1518,13 @@
             <a:ext cx="6096000" cy="3429000"/>
           </a:xfrm>
           <a:custGeom>
-            <a:rect b="b" l="l" r="r" t="t"/>
+            <a:avLst/>
+            <a:gdLst/>
+            <a:ahLst/>
+            <a:cxnLst/>
+            <a:rect l="l" t="t" r="r" b="b"/>
             <a:pathLst>
-              <a:path extrusionOk="0" h="120000" w="120000">
+              <a:path w="120000" h="120000" extrusionOk="0">
                 <a:moveTo>
                   <a:pt x="0" y="0"/>
                 </a:moveTo>
@@ -1481,9 +1546,11 @@
       <p:sp>
         <p:nvSpPr>
           <p:cNvPr id="176" name="Google Shape;176;ga4d48ac11c_7_70:notes"/>
-          <p:cNvSpPr txBox="1"/>
+          <p:cNvSpPr txBox="1">
+            <a:spLocks noGrp="1"/>
+          </p:cNvSpPr>
           <p:nvPr>
-            <p:ph idx="1" type="body"/>
+            <p:ph type="body" idx="1"/>
           </p:nvPr>
         </p:nvSpPr>
         <p:spPr>
@@ -1496,12 +1563,12 @@
           </a:prstGeom>
         </p:spPr>
         <p:txBody>
-          <a:bodyPr anchorCtr="0" anchor="t" bIns="91425" lIns="91425" spcFirstLastPara="1" rIns="91425" wrap="square" tIns="91425">
+          <a:bodyPr spcFirstLastPara="1" wrap="square" lIns="91425" tIns="91425" rIns="91425" bIns="91425" anchor="t" anchorCtr="0">
             <a:noAutofit/>
           </a:bodyPr>
           <a:lstStyle/>
           <a:p>
-            <a:pPr indent="0" lvl="0" marL="0" rtl="0" algn="l">
+            <a:pPr marL="0" lvl="0" indent="0" algn="l" rtl="0">
               <a:spcBef>
                 <a:spcPts val="0"/>
               </a:spcBef>
@@ -1510,9 +1577,6 @@
               </a:spcAft>
               <a:buNone/>
             </a:pPr>
-            <a:r>
-              <a:t/>
-            </a:r>
             <a:endParaRPr/>
           </a:p>
         </p:txBody>
@@ -1526,11 +1590,11 @@
 </file>
 
 <file path=ppt/notesSlides/notesSlide17.xml><?xml version="1.0" encoding="utf-8"?>
-<p:notes xmlns:a="http://schemas.openxmlformats.org/drawingml/2006/main" xmlns:r="http://schemas.openxmlformats.org/officeDocument/2006/relationships" xmlns:mc="http://schemas.openxmlformats.org/markup-compatibility/2006" xmlns:mv="urn:schemas-microsoft-com:mac:vml" xmlns:p="http://schemas.openxmlformats.org/presentationml/2006/main" xmlns:c="http://schemas.openxmlformats.org/drawingml/2006/chart" xmlns:dgm="http://schemas.openxmlformats.org/drawingml/2006/diagram" xmlns:o="urn:schemas-microsoft-com:office:office" xmlns:v="urn:schemas-microsoft-com:vml" xmlns:pvml="urn:schemas-microsoft-com:office:powerpoint" xmlns:com="http://schemas.openxmlformats.org/drawingml/2006/compatibility" xmlns:p14="http://schemas.microsoft.com/office/powerpoint/2010/main" xmlns:p15="http://schemas.microsoft.com/office/powerpoint/2012/main" xmlns:ahyp="http://schemas.microsoft.com/office/drawing/2018/hyperlinkcolor" showMasterPhAnim="0" showMasterSp="0">
+<p:notes xmlns:a="http://schemas.openxmlformats.org/drawingml/2006/main" xmlns:r="http://schemas.openxmlformats.org/officeDocument/2006/relationships" xmlns:p="http://schemas.openxmlformats.org/presentationml/2006/main" showMasterSp="0" showMasterPhAnim="0">
   <p:cSld>
     <p:spTree>
       <p:nvGrpSpPr>
-        <p:cNvPr id="180" name="Shape 180"/>
+        <p:cNvPr id="1" name="Shape 180"/>
         <p:cNvGrpSpPr/>
         <p:nvPr/>
       </p:nvGrpSpPr>
@@ -1545,9 +1609,11 @@
       <p:sp>
         <p:nvSpPr>
           <p:cNvPr id="181" name="Google Shape;181;ga4d48ac11c_7_75:notes"/>
-          <p:cNvSpPr/>
+          <p:cNvSpPr>
+            <a:spLocks noGrp="1" noRot="1" noChangeAspect="1"/>
+          </p:cNvSpPr>
           <p:nvPr>
-            <p:ph idx="2" type="sldImg"/>
+            <p:ph type="sldImg" idx="2"/>
           </p:nvPr>
         </p:nvSpPr>
         <p:spPr>
@@ -1556,9 +1622,13 @@
             <a:ext cx="6096000" cy="3429000"/>
           </a:xfrm>
           <a:custGeom>
-            <a:rect b="b" l="l" r="r" t="t"/>
+            <a:avLst/>
+            <a:gdLst/>
+            <a:ahLst/>
+            <a:cxnLst/>
+            <a:rect l="l" t="t" r="r" b="b"/>
             <a:pathLst>
-              <a:path extrusionOk="0" h="120000" w="120000">
+              <a:path w="120000" h="120000" extrusionOk="0">
                 <a:moveTo>
                   <a:pt x="0" y="0"/>
                 </a:moveTo>
@@ -1580,9 +1650,11 @@
       <p:sp>
         <p:nvSpPr>
           <p:cNvPr id="182" name="Google Shape;182;ga4d48ac11c_7_75:notes"/>
-          <p:cNvSpPr txBox="1"/>
+          <p:cNvSpPr txBox="1">
+            <a:spLocks noGrp="1"/>
+          </p:cNvSpPr>
           <p:nvPr>
-            <p:ph idx="1" type="body"/>
+            <p:ph type="body" idx="1"/>
           </p:nvPr>
         </p:nvSpPr>
         <p:spPr>
@@ -1595,12 +1667,12 @@
           </a:prstGeom>
         </p:spPr>
         <p:txBody>
-          <a:bodyPr anchorCtr="0" anchor="t" bIns="91425" lIns="91425" spcFirstLastPara="1" rIns="91425" wrap="square" tIns="91425">
+          <a:bodyPr spcFirstLastPara="1" wrap="square" lIns="91425" tIns="91425" rIns="91425" bIns="91425" anchor="t" anchorCtr="0">
             <a:noAutofit/>
           </a:bodyPr>
           <a:lstStyle/>
           <a:p>
-            <a:pPr indent="0" lvl="0" marL="0" rtl="0" algn="l">
+            <a:pPr marL="0" lvl="0" indent="0" algn="l" rtl="0">
               <a:spcBef>
                 <a:spcPts val="0"/>
               </a:spcBef>
@@ -1609,9 +1681,6 @@
               </a:spcAft>
               <a:buNone/>
             </a:pPr>
-            <a:r>
-              <a:t/>
-            </a:r>
             <a:endParaRPr/>
           </a:p>
         </p:txBody>
@@ -1625,11 +1694,11 @@
 </file>
 
 <file path=ppt/notesSlides/notesSlide18.xml><?xml version="1.0" encoding="utf-8"?>
-<p:notes xmlns:a="http://schemas.openxmlformats.org/drawingml/2006/main" xmlns:r="http://schemas.openxmlformats.org/officeDocument/2006/relationships" xmlns:mc="http://schemas.openxmlformats.org/markup-compatibility/2006" xmlns:mv="urn:schemas-microsoft-com:mac:vml" xmlns:p="http://schemas.openxmlformats.org/presentationml/2006/main" xmlns:c="http://schemas.openxmlformats.org/drawingml/2006/chart" xmlns:dgm="http://schemas.openxmlformats.org/drawingml/2006/diagram" xmlns:o="urn:schemas-microsoft-com:office:office" xmlns:v="urn:schemas-microsoft-com:vml" xmlns:pvml="urn:schemas-microsoft-com:office:powerpoint" xmlns:com="http://schemas.openxmlformats.org/drawingml/2006/compatibility" xmlns:p14="http://schemas.microsoft.com/office/powerpoint/2010/main" xmlns:p15="http://schemas.microsoft.com/office/powerpoint/2012/main" xmlns:ahyp="http://schemas.microsoft.com/office/drawing/2018/hyperlinkcolor" showMasterPhAnim="0" showMasterSp="0">
+<p:notes xmlns:a="http://schemas.openxmlformats.org/drawingml/2006/main" xmlns:r="http://schemas.openxmlformats.org/officeDocument/2006/relationships" xmlns:p="http://schemas.openxmlformats.org/presentationml/2006/main" showMasterSp="0" showMasterPhAnim="0">
   <p:cSld>
     <p:spTree>
       <p:nvGrpSpPr>
-        <p:cNvPr id="186" name="Shape 186"/>
+        <p:cNvPr id="1" name="Shape 186"/>
         <p:cNvGrpSpPr/>
         <p:nvPr/>
       </p:nvGrpSpPr>
@@ -1644,9 +1713,11 @@
       <p:sp>
         <p:nvSpPr>
           <p:cNvPr id="187" name="Google Shape;187;ga4d48ac11c_7_15:notes"/>
-          <p:cNvSpPr/>
+          <p:cNvSpPr>
+            <a:spLocks noGrp="1" noRot="1" noChangeAspect="1"/>
+          </p:cNvSpPr>
           <p:nvPr>
-            <p:ph idx="2" type="sldImg"/>
+            <p:ph type="sldImg" idx="2"/>
           </p:nvPr>
         </p:nvSpPr>
         <p:spPr>
@@ -1655,9 +1726,13 @@
             <a:ext cx="6096000" cy="3429000"/>
           </a:xfrm>
           <a:custGeom>
-            <a:rect b="b" l="l" r="r" t="t"/>
+            <a:avLst/>
+            <a:gdLst/>
+            <a:ahLst/>
+            <a:cxnLst/>
+            <a:rect l="l" t="t" r="r" b="b"/>
             <a:pathLst>
-              <a:path extrusionOk="0" h="120000" w="120000">
+              <a:path w="120000" h="120000" extrusionOk="0">
                 <a:moveTo>
                   <a:pt x="0" y="0"/>
                 </a:moveTo>
@@ -1679,9 +1754,11 @@
       <p:sp>
         <p:nvSpPr>
           <p:cNvPr id="188" name="Google Shape;188;ga4d48ac11c_7_15:notes"/>
-          <p:cNvSpPr txBox="1"/>
+          <p:cNvSpPr txBox="1">
+            <a:spLocks noGrp="1"/>
+          </p:cNvSpPr>
           <p:nvPr>
-            <p:ph idx="1" type="body"/>
+            <p:ph type="body" idx="1"/>
           </p:nvPr>
         </p:nvSpPr>
         <p:spPr>
@@ -1694,12 +1771,12 @@
           </a:prstGeom>
         </p:spPr>
         <p:txBody>
-          <a:bodyPr anchorCtr="0" anchor="t" bIns="91425" lIns="91425" spcFirstLastPara="1" rIns="91425" wrap="square" tIns="91425">
+          <a:bodyPr spcFirstLastPara="1" wrap="square" lIns="91425" tIns="91425" rIns="91425" bIns="91425" anchor="t" anchorCtr="0">
             <a:noAutofit/>
           </a:bodyPr>
           <a:lstStyle/>
           <a:p>
-            <a:pPr indent="0" lvl="0" marL="0" rtl="0" algn="l">
+            <a:pPr marL="0" lvl="0" indent="0" algn="l" rtl="0">
               <a:spcBef>
                 <a:spcPts val="0"/>
               </a:spcBef>
@@ -1708,9 +1785,6 @@
               </a:spcAft>
               <a:buNone/>
             </a:pPr>
-            <a:r>
-              <a:t/>
-            </a:r>
             <a:endParaRPr/>
           </a:p>
         </p:txBody>
@@ -1724,11 +1798,11 @@
 </file>
 
 <file path=ppt/notesSlides/notesSlide19.xml><?xml version="1.0" encoding="utf-8"?>
-<p:notes xmlns:a="http://schemas.openxmlformats.org/drawingml/2006/main" xmlns:r="http://schemas.openxmlformats.org/officeDocument/2006/relationships" xmlns:mc="http://schemas.openxmlformats.org/markup-compatibility/2006" xmlns:mv="urn:schemas-microsoft-com:mac:vml" xmlns:p="http://schemas.openxmlformats.org/presentationml/2006/main" xmlns:c="http://schemas.openxmlformats.org/drawingml/2006/chart" xmlns:dgm="http://schemas.openxmlformats.org/drawingml/2006/diagram" xmlns:o="urn:schemas-microsoft-com:office:office" xmlns:v="urn:schemas-microsoft-com:vml" xmlns:pvml="urn:schemas-microsoft-com:office:powerpoint" xmlns:com="http://schemas.openxmlformats.org/drawingml/2006/compatibility" xmlns:p14="http://schemas.microsoft.com/office/powerpoint/2010/main" xmlns:p15="http://schemas.microsoft.com/office/powerpoint/2012/main" xmlns:ahyp="http://schemas.microsoft.com/office/drawing/2018/hyperlinkcolor" showMasterPhAnim="0" showMasterSp="0">
+<p:notes xmlns:a="http://schemas.openxmlformats.org/drawingml/2006/main" xmlns:r="http://schemas.openxmlformats.org/officeDocument/2006/relationships" xmlns:p="http://schemas.openxmlformats.org/presentationml/2006/main" showMasterSp="0" showMasterPhAnim="0">
   <p:cSld>
     <p:spTree>
       <p:nvGrpSpPr>
-        <p:cNvPr id="192" name="Shape 192"/>
+        <p:cNvPr id="1" name="Shape 192"/>
         <p:cNvGrpSpPr/>
         <p:nvPr/>
       </p:nvGrpSpPr>
@@ -1743,9 +1817,11 @@
       <p:sp>
         <p:nvSpPr>
           <p:cNvPr id="193" name="Google Shape;193;ga4d48ac11c_7_81:notes"/>
-          <p:cNvSpPr/>
+          <p:cNvSpPr>
+            <a:spLocks noGrp="1" noRot="1" noChangeAspect="1"/>
+          </p:cNvSpPr>
           <p:nvPr>
-            <p:ph idx="2" type="sldImg"/>
+            <p:ph type="sldImg" idx="2"/>
           </p:nvPr>
         </p:nvSpPr>
         <p:spPr>
@@ -1754,9 +1830,13 @@
             <a:ext cx="6096000" cy="3429000"/>
           </a:xfrm>
           <a:custGeom>
-            <a:rect b="b" l="l" r="r" t="t"/>
+            <a:avLst/>
+            <a:gdLst/>
+            <a:ahLst/>
+            <a:cxnLst/>
+            <a:rect l="l" t="t" r="r" b="b"/>
             <a:pathLst>
-              <a:path extrusionOk="0" h="120000" w="120000">
+              <a:path w="120000" h="120000" extrusionOk="0">
                 <a:moveTo>
                   <a:pt x="0" y="0"/>
                 </a:moveTo>
@@ -1778,9 +1858,11 @@
       <p:sp>
         <p:nvSpPr>
           <p:cNvPr id="194" name="Google Shape;194;ga4d48ac11c_7_81:notes"/>
-          <p:cNvSpPr txBox="1"/>
+          <p:cNvSpPr txBox="1">
+            <a:spLocks noGrp="1"/>
+          </p:cNvSpPr>
           <p:nvPr>
-            <p:ph idx="1" type="body"/>
+            <p:ph type="body" idx="1"/>
           </p:nvPr>
         </p:nvSpPr>
         <p:spPr>
@@ -1793,12 +1875,12 @@
           </a:prstGeom>
         </p:spPr>
         <p:txBody>
-          <a:bodyPr anchorCtr="0" anchor="t" bIns="91425" lIns="91425" spcFirstLastPara="1" rIns="91425" wrap="square" tIns="91425">
+          <a:bodyPr spcFirstLastPara="1" wrap="square" lIns="91425" tIns="91425" rIns="91425" bIns="91425" anchor="t" anchorCtr="0">
             <a:noAutofit/>
           </a:bodyPr>
           <a:lstStyle/>
           <a:p>
-            <a:pPr indent="0" lvl="0" marL="0" rtl="0" algn="l">
+            <a:pPr marL="0" lvl="0" indent="0" algn="l" rtl="0">
               <a:spcBef>
                 <a:spcPts val="0"/>
               </a:spcBef>
@@ -1807,9 +1889,6 @@
               </a:spcAft>
               <a:buNone/>
             </a:pPr>
-            <a:r>
-              <a:t/>
-            </a:r>
             <a:endParaRPr/>
           </a:p>
         </p:txBody>
@@ -1823,11 +1902,11 @@
 </file>
 
 <file path=ppt/notesSlides/notesSlide2.xml><?xml version="1.0" encoding="utf-8"?>
-<p:notes xmlns:a="http://schemas.openxmlformats.org/drawingml/2006/main" xmlns:r="http://schemas.openxmlformats.org/officeDocument/2006/relationships" xmlns:mc="http://schemas.openxmlformats.org/markup-compatibility/2006" xmlns:mv="urn:schemas-microsoft-com:mac:vml" xmlns:p="http://schemas.openxmlformats.org/presentationml/2006/main" xmlns:c="http://schemas.openxmlformats.org/drawingml/2006/chart" xmlns:dgm="http://schemas.openxmlformats.org/drawingml/2006/diagram" xmlns:o="urn:schemas-microsoft-com:office:office" xmlns:v="urn:schemas-microsoft-com:vml" xmlns:pvml="urn:schemas-microsoft-com:office:powerpoint" xmlns:com="http://schemas.openxmlformats.org/drawingml/2006/compatibility" xmlns:p14="http://schemas.microsoft.com/office/powerpoint/2010/main" xmlns:p15="http://schemas.microsoft.com/office/powerpoint/2012/main" xmlns:ahyp="http://schemas.microsoft.com/office/drawing/2018/hyperlinkcolor" showMasterPhAnim="0" showMasterSp="0">
+<p:notes xmlns:a="http://schemas.openxmlformats.org/drawingml/2006/main" xmlns:r="http://schemas.openxmlformats.org/officeDocument/2006/relationships" xmlns:p="http://schemas.openxmlformats.org/presentationml/2006/main" showMasterSp="0" showMasterPhAnim="0">
   <p:cSld>
     <p:spTree>
       <p:nvGrpSpPr>
-        <p:cNvPr id="87" name="Shape 87"/>
+        <p:cNvPr id="1" name="Shape 87"/>
         <p:cNvGrpSpPr/>
         <p:nvPr/>
       </p:nvGrpSpPr>
@@ -1842,9 +1921,11 @@
       <p:sp>
         <p:nvSpPr>
           <p:cNvPr id="88" name="Google Shape;88;ga4c32d356e_2_0:notes"/>
-          <p:cNvSpPr/>
+          <p:cNvSpPr>
+            <a:spLocks noGrp="1" noRot="1" noChangeAspect="1"/>
+          </p:cNvSpPr>
           <p:nvPr>
-            <p:ph idx="2" type="sldImg"/>
+            <p:ph type="sldImg" idx="2"/>
           </p:nvPr>
         </p:nvSpPr>
         <p:spPr>
@@ -1853,9 +1934,13 @@
             <a:ext cx="6096000" cy="3429000"/>
           </a:xfrm>
           <a:custGeom>
-            <a:rect b="b" l="l" r="r" t="t"/>
+            <a:avLst/>
+            <a:gdLst/>
+            <a:ahLst/>
+            <a:cxnLst/>
+            <a:rect l="l" t="t" r="r" b="b"/>
             <a:pathLst>
-              <a:path extrusionOk="0" h="120000" w="120000">
+              <a:path w="120000" h="120000" extrusionOk="0">
                 <a:moveTo>
                   <a:pt x="0" y="0"/>
                 </a:moveTo>
@@ -1877,9 +1962,11 @@
       <p:sp>
         <p:nvSpPr>
           <p:cNvPr id="89" name="Google Shape;89;ga4c32d356e_2_0:notes"/>
-          <p:cNvSpPr txBox="1"/>
+          <p:cNvSpPr txBox="1">
+            <a:spLocks noGrp="1"/>
+          </p:cNvSpPr>
           <p:nvPr>
-            <p:ph idx="1" type="body"/>
+            <p:ph type="body" idx="1"/>
           </p:nvPr>
         </p:nvSpPr>
         <p:spPr>
@@ -1892,12 +1979,12 @@
           </a:prstGeom>
         </p:spPr>
         <p:txBody>
-          <a:bodyPr anchorCtr="0" anchor="t" bIns="91425" lIns="91425" spcFirstLastPara="1" rIns="91425" wrap="square" tIns="91425">
+          <a:bodyPr spcFirstLastPara="1" wrap="square" lIns="91425" tIns="91425" rIns="91425" bIns="91425" anchor="t" anchorCtr="0">
             <a:noAutofit/>
           </a:bodyPr>
           <a:lstStyle/>
           <a:p>
-            <a:pPr indent="0" lvl="0" marL="0" rtl="0" algn="l">
+            <a:pPr marL="0" lvl="0" indent="0" algn="l" rtl="0">
               <a:spcBef>
                 <a:spcPts val="0"/>
               </a:spcBef>
@@ -1906,9 +1993,6 @@
               </a:spcAft>
               <a:buNone/>
             </a:pPr>
-            <a:r>
-              <a:t/>
-            </a:r>
             <a:endParaRPr/>
           </a:p>
         </p:txBody>
@@ -1922,11 +2006,11 @@
 </file>
 
 <file path=ppt/notesSlides/notesSlide20.xml><?xml version="1.0" encoding="utf-8"?>
-<p:notes xmlns:a="http://schemas.openxmlformats.org/drawingml/2006/main" xmlns:r="http://schemas.openxmlformats.org/officeDocument/2006/relationships" xmlns:mc="http://schemas.openxmlformats.org/markup-compatibility/2006" xmlns:mv="urn:schemas-microsoft-com:mac:vml" xmlns:p="http://schemas.openxmlformats.org/presentationml/2006/main" xmlns:c="http://schemas.openxmlformats.org/drawingml/2006/chart" xmlns:dgm="http://schemas.openxmlformats.org/drawingml/2006/diagram" xmlns:o="urn:schemas-microsoft-com:office:office" xmlns:v="urn:schemas-microsoft-com:vml" xmlns:pvml="urn:schemas-microsoft-com:office:powerpoint" xmlns:com="http://schemas.openxmlformats.org/drawingml/2006/compatibility" xmlns:p14="http://schemas.microsoft.com/office/powerpoint/2010/main" xmlns:p15="http://schemas.microsoft.com/office/powerpoint/2012/main" xmlns:ahyp="http://schemas.microsoft.com/office/drawing/2018/hyperlinkcolor" showMasterPhAnim="0" showMasterSp="0">
+<p:notes xmlns:a="http://schemas.openxmlformats.org/drawingml/2006/main" xmlns:r="http://schemas.openxmlformats.org/officeDocument/2006/relationships" xmlns:p="http://schemas.openxmlformats.org/presentationml/2006/main" showMasterSp="0" showMasterPhAnim="0">
   <p:cSld>
     <p:spTree>
       <p:nvGrpSpPr>
-        <p:cNvPr id="198" name="Shape 198"/>
+        <p:cNvPr id="1" name="Shape 198"/>
         <p:cNvGrpSpPr/>
         <p:nvPr/>
       </p:nvGrpSpPr>
@@ -1941,9 +2025,11 @@
       <p:sp>
         <p:nvSpPr>
           <p:cNvPr id="199" name="Google Shape;199;ga4d48ac11c_7_21:notes"/>
-          <p:cNvSpPr/>
+          <p:cNvSpPr>
+            <a:spLocks noGrp="1" noRot="1" noChangeAspect="1"/>
+          </p:cNvSpPr>
           <p:nvPr>
-            <p:ph idx="2" type="sldImg"/>
+            <p:ph type="sldImg" idx="2"/>
           </p:nvPr>
         </p:nvSpPr>
         <p:spPr>
@@ -1952,9 +2038,13 @@
             <a:ext cx="6096000" cy="3429000"/>
           </a:xfrm>
           <a:custGeom>
-            <a:rect b="b" l="l" r="r" t="t"/>
+            <a:avLst/>
+            <a:gdLst/>
+            <a:ahLst/>
+            <a:cxnLst/>
+            <a:rect l="l" t="t" r="r" b="b"/>
             <a:pathLst>
-              <a:path extrusionOk="0" h="120000" w="120000">
+              <a:path w="120000" h="120000" extrusionOk="0">
                 <a:moveTo>
                   <a:pt x="0" y="0"/>
                 </a:moveTo>
@@ -1976,9 +2066,11 @@
       <p:sp>
         <p:nvSpPr>
           <p:cNvPr id="200" name="Google Shape;200;ga4d48ac11c_7_21:notes"/>
-          <p:cNvSpPr txBox="1"/>
+          <p:cNvSpPr txBox="1">
+            <a:spLocks noGrp="1"/>
+          </p:cNvSpPr>
           <p:nvPr>
-            <p:ph idx="1" type="body"/>
+            <p:ph type="body" idx="1"/>
           </p:nvPr>
         </p:nvSpPr>
         <p:spPr>
@@ -1991,12 +2083,12 @@
           </a:prstGeom>
         </p:spPr>
         <p:txBody>
-          <a:bodyPr anchorCtr="0" anchor="t" bIns="91425" lIns="91425" spcFirstLastPara="1" rIns="91425" wrap="square" tIns="91425">
+          <a:bodyPr spcFirstLastPara="1" wrap="square" lIns="91425" tIns="91425" rIns="91425" bIns="91425" anchor="t" anchorCtr="0">
             <a:noAutofit/>
           </a:bodyPr>
           <a:lstStyle/>
           <a:p>
-            <a:pPr indent="0" lvl="0" marL="0" rtl="0" algn="l">
+            <a:pPr marL="0" lvl="0" indent="0" algn="l" rtl="0">
               <a:spcBef>
                 <a:spcPts val="0"/>
               </a:spcBef>
@@ -2005,9 +2097,6 @@
               </a:spcAft>
               <a:buNone/>
             </a:pPr>
-            <a:r>
-              <a:t/>
-            </a:r>
             <a:endParaRPr/>
           </a:p>
         </p:txBody>
@@ -2021,11 +2110,11 @@
 </file>
 
 <file path=ppt/notesSlides/notesSlide21.xml><?xml version="1.0" encoding="utf-8"?>
-<p:notes xmlns:a="http://schemas.openxmlformats.org/drawingml/2006/main" xmlns:r="http://schemas.openxmlformats.org/officeDocument/2006/relationships" xmlns:mc="http://schemas.openxmlformats.org/markup-compatibility/2006" xmlns:mv="urn:schemas-microsoft-com:mac:vml" xmlns:p="http://schemas.openxmlformats.org/presentationml/2006/main" xmlns:c="http://schemas.openxmlformats.org/drawingml/2006/chart" xmlns:dgm="http://schemas.openxmlformats.org/drawingml/2006/diagram" xmlns:o="urn:schemas-microsoft-com:office:office" xmlns:v="urn:schemas-microsoft-com:vml" xmlns:pvml="urn:schemas-microsoft-com:office:powerpoint" xmlns:com="http://schemas.openxmlformats.org/drawingml/2006/compatibility" xmlns:p14="http://schemas.microsoft.com/office/powerpoint/2010/main" xmlns:p15="http://schemas.microsoft.com/office/powerpoint/2012/main" xmlns:ahyp="http://schemas.microsoft.com/office/drawing/2018/hyperlinkcolor" showMasterPhAnim="0" showMasterSp="0">
+<p:notes xmlns:a="http://schemas.openxmlformats.org/drawingml/2006/main" xmlns:r="http://schemas.openxmlformats.org/officeDocument/2006/relationships" xmlns:p="http://schemas.openxmlformats.org/presentationml/2006/main" showMasterSp="0" showMasterPhAnim="0">
   <p:cSld>
     <p:spTree>
       <p:nvGrpSpPr>
-        <p:cNvPr id="204" name="Shape 204"/>
+        <p:cNvPr id="1" name="Shape 204"/>
         <p:cNvGrpSpPr/>
         <p:nvPr/>
       </p:nvGrpSpPr>
@@ -2040,9 +2129,11 @@
       <p:sp>
         <p:nvSpPr>
           <p:cNvPr id="205" name="Google Shape;205;ga4d48ac11c_7_27:notes"/>
-          <p:cNvSpPr/>
+          <p:cNvSpPr>
+            <a:spLocks noGrp="1" noRot="1" noChangeAspect="1"/>
+          </p:cNvSpPr>
           <p:nvPr>
-            <p:ph idx="2" type="sldImg"/>
+            <p:ph type="sldImg" idx="2"/>
           </p:nvPr>
         </p:nvSpPr>
         <p:spPr>
@@ -2051,9 +2142,13 @@
             <a:ext cx="6096000" cy="3429000"/>
           </a:xfrm>
           <a:custGeom>
-            <a:rect b="b" l="l" r="r" t="t"/>
+            <a:avLst/>
+            <a:gdLst/>
+            <a:ahLst/>
+            <a:cxnLst/>
+            <a:rect l="l" t="t" r="r" b="b"/>
             <a:pathLst>
-              <a:path extrusionOk="0" h="120000" w="120000">
+              <a:path w="120000" h="120000" extrusionOk="0">
                 <a:moveTo>
                   <a:pt x="0" y="0"/>
                 </a:moveTo>
@@ -2075,9 +2170,11 @@
       <p:sp>
         <p:nvSpPr>
           <p:cNvPr id="206" name="Google Shape;206;ga4d48ac11c_7_27:notes"/>
-          <p:cNvSpPr txBox="1"/>
+          <p:cNvSpPr txBox="1">
+            <a:spLocks noGrp="1"/>
+          </p:cNvSpPr>
           <p:nvPr>
-            <p:ph idx="1" type="body"/>
+            <p:ph type="body" idx="1"/>
           </p:nvPr>
         </p:nvSpPr>
         <p:spPr>
@@ -2090,12 +2187,12 @@
           </a:prstGeom>
         </p:spPr>
         <p:txBody>
-          <a:bodyPr anchorCtr="0" anchor="t" bIns="91425" lIns="91425" spcFirstLastPara="1" rIns="91425" wrap="square" tIns="91425">
+          <a:bodyPr spcFirstLastPara="1" wrap="square" lIns="91425" tIns="91425" rIns="91425" bIns="91425" anchor="t" anchorCtr="0">
             <a:noAutofit/>
           </a:bodyPr>
           <a:lstStyle/>
           <a:p>
-            <a:pPr indent="0" lvl="0" marL="0" rtl="0" algn="l">
+            <a:pPr marL="0" lvl="0" indent="0" algn="l" rtl="0">
               <a:spcBef>
                 <a:spcPts val="0"/>
               </a:spcBef>
@@ -2104,9 +2201,6 @@
               </a:spcAft>
               <a:buNone/>
             </a:pPr>
-            <a:r>
-              <a:t/>
-            </a:r>
             <a:endParaRPr/>
           </a:p>
         </p:txBody>
@@ -2120,11 +2214,11 @@
 </file>
 
 <file path=ppt/notesSlides/notesSlide22.xml><?xml version="1.0" encoding="utf-8"?>
-<p:notes xmlns:a="http://schemas.openxmlformats.org/drawingml/2006/main" xmlns:r="http://schemas.openxmlformats.org/officeDocument/2006/relationships" xmlns:mc="http://schemas.openxmlformats.org/markup-compatibility/2006" xmlns:mv="urn:schemas-microsoft-com:mac:vml" xmlns:p="http://schemas.openxmlformats.org/presentationml/2006/main" xmlns:c="http://schemas.openxmlformats.org/drawingml/2006/chart" xmlns:dgm="http://schemas.openxmlformats.org/drawingml/2006/diagram" xmlns:o="urn:schemas-microsoft-com:office:office" xmlns:v="urn:schemas-microsoft-com:vml" xmlns:pvml="urn:schemas-microsoft-com:office:powerpoint" xmlns:com="http://schemas.openxmlformats.org/drawingml/2006/compatibility" xmlns:p14="http://schemas.microsoft.com/office/powerpoint/2010/main" xmlns:p15="http://schemas.microsoft.com/office/powerpoint/2012/main" xmlns:ahyp="http://schemas.microsoft.com/office/drawing/2018/hyperlinkcolor" showMasterPhAnim="0" showMasterSp="0">
+<p:notes xmlns:a="http://schemas.openxmlformats.org/drawingml/2006/main" xmlns:r="http://schemas.openxmlformats.org/officeDocument/2006/relationships" xmlns:p="http://schemas.openxmlformats.org/presentationml/2006/main" showMasterSp="0" showMasterPhAnim="0">
   <p:cSld>
     <p:spTree>
       <p:nvGrpSpPr>
-        <p:cNvPr id="210" name="Shape 210"/>
+        <p:cNvPr id="1" name="Shape 210"/>
         <p:cNvGrpSpPr/>
         <p:nvPr/>
       </p:nvGrpSpPr>
@@ -2139,9 +2233,11 @@
       <p:sp>
         <p:nvSpPr>
           <p:cNvPr id="211" name="Google Shape;211;ga4d48ac11c_7_33:notes"/>
-          <p:cNvSpPr/>
+          <p:cNvSpPr>
+            <a:spLocks noGrp="1" noRot="1" noChangeAspect="1"/>
+          </p:cNvSpPr>
           <p:nvPr>
-            <p:ph idx="2" type="sldImg"/>
+            <p:ph type="sldImg" idx="2"/>
           </p:nvPr>
         </p:nvSpPr>
         <p:spPr>
@@ -2150,9 +2246,13 @@
             <a:ext cx="6096000" cy="3429000"/>
           </a:xfrm>
           <a:custGeom>
-            <a:rect b="b" l="l" r="r" t="t"/>
+            <a:avLst/>
+            <a:gdLst/>
+            <a:ahLst/>
+            <a:cxnLst/>
+            <a:rect l="l" t="t" r="r" b="b"/>
             <a:pathLst>
-              <a:path extrusionOk="0" h="120000" w="120000">
+              <a:path w="120000" h="120000" extrusionOk="0">
                 <a:moveTo>
                   <a:pt x="0" y="0"/>
                 </a:moveTo>
@@ -2174,9 +2274,11 @@
       <p:sp>
         <p:nvSpPr>
           <p:cNvPr id="212" name="Google Shape;212;ga4d48ac11c_7_33:notes"/>
-          <p:cNvSpPr txBox="1"/>
+          <p:cNvSpPr txBox="1">
+            <a:spLocks noGrp="1"/>
+          </p:cNvSpPr>
           <p:nvPr>
-            <p:ph idx="1" type="body"/>
+            <p:ph type="body" idx="1"/>
           </p:nvPr>
         </p:nvSpPr>
         <p:spPr>
@@ -2189,12 +2291,12 @@
           </a:prstGeom>
         </p:spPr>
         <p:txBody>
-          <a:bodyPr anchorCtr="0" anchor="t" bIns="91425" lIns="91425" spcFirstLastPara="1" rIns="91425" wrap="square" tIns="91425">
+          <a:bodyPr spcFirstLastPara="1" wrap="square" lIns="91425" tIns="91425" rIns="91425" bIns="91425" anchor="t" anchorCtr="0">
             <a:noAutofit/>
           </a:bodyPr>
           <a:lstStyle/>
           <a:p>
-            <a:pPr indent="0" lvl="0" marL="0" rtl="0" algn="l">
+            <a:pPr marL="0" lvl="0" indent="0" algn="l" rtl="0">
               <a:spcBef>
                 <a:spcPts val="0"/>
               </a:spcBef>
@@ -2203,9 +2305,6 @@
               </a:spcAft>
               <a:buNone/>
             </a:pPr>
-            <a:r>
-              <a:t/>
-            </a:r>
             <a:endParaRPr/>
           </a:p>
         </p:txBody>
@@ -2219,11 +2318,11 @@
 </file>
 
 <file path=ppt/notesSlides/notesSlide23.xml><?xml version="1.0" encoding="utf-8"?>
-<p:notes xmlns:a="http://schemas.openxmlformats.org/drawingml/2006/main" xmlns:r="http://schemas.openxmlformats.org/officeDocument/2006/relationships" xmlns:mc="http://schemas.openxmlformats.org/markup-compatibility/2006" xmlns:mv="urn:schemas-microsoft-com:mac:vml" xmlns:p="http://schemas.openxmlformats.org/presentationml/2006/main" xmlns:c="http://schemas.openxmlformats.org/drawingml/2006/chart" xmlns:dgm="http://schemas.openxmlformats.org/drawingml/2006/diagram" xmlns:o="urn:schemas-microsoft-com:office:office" xmlns:v="urn:schemas-microsoft-com:vml" xmlns:pvml="urn:schemas-microsoft-com:office:powerpoint" xmlns:com="http://schemas.openxmlformats.org/drawingml/2006/compatibility" xmlns:p14="http://schemas.microsoft.com/office/powerpoint/2010/main" xmlns:p15="http://schemas.microsoft.com/office/powerpoint/2012/main" xmlns:ahyp="http://schemas.microsoft.com/office/drawing/2018/hyperlinkcolor" showMasterPhAnim="0" showMasterSp="0">
+<p:notes xmlns:a="http://schemas.openxmlformats.org/drawingml/2006/main" xmlns:r="http://schemas.openxmlformats.org/officeDocument/2006/relationships" xmlns:p="http://schemas.openxmlformats.org/presentationml/2006/main" showMasterSp="0" showMasterPhAnim="0">
   <p:cSld>
     <p:spTree>
       <p:nvGrpSpPr>
-        <p:cNvPr id="216" name="Shape 216"/>
+        <p:cNvPr id="1" name="Shape 216"/>
         <p:cNvGrpSpPr/>
         <p:nvPr/>
       </p:nvGrpSpPr>
@@ -2238,9 +2337,11 @@
       <p:sp>
         <p:nvSpPr>
           <p:cNvPr id="217" name="Google Shape;217;ga4d48ac11c_7_52:notes"/>
-          <p:cNvSpPr/>
+          <p:cNvSpPr>
+            <a:spLocks noGrp="1" noRot="1" noChangeAspect="1"/>
+          </p:cNvSpPr>
           <p:nvPr>
-            <p:ph idx="2" type="sldImg"/>
+            <p:ph type="sldImg" idx="2"/>
           </p:nvPr>
         </p:nvSpPr>
         <p:spPr>
@@ -2249,9 +2350,13 @@
             <a:ext cx="6096000" cy="3429000"/>
           </a:xfrm>
           <a:custGeom>
-            <a:rect b="b" l="l" r="r" t="t"/>
+            <a:avLst/>
+            <a:gdLst/>
+            <a:ahLst/>
+            <a:cxnLst/>
+            <a:rect l="l" t="t" r="r" b="b"/>
             <a:pathLst>
-              <a:path extrusionOk="0" h="120000" w="120000">
+              <a:path w="120000" h="120000" extrusionOk="0">
                 <a:moveTo>
                   <a:pt x="0" y="0"/>
                 </a:moveTo>
@@ -2273,9 +2378,11 @@
       <p:sp>
         <p:nvSpPr>
           <p:cNvPr id="218" name="Google Shape;218;ga4d48ac11c_7_52:notes"/>
-          <p:cNvSpPr txBox="1"/>
+          <p:cNvSpPr txBox="1">
+            <a:spLocks noGrp="1"/>
+          </p:cNvSpPr>
           <p:nvPr>
-            <p:ph idx="1" type="body"/>
+            <p:ph type="body" idx="1"/>
           </p:nvPr>
         </p:nvSpPr>
         <p:spPr>
@@ -2288,12 +2395,12 @@
           </a:prstGeom>
         </p:spPr>
         <p:txBody>
-          <a:bodyPr anchorCtr="0" anchor="t" bIns="91425" lIns="91425" spcFirstLastPara="1" rIns="91425" wrap="square" tIns="91425">
+          <a:bodyPr spcFirstLastPara="1" wrap="square" lIns="91425" tIns="91425" rIns="91425" bIns="91425" anchor="t" anchorCtr="0">
             <a:noAutofit/>
           </a:bodyPr>
           <a:lstStyle/>
           <a:p>
-            <a:pPr indent="0" lvl="0" marL="0" rtl="0" algn="l">
+            <a:pPr marL="0" lvl="0" indent="0" algn="l" rtl="0">
               <a:spcBef>
                 <a:spcPts val="0"/>
               </a:spcBef>
@@ -2302,9 +2409,6 @@
               </a:spcAft>
               <a:buNone/>
             </a:pPr>
-            <a:r>
-              <a:t/>
-            </a:r>
             <a:endParaRPr/>
           </a:p>
         </p:txBody>
@@ -2318,11 +2422,11 @@
 </file>
 
 <file path=ppt/notesSlides/notesSlide24.xml><?xml version="1.0" encoding="utf-8"?>
-<p:notes xmlns:a="http://schemas.openxmlformats.org/drawingml/2006/main" xmlns:r="http://schemas.openxmlformats.org/officeDocument/2006/relationships" xmlns:mc="http://schemas.openxmlformats.org/markup-compatibility/2006" xmlns:mv="urn:schemas-microsoft-com:mac:vml" xmlns:p="http://schemas.openxmlformats.org/presentationml/2006/main" xmlns:c="http://schemas.openxmlformats.org/drawingml/2006/chart" xmlns:dgm="http://schemas.openxmlformats.org/drawingml/2006/diagram" xmlns:o="urn:schemas-microsoft-com:office:office" xmlns:v="urn:schemas-microsoft-com:vml" xmlns:pvml="urn:schemas-microsoft-com:office:powerpoint" xmlns:com="http://schemas.openxmlformats.org/drawingml/2006/compatibility" xmlns:p14="http://schemas.microsoft.com/office/powerpoint/2010/main" xmlns:p15="http://schemas.microsoft.com/office/powerpoint/2012/main" xmlns:ahyp="http://schemas.microsoft.com/office/drawing/2018/hyperlinkcolor" showMasterPhAnim="0" showMasterSp="0">
+<p:notes xmlns:a="http://schemas.openxmlformats.org/drawingml/2006/main" xmlns:r="http://schemas.openxmlformats.org/officeDocument/2006/relationships" xmlns:p="http://schemas.openxmlformats.org/presentationml/2006/main" showMasterSp="0" showMasterPhAnim="0">
   <p:cSld>
     <p:spTree>
       <p:nvGrpSpPr>
-        <p:cNvPr id="223" name="Shape 223"/>
+        <p:cNvPr id="1" name="Shape 223"/>
         <p:cNvGrpSpPr/>
         <p:nvPr/>
       </p:nvGrpSpPr>
@@ -2337,9 +2441,11 @@
       <p:sp>
         <p:nvSpPr>
           <p:cNvPr id="224" name="Google Shape;224;ga4c32d34a4_0_5:notes"/>
-          <p:cNvSpPr/>
+          <p:cNvSpPr>
+            <a:spLocks noGrp="1" noRot="1" noChangeAspect="1"/>
+          </p:cNvSpPr>
           <p:nvPr>
-            <p:ph idx="2" type="sldImg"/>
+            <p:ph type="sldImg" idx="2"/>
           </p:nvPr>
         </p:nvSpPr>
         <p:spPr>
@@ -2348,9 +2454,13 @@
             <a:ext cx="6096000" cy="3429000"/>
           </a:xfrm>
           <a:custGeom>
-            <a:rect b="b" l="l" r="r" t="t"/>
+            <a:avLst/>
+            <a:gdLst/>
+            <a:ahLst/>
+            <a:cxnLst/>
+            <a:rect l="l" t="t" r="r" b="b"/>
             <a:pathLst>
-              <a:path extrusionOk="0" h="120000" w="120000">
+              <a:path w="120000" h="120000" extrusionOk="0">
                 <a:moveTo>
                   <a:pt x="0" y="0"/>
                 </a:moveTo>
@@ -2372,9 +2482,11 @@
       <p:sp>
         <p:nvSpPr>
           <p:cNvPr id="225" name="Google Shape;225;ga4c32d34a4_0_5:notes"/>
-          <p:cNvSpPr txBox="1"/>
+          <p:cNvSpPr txBox="1">
+            <a:spLocks noGrp="1"/>
+          </p:cNvSpPr>
           <p:nvPr>
-            <p:ph idx="1" type="body"/>
+            <p:ph type="body" idx="1"/>
           </p:nvPr>
         </p:nvSpPr>
         <p:spPr>
@@ -2387,12 +2499,12 @@
           </a:prstGeom>
         </p:spPr>
         <p:txBody>
-          <a:bodyPr anchorCtr="0" anchor="t" bIns="91425" lIns="91425" spcFirstLastPara="1" rIns="91425" wrap="square" tIns="91425">
+          <a:bodyPr spcFirstLastPara="1" wrap="square" lIns="91425" tIns="91425" rIns="91425" bIns="91425" anchor="t" anchorCtr="0">
             <a:noAutofit/>
           </a:bodyPr>
           <a:lstStyle/>
           <a:p>
-            <a:pPr indent="0" lvl="0" marL="0" rtl="0" algn="l">
+            <a:pPr marL="0" lvl="0" indent="0" algn="l" rtl="0">
               <a:spcBef>
                 <a:spcPts val="0"/>
               </a:spcBef>
@@ -2401,9 +2513,6 @@
               </a:spcAft>
               <a:buNone/>
             </a:pPr>
-            <a:r>
-              <a:t/>
-            </a:r>
             <a:endParaRPr/>
           </a:p>
         </p:txBody>
@@ -2417,11 +2526,11 @@
 </file>
 
 <file path=ppt/notesSlides/notesSlide25.xml><?xml version="1.0" encoding="utf-8"?>
-<p:notes xmlns:a="http://schemas.openxmlformats.org/drawingml/2006/main" xmlns:r="http://schemas.openxmlformats.org/officeDocument/2006/relationships" xmlns:mc="http://schemas.openxmlformats.org/markup-compatibility/2006" xmlns:mv="urn:schemas-microsoft-com:mac:vml" xmlns:p="http://schemas.openxmlformats.org/presentationml/2006/main" xmlns:c="http://schemas.openxmlformats.org/drawingml/2006/chart" xmlns:dgm="http://schemas.openxmlformats.org/drawingml/2006/diagram" xmlns:o="urn:schemas-microsoft-com:office:office" xmlns:v="urn:schemas-microsoft-com:vml" xmlns:pvml="urn:schemas-microsoft-com:office:powerpoint" xmlns:com="http://schemas.openxmlformats.org/drawingml/2006/compatibility" xmlns:p14="http://schemas.microsoft.com/office/powerpoint/2010/main" xmlns:p15="http://schemas.microsoft.com/office/powerpoint/2012/main" xmlns:ahyp="http://schemas.microsoft.com/office/drawing/2018/hyperlinkcolor" showMasterPhAnim="0" showMasterSp="0">
+<p:notes xmlns:a="http://schemas.openxmlformats.org/drawingml/2006/main" xmlns:r="http://schemas.openxmlformats.org/officeDocument/2006/relationships" xmlns:p="http://schemas.openxmlformats.org/presentationml/2006/main" showMasterSp="0" showMasterPhAnim="0">
   <p:cSld>
     <p:spTree>
       <p:nvGrpSpPr>
-        <p:cNvPr id="229" name="Shape 229"/>
+        <p:cNvPr id="1" name="Shape 229"/>
         <p:cNvGrpSpPr/>
         <p:nvPr/>
       </p:nvGrpSpPr>
@@ -2436,9 +2545,11 @@
       <p:sp>
         <p:nvSpPr>
           <p:cNvPr id="230" name="Google Shape;230;ga4c32d34a4_0_0:notes"/>
-          <p:cNvSpPr/>
+          <p:cNvSpPr>
+            <a:spLocks noGrp="1" noRot="1" noChangeAspect="1"/>
+          </p:cNvSpPr>
           <p:nvPr>
-            <p:ph idx="2" type="sldImg"/>
+            <p:ph type="sldImg" idx="2"/>
           </p:nvPr>
         </p:nvSpPr>
         <p:spPr>
@@ -2447,9 +2558,13 @@
             <a:ext cx="6096000" cy="3429000"/>
           </a:xfrm>
           <a:custGeom>
-            <a:rect b="b" l="l" r="r" t="t"/>
+            <a:avLst/>
+            <a:gdLst/>
+            <a:ahLst/>
+            <a:cxnLst/>
+            <a:rect l="l" t="t" r="r" b="b"/>
             <a:pathLst>
-              <a:path extrusionOk="0" h="120000" w="120000">
+              <a:path w="120000" h="120000" extrusionOk="0">
                 <a:moveTo>
                   <a:pt x="0" y="0"/>
                 </a:moveTo>
@@ -2471,9 +2586,11 @@
       <p:sp>
         <p:nvSpPr>
           <p:cNvPr id="231" name="Google Shape;231;ga4c32d34a4_0_0:notes"/>
-          <p:cNvSpPr txBox="1"/>
+          <p:cNvSpPr txBox="1">
+            <a:spLocks noGrp="1"/>
+          </p:cNvSpPr>
           <p:nvPr>
-            <p:ph idx="1" type="body"/>
+            <p:ph type="body" idx="1"/>
           </p:nvPr>
         </p:nvSpPr>
         <p:spPr>
@@ -2486,12 +2603,12 @@
           </a:prstGeom>
         </p:spPr>
         <p:txBody>
-          <a:bodyPr anchorCtr="0" anchor="t" bIns="91425" lIns="91425" spcFirstLastPara="1" rIns="91425" wrap="square" tIns="91425">
+          <a:bodyPr spcFirstLastPara="1" wrap="square" lIns="91425" tIns="91425" rIns="91425" bIns="91425" anchor="t" anchorCtr="0">
             <a:noAutofit/>
           </a:bodyPr>
           <a:lstStyle/>
           <a:p>
-            <a:pPr indent="0" lvl="0" marL="0" rtl="0" algn="l">
+            <a:pPr marL="0" lvl="0" indent="0" algn="l" rtl="0">
               <a:spcBef>
                 <a:spcPts val="0"/>
               </a:spcBef>
@@ -2500,9 +2617,6 @@
               </a:spcAft>
               <a:buNone/>
             </a:pPr>
-            <a:r>
-              <a:t/>
-            </a:r>
             <a:endParaRPr/>
           </a:p>
         </p:txBody>
@@ -2516,11 +2630,11 @@
 </file>
 
 <file path=ppt/notesSlides/notesSlide3.xml><?xml version="1.0" encoding="utf-8"?>
-<p:notes xmlns:a="http://schemas.openxmlformats.org/drawingml/2006/main" xmlns:r="http://schemas.openxmlformats.org/officeDocument/2006/relationships" xmlns:mc="http://schemas.openxmlformats.org/markup-compatibility/2006" xmlns:mv="urn:schemas-microsoft-com:mac:vml" xmlns:p="http://schemas.openxmlformats.org/presentationml/2006/main" xmlns:c="http://schemas.openxmlformats.org/drawingml/2006/chart" xmlns:dgm="http://schemas.openxmlformats.org/drawingml/2006/diagram" xmlns:o="urn:schemas-microsoft-com:office:office" xmlns:v="urn:schemas-microsoft-com:vml" xmlns:pvml="urn:schemas-microsoft-com:office:powerpoint" xmlns:com="http://schemas.openxmlformats.org/drawingml/2006/compatibility" xmlns:p14="http://schemas.microsoft.com/office/powerpoint/2010/main" xmlns:p15="http://schemas.microsoft.com/office/powerpoint/2012/main" xmlns:ahyp="http://schemas.microsoft.com/office/drawing/2018/hyperlinkcolor" showMasterPhAnim="0" showMasterSp="0">
+<p:notes xmlns:a="http://schemas.openxmlformats.org/drawingml/2006/main" xmlns:r="http://schemas.openxmlformats.org/officeDocument/2006/relationships" xmlns:p="http://schemas.openxmlformats.org/presentationml/2006/main" showMasterSp="0" showMasterPhAnim="0">
   <p:cSld>
     <p:spTree>
       <p:nvGrpSpPr>
-        <p:cNvPr id="93" name="Shape 93"/>
+        <p:cNvPr id="1" name="Shape 93"/>
         <p:cNvGrpSpPr/>
         <p:nvPr/>
       </p:nvGrpSpPr>
@@ -2535,9 +2649,11 @@
       <p:sp>
         <p:nvSpPr>
           <p:cNvPr id="94" name="Google Shape;94;ga4c32d356e_2_5:notes"/>
-          <p:cNvSpPr/>
+          <p:cNvSpPr>
+            <a:spLocks noGrp="1" noRot="1" noChangeAspect="1"/>
+          </p:cNvSpPr>
           <p:nvPr>
-            <p:ph idx="2" type="sldImg"/>
+            <p:ph type="sldImg" idx="2"/>
           </p:nvPr>
         </p:nvSpPr>
         <p:spPr>
@@ -2546,9 +2662,13 @@
             <a:ext cx="6096000" cy="3429000"/>
           </a:xfrm>
           <a:custGeom>
-            <a:rect b="b" l="l" r="r" t="t"/>
+            <a:avLst/>
+            <a:gdLst/>
+            <a:ahLst/>
+            <a:cxnLst/>
+            <a:rect l="l" t="t" r="r" b="b"/>
             <a:pathLst>
-              <a:path extrusionOk="0" h="120000" w="120000">
+              <a:path w="120000" h="120000" extrusionOk="0">
                 <a:moveTo>
                   <a:pt x="0" y="0"/>
                 </a:moveTo>
@@ -2570,9 +2690,11 @@
       <p:sp>
         <p:nvSpPr>
           <p:cNvPr id="95" name="Google Shape;95;ga4c32d356e_2_5:notes"/>
-          <p:cNvSpPr txBox="1"/>
+          <p:cNvSpPr txBox="1">
+            <a:spLocks noGrp="1"/>
+          </p:cNvSpPr>
           <p:nvPr>
-            <p:ph idx="1" type="body"/>
+            <p:ph type="body" idx="1"/>
           </p:nvPr>
         </p:nvSpPr>
         <p:spPr>
@@ -2585,12 +2707,12 @@
           </a:prstGeom>
         </p:spPr>
         <p:txBody>
-          <a:bodyPr anchorCtr="0" anchor="t" bIns="91425" lIns="91425" spcFirstLastPara="1" rIns="91425" wrap="square" tIns="91425">
+          <a:bodyPr spcFirstLastPara="1" wrap="square" lIns="91425" tIns="91425" rIns="91425" bIns="91425" anchor="t" anchorCtr="0">
             <a:noAutofit/>
           </a:bodyPr>
           <a:lstStyle/>
           <a:p>
-            <a:pPr indent="0" lvl="0" marL="0" rtl="0" algn="l">
+            <a:pPr marL="0" lvl="0" indent="0" algn="l" rtl="0">
               <a:spcBef>
                 <a:spcPts val="0"/>
               </a:spcBef>
@@ -2599,9 +2721,6 @@
               </a:spcAft>
               <a:buNone/>
             </a:pPr>
-            <a:r>
-              <a:t/>
-            </a:r>
             <a:endParaRPr/>
           </a:p>
         </p:txBody>
@@ -2615,11 +2734,11 @@
 </file>
 
 <file path=ppt/notesSlides/notesSlide4.xml><?xml version="1.0" encoding="utf-8"?>
-<p:notes xmlns:a="http://schemas.openxmlformats.org/drawingml/2006/main" xmlns:r="http://schemas.openxmlformats.org/officeDocument/2006/relationships" xmlns:mc="http://schemas.openxmlformats.org/markup-compatibility/2006" xmlns:mv="urn:schemas-microsoft-com:mac:vml" xmlns:p="http://schemas.openxmlformats.org/presentationml/2006/main" xmlns:c="http://schemas.openxmlformats.org/drawingml/2006/chart" xmlns:dgm="http://schemas.openxmlformats.org/drawingml/2006/diagram" xmlns:o="urn:schemas-microsoft-com:office:office" xmlns:v="urn:schemas-microsoft-com:vml" xmlns:pvml="urn:schemas-microsoft-com:office:powerpoint" xmlns:com="http://schemas.openxmlformats.org/drawingml/2006/compatibility" xmlns:p14="http://schemas.microsoft.com/office/powerpoint/2010/main" xmlns:p15="http://schemas.microsoft.com/office/powerpoint/2012/main" xmlns:ahyp="http://schemas.microsoft.com/office/drawing/2018/hyperlinkcolor" showMasterPhAnim="0" showMasterSp="0">
+<p:notes xmlns:a="http://schemas.openxmlformats.org/drawingml/2006/main" xmlns:r="http://schemas.openxmlformats.org/officeDocument/2006/relationships" xmlns:p="http://schemas.openxmlformats.org/presentationml/2006/main" showMasterSp="0" showMasterPhAnim="0">
   <p:cSld>
     <p:spTree>
       <p:nvGrpSpPr>
-        <p:cNvPr id="99" name="Shape 99"/>
+        <p:cNvPr id="1" name="Shape 99"/>
         <p:cNvGrpSpPr/>
         <p:nvPr/>
       </p:nvGrpSpPr>
@@ -2634,9 +2753,11 @@
       <p:sp>
         <p:nvSpPr>
           <p:cNvPr id="100" name="Google Shape;100;ga4c32d356e_2_15:notes"/>
-          <p:cNvSpPr/>
+          <p:cNvSpPr>
+            <a:spLocks noGrp="1" noRot="1" noChangeAspect="1"/>
+          </p:cNvSpPr>
           <p:nvPr>
-            <p:ph idx="2" type="sldImg"/>
+            <p:ph type="sldImg" idx="2"/>
           </p:nvPr>
         </p:nvSpPr>
         <p:spPr>
@@ -2645,9 +2766,13 @@
             <a:ext cx="6096000" cy="3429000"/>
           </a:xfrm>
           <a:custGeom>
-            <a:rect b="b" l="l" r="r" t="t"/>
+            <a:avLst/>
+            <a:gdLst/>
+            <a:ahLst/>
+            <a:cxnLst/>
+            <a:rect l="l" t="t" r="r" b="b"/>
             <a:pathLst>
-              <a:path extrusionOk="0" h="120000" w="120000">
+              <a:path w="120000" h="120000" extrusionOk="0">
                 <a:moveTo>
                   <a:pt x="0" y="0"/>
                 </a:moveTo>
@@ -2669,9 +2794,11 @@
       <p:sp>
         <p:nvSpPr>
           <p:cNvPr id="101" name="Google Shape;101;ga4c32d356e_2_15:notes"/>
-          <p:cNvSpPr txBox="1"/>
+          <p:cNvSpPr txBox="1">
+            <a:spLocks noGrp="1"/>
+          </p:cNvSpPr>
           <p:nvPr>
-            <p:ph idx="1" type="body"/>
+            <p:ph type="body" idx="1"/>
           </p:nvPr>
         </p:nvSpPr>
         <p:spPr>
@@ -2684,12 +2811,12 @@
           </a:prstGeom>
         </p:spPr>
         <p:txBody>
-          <a:bodyPr anchorCtr="0" anchor="t" bIns="91425" lIns="91425" spcFirstLastPara="1" rIns="91425" wrap="square" tIns="91425">
+          <a:bodyPr spcFirstLastPara="1" wrap="square" lIns="91425" tIns="91425" rIns="91425" bIns="91425" anchor="t" anchorCtr="0">
             <a:noAutofit/>
           </a:bodyPr>
           <a:lstStyle/>
           <a:p>
-            <a:pPr indent="0" lvl="0" marL="0" rtl="0" algn="l">
+            <a:pPr marL="0" lvl="0" indent="0" algn="l" rtl="0">
               <a:spcBef>
                 <a:spcPts val="0"/>
               </a:spcBef>
@@ -2698,9 +2825,6 @@
               </a:spcAft>
               <a:buNone/>
             </a:pPr>
-            <a:r>
-              <a:t/>
-            </a:r>
             <a:endParaRPr/>
           </a:p>
         </p:txBody>
@@ -2714,11 +2838,11 @@
 </file>
 
 <file path=ppt/notesSlides/notesSlide5.xml><?xml version="1.0" encoding="utf-8"?>
-<p:notes xmlns:a="http://schemas.openxmlformats.org/drawingml/2006/main" xmlns:r="http://schemas.openxmlformats.org/officeDocument/2006/relationships" xmlns:mc="http://schemas.openxmlformats.org/markup-compatibility/2006" xmlns:mv="urn:schemas-microsoft-com:mac:vml" xmlns:p="http://schemas.openxmlformats.org/presentationml/2006/main" xmlns:c="http://schemas.openxmlformats.org/drawingml/2006/chart" xmlns:dgm="http://schemas.openxmlformats.org/drawingml/2006/diagram" xmlns:o="urn:schemas-microsoft-com:office:office" xmlns:v="urn:schemas-microsoft-com:vml" xmlns:pvml="urn:schemas-microsoft-com:office:powerpoint" xmlns:com="http://schemas.openxmlformats.org/drawingml/2006/compatibility" xmlns:p14="http://schemas.microsoft.com/office/powerpoint/2010/main" xmlns:p15="http://schemas.microsoft.com/office/powerpoint/2012/main" xmlns:ahyp="http://schemas.microsoft.com/office/drawing/2018/hyperlinkcolor" showMasterPhAnim="0" showMasterSp="0">
+<p:notes xmlns:a="http://schemas.openxmlformats.org/drawingml/2006/main" xmlns:r="http://schemas.openxmlformats.org/officeDocument/2006/relationships" xmlns:p="http://schemas.openxmlformats.org/presentationml/2006/main" showMasterSp="0" showMasterPhAnim="0">
   <p:cSld>
     <p:spTree>
       <p:nvGrpSpPr>
-        <p:cNvPr id="106" name="Shape 106"/>
+        <p:cNvPr id="1" name="Shape 106"/>
         <p:cNvGrpSpPr/>
         <p:nvPr/>
       </p:nvGrpSpPr>
@@ -2733,9 +2857,11 @@
       <p:sp>
         <p:nvSpPr>
           <p:cNvPr id="107" name="Google Shape;107;p:notes"/>
-          <p:cNvSpPr/>
+          <p:cNvSpPr>
+            <a:spLocks noGrp="1" noRot="1" noChangeAspect="1"/>
+          </p:cNvSpPr>
           <p:nvPr>
-            <p:ph idx="2" type="sldImg"/>
+            <p:ph type="sldImg" idx="2"/>
           </p:nvPr>
         </p:nvSpPr>
         <p:spPr>
@@ -2744,9 +2870,13 @@
             <a:ext cx="6096075" cy="3429000"/>
           </a:xfrm>
           <a:custGeom>
-            <a:rect b="b" l="l" r="r" t="t"/>
+            <a:avLst/>
+            <a:gdLst/>
+            <a:ahLst/>
+            <a:cxnLst/>
+            <a:rect l="l" t="t" r="r" b="b"/>
             <a:pathLst>
-              <a:path extrusionOk="0" h="120000" w="120000">
+              <a:path w="120000" h="120000" extrusionOk="0">
                 <a:moveTo>
                   <a:pt x="0" y="0"/>
                 </a:moveTo>
@@ -2768,9 +2898,11 @@
       <p:sp>
         <p:nvSpPr>
           <p:cNvPr id="108" name="Google Shape;108;p:notes"/>
-          <p:cNvSpPr txBox="1"/>
+          <p:cNvSpPr txBox="1">
+            <a:spLocks noGrp="1"/>
+          </p:cNvSpPr>
           <p:nvPr>
-            <p:ph idx="1" type="body"/>
+            <p:ph type="body" idx="1"/>
           </p:nvPr>
         </p:nvSpPr>
         <p:spPr>
@@ -2783,12 +2915,12 @@
           </a:prstGeom>
         </p:spPr>
         <p:txBody>
-          <a:bodyPr anchorCtr="0" anchor="t" bIns="91425" lIns="91425" spcFirstLastPara="1" rIns="91425" wrap="square" tIns="91425">
+          <a:bodyPr spcFirstLastPara="1" wrap="square" lIns="91425" tIns="91425" rIns="91425" bIns="91425" anchor="t" anchorCtr="0">
             <a:noAutofit/>
           </a:bodyPr>
           <a:lstStyle/>
           <a:p>
-            <a:pPr indent="0" lvl="0" marL="0" rtl="0" algn="l">
+            <a:pPr marL="0" lvl="0" indent="0" algn="l" rtl="0">
               <a:spcBef>
                 <a:spcPts val="0"/>
               </a:spcBef>
@@ -2797,9 +2929,6 @@
               </a:spcAft>
               <a:buNone/>
             </a:pPr>
-            <a:r>
-              <a:t/>
-            </a:r>
             <a:endParaRPr/>
           </a:p>
         </p:txBody>
@@ -2813,11 +2942,11 @@
 </file>
 
 <file path=ppt/notesSlides/notesSlide6.xml><?xml version="1.0" encoding="utf-8"?>
-<p:notes xmlns:a="http://schemas.openxmlformats.org/drawingml/2006/main" xmlns:r="http://schemas.openxmlformats.org/officeDocument/2006/relationships" xmlns:mc="http://schemas.openxmlformats.org/markup-compatibility/2006" xmlns:mv="urn:schemas-microsoft-com:mac:vml" xmlns:p="http://schemas.openxmlformats.org/presentationml/2006/main" xmlns:c="http://schemas.openxmlformats.org/drawingml/2006/chart" xmlns:dgm="http://schemas.openxmlformats.org/drawingml/2006/diagram" xmlns:o="urn:schemas-microsoft-com:office:office" xmlns:v="urn:schemas-microsoft-com:vml" xmlns:pvml="urn:schemas-microsoft-com:office:powerpoint" xmlns:com="http://schemas.openxmlformats.org/drawingml/2006/compatibility" xmlns:p14="http://schemas.microsoft.com/office/powerpoint/2010/main" xmlns:p15="http://schemas.microsoft.com/office/powerpoint/2012/main" xmlns:ahyp="http://schemas.microsoft.com/office/drawing/2018/hyperlinkcolor" showMasterPhAnim="0" showMasterSp="0">
+<p:notes xmlns:a="http://schemas.openxmlformats.org/drawingml/2006/main" xmlns:r="http://schemas.openxmlformats.org/officeDocument/2006/relationships" xmlns:p="http://schemas.openxmlformats.org/presentationml/2006/main" showMasterSp="0" showMasterPhAnim="0">
   <p:cSld>
     <p:spTree>
       <p:nvGrpSpPr>
-        <p:cNvPr id="112" name="Shape 112"/>
+        <p:cNvPr id="1" name="Shape 112"/>
         <p:cNvGrpSpPr/>
         <p:nvPr/>
       </p:nvGrpSpPr>
@@ -2832,9 +2961,11 @@
       <p:sp>
         <p:nvSpPr>
           <p:cNvPr id="113" name="Google Shape;113;ga4a82c9f5a_0_0:notes"/>
-          <p:cNvSpPr/>
+          <p:cNvSpPr>
+            <a:spLocks noGrp="1" noRot="1" noChangeAspect="1"/>
+          </p:cNvSpPr>
           <p:nvPr>
-            <p:ph idx="2" type="sldImg"/>
+            <p:ph type="sldImg" idx="2"/>
           </p:nvPr>
         </p:nvSpPr>
         <p:spPr>
@@ -2843,9 +2974,13 @@
             <a:ext cx="6096000" cy="3429000"/>
           </a:xfrm>
           <a:custGeom>
-            <a:rect b="b" l="l" r="r" t="t"/>
+            <a:avLst/>
+            <a:gdLst/>
+            <a:ahLst/>
+            <a:cxnLst/>
+            <a:rect l="l" t="t" r="r" b="b"/>
             <a:pathLst>
-              <a:path extrusionOk="0" h="120000" w="120000">
+              <a:path w="120000" h="120000" extrusionOk="0">
                 <a:moveTo>
                   <a:pt x="0" y="0"/>
                 </a:moveTo>
@@ -2867,9 +3002,11 @@
       <p:sp>
         <p:nvSpPr>
           <p:cNvPr id="114" name="Google Shape;114;ga4a82c9f5a_0_0:notes"/>
-          <p:cNvSpPr txBox="1"/>
+          <p:cNvSpPr txBox="1">
+            <a:spLocks noGrp="1"/>
+          </p:cNvSpPr>
           <p:nvPr>
-            <p:ph idx="1" type="body"/>
+            <p:ph type="body" idx="1"/>
           </p:nvPr>
         </p:nvSpPr>
         <p:spPr>
@@ -2882,12 +3019,12 @@
           </a:prstGeom>
         </p:spPr>
         <p:txBody>
-          <a:bodyPr anchorCtr="0" anchor="t" bIns="91425" lIns="91425" spcFirstLastPara="1" rIns="91425" wrap="square" tIns="91425">
+          <a:bodyPr spcFirstLastPara="1" wrap="square" lIns="91425" tIns="91425" rIns="91425" bIns="91425" anchor="t" anchorCtr="0">
             <a:noAutofit/>
           </a:bodyPr>
           <a:lstStyle/>
           <a:p>
-            <a:pPr indent="0" lvl="0" marL="0" rtl="0" algn="l">
+            <a:pPr marL="0" lvl="0" indent="0" algn="l" rtl="0">
               <a:spcBef>
                 <a:spcPts val="0"/>
               </a:spcBef>
@@ -2896,9 +3033,6 @@
               </a:spcAft>
               <a:buNone/>
             </a:pPr>
-            <a:r>
-              <a:t/>
-            </a:r>
             <a:endParaRPr/>
           </a:p>
         </p:txBody>
@@ -2912,11 +3046,11 @@
 </file>
 
 <file path=ppt/notesSlides/notesSlide7.xml><?xml version="1.0" encoding="utf-8"?>
-<p:notes xmlns:a="http://schemas.openxmlformats.org/drawingml/2006/main" xmlns:r="http://schemas.openxmlformats.org/officeDocument/2006/relationships" xmlns:mc="http://schemas.openxmlformats.org/markup-compatibility/2006" xmlns:mv="urn:schemas-microsoft-com:mac:vml" xmlns:p="http://schemas.openxmlformats.org/presentationml/2006/main" xmlns:c="http://schemas.openxmlformats.org/drawingml/2006/chart" xmlns:dgm="http://schemas.openxmlformats.org/drawingml/2006/diagram" xmlns:o="urn:schemas-microsoft-com:office:office" xmlns:v="urn:schemas-microsoft-com:vml" xmlns:pvml="urn:schemas-microsoft-com:office:powerpoint" xmlns:com="http://schemas.openxmlformats.org/drawingml/2006/compatibility" xmlns:p14="http://schemas.microsoft.com/office/powerpoint/2010/main" xmlns:p15="http://schemas.microsoft.com/office/powerpoint/2012/main" xmlns:ahyp="http://schemas.microsoft.com/office/drawing/2018/hyperlinkcolor" showMasterPhAnim="0" showMasterSp="0">
+<p:notes xmlns:a="http://schemas.openxmlformats.org/drawingml/2006/main" xmlns:r="http://schemas.openxmlformats.org/officeDocument/2006/relationships" xmlns:p="http://schemas.openxmlformats.org/presentationml/2006/main" showMasterSp="0" showMasterPhAnim="0">
   <p:cSld>
     <p:spTree>
       <p:nvGrpSpPr>
-        <p:cNvPr id="117" name="Shape 117"/>
+        <p:cNvPr id="1" name="Shape 117"/>
         <p:cNvGrpSpPr/>
         <p:nvPr/>
       </p:nvGrpSpPr>
@@ -2931,9 +3065,11 @@
       <p:sp>
         <p:nvSpPr>
           <p:cNvPr id="118" name="Google Shape;118;ga4a82c9f5a_0_5:notes"/>
-          <p:cNvSpPr/>
+          <p:cNvSpPr>
+            <a:spLocks noGrp="1" noRot="1" noChangeAspect="1"/>
+          </p:cNvSpPr>
           <p:nvPr>
-            <p:ph idx="2" type="sldImg"/>
+            <p:ph type="sldImg" idx="2"/>
           </p:nvPr>
         </p:nvSpPr>
         <p:spPr>
@@ -2942,9 +3078,13 @@
             <a:ext cx="6096000" cy="3429000"/>
           </a:xfrm>
           <a:custGeom>
-            <a:rect b="b" l="l" r="r" t="t"/>
+            <a:avLst/>
+            <a:gdLst/>
+            <a:ahLst/>
+            <a:cxnLst/>
+            <a:rect l="l" t="t" r="r" b="b"/>
             <a:pathLst>
-              <a:path extrusionOk="0" h="120000" w="120000">
+              <a:path w="120000" h="120000" extrusionOk="0">
                 <a:moveTo>
                   <a:pt x="0" y="0"/>
                 </a:moveTo>
@@ -2966,9 +3106,11 @@
       <p:sp>
         <p:nvSpPr>
           <p:cNvPr id="119" name="Google Shape;119;ga4a82c9f5a_0_5:notes"/>
-          <p:cNvSpPr txBox="1"/>
+          <p:cNvSpPr txBox="1">
+            <a:spLocks noGrp="1"/>
+          </p:cNvSpPr>
           <p:nvPr>
-            <p:ph idx="1" type="body"/>
+            <p:ph type="body" idx="1"/>
           </p:nvPr>
         </p:nvSpPr>
         <p:spPr>
@@ -2981,12 +3123,12 @@
           </a:prstGeom>
         </p:spPr>
         <p:txBody>
-          <a:bodyPr anchorCtr="0" anchor="t" bIns="91425" lIns="91425" spcFirstLastPara="1" rIns="91425" wrap="square" tIns="91425">
+          <a:bodyPr spcFirstLastPara="1" wrap="square" lIns="91425" tIns="91425" rIns="91425" bIns="91425" anchor="t" anchorCtr="0">
             <a:noAutofit/>
           </a:bodyPr>
           <a:lstStyle/>
           <a:p>
-            <a:pPr indent="0" lvl="0" marL="0" rtl="0" algn="l">
+            <a:pPr marL="0" lvl="0" indent="0" algn="l" rtl="0">
               <a:spcBef>
                 <a:spcPts val="0"/>
               </a:spcBef>
@@ -2995,9 +3137,6 @@
               </a:spcAft>
               <a:buNone/>
             </a:pPr>
-            <a:r>
-              <a:t/>
-            </a:r>
             <a:endParaRPr/>
           </a:p>
         </p:txBody>
@@ -3011,11 +3150,11 @@
 </file>
 
 <file path=ppt/notesSlides/notesSlide8.xml><?xml version="1.0" encoding="utf-8"?>
-<p:notes xmlns:a="http://schemas.openxmlformats.org/drawingml/2006/main" xmlns:r="http://schemas.openxmlformats.org/officeDocument/2006/relationships" xmlns:mc="http://schemas.openxmlformats.org/markup-compatibility/2006" xmlns:mv="urn:schemas-microsoft-com:mac:vml" xmlns:p="http://schemas.openxmlformats.org/presentationml/2006/main" xmlns:c="http://schemas.openxmlformats.org/drawingml/2006/chart" xmlns:dgm="http://schemas.openxmlformats.org/drawingml/2006/diagram" xmlns:o="urn:schemas-microsoft-com:office:office" xmlns:v="urn:schemas-microsoft-com:vml" xmlns:pvml="urn:schemas-microsoft-com:office:powerpoint" xmlns:com="http://schemas.openxmlformats.org/drawingml/2006/compatibility" xmlns:p14="http://schemas.microsoft.com/office/powerpoint/2010/main" xmlns:p15="http://schemas.microsoft.com/office/powerpoint/2012/main" xmlns:ahyp="http://schemas.microsoft.com/office/drawing/2018/hyperlinkcolor" showMasterPhAnim="0" showMasterSp="0">
+<p:notes xmlns:a="http://schemas.openxmlformats.org/drawingml/2006/main" xmlns:r="http://schemas.openxmlformats.org/officeDocument/2006/relationships" xmlns:p="http://schemas.openxmlformats.org/presentationml/2006/main" showMasterSp="0" showMasterPhAnim="0">
   <p:cSld>
     <p:spTree>
       <p:nvGrpSpPr>
-        <p:cNvPr id="122" name="Shape 122"/>
+        <p:cNvPr id="1" name="Shape 122"/>
         <p:cNvGrpSpPr/>
         <p:nvPr/>
       </p:nvGrpSpPr>
@@ -3030,9 +3169,11 @@
       <p:sp>
         <p:nvSpPr>
           <p:cNvPr id="123" name="Google Shape;123;ga4c32d356e_0_0:notes"/>
-          <p:cNvSpPr/>
+          <p:cNvSpPr>
+            <a:spLocks noGrp="1" noRot="1" noChangeAspect="1"/>
+          </p:cNvSpPr>
           <p:nvPr>
-            <p:ph idx="2" type="sldImg"/>
+            <p:ph type="sldImg" idx="2"/>
           </p:nvPr>
         </p:nvSpPr>
         <p:spPr>
@@ -3041,9 +3182,13 @@
             <a:ext cx="6096000" cy="3429000"/>
           </a:xfrm>
           <a:custGeom>
-            <a:rect b="b" l="l" r="r" t="t"/>
+            <a:avLst/>
+            <a:gdLst/>
+            <a:ahLst/>
+            <a:cxnLst/>
+            <a:rect l="l" t="t" r="r" b="b"/>
             <a:pathLst>
-              <a:path extrusionOk="0" h="120000" w="120000">
+              <a:path w="120000" h="120000" extrusionOk="0">
                 <a:moveTo>
                   <a:pt x="0" y="0"/>
                 </a:moveTo>
@@ -3065,9 +3210,11 @@
       <p:sp>
         <p:nvSpPr>
           <p:cNvPr id="124" name="Google Shape;124;ga4c32d356e_0_0:notes"/>
-          <p:cNvSpPr txBox="1"/>
+          <p:cNvSpPr txBox="1">
+            <a:spLocks noGrp="1"/>
+          </p:cNvSpPr>
           <p:nvPr>
-            <p:ph idx="1" type="body"/>
+            <p:ph type="body" idx="1"/>
           </p:nvPr>
         </p:nvSpPr>
         <p:spPr>
@@ -3080,12 +3227,12 @@
           </a:prstGeom>
         </p:spPr>
         <p:txBody>
-          <a:bodyPr anchorCtr="0" anchor="t" bIns="91425" lIns="91425" spcFirstLastPara="1" rIns="91425" wrap="square" tIns="91425">
+          <a:bodyPr spcFirstLastPara="1" wrap="square" lIns="91425" tIns="91425" rIns="91425" bIns="91425" anchor="t" anchorCtr="0">
             <a:noAutofit/>
           </a:bodyPr>
           <a:lstStyle/>
           <a:p>
-            <a:pPr indent="0" lvl="0" marL="0" rtl="0" algn="l">
+            <a:pPr marL="0" lvl="0" indent="0" algn="l" rtl="0">
               <a:spcBef>
                 <a:spcPts val="0"/>
               </a:spcBef>
@@ -3094,9 +3241,6 @@
               </a:spcAft>
               <a:buNone/>
             </a:pPr>
-            <a:r>
-              <a:t/>
-            </a:r>
             <a:endParaRPr/>
           </a:p>
         </p:txBody>
@@ -3110,11 +3254,11 @@
 </file>
 
 <file path=ppt/notesSlides/notesSlide9.xml><?xml version="1.0" encoding="utf-8"?>
-<p:notes xmlns:a="http://schemas.openxmlformats.org/drawingml/2006/main" xmlns:r="http://schemas.openxmlformats.org/officeDocument/2006/relationships" xmlns:mc="http://schemas.openxmlformats.org/markup-compatibility/2006" xmlns:mv="urn:schemas-microsoft-com:mac:vml" xmlns:p="http://schemas.openxmlformats.org/presentationml/2006/main" xmlns:c="http://schemas.openxmlformats.org/drawingml/2006/chart" xmlns:dgm="http://schemas.openxmlformats.org/drawingml/2006/diagram" xmlns:o="urn:schemas-microsoft-com:office:office" xmlns:v="urn:schemas-microsoft-com:vml" xmlns:pvml="urn:schemas-microsoft-com:office:powerpoint" xmlns:com="http://schemas.openxmlformats.org/drawingml/2006/compatibility" xmlns:p14="http://schemas.microsoft.com/office/powerpoint/2010/main" xmlns:p15="http://schemas.microsoft.com/office/powerpoint/2012/main" xmlns:ahyp="http://schemas.microsoft.com/office/drawing/2018/hyperlinkcolor" showMasterPhAnim="0" showMasterSp="0">
+<p:notes xmlns:a="http://schemas.openxmlformats.org/drawingml/2006/main" xmlns:r="http://schemas.openxmlformats.org/officeDocument/2006/relationships" xmlns:p="http://schemas.openxmlformats.org/presentationml/2006/main" showMasterSp="0" showMasterPhAnim="0">
   <p:cSld>
     <p:spTree>
       <p:nvGrpSpPr>
-        <p:cNvPr id="129" name="Shape 129"/>
+        <p:cNvPr id="1" name="Shape 129"/>
         <p:cNvGrpSpPr/>
         <p:nvPr/>
       </p:nvGrpSpPr>
@@ -3129,9 +3273,11 @@
       <p:sp>
         <p:nvSpPr>
           <p:cNvPr id="130" name="Google Shape;130;g9f8c601ea3_0_8:notes"/>
-          <p:cNvSpPr/>
+          <p:cNvSpPr>
+            <a:spLocks noGrp="1" noRot="1" noChangeAspect="1"/>
+          </p:cNvSpPr>
           <p:nvPr>
-            <p:ph idx="2" type="sldImg"/>
+            <p:ph type="sldImg" idx="2"/>
           </p:nvPr>
         </p:nvSpPr>
         <p:spPr>
@@ -3140,9 +3286,13 @@
             <a:ext cx="6096000" cy="3429000"/>
           </a:xfrm>
           <a:custGeom>
-            <a:rect b="b" l="l" r="r" t="t"/>
+            <a:avLst/>
+            <a:gdLst/>
+            <a:ahLst/>
+            <a:cxnLst/>
+            <a:rect l="l" t="t" r="r" b="b"/>
             <a:pathLst>
-              <a:path extrusionOk="0" h="120000" w="120000">
+              <a:path w="120000" h="120000" extrusionOk="0">
                 <a:moveTo>
                   <a:pt x="0" y="0"/>
                 </a:moveTo>
@@ -3164,9 +3314,11 @@
       <p:sp>
         <p:nvSpPr>
           <p:cNvPr id="131" name="Google Shape;131;g9f8c601ea3_0_8:notes"/>
-          <p:cNvSpPr txBox="1"/>
+          <p:cNvSpPr txBox="1">
+            <a:spLocks noGrp="1"/>
+          </p:cNvSpPr>
           <p:nvPr>
-            <p:ph idx="1" type="body"/>
+            <p:ph type="body" idx="1"/>
           </p:nvPr>
         </p:nvSpPr>
         <p:spPr>
@@ -3179,12 +3331,12 @@
           </a:prstGeom>
         </p:spPr>
         <p:txBody>
-          <a:bodyPr anchorCtr="0" anchor="t" bIns="91425" lIns="91425" spcFirstLastPara="1" rIns="91425" wrap="square" tIns="91425">
+          <a:bodyPr spcFirstLastPara="1" wrap="square" lIns="91425" tIns="91425" rIns="91425" bIns="91425" anchor="t" anchorCtr="0">
             <a:noAutofit/>
           </a:bodyPr>
           <a:lstStyle/>
           <a:p>
-            <a:pPr indent="0" lvl="0" marL="0" rtl="0" algn="l">
+            <a:pPr marL="0" lvl="0" indent="0" algn="l" rtl="0">
               <a:spcBef>
                 <a:spcPts val="0"/>
               </a:spcBef>
@@ -3193,9 +3345,6 @@
               </a:spcAft>
               <a:buNone/>
             </a:pPr>
-            <a:r>
-              <a:t/>
-            </a:r>
             <a:endParaRPr/>
           </a:p>
         </p:txBody>
@@ -3209,18 +3358,19 @@
 </file>
 
 <file path=ppt/slideLayouts/slideLayout1.xml><?xml version="1.0" encoding="utf-8"?>
-<p:sldLayout xmlns:a="http://schemas.openxmlformats.org/drawingml/2006/main" xmlns:r="http://schemas.openxmlformats.org/officeDocument/2006/relationships" xmlns:mc="http://schemas.openxmlformats.org/markup-compatibility/2006" xmlns:mv="urn:schemas-microsoft-com:mac:vml" xmlns:p="http://schemas.openxmlformats.org/presentationml/2006/main" xmlns:c="http://schemas.openxmlformats.org/drawingml/2006/chart" xmlns:dgm="http://schemas.openxmlformats.org/drawingml/2006/diagram" xmlns:o="urn:schemas-microsoft-com:office:office" xmlns:v="urn:schemas-microsoft-com:vml" xmlns:pvml="urn:schemas-microsoft-com:office:powerpoint" xmlns:com="http://schemas.openxmlformats.org/drawingml/2006/compatibility" xmlns:p14="http://schemas.microsoft.com/office/powerpoint/2010/main" xmlns:p15="http://schemas.microsoft.com/office/powerpoint/2012/main" xmlns:ahyp="http://schemas.microsoft.com/office/drawing/2018/hyperlinkcolor" matchingName="Title slide" type="title">
+<p:sldLayout xmlns:a="http://schemas.openxmlformats.org/drawingml/2006/main" xmlns:r="http://schemas.openxmlformats.org/officeDocument/2006/relationships" xmlns:p="http://schemas.openxmlformats.org/presentationml/2006/main" matchingName="Title slide" type="title">
   <p:cSld name="TITLE">
     <p:bg>
       <p:bgPr>
         <a:solidFill>
           <a:schemeClr val="lt2"/>
         </a:solidFill>
+        <a:effectLst/>
       </p:bgPr>
     </p:bg>
     <p:spTree>
       <p:nvGrpSpPr>
-        <p:cNvPr id="9" name="Shape 9"/>
+        <p:cNvPr id="1" name="Shape 9"/>
         <p:cNvGrpSpPr/>
         <p:nvPr/>
       </p:nvGrpSpPr>
@@ -3254,12 +3404,12 @@
           </a:ln>
         </p:spPr>
         <p:txBody>
-          <a:bodyPr anchorCtr="0" anchor="ctr" bIns="91425" lIns="91425" spcFirstLastPara="1" rIns="91425" wrap="square" tIns="91425">
+          <a:bodyPr spcFirstLastPara="1" wrap="square" lIns="91425" tIns="91425" rIns="91425" bIns="91425" anchor="ctr" anchorCtr="0">
             <a:noAutofit/>
           </a:bodyPr>
           <a:lstStyle/>
           <a:p>
-            <a:pPr indent="0" lvl="0" marL="0" rtl="0" algn="l">
+            <a:pPr marL="0" lvl="0" indent="0" algn="l" rtl="0">
               <a:spcBef>
                 <a:spcPts val="0"/>
               </a:spcBef>
@@ -3268,9 +3418,6 @@
               </a:spcAft>
               <a:buNone/>
             </a:pPr>
-            <a:r>
-              <a:t/>
-            </a:r>
             <a:endParaRPr/>
           </a:p>
         </p:txBody>
@@ -3311,12 +3458,12 @@
             </a:ln>
           </p:spPr>
           <p:txBody>
-            <a:bodyPr anchorCtr="0" anchor="ctr" bIns="91425" lIns="91425" spcFirstLastPara="1" rIns="91425" wrap="square" tIns="91425">
+            <a:bodyPr spcFirstLastPara="1" wrap="square" lIns="91425" tIns="91425" rIns="91425" bIns="91425" anchor="ctr" anchorCtr="0">
               <a:noAutofit/>
             </a:bodyPr>
             <a:lstStyle/>
             <a:p>
-              <a:pPr indent="0" lvl="0" marL="0" rtl="0" algn="l">
+              <a:pPr marL="0" lvl="0" indent="0" algn="l" rtl="0">
                 <a:spcBef>
                   <a:spcPts val="0"/>
                 </a:spcBef>
@@ -3325,9 +3472,6 @@
                 </a:spcAft>
                 <a:buNone/>
               </a:pPr>
-              <a:r>
-                <a:t/>
-              </a:r>
               <a:endParaRPr/>
             </a:p>
           </p:txBody>
@@ -3354,12 +3498,12 @@
             </a:ln>
           </p:spPr>
           <p:txBody>
-            <a:bodyPr anchorCtr="0" anchor="ctr" bIns="91425" lIns="91425" spcFirstLastPara="1" rIns="91425" wrap="square" tIns="91425">
+            <a:bodyPr spcFirstLastPara="1" wrap="square" lIns="91425" tIns="91425" rIns="91425" bIns="91425" anchor="ctr" anchorCtr="0">
               <a:noAutofit/>
             </a:bodyPr>
             <a:lstStyle/>
             <a:p>
-              <a:pPr indent="0" lvl="0" marL="0" rtl="0" algn="l">
+              <a:pPr marL="0" lvl="0" indent="0" algn="l" rtl="0">
                 <a:spcBef>
                   <a:spcPts val="0"/>
                 </a:spcBef>
@@ -3368,9 +3512,6 @@
                 </a:spcAft>
                 <a:buNone/>
               </a:pPr>
-              <a:r>
-                <a:t/>
-              </a:r>
               <a:endParaRPr/>
             </a:p>
           </p:txBody>
@@ -3379,7 +3520,9 @@
       <p:sp>
         <p:nvSpPr>
           <p:cNvPr id="14" name="Google Shape;14;p2"/>
-          <p:cNvSpPr txBox="1"/>
+          <p:cNvSpPr txBox="1">
+            <a:spLocks noGrp="1"/>
+          </p:cNvSpPr>
           <p:nvPr>
             <p:ph type="ctrTitle"/>
           </p:nvPr>
@@ -3394,7 +3537,7 @@
           </a:prstGeom>
         </p:spPr>
         <p:txBody>
-          <a:bodyPr anchorCtr="0" anchor="t" bIns="91425" lIns="91425" spcFirstLastPara="1" rIns="91425" wrap="square" tIns="91425">
+          <a:bodyPr spcFirstLastPara="1" wrap="square" lIns="91425" tIns="91425" rIns="91425" bIns="91425" anchor="t" anchorCtr="0">
             <a:noAutofit/>
           </a:bodyPr>
           <a:lstStyle>
@@ -3561,15 +3704,19 @@
               </a:defRPr>
             </a:lvl9pPr>
           </a:lstStyle>
-          <a:p/>
+          <a:p>
+            <a:endParaRPr/>
+          </a:p>
         </p:txBody>
       </p:sp>
       <p:sp>
         <p:nvSpPr>
           <p:cNvPr id="15" name="Google Shape;15;p2"/>
-          <p:cNvSpPr txBox="1"/>
+          <p:cNvSpPr txBox="1">
+            <a:spLocks noGrp="1"/>
+          </p:cNvSpPr>
           <p:nvPr>
-            <p:ph idx="1" type="subTitle"/>
+            <p:ph type="subTitle" idx="1"/>
           </p:nvPr>
         </p:nvSpPr>
         <p:spPr>
@@ -3582,7 +3729,7 @@
           </a:prstGeom>
         </p:spPr>
         <p:txBody>
-          <a:bodyPr anchorCtr="0" anchor="t" bIns="91425" lIns="91425" spcFirstLastPara="1" rIns="91425" wrap="square" tIns="91425">
+          <a:bodyPr spcFirstLastPara="1" wrap="square" lIns="91425" tIns="91425" rIns="91425" bIns="91425" anchor="t" anchorCtr="0">
             <a:noAutofit/>
           </a:bodyPr>
           <a:lstStyle>
@@ -3713,15 +3860,19 @@
               <a:defRPr sz="1600"/>
             </a:lvl9pPr>
           </a:lstStyle>
-          <a:p/>
+          <a:p>
+            <a:endParaRPr/>
+          </a:p>
         </p:txBody>
       </p:sp>
       <p:sp>
         <p:nvSpPr>
           <p:cNvPr id="16" name="Google Shape;16;p2"/>
-          <p:cNvSpPr txBox="1"/>
+          <p:cNvSpPr txBox="1">
+            <a:spLocks noGrp="1"/>
+          </p:cNvSpPr>
           <p:nvPr>
-            <p:ph idx="12" type="sldNum"/>
+            <p:ph type="sldNum" idx="12"/>
           </p:nvPr>
         </p:nvSpPr>
         <p:spPr>
@@ -3734,7 +3885,7 @@
           </a:prstGeom>
         </p:spPr>
         <p:txBody>
-          <a:bodyPr anchorCtr="0" anchor="ctr" bIns="91425" lIns="91425" spcFirstLastPara="1" rIns="91425" wrap="square" tIns="91425">
+          <a:bodyPr spcFirstLastPara="1" wrap="square" lIns="91425" tIns="91425" rIns="91425" bIns="91425" anchor="ctr" anchorCtr="0">
             <a:noAutofit/>
           </a:bodyPr>
           <a:lstStyle>
@@ -3776,7 +3927,7 @@
             </a:lvl9pPr>
           </a:lstStyle>
           <a:p>
-            <a:pPr indent="0" lvl="0" marL="0" rtl="0" algn="r">
+            <a:pPr marL="0" lvl="0" indent="0" algn="r" rtl="0">
               <a:spcBef>
                 <a:spcPts val="0"/>
               </a:spcBef>
@@ -3802,18 +3953,19 @@
 </file>
 
 <file path=ppt/slideLayouts/slideLayout10.xml><?xml version="1.0" encoding="utf-8"?>
-<p:sldLayout xmlns:a="http://schemas.openxmlformats.org/drawingml/2006/main" xmlns:r="http://schemas.openxmlformats.org/officeDocument/2006/relationships" xmlns:mc="http://schemas.openxmlformats.org/markup-compatibility/2006" xmlns:mv="urn:schemas-microsoft-com:mac:vml" xmlns:p="http://schemas.openxmlformats.org/presentationml/2006/main" xmlns:c="http://schemas.openxmlformats.org/drawingml/2006/chart" xmlns:dgm="http://schemas.openxmlformats.org/drawingml/2006/diagram" xmlns:o="urn:schemas-microsoft-com:office:office" xmlns:v="urn:schemas-microsoft-com:vml" xmlns:pvml="urn:schemas-microsoft-com:office:powerpoint" xmlns:com="http://schemas.openxmlformats.org/drawingml/2006/compatibility" xmlns:p14="http://schemas.microsoft.com/office/powerpoint/2010/main" xmlns:p15="http://schemas.microsoft.com/office/powerpoint/2012/main" xmlns:ahyp="http://schemas.microsoft.com/office/drawing/2018/hyperlinkcolor" matchingName="Big number">
+<p:sldLayout xmlns:a="http://schemas.openxmlformats.org/drawingml/2006/main" xmlns:r="http://schemas.openxmlformats.org/officeDocument/2006/relationships" xmlns:p="http://schemas.openxmlformats.org/presentationml/2006/main" matchingName="Big number">
   <p:cSld name="BIG_NUMBER">
     <p:bg>
       <p:bgPr>
         <a:solidFill>
           <a:schemeClr val="dk1"/>
         </a:solidFill>
+        <a:effectLst/>
       </p:bgPr>
     </p:bg>
     <p:spTree>
       <p:nvGrpSpPr>
-        <p:cNvPr id="73" name="Shape 73"/>
+        <p:cNvPr id="1" name="Shape 73"/>
         <p:cNvGrpSpPr/>
         <p:nvPr/>
       </p:nvGrpSpPr>
@@ -3861,12 +4013,12 @@
             </a:ln>
           </p:spPr>
           <p:txBody>
-            <a:bodyPr anchorCtr="0" anchor="ctr" bIns="91425" lIns="91425" spcFirstLastPara="1" rIns="91425" wrap="square" tIns="91425">
+            <a:bodyPr spcFirstLastPara="1" wrap="square" lIns="91425" tIns="91425" rIns="91425" bIns="91425" anchor="ctr" anchorCtr="0">
               <a:noAutofit/>
             </a:bodyPr>
             <a:lstStyle/>
             <a:p>
-              <a:pPr indent="0" lvl="0" marL="0" rtl="0" algn="l">
+              <a:pPr marL="0" lvl="0" indent="0" algn="l" rtl="0">
                 <a:spcBef>
                   <a:spcPts val="0"/>
                 </a:spcBef>
@@ -3875,9 +4027,6 @@
                 </a:spcAft>
                 <a:buNone/>
               </a:pPr>
-              <a:r>
-                <a:t/>
-              </a:r>
               <a:endParaRPr/>
             </a:p>
           </p:txBody>
@@ -3904,12 +4053,12 @@
             </a:ln>
           </p:spPr>
           <p:txBody>
-            <a:bodyPr anchorCtr="0" anchor="ctr" bIns="91425" lIns="91425" spcFirstLastPara="1" rIns="91425" wrap="square" tIns="91425">
+            <a:bodyPr spcFirstLastPara="1" wrap="square" lIns="91425" tIns="91425" rIns="91425" bIns="91425" anchor="ctr" anchorCtr="0">
               <a:noAutofit/>
             </a:bodyPr>
             <a:lstStyle/>
             <a:p>
-              <a:pPr indent="0" lvl="0" marL="0" rtl="0" algn="l">
+              <a:pPr marL="0" lvl="0" indent="0" algn="l" rtl="0">
                 <a:spcBef>
                   <a:spcPts val="0"/>
                 </a:spcBef>
@@ -3918,9 +4067,6 @@
                 </a:spcAft>
                 <a:buNone/>
               </a:pPr>
-              <a:r>
-                <a:t/>
-              </a:r>
               <a:endParaRPr/>
             </a:p>
           </p:txBody>
@@ -3929,9 +4075,11 @@
       <p:sp>
         <p:nvSpPr>
           <p:cNvPr id="77" name="Google Shape;77;p11"/>
-          <p:cNvSpPr txBox="1"/>
+          <p:cNvSpPr txBox="1">
+            <a:spLocks noGrp="1"/>
+          </p:cNvSpPr>
           <p:nvPr>
-            <p:ph hasCustomPrompt="1" type="title"/>
+            <p:ph type="title" hasCustomPrompt="1"/>
           </p:nvPr>
         </p:nvSpPr>
         <p:spPr>
@@ -3944,7 +4092,7 @@
           </a:prstGeom>
         </p:spPr>
         <p:txBody>
-          <a:bodyPr anchorCtr="0" anchor="t" bIns="91425" lIns="91425" spcFirstLastPara="1" rIns="91425" wrap="square" tIns="91425">
+          <a:bodyPr spcFirstLastPara="1" wrap="square" lIns="91425" tIns="91425" rIns="91425" bIns="91425" anchor="t" anchorCtr="0">
             <a:noAutofit/>
           </a:bodyPr>
           <a:lstStyle>
@@ -4121,9 +4269,11 @@
       <p:sp>
         <p:nvSpPr>
           <p:cNvPr id="78" name="Google Shape;78;p11"/>
-          <p:cNvSpPr txBox="1"/>
+          <p:cNvSpPr txBox="1">
+            <a:spLocks noGrp="1"/>
+          </p:cNvSpPr>
           <p:nvPr>
-            <p:ph idx="1" type="body"/>
+            <p:ph type="body" idx="1"/>
           </p:nvPr>
         </p:nvSpPr>
         <p:spPr>
@@ -4136,11 +4286,11 @@
           </a:prstGeom>
         </p:spPr>
         <p:txBody>
-          <a:bodyPr anchorCtr="0" anchor="t" bIns="91425" lIns="91425" spcFirstLastPara="1" rIns="91425" wrap="square" tIns="91425">
+          <a:bodyPr spcFirstLastPara="1" wrap="square" lIns="91425" tIns="91425" rIns="91425" bIns="91425" anchor="t" anchorCtr="0">
             <a:noAutofit/>
           </a:bodyPr>
           <a:lstStyle>
-            <a:lvl1pPr indent="-311150" lvl="0" marL="457200">
+            <a:lvl1pPr marL="457200" lvl="0" indent="-311150">
               <a:spcBef>
                 <a:spcPts val="0"/>
               </a:spcBef>
@@ -4158,7 +4308,7 @@
                 </a:solidFill>
               </a:defRPr>
             </a:lvl1pPr>
-            <a:lvl2pPr indent="-298450" lvl="1" marL="914400">
+            <a:lvl2pPr marL="914400" lvl="1" indent="-298450">
               <a:spcBef>
                 <a:spcPts val="1600"/>
               </a:spcBef>
@@ -4176,7 +4326,7 @@
                 </a:solidFill>
               </a:defRPr>
             </a:lvl2pPr>
-            <a:lvl3pPr indent="-298450" lvl="2" marL="1371600">
+            <a:lvl3pPr marL="1371600" lvl="2" indent="-298450">
               <a:spcBef>
                 <a:spcPts val="1600"/>
               </a:spcBef>
@@ -4194,7 +4344,7 @@
                 </a:solidFill>
               </a:defRPr>
             </a:lvl3pPr>
-            <a:lvl4pPr indent="-298450" lvl="3" marL="1828800">
+            <a:lvl4pPr marL="1828800" lvl="3" indent="-298450">
               <a:spcBef>
                 <a:spcPts val="1600"/>
               </a:spcBef>
@@ -4212,7 +4362,7 @@
                 </a:solidFill>
               </a:defRPr>
             </a:lvl4pPr>
-            <a:lvl5pPr indent="-298450" lvl="4" marL="2286000">
+            <a:lvl5pPr marL="2286000" lvl="4" indent="-298450">
               <a:spcBef>
                 <a:spcPts val="1600"/>
               </a:spcBef>
@@ -4230,7 +4380,7 @@
                 </a:solidFill>
               </a:defRPr>
             </a:lvl5pPr>
-            <a:lvl6pPr indent="-298450" lvl="5" marL="2743200">
+            <a:lvl6pPr marL="2743200" lvl="5" indent="-298450">
               <a:spcBef>
                 <a:spcPts val="1600"/>
               </a:spcBef>
@@ -4248,7 +4398,7 @@
                 </a:solidFill>
               </a:defRPr>
             </a:lvl6pPr>
-            <a:lvl7pPr indent="-298450" lvl="6" marL="3200400">
+            <a:lvl7pPr marL="3200400" lvl="6" indent="-298450">
               <a:spcBef>
                 <a:spcPts val="1600"/>
               </a:spcBef>
@@ -4266,7 +4416,7 @@
                 </a:solidFill>
               </a:defRPr>
             </a:lvl7pPr>
-            <a:lvl8pPr indent="-298450" lvl="7" marL="3657600">
+            <a:lvl8pPr marL="3657600" lvl="7" indent="-298450">
               <a:spcBef>
                 <a:spcPts val="1600"/>
               </a:spcBef>
@@ -4284,7 +4434,7 @@
                 </a:solidFill>
               </a:defRPr>
             </a:lvl8pPr>
-            <a:lvl9pPr indent="-298450" lvl="8" marL="4114800">
+            <a:lvl9pPr marL="4114800" lvl="8" indent="-298450">
               <a:spcBef>
                 <a:spcPts val="1600"/>
               </a:spcBef>
@@ -4303,15 +4453,19 @@
               </a:defRPr>
             </a:lvl9pPr>
           </a:lstStyle>
-          <a:p/>
+          <a:p>
+            <a:endParaRPr/>
+          </a:p>
         </p:txBody>
       </p:sp>
       <p:sp>
         <p:nvSpPr>
           <p:cNvPr id="79" name="Google Shape;79;p11"/>
-          <p:cNvSpPr txBox="1"/>
+          <p:cNvSpPr txBox="1">
+            <a:spLocks noGrp="1"/>
+          </p:cNvSpPr>
           <p:nvPr>
-            <p:ph idx="12" type="sldNum"/>
+            <p:ph type="sldNum" idx="12"/>
           </p:nvPr>
         </p:nvSpPr>
         <p:spPr>
@@ -4324,7 +4478,7 @@
           </a:prstGeom>
         </p:spPr>
         <p:txBody>
-          <a:bodyPr anchorCtr="0" anchor="ctr" bIns="91425" lIns="91425" spcFirstLastPara="1" rIns="91425" wrap="square" tIns="91425">
+          <a:bodyPr spcFirstLastPara="1" wrap="square" lIns="91425" tIns="91425" rIns="91425" bIns="91425" anchor="ctr" anchorCtr="0">
             <a:noAutofit/>
           </a:bodyPr>
           <a:lstStyle>
@@ -4402,7 +4556,7 @@
             </a:lvl9pPr>
           </a:lstStyle>
           <a:p>
-            <a:pPr indent="0" lvl="0" marL="0" rtl="0" algn="r">
+            <a:pPr marL="0" lvl="0" indent="0" algn="r" rtl="0">
               <a:spcBef>
                 <a:spcPts val="0"/>
               </a:spcBef>
@@ -4428,11 +4582,11 @@
 </file>
 
 <file path=ppt/slideLayouts/slideLayout11.xml><?xml version="1.0" encoding="utf-8"?>
-<p:sldLayout xmlns:a="http://schemas.openxmlformats.org/drawingml/2006/main" xmlns:r="http://schemas.openxmlformats.org/officeDocument/2006/relationships" xmlns:mc="http://schemas.openxmlformats.org/markup-compatibility/2006" xmlns:mv="urn:schemas-microsoft-com:mac:vml" xmlns:p="http://schemas.openxmlformats.org/presentationml/2006/main" xmlns:c="http://schemas.openxmlformats.org/drawingml/2006/chart" xmlns:dgm="http://schemas.openxmlformats.org/drawingml/2006/diagram" xmlns:o="urn:schemas-microsoft-com:office:office" xmlns:v="urn:schemas-microsoft-com:vml" xmlns:pvml="urn:schemas-microsoft-com:office:powerpoint" xmlns:com="http://schemas.openxmlformats.org/drawingml/2006/compatibility" xmlns:p14="http://schemas.microsoft.com/office/powerpoint/2010/main" xmlns:p15="http://schemas.microsoft.com/office/powerpoint/2012/main" xmlns:ahyp="http://schemas.microsoft.com/office/drawing/2018/hyperlinkcolor" matchingName="Blank" type="blank">
+<p:sldLayout xmlns:a="http://schemas.openxmlformats.org/drawingml/2006/main" xmlns:r="http://schemas.openxmlformats.org/officeDocument/2006/relationships" xmlns:p="http://schemas.openxmlformats.org/presentationml/2006/main" matchingName="Blank" type="blank">
   <p:cSld name="BLANK">
     <p:spTree>
       <p:nvGrpSpPr>
-        <p:cNvPr id="80" name="Shape 80"/>
+        <p:cNvPr id="1" name="Shape 80"/>
         <p:cNvGrpSpPr/>
         <p:nvPr/>
       </p:nvGrpSpPr>
@@ -4447,9 +4601,11 @@
       <p:sp>
         <p:nvSpPr>
           <p:cNvPr id="81" name="Google Shape;81;p12"/>
-          <p:cNvSpPr txBox="1"/>
+          <p:cNvSpPr txBox="1">
+            <a:spLocks noGrp="1"/>
+          </p:cNvSpPr>
           <p:nvPr>
-            <p:ph idx="12" type="sldNum"/>
+            <p:ph type="sldNum" idx="12"/>
           </p:nvPr>
         </p:nvSpPr>
         <p:spPr>
@@ -4462,7 +4618,7 @@
           </a:prstGeom>
         </p:spPr>
         <p:txBody>
-          <a:bodyPr anchorCtr="0" anchor="ctr" bIns="91425" lIns="91425" spcFirstLastPara="1" rIns="91425" wrap="square" tIns="91425">
+          <a:bodyPr spcFirstLastPara="1" wrap="square" lIns="91425" tIns="91425" rIns="91425" bIns="91425" anchor="ctr" anchorCtr="0">
             <a:noAutofit/>
           </a:bodyPr>
           <a:lstStyle>
@@ -4504,7 +4660,7 @@
             </a:lvl9pPr>
           </a:lstStyle>
           <a:p>
-            <a:pPr indent="0" lvl="0" marL="0" rtl="0" algn="r">
+            <a:pPr marL="0" lvl="0" indent="0" algn="r" rtl="0">
               <a:spcBef>
                 <a:spcPts val="0"/>
               </a:spcBef>
@@ -4530,18 +4686,19 @@
 </file>
 
 <file path=ppt/slideLayouts/slideLayout2.xml><?xml version="1.0" encoding="utf-8"?>
-<p:sldLayout xmlns:a="http://schemas.openxmlformats.org/drawingml/2006/main" xmlns:r="http://schemas.openxmlformats.org/officeDocument/2006/relationships" xmlns:mc="http://schemas.openxmlformats.org/markup-compatibility/2006" xmlns:mv="urn:schemas-microsoft-com:mac:vml" xmlns:p="http://schemas.openxmlformats.org/presentationml/2006/main" xmlns:c="http://schemas.openxmlformats.org/drawingml/2006/chart" xmlns:dgm="http://schemas.openxmlformats.org/drawingml/2006/diagram" xmlns:o="urn:schemas-microsoft-com:office:office" xmlns:v="urn:schemas-microsoft-com:vml" xmlns:pvml="urn:schemas-microsoft-com:office:powerpoint" xmlns:com="http://schemas.openxmlformats.org/drawingml/2006/compatibility" xmlns:p14="http://schemas.microsoft.com/office/powerpoint/2010/main" xmlns:p15="http://schemas.microsoft.com/office/powerpoint/2012/main" xmlns:ahyp="http://schemas.microsoft.com/office/drawing/2018/hyperlinkcolor" matchingName="Section header" type="secHead">
+<p:sldLayout xmlns:a="http://schemas.openxmlformats.org/drawingml/2006/main" xmlns:r="http://schemas.openxmlformats.org/officeDocument/2006/relationships" xmlns:p="http://schemas.openxmlformats.org/presentationml/2006/main" matchingName="Section header" type="secHead">
   <p:cSld name="SECTION_HEADER">
     <p:bg>
       <p:bgPr>
         <a:solidFill>
           <a:schemeClr val="dk1"/>
         </a:solidFill>
+        <a:effectLst/>
       </p:bgPr>
     </p:bg>
     <p:spTree>
       <p:nvGrpSpPr>
-        <p:cNvPr id="17" name="Shape 17"/>
+        <p:cNvPr id="1" name="Shape 17"/>
         <p:cNvGrpSpPr/>
         <p:nvPr/>
       </p:nvGrpSpPr>
@@ -4589,12 +4746,12 @@
             </a:ln>
           </p:spPr>
           <p:txBody>
-            <a:bodyPr anchorCtr="0" anchor="ctr" bIns="91425" lIns="91425" spcFirstLastPara="1" rIns="91425" wrap="square" tIns="91425">
+            <a:bodyPr spcFirstLastPara="1" wrap="square" lIns="91425" tIns="91425" rIns="91425" bIns="91425" anchor="ctr" anchorCtr="0">
               <a:noAutofit/>
             </a:bodyPr>
             <a:lstStyle/>
             <a:p>
-              <a:pPr indent="0" lvl="0" marL="0" rtl="0" algn="l">
+              <a:pPr marL="0" lvl="0" indent="0" algn="l" rtl="0">
                 <a:spcBef>
                   <a:spcPts val="0"/>
                 </a:spcBef>
@@ -4603,9 +4760,6 @@
                 </a:spcAft>
                 <a:buNone/>
               </a:pPr>
-              <a:r>
-                <a:t/>
-              </a:r>
               <a:endParaRPr/>
             </a:p>
           </p:txBody>
@@ -4632,12 +4786,12 @@
             </a:ln>
           </p:spPr>
           <p:txBody>
-            <a:bodyPr anchorCtr="0" anchor="ctr" bIns="91425" lIns="91425" spcFirstLastPara="1" rIns="91425" wrap="square" tIns="91425">
+            <a:bodyPr spcFirstLastPara="1" wrap="square" lIns="91425" tIns="91425" rIns="91425" bIns="91425" anchor="ctr" anchorCtr="0">
               <a:noAutofit/>
             </a:bodyPr>
             <a:lstStyle/>
             <a:p>
-              <a:pPr indent="0" lvl="0" marL="0" rtl="0" algn="l">
+              <a:pPr marL="0" lvl="0" indent="0" algn="l" rtl="0">
                 <a:spcBef>
                   <a:spcPts val="0"/>
                 </a:spcBef>
@@ -4646,9 +4800,6 @@
                 </a:spcAft>
                 <a:buNone/>
               </a:pPr>
-              <a:r>
-                <a:t/>
-              </a:r>
               <a:endParaRPr/>
             </a:p>
           </p:txBody>
@@ -4657,7 +4808,9 @@
       <p:sp>
         <p:nvSpPr>
           <p:cNvPr id="21" name="Google Shape;21;p3"/>
-          <p:cNvSpPr txBox="1"/>
+          <p:cNvSpPr txBox="1">
+            <a:spLocks noGrp="1"/>
+          </p:cNvSpPr>
           <p:nvPr>
             <p:ph type="title"/>
           </p:nvPr>
@@ -4672,7 +4825,7 @@
           </a:prstGeom>
         </p:spPr>
         <p:txBody>
-          <a:bodyPr anchorCtr="0" anchor="t" bIns="91425" lIns="91425" spcFirstLastPara="1" rIns="91425" wrap="square" tIns="91425">
+          <a:bodyPr spcFirstLastPara="1" wrap="square" lIns="91425" tIns="91425" rIns="91425" bIns="91425" anchor="t" anchorCtr="0">
             <a:noAutofit/>
           </a:bodyPr>
           <a:lstStyle>
@@ -4839,15 +4992,19 @@
               </a:defRPr>
             </a:lvl9pPr>
           </a:lstStyle>
-          <a:p/>
+          <a:p>
+            <a:endParaRPr/>
+          </a:p>
         </p:txBody>
       </p:sp>
       <p:sp>
         <p:nvSpPr>
           <p:cNvPr id="22" name="Google Shape;22;p3"/>
-          <p:cNvSpPr txBox="1"/>
+          <p:cNvSpPr txBox="1">
+            <a:spLocks noGrp="1"/>
+          </p:cNvSpPr>
           <p:nvPr>
-            <p:ph idx="12" type="sldNum"/>
+            <p:ph type="sldNum" idx="12"/>
           </p:nvPr>
         </p:nvSpPr>
         <p:spPr>
@@ -4860,7 +5017,7 @@
           </a:prstGeom>
         </p:spPr>
         <p:txBody>
-          <a:bodyPr anchorCtr="0" anchor="ctr" bIns="91425" lIns="91425" spcFirstLastPara="1" rIns="91425" wrap="square" tIns="91425">
+          <a:bodyPr spcFirstLastPara="1" wrap="square" lIns="91425" tIns="91425" rIns="91425" bIns="91425" anchor="ctr" anchorCtr="0">
             <a:noAutofit/>
           </a:bodyPr>
           <a:lstStyle>
@@ -4938,7 +5095,7 @@
             </a:lvl9pPr>
           </a:lstStyle>
           <a:p>
-            <a:pPr indent="0" lvl="0" marL="0" rtl="0" algn="r">
+            <a:pPr marL="0" lvl="0" indent="0" algn="r" rtl="0">
               <a:spcBef>
                 <a:spcPts val="0"/>
               </a:spcBef>
@@ -4964,11 +5121,11 @@
 </file>
 
 <file path=ppt/slideLayouts/slideLayout3.xml><?xml version="1.0" encoding="utf-8"?>
-<p:sldLayout xmlns:a="http://schemas.openxmlformats.org/drawingml/2006/main" xmlns:r="http://schemas.openxmlformats.org/officeDocument/2006/relationships" xmlns:mc="http://schemas.openxmlformats.org/markup-compatibility/2006" xmlns:mv="urn:schemas-microsoft-com:mac:vml" xmlns:p="http://schemas.openxmlformats.org/presentationml/2006/main" xmlns:c="http://schemas.openxmlformats.org/drawingml/2006/chart" xmlns:dgm="http://schemas.openxmlformats.org/drawingml/2006/diagram" xmlns:o="urn:schemas-microsoft-com:office:office" xmlns:v="urn:schemas-microsoft-com:vml" xmlns:pvml="urn:schemas-microsoft-com:office:powerpoint" xmlns:com="http://schemas.openxmlformats.org/drawingml/2006/compatibility" xmlns:p14="http://schemas.microsoft.com/office/powerpoint/2010/main" xmlns:p15="http://schemas.microsoft.com/office/powerpoint/2012/main" xmlns:ahyp="http://schemas.microsoft.com/office/drawing/2018/hyperlinkcolor" matchingName="Title and body" type="tx">
+<p:sldLayout xmlns:a="http://schemas.openxmlformats.org/drawingml/2006/main" xmlns:r="http://schemas.openxmlformats.org/officeDocument/2006/relationships" xmlns:p="http://schemas.openxmlformats.org/presentationml/2006/main" matchingName="Title and body" type="tx">
   <p:cSld name="TITLE_AND_BODY">
     <p:spTree>
       <p:nvGrpSpPr>
-        <p:cNvPr id="23" name="Shape 23"/>
+        <p:cNvPr id="1" name="Shape 23"/>
         <p:cNvGrpSpPr/>
         <p:nvPr/>
       </p:nvGrpSpPr>
@@ -5002,12 +5159,12 @@
           </a:ln>
         </p:spPr>
         <p:txBody>
-          <a:bodyPr anchorCtr="0" anchor="ctr" bIns="91425" lIns="91425" spcFirstLastPara="1" rIns="91425" wrap="square" tIns="91425">
+          <a:bodyPr spcFirstLastPara="1" wrap="square" lIns="91425" tIns="91425" rIns="91425" bIns="91425" anchor="ctr" anchorCtr="0">
             <a:noAutofit/>
           </a:bodyPr>
           <a:lstStyle/>
           <a:p>
-            <a:pPr indent="0" lvl="0" marL="0" rtl="0" algn="l">
+            <a:pPr marL="0" lvl="0" indent="0" algn="l" rtl="0">
               <a:spcBef>
                 <a:spcPts val="0"/>
               </a:spcBef>
@@ -5016,9 +5173,6 @@
               </a:spcAft>
               <a:buNone/>
             </a:pPr>
-            <a:r>
-              <a:t/>
-            </a:r>
             <a:endParaRPr/>
           </a:p>
         </p:txBody>
@@ -5059,12 +5213,12 @@
             </a:ln>
           </p:spPr>
           <p:txBody>
-            <a:bodyPr anchorCtr="0" anchor="ctr" bIns="91425" lIns="91425" spcFirstLastPara="1" rIns="91425" wrap="square" tIns="91425">
+            <a:bodyPr spcFirstLastPara="1" wrap="square" lIns="91425" tIns="91425" rIns="91425" bIns="91425" anchor="ctr" anchorCtr="0">
               <a:noAutofit/>
             </a:bodyPr>
             <a:lstStyle/>
             <a:p>
-              <a:pPr indent="0" lvl="0" marL="0" rtl="0" algn="l">
+              <a:pPr marL="0" lvl="0" indent="0" algn="l" rtl="0">
                 <a:spcBef>
                   <a:spcPts val="0"/>
                 </a:spcBef>
@@ -5073,9 +5227,6 @@
                 </a:spcAft>
                 <a:buNone/>
               </a:pPr>
-              <a:r>
-                <a:t/>
-              </a:r>
               <a:endParaRPr/>
             </a:p>
           </p:txBody>
@@ -5102,12 +5253,12 @@
             </a:ln>
           </p:spPr>
           <p:txBody>
-            <a:bodyPr anchorCtr="0" anchor="ctr" bIns="91425" lIns="91425" spcFirstLastPara="1" rIns="91425" wrap="square" tIns="91425">
+            <a:bodyPr spcFirstLastPara="1" wrap="square" lIns="91425" tIns="91425" rIns="91425" bIns="91425" anchor="ctr" anchorCtr="0">
               <a:noAutofit/>
             </a:bodyPr>
             <a:lstStyle/>
             <a:p>
-              <a:pPr indent="0" lvl="0" marL="0" rtl="0" algn="l">
+              <a:pPr marL="0" lvl="0" indent="0" algn="l" rtl="0">
                 <a:spcBef>
                   <a:spcPts val="0"/>
                 </a:spcBef>
@@ -5116,9 +5267,6 @@
                 </a:spcAft>
                 <a:buNone/>
               </a:pPr>
-              <a:r>
-                <a:t/>
-              </a:r>
               <a:endParaRPr/>
             </a:p>
           </p:txBody>
@@ -5127,7 +5275,9 @@
       <p:sp>
         <p:nvSpPr>
           <p:cNvPr id="28" name="Google Shape;28;p4"/>
-          <p:cNvSpPr txBox="1"/>
+          <p:cNvSpPr txBox="1">
+            <a:spLocks noGrp="1"/>
+          </p:cNvSpPr>
           <p:nvPr>
             <p:ph type="title"/>
           </p:nvPr>
@@ -5142,7 +5292,7 @@
           </a:prstGeom>
         </p:spPr>
         <p:txBody>
-          <a:bodyPr anchorCtr="0" anchor="t" bIns="91425" lIns="91425" spcFirstLastPara="1" rIns="91425" wrap="square" tIns="91425">
+          <a:bodyPr spcFirstLastPara="1" wrap="square" lIns="91425" tIns="91425" rIns="91425" bIns="91425" anchor="t" anchorCtr="0">
             <a:noAutofit/>
           </a:bodyPr>
           <a:lstStyle>
@@ -5309,15 +5459,19 @@
               </a:defRPr>
             </a:lvl9pPr>
           </a:lstStyle>
-          <a:p/>
+          <a:p>
+            <a:endParaRPr/>
+          </a:p>
         </p:txBody>
       </p:sp>
       <p:sp>
         <p:nvSpPr>
           <p:cNvPr id="29" name="Google Shape;29;p4"/>
-          <p:cNvSpPr txBox="1"/>
+          <p:cNvSpPr txBox="1">
+            <a:spLocks noGrp="1"/>
+          </p:cNvSpPr>
           <p:nvPr>
-            <p:ph idx="1" type="body"/>
+            <p:ph type="body" idx="1"/>
           </p:nvPr>
         </p:nvSpPr>
         <p:spPr>
@@ -5330,11 +5484,11 @@
           </a:prstGeom>
         </p:spPr>
         <p:txBody>
-          <a:bodyPr anchorCtr="0" anchor="t" bIns="91425" lIns="91425" spcFirstLastPara="1" rIns="91425" wrap="square" tIns="91425">
+          <a:bodyPr spcFirstLastPara="1" wrap="square" lIns="91425" tIns="91425" rIns="91425" bIns="91425" anchor="t" anchorCtr="0">
             <a:noAutofit/>
           </a:bodyPr>
           <a:lstStyle>
-            <a:lvl1pPr indent="-311150" lvl="0" marL="457200">
+            <a:lvl1pPr marL="457200" lvl="0" indent="-311150">
               <a:spcBef>
                 <a:spcPts val="0"/>
               </a:spcBef>
@@ -5345,7 +5499,7 @@
               <a:buChar char="●"/>
               <a:defRPr/>
             </a:lvl1pPr>
-            <a:lvl2pPr indent="-298450" lvl="1" marL="914400">
+            <a:lvl2pPr marL="914400" lvl="1" indent="-298450">
               <a:spcBef>
                 <a:spcPts val="1600"/>
               </a:spcBef>
@@ -5356,7 +5510,7 @@
               <a:buChar char="○"/>
               <a:defRPr/>
             </a:lvl2pPr>
-            <a:lvl3pPr indent="-298450" lvl="2" marL="1371600">
+            <a:lvl3pPr marL="1371600" lvl="2" indent="-298450">
               <a:spcBef>
                 <a:spcPts val="1600"/>
               </a:spcBef>
@@ -5367,7 +5521,7 @@
               <a:buChar char="■"/>
               <a:defRPr/>
             </a:lvl3pPr>
-            <a:lvl4pPr indent="-298450" lvl="3" marL="1828800">
+            <a:lvl4pPr marL="1828800" lvl="3" indent="-298450">
               <a:spcBef>
                 <a:spcPts val="1600"/>
               </a:spcBef>
@@ -5378,7 +5532,7 @@
               <a:buChar char="●"/>
               <a:defRPr/>
             </a:lvl4pPr>
-            <a:lvl5pPr indent="-298450" lvl="4" marL="2286000">
+            <a:lvl5pPr marL="2286000" lvl="4" indent="-298450">
               <a:spcBef>
                 <a:spcPts val="1600"/>
               </a:spcBef>
@@ -5389,7 +5543,7 @@
               <a:buChar char="○"/>
               <a:defRPr/>
             </a:lvl5pPr>
-            <a:lvl6pPr indent="-298450" lvl="5" marL="2743200">
+            <a:lvl6pPr marL="2743200" lvl="5" indent="-298450">
               <a:spcBef>
                 <a:spcPts val="1600"/>
               </a:spcBef>
@@ -5400,7 +5554,7 @@
               <a:buChar char="■"/>
               <a:defRPr/>
             </a:lvl6pPr>
-            <a:lvl7pPr indent="-298450" lvl="6" marL="3200400">
+            <a:lvl7pPr marL="3200400" lvl="6" indent="-298450">
               <a:spcBef>
                 <a:spcPts val="1600"/>
               </a:spcBef>
@@ -5411,7 +5565,7 @@
               <a:buChar char="●"/>
               <a:defRPr/>
             </a:lvl7pPr>
-            <a:lvl8pPr indent="-298450" lvl="7" marL="3657600">
+            <a:lvl8pPr marL="3657600" lvl="7" indent="-298450">
               <a:spcBef>
                 <a:spcPts val="1600"/>
               </a:spcBef>
@@ -5422,7 +5576,7 @@
               <a:buChar char="○"/>
               <a:defRPr/>
             </a:lvl8pPr>
-            <a:lvl9pPr indent="-298450" lvl="8" marL="4114800">
+            <a:lvl9pPr marL="4114800" lvl="8" indent="-298450">
               <a:spcBef>
                 <a:spcPts val="1600"/>
               </a:spcBef>
@@ -5434,15 +5588,19 @@
               <a:defRPr/>
             </a:lvl9pPr>
           </a:lstStyle>
-          <a:p/>
+          <a:p>
+            <a:endParaRPr/>
+          </a:p>
         </p:txBody>
       </p:sp>
       <p:sp>
         <p:nvSpPr>
           <p:cNvPr id="30" name="Google Shape;30;p4"/>
-          <p:cNvSpPr txBox="1"/>
+          <p:cNvSpPr txBox="1">
+            <a:spLocks noGrp="1"/>
+          </p:cNvSpPr>
           <p:nvPr>
-            <p:ph idx="12" type="sldNum"/>
+            <p:ph type="sldNum" idx="12"/>
           </p:nvPr>
         </p:nvSpPr>
         <p:spPr>
@@ -5455,7 +5613,7 @@
           </a:prstGeom>
         </p:spPr>
         <p:txBody>
-          <a:bodyPr anchorCtr="0" anchor="ctr" bIns="91425" lIns="91425" spcFirstLastPara="1" rIns="91425" wrap="square" tIns="91425">
+          <a:bodyPr spcFirstLastPara="1" wrap="square" lIns="91425" tIns="91425" rIns="91425" bIns="91425" anchor="ctr" anchorCtr="0">
             <a:noAutofit/>
           </a:bodyPr>
           <a:lstStyle>
@@ -5497,7 +5655,7 @@
             </a:lvl9pPr>
           </a:lstStyle>
           <a:p>
-            <a:pPr indent="0" lvl="0" marL="0" rtl="0" algn="r">
+            <a:pPr marL="0" lvl="0" indent="0" algn="r" rtl="0">
               <a:spcBef>
                 <a:spcPts val="0"/>
               </a:spcBef>
@@ -5523,11 +5681,11 @@
 </file>
 
 <file path=ppt/slideLayouts/slideLayout4.xml><?xml version="1.0" encoding="utf-8"?>
-<p:sldLayout xmlns:a="http://schemas.openxmlformats.org/drawingml/2006/main" xmlns:r="http://schemas.openxmlformats.org/officeDocument/2006/relationships" xmlns:mc="http://schemas.openxmlformats.org/markup-compatibility/2006" xmlns:mv="urn:schemas-microsoft-com:mac:vml" xmlns:p="http://schemas.openxmlformats.org/presentationml/2006/main" xmlns:c="http://schemas.openxmlformats.org/drawingml/2006/chart" xmlns:dgm="http://schemas.openxmlformats.org/drawingml/2006/diagram" xmlns:o="urn:schemas-microsoft-com:office:office" xmlns:v="urn:schemas-microsoft-com:vml" xmlns:pvml="urn:schemas-microsoft-com:office:powerpoint" xmlns:com="http://schemas.openxmlformats.org/drawingml/2006/compatibility" xmlns:p14="http://schemas.microsoft.com/office/powerpoint/2010/main" xmlns:p15="http://schemas.microsoft.com/office/powerpoint/2012/main" xmlns:ahyp="http://schemas.microsoft.com/office/drawing/2018/hyperlinkcolor" matchingName="Title and two columns" type="twoColTx">
+<p:sldLayout xmlns:a="http://schemas.openxmlformats.org/drawingml/2006/main" xmlns:r="http://schemas.openxmlformats.org/officeDocument/2006/relationships" xmlns:p="http://schemas.openxmlformats.org/presentationml/2006/main" matchingName="Title and two columns" type="twoColTx">
   <p:cSld name="TITLE_AND_TWO_COLUMNS">
     <p:spTree>
       <p:nvGrpSpPr>
-        <p:cNvPr id="31" name="Shape 31"/>
+        <p:cNvPr id="1" name="Shape 31"/>
         <p:cNvGrpSpPr/>
         <p:nvPr/>
       </p:nvGrpSpPr>
@@ -5561,12 +5719,12 @@
           </a:ln>
         </p:spPr>
         <p:txBody>
-          <a:bodyPr anchorCtr="0" anchor="ctr" bIns="91425" lIns="91425" spcFirstLastPara="1" rIns="91425" wrap="square" tIns="91425">
+          <a:bodyPr spcFirstLastPara="1" wrap="square" lIns="91425" tIns="91425" rIns="91425" bIns="91425" anchor="ctr" anchorCtr="0">
             <a:noAutofit/>
           </a:bodyPr>
           <a:lstStyle/>
           <a:p>
-            <a:pPr indent="0" lvl="0" marL="0" rtl="0" algn="l">
+            <a:pPr marL="0" lvl="0" indent="0" algn="l" rtl="0">
               <a:spcBef>
                 <a:spcPts val="0"/>
               </a:spcBef>
@@ -5575,9 +5733,6 @@
               </a:spcAft>
               <a:buNone/>
             </a:pPr>
-            <a:r>
-              <a:t/>
-            </a:r>
             <a:endParaRPr/>
           </a:p>
         </p:txBody>
@@ -5618,12 +5773,12 @@
             </a:ln>
           </p:spPr>
           <p:txBody>
-            <a:bodyPr anchorCtr="0" anchor="ctr" bIns="91425" lIns="91425" spcFirstLastPara="1" rIns="91425" wrap="square" tIns="91425">
+            <a:bodyPr spcFirstLastPara="1" wrap="square" lIns="91425" tIns="91425" rIns="91425" bIns="91425" anchor="ctr" anchorCtr="0">
               <a:noAutofit/>
             </a:bodyPr>
             <a:lstStyle/>
             <a:p>
-              <a:pPr indent="0" lvl="0" marL="0" rtl="0" algn="l">
+              <a:pPr marL="0" lvl="0" indent="0" algn="l" rtl="0">
                 <a:spcBef>
                   <a:spcPts val="0"/>
                 </a:spcBef>
@@ -5632,9 +5787,6 @@
                 </a:spcAft>
                 <a:buNone/>
               </a:pPr>
-              <a:r>
-                <a:t/>
-              </a:r>
               <a:endParaRPr/>
             </a:p>
           </p:txBody>
@@ -5661,12 +5813,12 @@
             </a:ln>
           </p:spPr>
           <p:txBody>
-            <a:bodyPr anchorCtr="0" anchor="ctr" bIns="91425" lIns="91425" spcFirstLastPara="1" rIns="91425" wrap="square" tIns="91425">
+            <a:bodyPr spcFirstLastPara="1" wrap="square" lIns="91425" tIns="91425" rIns="91425" bIns="91425" anchor="ctr" anchorCtr="0">
               <a:noAutofit/>
             </a:bodyPr>
             <a:lstStyle/>
             <a:p>
-              <a:pPr indent="0" lvl="0" marL="0" rtl="0" algn="l">
+              <a:pPr marL="0" lvl="0" indent="0" algn="l" rtl="0">
                 <a:spcBef>
                   <a:spcPts val="0"/>
                 </a:spcBef>
@@ -5675,9 +5827,6 @@
                 </a:spcAft>
                 <a:buNone/>
               </a:pPr>
-              <a:r>
-                <a:t/>
-              </a:r>
               <a:endParaRPr/>
             </a:p>
           </p:txBody>
@@ -5686,7 +5835,9 @@
       <p:sp>
         <p:nvSpPr>
           <p:cNvPr id="36" name="Google Shape;36;p5"/>
-          <p:cNvSpPr txBox="1"/>
+          <p:cNvSpPr txBox="1">
+            <a:spLocks noGrp="1"/>
+          </p:cNvSpPr>
           <p:nvPr>
             <p:ph type="title"/>
           </p:nvPr>
@@ -5701,7 +5852,7 @@
           </a:prstGeom>
         </p:spPr>
         <p:txBody>
-          <a:bodyPr anchorCtr="0" anchor="t" bIns="91425" lIns="91425" spcFirstLastPara="1" rIns="91425" wrap="square" tIns="91425">
+          <a:bodyPr spcFirstLastPara="1" wrap="square" lIns="91425" tIns="91425" rIns="91425" bIns="91425" anchor="t" anchorCtr="0">
             <a:noAutofit/>
           </a:bodyPr>
           <a:lstStyle>
@@ -5868,15 +6019,19 @@
               </a:defRPr>
             </a:lvl9pPr>
           </a:lstStyle>
-          <a:p/>
+          <a:p>
+            <a:endParaRPr/>
+          </a:p>
         </p:txBody>
       </p:sp>
       <p:sp>
         <p:nvSpPr>
           <p:cNvPr id="37" name="Google Shape;37;p5"/>
-          <p:cNvSpPr txBox="1"/>
+          <p:cNvSpPr txBox="1">
+            <a:spLocks noGrp="1"/>
+          </p:cNvSpPr>
           <p:nvPr>
-            <p:ph idx="1" type="body"/>
+            <p:ph type="body" idx="1"/>
           </p:nvPr>
         </p:nvSpPr>
         <p:spPr>
@@ -5889,11 +6044,11 @@
           </a:prstGeom>
         </p:spPr>
         <p:txBody>
-          <a:bodyPr anchorCtr="0" anchor="t" bIns="91425" lIns="91425" spcFirstLastPara="1" rIns="91425" wrap="square" tIns="91425">
+          <a:bodyPr spcFirstLastPara="1" wrap="square" lIns="91425" tIns="91425" rIns="91425" bIns="91425" anchor="t" anchorCtr="0">
             <a:noAutofit/>
           </a:bodyPr>
           <a:lstStyle>
-            <a:lvl1pPr indent="-311150" lvl="0" marL="457200">
+            <a:lvl1pPr marL="457200" lvl="0" indent="-311150">
               <a:spcBef>
                 <a:spcPts val="0"/>
               </a:spcBef>
@@ -5904,7 +6059,7 @@
               <a:buChar char="●"/>
               <a:defRPr/>
             </a:lvl1pPr>
-            <a:lvl2pPr indent="-298450" lvl="1" marL="914400">
+            <a:lvl2pPr marL="914400" lvl="1" indent="-298450">
               <a:spcBef>
                 <a:spcPts val="1600"/>
               </a:spcBef>
@@ -5915,7 +6070,7 @@
               <a:buChar char="○"/>
               <a:defRPr/>
             </a:lvl2pPr>
-            <a:lvl3pPr indent="-298450" lvl="2" marL="1371600">
+            <a:lvl3pPr marL="1371600" lvl="2" indent="-298450">
               <a:spcBef>
                 <a:spcPts val="1600"/>
               </a:spcBef>
@@ -5926,7 +6081,7 @@
               <a:buChar char="■"/>
               <a:defRPr/>
             </a:lvl3pPr>
-            <a:lvl4pPr indent="-298450" lvl="3" marL="1828800">
+            <a:lvl4pPr marL="1828800" lvl="3" indent="-298450">
               <a:spcBef>
                 <a:spcPts val="1600"/>
               </a:spcBef>
@@ -5937,7 +6092,7 @@
               <a:buChar char="●"/>
               <a:defRPr/>
             </a:lvl4pPr>
-            <a:lvl5pPr indent="-298450" lvl="4" marL="2286000">
+            <a:lvl5pPr marL="2286000" lvl="4" indent="-298450">
               <a:spcBef>
                 <a:spcPts val="1600"/>
               </a:spcBef>
@@ -5948,7 +6103,7 @@
               <a:buChar char="○"/>
               <a:defRPr/>
             </a:lvl5pPr>
-            <a:lvl6pPr indent="-298450" lvl="5" marL="2743200">
+            <a:lvl6pPr marL="2743200" lvl="5" indent="-298450">
               <a:spcBef>
                 <a:spcPts val="1600"/>
               </a:spcBef>
@@ -5959,7 +6114,7 @@
               <a:buChar char="■"/>
               <a:defRPr/>
             </a:lvl6pPr>
-            <a:lvl7pPr indent="-298450" lvl="6" marL="3200400">
+            <a:lvl7pPr marL="3200400" lvl="6" indent="-298450">
               <a:spcBef>
                 <a:spcPts val="1600"/>
               </a:spcBef>
@@ -5970,7 +6125,7 @@
               <a:buChar char="●"/>
               <a:defRPr/>
             </a:lvl7pPr>
-            <a:lvl8pPr indent="-298450" lvl="7" marL="3657600">
+            <a:lvl8pPr marL="3657600" lvl="7" indent="-298450">
               <a:spcBef>
                 <a:spcPts val="1600"/>
               </a:spcBef>
@@ -5981,7 +6136,7 @@
               <a:buChar char="○"/>
               <a:defRPr/>
             </a:lvl8pPr>
-            <a:lvl9pPr indent="-298450" lvl="8" marL="4114800">
+            <a:lvl9pPr marL="4114800" lvl="8" indent="-298450">
               <a:spcBef>
                 <a:spcPts val="1600"/>
               </a:spcBef>
@@ -5993,15 +6148,19 @@
               <a:defRPr/>
             </a:lvl9pPr>
           </a:lstStyle>
-          <a:p/>
+          <a:p>
+            <a:endParaRPr/>
+          </a:p>
         </p:txBody>
       </p:sp>
       <p:sp>
         <p:nvSpPr>
           <p:cNvPr id="38" name="Google Shape;38;p5"/>
-          <p:cNvSpPr txBox="1"/>
+          <p:cNvSpPr txBox="1">
+            <a:spLocks noGrp="1"/>
+          </p:cNvSpPr>
           <p:nvPr>
-            <p:ph idx="2" type="body"/>
+            <p:ph type="body" idx="2"/>
           </p:nvPr>
         </p:nvSpPr>
         <p:spPr>
@@ -6014,11 +6173,11 @@
           </a:prstGeom>
         </p:spPr>
         <p:txBody>
-          <a:bodyPr anchorCtr="0" anchor="t" bIns="91425" lIns="91425" spcFirstLastPara="1" rIns="91425" wrap="square" tIns="91425">
+          <a:bodyPr spcFirstLastPara="1" wrap="square" lIns="91425" tIns="91425" rIns="91425" bIns="91425" anchor="t" anchorCtr="0">
             <a:noAutofit/>
           </a:bodyPr>
           <a:lstStyle>
-            <a:lvl1pPr indent="-311150" lvl="0" marL="457200">
+            <a:lvl1pPr marL="457200" lvl="0" indent="-311150">
               <a:spcBef>
                 <a:spcPts val="0"/>
               </a:spcBef>
@@ -6029,7 +6188,7 @@
               <a:buChar char="●"/>
               <a:defRPr/>
             </a:lvl1pPr>
-            <a:lvl2pPr indent="-298450" lvl="1" marL="914400">
+            <a:lvl2pPr marL="914400" lvl="1" indent="-298450">
               <a:spcBef>
                 <a:spcPts val="1600"/>
               </a:spcBef>
@@ -6040,7 +6199,7 @@
               <a:buChar char="○"/>
               <a:defRPr/>
             </a:lvl2pPr>
-            <a:lvl3pPr indent="-298450" lvl="2" marL="1371600">
+            <a:lvl3pPr marL="1371600" lvl="2" indent="-298450">
               <a:spcBef>
                 <a:spcPts val="1600"/>
               </a:spcBef>
@@ -6051,7 +6210,7 @@
               <a:buChar char="■"/>
               <a:defRPr/>
             </a:lvl3pPr>
-            <a:lvl4pPr indent="-298450" lvl="3" marL="1828800">
+            <a:lvl4pPr marL="1828800" lvl="3" indent="-298450">
               <a:spcBef>
                 <a:spcPts val="1600"/>
               </a:spcBef>
@@ -6062,7 +6221,7 @@
               <a:buChar char="●"/>
               <a:defRPr/>
             </a:lvl4pPr>
-            <a:lvl5pPr indent="-298450" lvl="4" marL="2286000">
+            <a:lvl5pPr marL="2286000" lvl="4" indent="-298450">
               <a:spcBef>
                 <a:spcPts val="1600"/>
               </a:spcBef>
@@ -6073,7 +6232,7 @@
               <a:buChar char="○"/>
               <a:defRPr/>
             </a:lvl5pPr>
-            <a:lvl6pPr indent="-298450" lvl="5" marL="2743200">
+            <a:lvl6pPr marL="2743200" lvl="5" indent="-298450">
               <a:spcBef>
                 <a:spcPts val="1600"/>
               </a:spcBef>
@@ -6084,7 +6243,7 @@
               <a:buChar char="■"/>
               <a:defRPr/>
             </a:lvl6pPr>
-            <a:lvl7pPr indent="-298450" lvl="6" marL="3200400">
+            <a:lvl7pPr marL="3200400" lvl="6" indent="-298450">
               <a:spcBef>
                 <a:spcPts val="1600"/>
               </a:spcBef>
@@ -6095,7 +6254,7 @@
               <a:buChar char="●"/>
               <a:defRPr/>
             </a:lvl7pPr>
-            <a:lvl8pPr indent="-298450" lvl="7" marL="3657600">
+            <a:lvl8pPr marL="3657600" lvl="7" indent="-298450">
               <a:spcBef>
                 <a:spcPts val="1600"/>
               </a:spcBef>
@@ -6106,7 +6265,7 @@
               <a:buChar char="○"/>
               <a:defRPr/>
             </a:lvl8pPr>
-            <a:lvl9pPr indent="-298450" lvl="8" marL="4114800">
+            <a:lvl9pPr marL="4114800" lvl="8" indent="-298450">
               <a:spcBef>
                 <a:spcPts val="1600"/>
               </a:spcBef>
@@ -6118,15 +6277,19 @@
               <a:defRPr/>
             </a:lvl9pPr>
           </a:lstStyle>
-          <a:p/>
+          <a:p>
+            <a:endParaRPr/>
+          </a:p>
         </p:txBody>
       </p:sp>
       <p:sp>
         <p:nvSpPr>
           <p:cNvPr id="39" name="Google Shape;39;p5"/>
-          <p:cNvSpPr txBox="1"/>
+          <p:cNvSpPr txBox="1">
+            <a:spLocks noGrp="1"/>
+          </p:cNvSpPr>
           <p:nvPr>
-            <p:ph idx="12" type="sldNum"/>
+            <p:ph type="sldNum" idx="12"/>
           </p:nvPr>
         </p:nvSpPr>
         <p:spPr>
@@ -6139,7 +6302,7 @@
           </a:prstGeom>
         </p:spPr>
         <p:txBody>
-          <a:bodyPr anchorCtr="0" anchor="ctr" bIns="91425" lIns="91425" spcFirstLastPara="1" rIns="91425" wrap="square" tIns="91425">
+          <a:bodyPr spcFirstLastPara="1" wrap="square" lIns="91425" tIns="91425" rIns="91425" bIns="91425" anchor="ctr" anchorCtr="0">
             <a:noAutofit/>
           </a:bodyPr>
           <a:lstStyle>
@@ -6181,7 +6344,7 @@
             </a:lvl9pPr>
           </a:lstStyle>
           <a:p>
-            <a:pPr indent="0" lvl="0" marL="0" rtl="0" algn="r">
+            <a:pPr marL="0" lvl="0" indent="0" algn="r" rtl="0">
               <a:spcBef>
                 <a:spcPts val="0"/>
               </a:spcBef>
@@ -6207,11 +6370,11 @@
 </file>
 
 <file path=ppt/slideLayouts/slideLayout5.xml><?xml version="1.0" encoding="utf-8"?>
-<p:sldLayout xmlns:a="http://schemas.openxmlformats.org/drawingml/2006/main" xmlns:r="http://schemas.openxmlformats.org/officeDocument/2006/relationships" xmlns:mc="http://schemas.openxmlformats.org/markup-compatibility/2006" xmlns:mv="urn:schemas-microsoft-com:mac:vml" xmlns:p="http://schemas.openxmlformats.org/presentationml/2006/main" xmlns:c="http://schemas.openxmlformats.org/drawingml/2006/chart" xmlns:dgm="http://schemas.openxmlformats.org/drawingml/2006/diagram" xmlns:o="urn:schemas-microsoft-com:office:office" xmlns:v="urn:schemas-microsoft-com:vml" xmlns:pvml="urn:schemas-microsoft-com:office:powerpoint" xmlns:com="http://schemas.openxmlformats.org/drawingml/2006/compatibility" xmlns:p14="http://schemas.microsoft.com/office/powerpoint/2010/main" xmlns:p15="http://schemas.microsoft.com/office/powerpoint/2012/main" xmlns:ahyp="http://schemas.microsoft.com/office/drawing/2018/hyperlinkcolor" matchingName="Title only" type="titleOnly">
+<p:sldLayout xmlns:a="http://schemas.openxmlformats.org/drawingml/2006/main" xmlns:r="http://schemas.openxmlformats.org/officeDocument/2006/relationships" xmlns:p="http://schemas.openxmlformats.org/presentationml/2006/main" matchingName="Title only" type="titleOnly">
   <p:cSld name="TITLE_ONLY">
     <p:spTree>
       <p:nvGrpSpPr>
-        <p:cNvPr id="40" name="Shape 40"/>
+        <p:cNvPr id="1" name="Shape 40"/>
         <p:cNvGrpSpPr/>
         <p:nvPr/>
       </p:nvGrpSpPr>
@@ -6245,12 +6408,12 @@
           </a:ln>
         </p:spPr>
         <p:txBody>
-          <a:bodyPr anchorCtr="0" anchor="ctr" bIns="91425" lIns="91425" spcFirstLastPara="1" rIns="91425" wrap="square" tIns="91425">
+          <a:bodyPr spcFirstLastPara="1" wrap="square" lIns="91425" tIns="91425" rIns="91425" bIns="91425" anchor="ctr" anchorCtr="0">
             <a:noAutofit/>
           </a:bodyPr>
           <a:lstStyle/>
           <a:p>
-            <a:pPr indent="0" lvl="0" marL="0" rtl="0" algn="l">
+            <a:pPr marL="0" lvl="0" indent="0" algn="l" rtl="0">
               <a:spcBef>
                 <a:spcPts val="0"/>
               </a:spcBef>
@@ -6259,9 +6422,6 @@
               </a:spcAft>
               <a:buNone/>
             </a:pPr>
-            <a:r>
-              <a:t/>
-            </a:r>
             <a:endParaRPr/>
           </a:p>
         </p:txBody>
@@ -6302,12 +6462,12 @@
             </a:ln>
           </p:spPr>
           <p:txBody>
-            <a:bodyPr anchorCtr="0" anchor="ctr" bIns="91425" lIns="91425" spcFirstLastPara="1" rIns="91425" wrap="square" tIns="91425">
+            <a:bodyPr spcFirstLastPara="1" wrap="square" lIns="91425" tIns="91425" rIns="91425" bIns="91425" anchor="ctr" anchorCtr="0">
               <a:noAutofit/>
             </a:bodyPr>
             <a:lstStyle/>
             <a:p>
-              <a:pPr indent="0" lvl="0" marL="0" rtl="0" algn="l">
+              <a:pPr marL="0" lvl="0" indent="0" algn="l" rtl="0">
                 <a:spcBef>
                   <a:spcPts val="0"/>
                 </a:spcBef>
@@ -6316,9 +6476,6 @@
                 </a:spcAft>
                 <a:buNone/>
               </a:pPr>
-              <a:r>
-                <a:t/>
-              </a:r>
               <a:endParaRPr/>
             </a:p>
           </p:txBody>
@@ -6345,12 +6502,12 @@
             </a:ln>
           </p:spPr>
           <p:txBody>
-            <a:bodyPr anchorCtr="0" anchor="ctr" bIns="91425" lIns="91425" spcFirstLastPara="1" rIns="91425" wrap="square" tIns="91425">
+            <a:bodyPr spcFirstLastPara="1" wrap="square" lIns="91425" tIns="91425" rIns="91425" bIns="91425" anchor="ctr" anchorCtr="0">
               <a:noAutofit/>
             </a:bodyPr>
             <a:lstStyle/>
             <a:p>
-              <a:pPr indent="0" lvl="0" marL="0" rtl="0" algn="l">
+              <a:pPr marL="0" lvl="0" indent="0" algn="l" rtl="0">
                 <a:spcBef>
                   <a:spcPts val="0"/>
                 </a:spcBef>
@@ -6359,9 +6516,6 @@
                 </a:spcAft>
                 <a:buNone/>
               </a:pPr>
-              <a:r>
-                <a:t/>
-              </a:r>
               <a:endParaRPr/>
             </a:p>
           </p:txBody>
@@ -6370,7 +6524,9 @@
       <p:sp>
         <p:nvSpPr>
           <p:cNvPr id="45" name="Google Shape;45;p6"/>
-          <p:cNvSpPr txBox="1"/>
+          <p:cNvSpPr txBox="1">
+            <a:spLocks noGrp="1"/>
+          </p:cNvSpPr>
           <p:nvPr>
             <p:ph type="title"/>
           </p:nvPr>
@@ -6385,7 +6541,7 @@
           </a:prstGeom>
         </p:spPr>
         <p:txBody>
-          <a:bodyPr anchorCtr="0" anchor="t" bIns="91425" lIns="91425" spcFirstLastPara="1" rIns="91425" wrap="square" tIns="91425">
+          <a:bodyPr spcFirstLastPara="1" wrap="square" lIns="91425" tIns="91425" rIns="91425" bIns="91425" anchor="t" anchorCtr="0">
             <a:noAutofit/>
           </a:bodyPr>
           <a:lstStyle>
@@ -6552,15 +6708,19 @@
               </a:defRPr>
             </a:lvl9pPr>
           </a:lstStyle>
-          <a:p/>
+          <a:p>
+            <a:endParaRPr/>
+          </a:p>
         </p:txBody>
       </p:sp>
       <p:sp>
         <p:nvSpPr>
           <p:cNvPr id="46" name="Google Shape;46;p6"/>
-          <p:cNvSpPr txBox="1"/>
+          <p:cNvSpPr txBox="1">
+            <a:spLocks noGrp="1"/>
+          </p:cNvSpPr>
           <p:nvPr>
-            <p:ph idx="12" type="sldNum"/>
+            <p:ph type="sldNum" idx="12"/>
           </p:nvPr>
         </p:nvSpPr>
         <p:spPr>
@@ -6573,7 +6733,7 @@
           </a:prstGeom>
         </p:spPr>
         <p:txBody>
-          <a:bodyPr anchorCtr="0" anchor="ctr" bIns="91425" lIns="91425" spcFirstLastPara="1" rIns="91425" wrap="square" tIns="91425">
+          <a:bodyPr spcFirstLastPara="1" wrap="square" lIns="91425" tIns="91425" rIns="91425" bIns="91425" anchor="ctr" anchorCtr="0">
             <a:noAutofit/>
           </a:bodyPr>
           <a:lstStyle>
@@ -6615,7 +6775,7 @@
             </a:lvl9pPr>
           </a:lstStyle>
           <a:p>
-            <a:pPr indent="0" lvl="0" marL="0" rtl="0" algn="r">
+            <a:pPr marL="0" lvl="0" indent="0" algn="r" rtl="0">
               <a:spcBef>
                 <a:spcPts val="0"/>
               </a:spcBef>
@@ -6641,11 +6801,11 @@
 </file>
 
 <file path=ppt/slideLayouts/slideLayout6.xml><?xml version="1.0" encoding="utf-8"?>
-<p:sldLayout xmlns:a="http://schemas.openxmlformats.org/drawingml/2006/main" xmlns:r="http://schemas.openxmlformats.org/officeDocument/2006/relationships" xmlns:mc="http://schemas.openxmlformats.org/markup-compatibility/2006" xmlns:mv="urn:schemas-microsoft-com:mac:vml" xmlns:p="http://schemas.openxmlformats.org/presentationml/2006/main" xmlns:c="http://schemas.openxmlformats.org/drawingml/2006/chart" xmlns:dgm="http://schemas.openxmlformats.org/drawingml/2006/diagram" xmlns:o="urn:schemas-microsoft-com:office:office" xmlns:v="urn:schemas-microsoft-com:vml" xmlns:pvml="urn:schemas-microsoft-com:office:powerpoint" xmlns:com="http://schemas.openxmlformats.org/drawingml/2006/compatibility" xmlns:p14="http://schemas.microsoft.com/office/powerpoint/2010/main" xmlns:p15="http://schemas.microsoft.com/office/powerpoint/2012/main" xmlns:ahyp="http://schemas.microsoft.com/office/drawing/2018/hyperlinkcolor" matchingName="One column text">
+<p:sldLayout xmlns:a="http://schemas.openxmlformats.org/drawingml/2006/main" xmlns:r="http://schemas.openxmlformats.org/officeDocument/2006/relationships" xmlns:p="http://schemas.openxmlformats.org/presentationml/2006/main" matchingName="One column text">
   <p:cSld name="ONE_COLUMN_TEXT">
     <p:spTree>
       <p:nvGrpSpPr>
-        <p:cNvPr id="47" name="Shape 47"/>
+        <p:cNvPr id="1" name="Shape 47"/>
         <p:cNvGrpSpPr/>
         <p:nvPr/>
       </p:nvGrpSpPr>
@@ -6679,12 +6839,12 @@
           </a:ln>
         </p:spPr>
         <p:txBody>
-          <a:bodyPr anchorCtr="0" anchor="ctr" bIns="91425" lIns="91425" spcFirstLastPara="1" rIns="91425" wrap="square" tIns="91425">
+          <a:bodyPr spcFirstLastPara="1" wrap="square" lIns="91425" tIns="91425" rIns="91425" bIns="91425" anchor="ctr" anchorCtr="0">
             <a:noAutofit/>
           </a:bodyPr>
           <a:lstStyle/>
           <a:p>
-            <a:pPr indent="0" lvl="0" marL="0" rtl="0" algn="l">
+            <a:pPr marL="0" lvl="0" indent="0" algn="l" rtl="0">
               <a:spcBef>
                 <a:spcPts val="0"/>
               </a:spcBef>
@@ -6693,9 +6853,6 @@
               </a:spcAft>
               <a:buNone/>
             </a:pPr>
-            <a:r>
-              <a:t/>
-            </a:r>
             <a:endParaRPr/>
           </a:p>
         </p:txBody>
@@ -6736,12 +6893,12 @@
             </a:ln>
           </p:spPr>
           <p:txBody>
-            <a:bodyPr anchorCtr="0" anchor="ctr" bIns="91425" lIns="91425" spcFirstLastPara="1" rIns="91425" wrap="square" tIns="91425">
+            <a:bodyPr spcFirstLastPara="1" wrap="square" lIns="91425" tIns="91425" rIns="91425" bIns="91425" anchor="ctr" anchorCtr="0">
               <a:noAutofit/>
             </a:bodyPr>
             <a:lstStyle/>
             <a:p>
-              <a:pPr indent="0" lvl="0" marL="0" rtl="0" algn="l">
+              <a:pPr marL="0" lvl="0" indent="0" algn="l" rtl="0">
                 <a:spcBef>
                   <a:spcPts val="0"/>
                 </a:spcBef>
@@ -6750,9 +6907,6 @@
                 </a:spcAft>
                 <a:buNone/>
               </a:pPr>
-              <a:r>
-                <a:t/>
-              </a:r>
               <a:endParaRPr/>
             </a:p>
           </p:txBody>
@@ -6779,12 +6933,12 @@
             </a:ln>
           </p:spPr>
           <p:txBody>
-            <a:bodyPr anchorCtr="0" anchor="ctr" bIns="91425" lIns="91425" spcFirstLastPara="1" rIns="91425" wrap="square" tIns="91425">
+            <a:bodyPr spcFirstLastPara="1" wrap="square" lIns="91425" tIns="91425" rIns="91425" bIns="91425" anchor="ctr" anchorCtr="0">
               <a:noAutofit/>
             </a:bodyPr>
             <a:lstStyle/>
             <a:p>
-              <a:pPr indent="0" lvl="0" marL="0" rtl="0" algn="l">
+              <a:pPr marL="0" lvl="0" indent="0" algn="l" rtl="0">
                 <a:spcBef>
                   <a:spcPts val="0"/>
                 </a:spcBef>
@@ -6793,9 +6947,6 @@
                 </a:spcAft>
                 <a:buNone/>
               </a:pPr>
-              <a:r>
-                <a:t/>
-              </a:r>
               <a:endParaRPr/>
             </a:p>
           </p:txBody>
@@ -6804,7 +6955,9 @@
       <p:sp>
         <p:nvSpPr>
           <p:cNvPr id="52" name="Google Shape;52;p7"/>
-          <p:cNvSpPr txBox="1"/>
+          <p:cNvSpPr txBox="1">
+            <a:spLocks noGrp="1"/>
+          </p:cNvSpPr>
           <p:nvPr>
             <p:ph type="title"/>
           </p:nvPr>
@@ -6819,7 +6972,7 @@
           </a:prstGeom>
         </p:spPr>
         <p:txBody>
-          <a:bodyPr anchorCtr="0" anchor="t" bIns="91425" lIns="91425" spcFirstLastPara="1" rIns="91425" wrap="square" tIns="91425">
+          <a:bodyPr spcFirstLastPara="1" wrap="square" lIns="91425" tIns="91425" rIns="91425" bIns="91425" anchor="t" anchorCtr="0">
             <a:noAutofit/>
           </a:bodyPr>
           <a:lstStyle>
@@ -6986,15 +7139,19 @@
               </a:defRPr>
             </a:lvl9pPr>
           </a:lstStyle>
-          <a:p/>
+          <a:p>
+            <a:endParaRPr/>
+          </a:p>
         </p:txBody>
       </p:sp>
       <p:sp>
         <p:nvSpPr>
           <p:cNvPr id="53" name="Google Shape;53;p7"/>
-          <p:cNvSpPr txBox="1"/>
+          <p:cNvSpPr txBox="1">
+            <a:spLocks noGrp="1"/>
+          </p:cNvSpPr>
           <p:nvPr>
-            <p:ph idx="1" type="body"/>
+            <p:ph type="body" idx="1"/>
           </p:nvPr>
         </p:nvSpPr>
         <p:spPr>
@@ -7007,11 +7164,11 @@
           </a:prstGeom>
         </p:spPr>
         <p:txBody>
-          <a:bodyPr anchorCtr="0" anchor="t" bIns="91425" lIns="91425" spcFirstLastPara="1" rIns="91425" wrap="square" tIns="91425">
+          <a:bodyPr spcFirstLastPara="1" wrap="square" lIns="91425" tIns="91425" rIns="91425" bIns="91425" anchor="t" anchorCtr="0">
             <a:noAutofit/>
           </a:bodyPr>
           <a:lstStyle>
-            <a:lvl1pPr indent="-311150" lvl="0" marL="457200">
+            <a:lvl1pPr marL="457200" lvl="0" indent="-311150">
               <a:spcBef>
                 <a:spcPts val="0"/>
               </a:spcBef>
@@ -7022,7 +7179,7 @@
               <a:buChar char="●"/>
               <a:defRPr/>
             </a:lvl1pPr>
-            <a:lvl2pPr indent="-298450" lvl="1" marL="914400">
+            <a:lvl2pPr marL="914400" lvl="1" indent="-298450">
               <a:spcBef>
                 <a:spcPts val="1600"/>
               </a:spcBef>
@@ -7033,7 +7190,7 @@
               <a:buChar char="○"/>
               <a:defRPr/>
             </a:lvl2pPr>
-            <a:lvl3pPr indent="-298450" lvl="2" marL="1371600">
+            <a:lvl3pPr marL="1371600" lvl="2" indent="-298450">
               <a:spcBef>
                 <a:spcPts val="1600"/>
               </a:spcBef>
@@ -7044,7 +7201,7 @@
               <a:buChar char="■"/>
               <a:defRPr/>
             </a:lvl3pPr>
-            <a:lvl4pPr indent="-298450" lvl="3" marL="1828800">
+            <a:lvl4pPr marL="1828800" lvl="3" indent="-298450">
               <a:spcBef>
                 <a:spcPts val="1600"/>
               </a:spcBef>
@@ -7055,7 +7212,7 @@
               <a:buChar char="●"/>
               <a:defRPr/>
             </a:lvl4pPr>
-            <a:lvl5pPr indent="-298450" lvl="4" marL="2286000">
+            <a:lvl5pPr marL="2286000" lvl="4" indent="-298450">
               <a:spcBef>
                 <a:spcPts val="1600"/>
               </a:spcBef>
@@ -7066,7 +7223,7 @@
               <a:buChar char="○"/>
               <a:defRPr/>
             </a:lvl5pPr>
-            <a:lvl6pPr indent="-298450" lvl="5" marL="2743200">
+            <a:lvl6pPr marL="2743200" lvl="5" indent="-298450">
               <a:spcBef>
                 <a:spcPts val="1600"/>
               </a:spcBef>
@@ -7077,7 +7234,7 @@
               <a:buChar char="■"/>
               <a:defRPr/>
             </a:lvl6pPr>
-            <a:lvl7pPr indent="-298450" lvl="6" marL="3200400">
+            <a:lvl7pPr marL="3200400" lvl="6" indent="-298450">
               <a:spcBef>
                 <a:spcPts val="1600"/>
               </a:spcBef>
@@ -7088,7 +7245,7 @@
               <a:buChar char="●"/>
               <a:defRPr/>
             </a:lvl7pPr>
-            <a:lvl8pPr indent="-298450" lvl="7" marL="3657600">
+            <a:lvl8pPr marL="3657600" lvl="7" indent="-298450">
               <a:spcBef>
                 <a:spcPts val="1600"/>
               </a:spcBef>
@@ -7099,7 +7256,7 @@
               <a:buChar char="○"/>
               <a:defRPr/>
             </a:lvl8pPr>
-            <a:lvl9pPr indent="-298450" lvl="8" marL="4114800">
+            <a:lvl9pPr marL="4114800" lvl="8" indent="-298450">
               <a:spcBef>
                 <a:spcPts val="1600"/>
               </a:spcBef>
@@ -7111,15 +7268,19 @@
               <a:defRPr/>
             </a:lvl9pPr>
           </a:lstStyle>
-          <a:p/>
+          <a:p>
+            <a:endParaRPr/>
+          </a:p>
         </p:txBody>
       </p:sp>
       <p:sp>
         <p:nvSpPr>
           <p:cNvPr id="54" name="Google Shape;54;p7"/>
-          <p:cNvSpPr txBox="1"/>
+          <p:cNvSpPr txBox="1">
+            <a:spLocks noGrp="1"/>
+          </p:cNvSpPr>
           <p:nvPr>
-            <p:ph idx="12" type="sldNum"/>
+            <p:ph type="sldNum" idx="12"/>
           </p:nvPr>
         </p:nvSpPr>
         <p:spPr>
@@ -7132,7 +7293,7 @@
           </a:prstGeom>
         </p:spPr>
         <p:txBody>
-          <a:bodyPr anchorCtr="0" anchor="ctr" bIns="91425" lIns="91425" spcFirstLastPara="1" rIns="91425" wrap="square" tIns="91425">
+          <a:bodyPr spcFirstLastPara="1" wrap="square" lIns="91425" tIns="91425" rIns="91425" bIns="91425" anchor="ctr" anchorCtr="0">
             <a:noAutofit/>
           </a:bodyPr>
           <a:lstStyle>
@@ -7174,7 +7335,7 @@
             </a:lvl9pPr>
           </a:lstStyle>
           <a:p>
-            <a:pPr indent="0" lvl="0" marL="0" rtl="0" algn="r">
+            <a:pPr marL="0" lvl="0" indent="0" algn="r" rtl="0">
               <a:spcBef>
                 <a:spcPts val="0"/>
               </a:spcBef>
@@ -7200,18 +7361,19 @@
 </file>
 
 <file path=ppt/slideLayouts/slideLayout7.xml><?xml version="1.0" encoding="utf-8"?>
-<p:sldLayout xmlns:a="http://schemas.openxmlformats.org/drawingml/2006/main" xmlns:r="http://schemas.openxmlformats.org/officeDocument/2006/relationships" xmlns:mc="http://schemas.openxmlformats.org/markup-compatibility/2006" xmlns:mv="urn:schemas-microsoft-com:mac:vml" xmlns:p="http://schemas.openxmlformats.org/presentationml/2006/main" xmlns:c="http://schemas.openxmlformats.org/drawingml/2006/chart" xmlns:dgm="http://schemas.openxmlformats.org/drawingml/2006/diagram" xmlns:o="urn:schemas-microsoft-com:office:office" xmlns:v="urn:schemas-microsoft-com:vml" xmlns:pvml="urn:schemas-microsoft-com:office:powerpoint" xmlns:com="http://schemas.openxmlformats.org/drawingml/2006/compatibility" xmlns:p14="http://schemas.microsoft.com/office/powerpoint/2010/main" xmlns:p15="http://schemas.microsoft.com/office/powerpoint/2012/main" xmlns:ahyp="http://schemas.microsoft.com/office/drawing/2018/hyperlinkcolor" matchingName="Main point">
+<p:sldLayout xmlns:a="http://schemas.openxmlformats.org/drawingml/2006/main" xmlns:r="http://schemas.openxmlformats.org/officeDocument/2006/relationships" xmlns:p="http://schemas.openxmlformats.org/presentationml/2006/main" matchingName="Main point">
   <p:cSld name="MAIN_POINT">
     <p:bg>
       <p:bgPr>
         <a:solidFill>
           <a:schemeClr val="accent3"/>
         </a:solidFill>
+        <a:effectLst/>
       </p:bgPr>
     </p:bg>
     <p:spTree>
       <p:nvGrpSpPr>
-        <p:cNvPr id="55" name="Shape 55"/>
+        <p:cNvPr id="1" name="Shape 55"/>
         <p:cNvGrpSpPr/>
         <p:nvPr/>
       </p:nvGrpSpPr>
@@ -7259,12 +7421,12 @@
             </a:ln>
           </p:spPr>
           <p:txBody>
-            <a:bodyPr anchorCtr="0" anchor="ctr" bIns="91425" lIns="91425" spcFirstLastPara="1" rIns="91425" wrap="square" tIns="91425">
+            <a:bodyPr spcFirstLastPara="1" wrap="square" lIns="91425" tIns="91425" rIns="91425" bIns="91425" anchor="ctr" anchorCtr="0">
               <a:noAutofit/>
             </a:bodyPr>
             <a:lstStyle/>
             <a:p>
-              <a:pPr indent="0" lvl="0" marL="0" rtl="0" algn="l">
+              <a:pPr marL="0" lvl="0" indent="0" algn="l" rtl="0">
                 <a:spcBef>
                   <a:spcPts val="0"/>
                 </a:spcBef>
@@ -7273,9 +7435,6 @@
                 </a:spcAft>
                 <a:buNone/>
               </a:pPr>
-              <a:r>
-                <a:t/>
-              </a:r>
               <a:endParaRPr/>
             </a:p>
           </p:txBody>
@@ -7302,12 +7461,12 @@
             </a:ln>
           </p:spPr>
           <p:txBody>
-            <a:bodyPr anchorCtr="0" anchor="ctr" bIns="91425" lIns="91425" spcFirstLastPara="1" rIns="91425" wrap="square" tIns="91425">
+            <a:bodyPr spcFirstLastPara="1" wrap="square" lIns="91425" tIns="91425" rIns="91425" bIns="91425" anchor="ctr" anchorCtr="0">
               <a:noAutofit/>
             </a:bodyPr>
             <a:lstStyle/>
             <a:p>
-              <a:pPr indent="0" lvl="0" marL="0" rtl="0" algn="l">
+              <a:pPr marL="0" lvl="0" indent="0" algn="l" rtl="0">
                 <a:spcBef>
                   <a:spcPts val="0"/>
                 </a:spcBef>
@@ -7316,9 +7475,6 @@
                 </a:spcAft>
                 <a:buNone/>
               </a:pPr>
-              <a:r>
-                <a:t/>
-              </a:r>
               <a:endParaRPr/>
             </a:p>
           </p:txBody>
@@ -7327,7 +7483,9 @@
       <p:sp>
         <p:nvSpPr>
           <p:cNvPr id="59" name="Google Shape;59;p8"/>
-          <p:cNvSpPr txBox="1"/>
+          <p:cNvSpPr txBox="1">
+            <a:spLocks noGrp="1"/>
+          </p:cNvSpPr>
           <p:nvPr>
             <p:ph type="title"/>
           </p:nvPr>
@@ -7342,7 +7500,7 @@
           </a:prstGeom>
         </p:spPr>
         <p:txBody>
-          <a:bodyPr anchorCtr="0" anchor="ctr" bIns="91425" lIns="91425" spcFirstLastPara="1" rIns="91425" wrap="square" tIns="91425">
+          <a:bodyPr spcFirstLastPara="1" wrap="square" lIns="91425" tIns="91425" rIns="91425" bIns="91425" anchor="ctr" anchorCtr="0">
             <a:noAutofit/>
           </a:bodyPr>
           <a:lstStyle>
@@ -7509,15 +7667,19 @@
               </a:defRPr>
             </a:lvl9pPr>
           </a:lstStyle>
-          <a:p/>
+          <a:p>
+            <a:endParaRPr/>
+          </a:p>
         </p:txBody>
       </p:sp>
       <p:sp>
         <p:nvSpPr>
           <p:cNvPr id="60" name="Google Shape;60;p8"/>
-          <p:cNvSpPr txBox="1"/>
+          <p:cNvSpPr txBox="1">
+            <a:spLocks noGrp="1"/>
+          </p:cNvSpPr>
           <p:nvPr>
-            <p:ph idx="12" type="sldNum"/>
+            <p:ph type="sldNum" idx="12"/>
           </p:nvPr>
         </p:nvSpPr>
         <p:spPr>
@@ -7530,7 +7692,7 @@
           </a:prstGeom>
         </p:spPr>
         <p:txBody>
-          <a:bodyPr anchorCtr="0" anchor="ctr" bIns="91425" lIns="91425" spcFirstLastPara="1" rIns="91425" wrap="square" tIns="91425">
+          <a:bodyPr spcFirstLastPara="1" wrap="square" lIns="91425" tIns="91425" rIns="91425" bIns="91425" anchor="ctr" anchorCtr="0">
             <a:noAutofit/>
           </a:bodyPr>
           <a:lstStyle>
@@ -7608,7 +7770,7 @@
             </a:lvl9pPr>
           </a:lstStyle>
           <a:p>
-            <a:pPr indent="0" lvl="0" marL="0" rtl="0" algn="r">
+            <a:pPr marL="0" lvl="0" indent="0" algn="r" rtl="0">
               <a:spcBef>
                 <a:spcPts val="0"/>
               </a:spcBef>
@@ -7634,11 +7796,11 @@
 </file>
 
 <file path=ppt/slideLayouts/slideLayout8.xml><?xml version="1.0" encoding="utf-8"?>
-<p:sldLayout xmlns:a="http://schemas.openxmlformats.org/drawingml/2006/main" xmlns:r="http://schemas.openxmlformats.org/officeDocument/2006/relationships" xmlns:mc="http://schemas.openxmlformats.org/markup-compatibility/2006" xmlns:mv="urn:schemas-microsoft-com:mac:vml" xmlns:p="http://schemas.openxmlformats.org/presentationml/2006/main" xmlns:c="http://schemas.openxmlformats.org/drawingml/2006/chart" xmlns:dgm="http://schemas.openxmlformats.org/drawingml/2006/diagram" xmlns:o="urn:schemas-microsoft-com:office:office" xmlns:v="urn:schemas-microsoft-com:vml" xmlns:pvml="urn:schemas-microsoft-com:office:powerpoint" xmlns:com="http://schemas.openxmlformats.org/drawingml/2006/compatibility" xmlns:p14="http://schemas.microsoft.com/office/powerpoint/2010/main" xmlns:p15="http://schemas.microsoft.com/office/powerpoint/2012/main" xmlns:ahyp="http://schemas.microsoft.com/office/drawing/2018/hyperlinkcolor" matchingName="Section title and description">
+<p:sldLayout xmlns:a="http://schemas.openxmlformats.org/drawingml/2006/main" xmlns:r="http://schemas.openxmlformats.org/officeDocument/2006/relationships" xmlns:p="http://schemas.openxmlformats.org/presentationml/2006/main" matchingName="Section title and description">
   <p:cSld name="SECTION_TITLE_AND_DESCRIPTION">
     <p:spTree>
       <p:nvGrpSpPr>
-        <p:cNvPr id="61" name="Shape 61"/>
+        <p:cNvPr id="1" name="Shape 61"/>
         <p:cNvGrpSpPr/>
         <p:nvPr/>
       </p:nvGrpSpPr>
@@ -7672,12 +7834,12 @@
           </a:ln>
         </p:spPr>
         <p:txBody>
-          <a:bodyPr anchorCtr="0" anchor="ctr" bIns="91425" lIns="91425" spcFirstLastPara="1" rIns="91425" wrap="square" tIns="91425">
+          <a:bodyPr spcFirstLastPara="1" wrap="square" lIns="91425" tIns="91425" rIns="91425" bIns="91425" anchor="ctr" anchorCtr="0">
             <a:noAutofit/>
           </a:bodyPr>
           <a:lstStyle/>
           <a:p>
-            <a:pPr indent="0" lvl="0" marL="0" rtl="0" algn="l">
+            <a:pPr marL="0" lvl="0" indent="0" algn="l" rtl="0">
               <a:spcBef>
                 <a:spcPts val="0"/>
               </a:spcBef>
@@ -7686,9 +7848,6 @@
               </a:spcAft>
               <a:buNone/>
             </a:pPr>
-            <a:r>
-              <a:t/>
-            </a:r>
             <a:endParaRPr/>
           </a:p>
         </p:txBody>
@@ -7729,12 +7888,12 @@
             </a:ln>
           </p:spPr>
           <p:txBody>
-            <a:bodyPr anchorCtr="0" anchor="ctr" bIns="91425" lIns="91425" spcFirstLastPara="1" rIns="91425" wrap="square" tIns="91425">
+            <a:bodyPr spcFirstLastPara="1" wrap="square" lIns="91425" tIns="91425" rIns="91425" bIns="91425" anchor="ctr" anchorCtr="0">
               <a:noAutofit/>
             </a:bodyPr>
             <a:lstStyle/>
             <a:p>
-              <a:pPr indent="0" lvl="0" marL="0" rtl="0" algn="l">
+              <a:pPr marL="0" lvl="0" indent="0" algn="l" rtl="0">
                 <a:spcBef>
                   <a:spcPts val="0"/>
                 </a:spcBef>
@@ -7743,9 +7902,6 @@
                 </a:spcAft>
                 <a:buNone/>
               </a:pPr>
-              <a:r>
-                <a:t/>
-              </a:r>
               <a:endParaRPr/>
             </a:p>
           </p:txBody>
@@ -7772,12 +7928,12 @@
             </a:ln>
           </p:spPr>
           <p:txBody>
-            <a:bodyPr anchorCtr="0" anchor="ctr" bIns="91425" lIns="91425" spcFirstLastPara="1" rIns="91425" wrap="square" tIns="91425">
+            <a:bodyPr spcFirstLastPara="1" wrap="square" lIns="91425" tIns="91425" rIns="91425" bIns="91425" anchor="ctr" anchorCtr="0">
               <a:noAutofit/>
             </a:bodyPr>
             <a:lstStyle/>
             <a:p>
-              <a:pPr indent="0" lvl="0" marL="0" rtl="0" algn="l">
+              <a:pPr marL="0" lvl="0" indent="0" algn="l" rtl="0">
                 <a:spcBef>
                   <a:spcPts val="0"/>
                 </a:spcBef>
@@ -7786,9 +7942,6 @@
                 </a:spcAft>
                 <a:buNone/>
               </a:pPr>
-              <a:r>
-                <a:t/>
-              </a:r>
               <a:endParaRPr/>
             </a:p>
           </p:txBody>
@@ -7797,7 +7950,9 @@
       <p:sp>
         <p:nvSpPr>
           <p:cNvPr id="66" name="Google Shape;66;p9"/>
-          <p:cNvSpPr txBox="1"/>
+          <p:cNvSpPr txBox="1">
+            <a:spLocks noGrp="1"/>
+          </p:cNvSpPr>
           <p:nvPr>
             <p:ph type="title"/>
           </p:nvPr>
@@ -7812,7 +7967,7 @@
           </a:prstGeom>
         </p:spPr>
         <p:txBody>
-          <a:bodyPr anchorCtr="0" anchor="t" bIns="91425" lIns="91425" spcFirstLastPara="1" rIns="91425" wrap="square" tIns="91425">
+          <a:bodyPr spcFirstLastPara="1" wrap="square" lIns="91425" tIns="91425" rIns="91425" bIns="91425" anchor="t" anchorCtr="0">
             <a:noAutofit/>
           </a:bodyPr>
           <a:lstStyle>
@@ -7979,15 +8134,19 @@
               </a:defRPr>
             </a:lvl9pPr>
           </a:lstStyle>
-          <a:p/>
+          <a:p>
+            <a:endParaRPr/>
+          </a:p>
         </p:txBody>
       </p:sp>
       <p:sp>
         <p:nvSpPr>
           <p:cNvPr id="67" name="Google Shape;67;p9"/>
-          <p:cNvSpPr txBox="1"/>
+          <p:cNvSpPr txBox="1">
+            <a:spLocks noGrp="1"/>
+          </p:cNvSpPr>
           <p:nvPr>
-            <p:ph idx="1" type="subTitle"/>
+            <p:ph type="subTitle" idx="1"/>
           </p:nvPr>
         </p:nvSpPr>
         <p:spPr>
@@ -8000,7 +8159,7 @@
           </a:prstGeom>
         </p:spPr>
         <p:txBody>
-          <a:bodyPr anchorCtr="0" anchor="t" bIns="91425" lIns="91425" spcFirstLastPara="1" rIns="91425" wrap="square" tIns="91425">
+          <a:bodyPr spcFirstLastPara="1" wrap="square" lIns="91425" tIns="91425" rIns="91425" bIns="91425" anchor="t" anchorCtr="0">
             <a:noAutofit/>
           </a:bodyPr>
           <a:lstStyle>
@@ -8131,15 +8290,19 @@
               <a:defRPr sz="1600"/>
             </a:lvl9pPr>
           </a:lstStyle>
-          <a:p/>
+          <a:p>
+            <a:endParaRPr/>
+          </a:p>
         </p:txBody>
       </p:sp>
       <p:sp>
         <p:nvSpPr>
           <p:cNvPr id="68" name="Google Shape;68;p9"/>
-          <p:cNvSpPr txBox="1"/>
+          <p:cNvSpPr txBox="1">
+            <a:spLocks noGrp="1"/>
+          </p:cNvSpPr>
           <p:nvPr>
-            <p:ph idx="2" type="body"/>
+            <p:ph type="body" idx="2"/>
           </p:nvPr>
         </p:nvSpPr>
         <p:spPr>
@@ -8152,11 +8315,11 @@
           </a:prstGeom>
         </p:spPr>
         <p:txBody>
-          <a:bodyPr anchorCtr="0" anchor="t" bIns="91425" lIns="91425" spcFirstLastPara="1" rIns="91425" wrap="square" tIns="91425">
+          <a:bodyPr spcFirstLastPara="1" wrap="square" lIns="91425" tIns="91425" rIns="91425" bIns="91425" anchor="t" anchorCtr="0">
             <a:noAutofit/>
           </a:bodyPr>
           <a:lstStyle>
-            <a:lvl1pPr indent="-311150" lvl="0" marL="457200">
+            <a:lvl1pPr marL="457200" lvl="0" indent="-311150">
               <a:spcBef>
                 <a:spcPts val="0"/>
               </a:spcBef>
@@ -8167,7 +8330,7 @@
               <a:buChar char="●"/>
               <a:defRPr/>
             </a:lvl1pPr>
-            <a:lvl2pPr indent="-298450" lvl="1" marL="914400">
+            <a:lvl2pPr marL="914400" lvl="1" indent="-298450">
               <a:spcBef>
                 <a:spcPts val="1600"/>
               </a:spcBef>
@@ -8178,7 +8341,7 @@
               <a:buChar char="○"/>
               <a:defRPr/>
             </a:lvl2pPr>
-            <a:lvl3pPr indent="-298450" lvl="2" marL="1371600">
+            <a:lvl3pPr marL="1371600" lvl="2" indent="-298450">
               <a:spcBef>
                 <a:spcPts val="1600"/>
               </a:spcBef>
@@ -8189,7 +8352,7 @@
               <a:buChar char="■"/>
               <a:defRPr/>
             </a:lvl3pPr>
-            <a:lvl4pPr indent="-298450" lvl="3" marL="1828800">
+            <a:lvl4pPr marL="1828800" lvl="3" indent="-298450">
               <a:spcBef>
                 <a:spcPts val="1600"/>
               </a:spcBef>
@@ -8200,7 +8363,7 @@
               <a:buChar char="●"/>
               <a:defRPr/>
             </a:lvl4pPr>
-            <a:lvl5pPr indent="-298450" lvl="4" marL="2286000">
+            <a:lvl5pPr marL="2286000" lvl="4" indent="-298450">
               <a:spcBef>
                 <a:spcPts val="1600"/>
               </a:spcBef>
@@ -8211,7 +8374,7 @@
               <a:buChar char="○"/>
               <a:defRPr/>
             </a:lvl5pPr>
-            <a:lvl6pPr indent="-298450" lvl="5" marL="2743200">
+            <a:lvl6pPr marL="2743200" lvl="5" indent="-298450">
               <a:spcBef>
                 <a:spcPts val="1600"/>
               </a:spcBef>
@@ -8222,7 +8385,7 @@
               <a:buChar char="■"/>
               <a:defRPr/>
             </a:lvl6pPr>
-            <a:lvl7pPr indent="-298450" lvl="6" marL="3200400">
+            <a:lvl7pPr marL="3200400" lvl="6" indent="-298450">
               <a:spcBef>
                 <a:spcPts val="1600"/>
               </a:spcBef>
@@ -8233,7 +8396,7 @@
               <a:buChar char="●"/>
               <a:defRPr/>
             </a:lvl7pPr>
-            <a:lvl8pPr indent="-298450" lvl="7" marL="3657600">
+            <a:lvl8pPr marL="3657600" lvl="7" indent="-298450">
               <a:spcBef>
                 <a:spcPts val="1600"/>
               </a:spcBef>
@@ -8244,7 +8407,7 @@
               <a:buChar char="○"/>
               <a:defRPr/>
             </a:lvl8pPr>
-            <a:lvl9pPr indent="-298450" lvl="8" marL="4114800">
+            <a:lvl9pPr marL="4114800" lvl="8" indent="-298450">
               <a:spcBef>
                 <a:spcPts val="1600"/>
               </a:spcBef>
@@ -8256,15 +8419,19 @@
               <a:defRPr/>
             </a:lvl9pPr>
           </a:lstStyle>
-          <a:p/>
+          <a:p>
+            <a:endParaRPr/>
+          </a:p>
         </p:txBody>
       </p:sp>
       <p:sp>
         <p:nvSpPr>
           <p:cNvPr id="69" name="Google Shape;69;p9"/>
-          <p:cNvSpPr txBox="1"/>
+          <p:cNvSpPr txBox="1">
+            <a:spLocks noGrp="1"/>
+          </p:cNvSpPr>
           <p:nvPr>
-            <p:ph idx="12" type="sldNum"/>
+            <p:ph type="sldNum" idx="12"/>
           </p:nvPr>
         </p:nvSpPr>
         <p:spPr>
@@ -8277,7 +8444,7 @@
           </a:prstGeom>
         </p:spPr>
         <p:txBody>
-          <a:bodyPr anchorCtr="0" anchor="ctr" bIns="91425" lIns="91425" spcFirstLastPara="1" rIns="91425" wrap="square" tIns="91425">
+          <a:bodyPr spcFirstLastPara="1" wrap="square" lIns="91425" tIns="91425" rIns="91425" bIns="91425" anchor="ctr" anchorCtr="0">
             <a:noAutofit/>
           </a:bodyPr>
           <a:lstStyle>
@@ -8319,7 +8486,7 @@
             </a:lvl9pPr>
           </a:lstStyle>
           <a:p>
-            <a:pPr indent="0" lvl="0" marL="0" rtl="0" algn="r">
+            <a:pPr marL="0" lvl="0" indent="0" algn="r" rtl="0">
               <a:spcBef>
                 <a:spcPts val="0"/>
               </a:spcBef>
@@ -8345,11 +8512,11 @@
 </file>
 
 <file path=ppt/slideLayouts/slideLayout9.xml><?xml version="1.0" encoding="utf-8"?>
-<p:sldLayout xmlns:a="http://schemas.openxmlformats.org/drawingml/2006/main" xmlns:r="http://schemas.openxmlformats.org/officeDocument/2006/relationships" xmlns:mc="http://schemas.openxmlformats.org/markup-compatibility/2006" xmlns:mv="urn:schemas-microsoft-com:mac:vml" xmlns:p="http://schemas.openxmlformats.org/presentationml/2006/main" xmlns:c="http://schemas.openxmlformats.org/drawingml/2006/chart" xmlns:dgm="http://schemas.openxmlformats.org/drawingml/2006/diagram" xmlns:o="urn:schemas-microsoft-com:office:office" xmlns:v="urn:schemas-microsoft-com:vml" xmlns:pvml="urn:schemas-microsoft-com:office:powerpoint" xmlns:com="http://schemas.openxmlformats.org/drawingml/2006/compatibility" xmlns:p14="http://schemas.microsoft.com/office/powerpoint/2010/main" xmlns:p15="http://schemas.microsoft.com/office/powerpoint/2012/main" xmlns:ahyp="http://schemas.microsoft.com/office/drawing/2018/hyperlinkcolor" matchingName="Caption">
+<p:sldLayout xmlns:a="http://schemas.openxmlformats.org/drawingml/2006/main" xmlns:r="http://schemas.openxmlformats.org/officeDocument/2006/relationships" xmlns:p="http://schemas.openxmlformats.org/presentationml/2006/main" matchingName="Caption">
   <p:cSld name="CAPTION_ONLY">
     <p:spTree>
       <p:nvGrpSpPr>
-        <p:cNvPr id="70" name="Shape 70"/>
+        <p:cNvPr id="1" name="Shape 70"/>
         <p:cNvGrpSpPr/>
         <p:nvPr/>
       </p:nvGrpSpPr>
@@ -8364,9 +8531,11 @@
       <p:sp>
         <p:nvSpPr>
           <p:cNvPr id="71" name="Google Shape;71;p10"/>
-          <p:cNvSpPr txBox="1"/>
+          <p:cNvSpPr txBox="1">
+            <a:spLocks noGrp="1"/>
+          </p:cNvSpPr>
           <p:nvPr>
-            <p:ph idx="1" type="body"/>
+            <p:ph type="body" idx="1"/>
           </p:nvPr>
         </p:nvSpPr>
         <p:spPr>
@@ -8379,11 +8548,11 @@
           </a:prstGeom>
         </p:spPr>
         <p:txBody>
-          <a:bodyPr anchorCtr="0" anchor="ctr" bIns="91425" lIns="91425" spcFirstLastPara="1" rIns="91425" wrap="square" tIns="91425">
+          <a:bodyPr spcFirstLastPara="1" wrap="square" lIns="91425" tIns="91425" rIns="91425" bIns="91425" anchor="ctr" anchorCtr="0">
             <a:noAutofit/>
           </a:bodyPr>
           <a:lstStyle>
-            <a:lvl1pPr indent="-228600" lvl="0" marL="457200">
+            <a:lvl1pPr marL="457200" lvl="0" indent="-228600">
               <a:lnSpc>
                 <a:spcPct val="100000"/>
               </a:lnSpc>
@@ -8398,15 +8567,19 @@
               <a:defRPr/>
             </a:lvl1pPr>
           </a:lstStyle>
-          <a:p/>
+          <a:p>
+            <a:endParaRPr/>
+          </a:p>
         </p:txBody>
       </p:sp>
       <p:sp>
         <p:nvSpPr>
           <p:cNvPr id="72" name="Google Shape;72;p10"/>
-          <p:cNvSpPr txBox="1"/>
+          <p:cNvSpPr txBox="1">
+            <a:spLocks noGrp="1"/>
+          </p:cNvSpPr>
           <p:nvPr>
-            <p:ph idx="12" type="sldNum"/>
+            <p:ph type="sldNum" idx="12"/>
           </p:nvPr>
         </p:nvSpPr>
         <p:spPr>
@@ -8419,7 +8592,7 @@
           </a:prstGeom>
         </p:spPr>
         <p:txBody>
-          <a:bodyPr anchorCtr="0" anchor="ctr" bIns="91425" lIns="91425" spcFirstLastPara="1" rIns="91425" wrap="square" tIns="91425">
+          <a:bodyPr spcFirstLastPara="1" wrap="square" lIns="91425" tIns="91425" rIns="91425" bIns="91425" anchor="ctr" anchorCtr="0">
             <a:noAutofit/>
           </a:bodyPr>
           <a:lstStyle>
@@ -8461,7 +8634,7 @@
             </a:lvl9pPr>
           </a:lstStyle>
           <a:p>
-            <a:pPr indent="0" lvl="0" marL="0" rtl="0" algn="r">
+            <a:pPr marL="0" lvl="0" indent="0" algn="r" rtl="0">
               <a:spcBef>
                 <a:spcPts val="0"/>
               </a:spcBef>
@@ -8487,18 +8660,19 @@
 </file>
 
 <file path=ppt/slideMasters/slideMaster1.xml><?xml version="1.0" encoding="utf-8"?>
-<p:sldMaster xmlns:a="http://schemas.openxmlformats.org/drawingml/2006/main" xmlns:r="http://schemas.openxmlformats.org/officeDocument/2006/relationships" xmlns:mc="http://schemas.openxmlformats.org/markup-compatibility/2006" xmlns:mv="urn:schemas-microsoft-com:mac:vml" xmlns:p="http://schemas.openxmlformats.org/presentationml/2006/main" xmlns:c="http://schemas.openxmlformats.org/drawingml/2006/chart" xmlns:dgm="http://schemas.openxmlformats.org/drawingml/2006/diagram" xmlns:o="urn:schemas-microsoft-com:office:office" xmlns:v="urn:schemas-microsoft-com:vml" xmlns:pvml="urn:schemas-microsoft-com:office:powerpoint" xmlns:com="http://schemas.openxmlformats.org/drawingml/2006/compatibility" xmlns:p14="http://schemas.microsoft.com/office/powerpoint/2010/main" xmlns:p15="http://schemas.microsoft.com/office/powerpoint/2012/main" xmlns:ahyp="http://schemas.microsoft.com/office/drawing/2018/hyperlinkcolor">
+<p:sldMaster xmlns:a="http://schemas.openxmlformats.org/drawingml/2006/main" xmlns:r="http://schemas.openxmlformats.org/officeDocument/2006/relationships" xmlns:p="http://schemas.openxmlformats.org/presentationml/2006/main">
   <p:cSld name="streamline">
     <p:bg>
       <p:bgPr>
         <a:solidFill>
           <a:schemeClr val="lt1"/>
         </a:solidFill>
+        <a:effectLst/>
       </p:bgPr>
     </p:bg>
     <p:spTree>
       <p:nvGrpSpPr>
-        <p:cNvPr id="5" name="Shape 5"/>
+        <p:cNvPr id="1" name="Shape 5"/>
         <p:cNvGrpSpPr/>
         <p:nvPr/>
       </p:nvGrpSpPr>
@@ -8513,7 +8687,9 @@
       <p:sp>
         <p:nvSpPr>
           <p:cNvPr id="6" name="Google Shape;6;p1"/>
-          <p:cNvSpPr txBox="1"/>
+          <p:cNvSpPr txBox="1">
+            <a:spLocks noGrp="1"/>
+          </p:cNvSpPr>
           <p:nvPr>
             <p:ph type="title"/>
           </p:nvPr>
@@ -8532,7 +8708,7 @@
           </a:ln>
         </p:spPr>
         <p:txBody>
-          <a:bodyPr anchorCtr="0" anchor="t" bIns="91425" lIns="91425" spcFirstLastPara="1" rIns="91425" wrap="square" tIns="91425">
+          <a:bodyPr spcFirstLastPara="1" wrap="square" lIns="91425" tIns="91425" rIns="91425" bIns="91425" anchor="t" anchorCtr="0">
             <a:noAutofit/>
           </a:bodyPr>
           <a:lstStyle>
@@ -8546,7 +8722,7 @@
               <a:buSzPts val="2800"/>
               <a:buFont typeface="Raleway"/>
               <a:buNone/>
-              <a:defRPr b="1" sz="2800">
+              <a:defRPr sz="2800" b="1">
                 <a:latin typeface="Raleway"/>
                 <a:ea typeface="Raleway"/>
                 <a:cs typeface="Raleway"/>
@@ -8563,7 +8739,7 @@
               <a:buSzPts val="2800"/>
               <a:buFont typeface="Raleway"/>
               <a:buNone/>
-              <a:defRPr b="1" sz="2800">
+              <a:defRPr sz="2800" b="1">
                 <a:latin typeface="Raleway"/>
                 <a:ea typeface="Raleway"/>
                 <a:cs typeface="Raleway"/>
@@ -8580,7 +8756,7 @@
               <a:buSzPts val="2800"/>
               <a:buFont typeface="Raleway"/>
               <a:buNone/>
-              <a:defRPr b="1" sz="2800">
+              <a:defRPr sz="2800" b="1">
                 <a:latin typeface="Raleway"/>
                 <a:ea typeface="Raleway"/>
                 <a:cs typeface="Raleway"/>
@@ -8597,7 +8773,7 @@
               <a:buSzPts val="2800"/>
               <a:buFont typeface="Raleway"/>
               <a:buNone/>
-              <a:defRPr b="1" sz="2800">
+              <a:defRPr sz="2800" b="1">
                 <a:latin typeface="Raleway"/>
                 <a:ea typeface="Raleway"/>
                 <a:cs typeface="Raleway"/>
@@ -8614,7 +8790,7 @@
               <a:buSzPts val="2800"/>
               <a:buFont typeface="Raleway"/>
               <a:buNone/>
-              <a:defRPr b="1" sz="2800">
+              <a:defRPr sz="2800" b="1">
                 <a:latin typeface="Raleway"/>
                 <a:ea typeface="Raleway"/>
                 <a:cs typeface="Raleway"/>
@@ -8631,7 +8807,7 @@
               <a:buSzPts val="2800"/>
               <a:buFont typeface="Raleway"/>
               <a:buNone/>
-              <a:defRPr b="1" sz="2800">
+              <a:defRPr sz="2800" b="1">
                 <a:latin typeface="Raleway"/>
                 <a:ea typeface="Raleway"/>
                 <a:cs typeface="Raleway"/>
@@ -8648,7 +8824,7 @@
               <a:buSzPts val="2800"/>
               <a:buFont typeface="Raleway"/>
               <a:buNone/>
-              <a:defRPr b="1" sz="2800">
+              <a:defRPr sz="2800" b="1">
                 <a:latin typeface="Raleway"/>
                 <a:ea typeface="Raleway"/>
                 <a:cs typeface="Raleway"/>
@@ -8665,7 +8841,7 @@
               <a:buSzPts val="2800"/>
               <a:buFont typeface="Raleway"/>
               <a:buNone/>
-              <a:defRPr b="1" sz="2800">
+              <a:defRPr sz="2800" b="1">
                 <a:latin typeface="Raleway"/>
                 <a:ea typeface="Raleway"/>
                 <a:cs typeface="Raleway"/>
@@ -8682,7 +8858,7 @@
               <a:buSzPts val="2800"/>
               <a:buFont typeface="Raleway"/>
               <a:buNone/>
-              <a:defRPr b="1" sz="2800">
+              <a:defRPr sz="2800" b="1">
                 <a:latin typeface="Raleway"/>
                 <a:ea typeface="Raleway"/>
                 <a:cs typeface="Raleway"/>
@@ -8690,15 +8866,19 @@
               </a:defRPr>
             </a:lvl9pPr>
           </a:lstStyle>
-          <a:p/>
+          <a:p>
+            <a:endParaRPr/>
+          </a:p>
         </p:txBody>
       </p:sp>
       <p:sp>
         <p:nvSpPr>
           <p:cNvPr id="7" name="Google Shape;7;p1"/>
-          <p:cNvSpPr txBox="1"/>
+          <p:cNvSpPr txBox="1">
+            <a:spLocks noGrp="1"/>
+          </p:cNvSpPr>
           <p:nvPr>
-            <p:ph idx="1" type="body"/>
+            <p:ph type="body" idx="1"/>
           </p:nvPr>
         </p:nvSpPr>
         <p:spPr>
@@ -8715,11 +8895,11 @@
           </a:ln>
         </p:spPr>
         <p:txBody>
-          <a:bodyPr anchorCtr="0" anchor="t" bIns="91425" lIns="91425" spcFirstLastPara="1" rIns="91425" wrap="square" tIns="91425">
+          <a:bodyPr spcFirstLastPara="1" wrap="square" lIns="91425" tIns="91425" rIns="91425" bIns="91425" anchor="t" anchorCtr="0">
             <a:noAutofit/>
           </a:bodyPr>
           <a:lstStyle>
-            <a:lvl1pPr indent="-311150" lvl="0" marL="457200">
+            <a:lvl1pPr marL="457200" lvl="0" indent="-311150">
               <a:lnSpc>
                 <a:spcPct val="115000"/>
               </a:lnSpc>
@@ -8745,7 +8925,7 @@
                 <a:sym typeface="Lato"/>
               </a:defRPr>
             </a:lvl1pPr>
-            <a:lvl2pPr indent="-298450" lvl="1" marL="914400">
+            <a:lvl2pPr marL="914400" lvl="1" indent="-298450">
               <a:lnSpc>
                 <a:spcPct val="115000"/>
               </a:lnSpc>
@@ -8771,7 +8951,7 @@
                 <a:sym typeface="Lato"/>
               </a:defRPr>
             </a:lvl2pPr>
-            <a:lvl3pPr indent="-298450" lvl="2" marL="1371600">
+            <a:lvl3pPr marL="1371600" lvl="2" indent="-298450">
               <a:lnSpc>
                 <a:spcPct val="115000"/>
               </a:lnSpc>
@@ -8797,7 +8977,7 @@
                 <a:sym typeface="Lato"/>
               </a:defRPr>
             </a:lvl3pPr>
-            <a:lvl4pPr indent="-298450" lvl="3" marL="1828800">
+            <a:lvl4pPr marL="1828800" lvl="3" indent="-298450">
               <a:lnSpc>
                 <a:spcPct val="115000"/>
               </a:lnSpc>
@@ -8823,7 +9003,7 @@
                 <a:sym typeface="Lato"/>
               </a:defRPr>
             </a:lvl4pPr>
-            <a:lvl5pPr indent="-298450" lvl="4" marL="2286000">
+            <a:lvl5pPr marL="2286000" lvl="4" indent="-298450">
               <a:lnSpc>
                 <a:spcPct val="115000"/>
               </a:lnSpc>
@@ -8849,7 +9029,7 @@
                 <a:sym typeface="Lato"/>
               </a:defRPr>
             </a:lvl5pPr>
-            <a:lvl6pPr indent="-298450" lvl="5" marL="2743200">
+            <a:lvl6pPr marL="2743200" lvl="5" indent="-298450">
               <a:lnSpc>
                 <a:spcPct val="115000"/>
               </a:lnSpc>
@@ -8875,7 +9055,7 @@
                 <a:sym typeface="Lato"/>
               </a:defRPr>
             </a:lvl6pPr>
-            <a:lvl7pPr indent="-298450" lvl="6" marL="3200400">
+            <a:lvl7pPr marL="3200400" lvl="6" indent="-298450">
               <a:lnSpc>
                 <a:spcPct val="115000"/>
               </a:lnSpc>
@@ -8901,7 +9081,7 @@
                 <a:sym typeface="Lato"/>
               </a:defRPr>
             </a:lvl7pPr>
-            <a:lvl8pPr indent="-298450" lvl="7" marL="3657600">
+            <a:lvl8pPr marL="3657600" lvl="7" indent="-298450">
               <a:lnSpc>
                 <a:spcPct val="115000"/>
               </a:lnSpc>
@@ -8927,7 +9107,7 @@
                 <a:sym typeface="Lato"/>
               </a:defRPr>
             </a:lvl8pPr>
-            <a:lvl9pPr indent="-298450" lvl="8" marL="4114800">
+            <a:lvl9pPr marL="4114800" lvl="8" indent="-298450">
               <a:lnSpc>
                 <a:spcPct val="115000"/>
               </a:lnSpc>
@@ -8954,15 +9134,19 @@
               </a:defRPr>
             </a:lvl9pPr>
           </a:lstStyle>
-          <a:p/>
+          <a:p>
+            <a:endParaRPr/>
+          </a:p>
         </p:txBody>
       </p:sp>
       <p:sp>
         <p:nvSpPr>
           <p:cNvPr id="8" name="Google Shape;8;p1"/>
-          <p:cNvSpPr txBox="1"/>
+          <p:cNvSpPr txBox="1">
+            <a:spLocks noGrp="1"/>
+          </p:cNvSpPr>
           <p:nvPr>
-            <p:ph idx="12" type="sldNum"/>
+            <p:ph type="sldNum" idx="12"/>
           </p:nvPr>
         </p:nvSpPr>
         <p:spPr>
@@ -8979,7 +9163,7 @@
           </a:ln>
         </p:spPr>
         <p:txBody>
-          <a:bodyPr anchorCtr="0" anchor="ctr" bIns="91425" lIns="91425" spcFirstLastPara="1" rIns="91425" wrap="square" tIns="91425">
+          <a:bodyPr spcFirstLastPara="1" wrap="square" lIns="91425" tIns="91425" rIns="91425" bIns="91425" anchor="ctr" anchorCtr="0">
             <a:noAutofit/>
           </a:bodyPr>
           <a:lstStyle>
@@ -9093,7 +9277,7 @@
             </a:lvl9pPr>
           </a:lstStyle>
           <a:p>
-            <a:pPr indent="0" lvl="0" marL="0" rtl="0" algn="r">
+            <a:pPr marL="0" lvl="0" indent="0" algn="r" rtl="0">
               <a:spcBef>
                 <a:spcPts val="0"/>
               </a:spcBef>
@@ -9112,7 +9296,7 @@
       </p:sp>
     </p:spTree>
   </p:cSld>
-  <p:clrMap accent1="accent1" accent2="accent2" accent3="accent3" accent4="accent4" accent5="accent5" accent6="accent6" bg1="lt1" bg2="dk2" tx1="dk1" tx2="lt2" folHlink="folHlink" hlink="hlink"/>
+  <p:clrMap bg1="lt1" tx1="dk1" bg2="dk2" tx2="lt2" accent1="accent1" accent2="accent2" accent3="accent3" accent4="accent4" accent5="accent5" accent6="accent6" hlink="hlink" folHlink="folHlink"/>
   <p:sldLayoutIdLst>
     <p:sldLayoutId id="2147483648" r:id="rId1"/>
     <p:sldLayoutId id="2147483649" r:id="rId2"/>
@@ -9126,10 +9310,10 @@
     <p:sldLayoutId id="2147483657" r:id="rId10"/>
     <p:sldLayoutId id="2147483658" r:id="rId11"/>
   </p:sldLayoutIdLst>
-  <p:hf dt="0" ftr="0" hdr="0" sldNum="0"/>
+  <p:hf sldNum="0" hdr="0" ftr="0" dt="0"/>
   <p:txStyles>
     <p:titleStyle>
-      <a:defPPr lvl="0" marR="0" rtl="0" algn="l">
+      <a:defPPr marR="0" lvl="0" algn="l" rtl="0">
         <a:lnSpc>
           <a:spcPct val="100000"/>
         </a:lnSpc>
@@ -9140,7 +9324,7 @@
           <a:spcPts val="0"/>
         </a:spcAft>
       </a:defPPr>
-      <a:lvl1pPr lvl="0" marR="0" rtl="0" algn="l">
+      <a:lvl1pPr marR="0" lvl="0" algn="l" rtl="0">
         <a:lnSpc>
           <a:spcPct val="100000"/>
         </a:lnSpc>
@@ -9154,7 +9338,7 @@
           <a:srgbClr val="000000"/>
         </a:buClr>
         <a:buFont typeface="Arial"/>
-        <a:defRPr b="0" i="0" sz="1400" u="none" cap="none" strike="noStrike">
+        <a:defRPr sz="1400" b="0" i="0" u="none" strike="noStrike" cap="none">
           <a:solidFill>
             <a:srgbClr val="000000"/>
           </a:solidFill>
@@ -9164,7 +9348,7 @@
           <a:sym typeface="Arial"/>
         </a:defRPr>
       </a:lvl1pPr>
-      <a:lvl2pPr lvl="1" marR="0" rtl="0" algn="l">
+      <a:lvl2pPr marR="0" lvl="1" algn="l" rtl="0">
         <a:lnSpc>
           <a:spcPct val="100000"/>
         </a:lnSpc>
@@ -9178,7 +9362,7 @@
           <a:srgbClr val="000000"/>
         </a:buClr>
         <a:buFont typeface="Arial"/>
-        <a:defRPr b="0" i="0" sz="1400" u="none" cap="none" strike="noStrike">
+        <a:defRPr sz="1400" b="0" i="0" u="none" strike="noStrike" cap="none">
           <a:solidFill>
             <a:srgbClr val="000000"/>
           </a:solidFill>
@@ -9188,7 +9372,7 @@
           <a:sym typeface="Arial"/>
         </a:defRPr>
       </a:lvl2pPr>
-      <a:lvl3pPr lvl="2" marR="0" rtl="0" algn="l">
+      <a:lvl3pPr marR="0" lvl="2" algn="l" rtl="0">
         <a:lnSpc>
           <a:spcPct val="100000"/>
         </a:lnSpc>
@@ -9202,7 +9386,7 @@
           <a:srgbClr val="000000"/>
         </a:buClr>
         <a:buFont typeface="Arial"/>
-        <a:defRPr b="0" i="0" sz="1400" u="none" cap="none" strike="noStrike">
+        <a:defRPr sz="1400" b="0" i="0" u="none" strike="noStrike" cap="none">
           <a:solidFill>
             <a:srgbClr val="000000"/>
           </a:solidFill>
@@ -9212,7 +9396,7 @@
           <a:sym typeface="Arial"/>
         </a:defRPr>
       </a:lvl3pPr>
-      <a:lvl4pPr lvl="3" marR="0" rtl="0" algn="l">
+      <a:lvl4pPr marR="0" lvl="3" algn="l" rtl="0">
         <a:lnSpc>
           <a:spcPct val="100000"/>
         </a:lnSpc>
@@ -9226,7 +9410,7 @@
           <a:srgbClr val="000000"/>
         </a:buClr>
         <a:buFont typeface="Arial"/>
-        <a:defRPr b="0" i="0" sz="1400" u="none" cap="none" strike="noStrike">
+        <a:defRPr sz="1400" b="0" i="0" u="none" strike="noStrike" cap="none">
           <a:solidFill>
             <a:srgbClr val="000000"/>
           </a:solidFill>
@@ -9236,7 +9420,7 @@
           <a:sym typeface="Arial"/>
         </a:defRPr>
       </a:lvl4pPr>
-      <a:lvl5pPr lvl="4" marR="0" rtl="0" algn="l">
+      <a:lvl5pPr marR="0" lvl="4" algn="l" rtl="0">
         <a:lnSpc>
           <a:spcPct val="100000"/>
         </a:lnSpc>
@@ -9250,7 +9434,7 @@
           <a:srgbClr val="000000"/>
         </a:buClr>
         <a:buFont typeface="Arial"/>
-        <a:defRPr b="0" i="0" sz="1400" u="none" cap="none" strike="noStrike">
+        <a:defRPr sz="1400" b="0" i="0" u="none" strike="noStrike" cap="none">
           <a:solidFill>
             <a:srgbClr val="000000"/>
           </a:solidFill>
@@ -9260,7 +9444,7 @@
           <a:sym typeface="Arial"/>
         </a:defRPr>
       </a:lvl5pPr>
-      <a:lvl6pPr lvl="5" marR="0" rtl="0" algn="l">
+      <a:lvl6pPr marR="0" lvl="5" algn="l" rtl="0">
         <a:lnSpc>
           <a:spcPct val="100000"/>
         </a:lnSpc>
@@ -9274,7 +9458,7 @@
           <a:srgbClr val="000000"/>
         </a:buClr>
         <a:buFont typeface="Arial"/>
-        <a:defRPr b="0" i="0" sz="1400" u="none" cap="none" strike="noStrike">
+        <a:defRPr sz="1400" b="0" i="0" u="none" strike="noStrike" cap="none">
           <a:solidFill>
             <a:srgbClr val="000000"/>
           </a:solidFill>
@@ -9284,7 +9468,7 @@
           <a:sym typeface="Arial"/>
         </a:defRPr>
       </a:lvl6pPr>
-      <a:lvl7pPr lvl="6" marR="0" rtl="0" algn="l">
+      <a:lvl7pPr marR="0" lvl="6" algn="l" rtl="0">
         <a:lnSpc>
           <a:spcPct val="100000"/>
         </a:lnSpc>
@@ -9298,7 +9482,7 @@
           <a:srgbClr val="000000"/>
         </a:buClr>
         <a:buFont typeface="Arial"/>
-        <a:defRPr b="0" i="0" sz="1400" u="none" cap="none" strike="noStrike">
+        <a:defRPr sz="1400" b="0" i="0" u="none" strike="noStrike" cap="none">
           <a:solidFill>
             <a:srgbClr val="000000"/>
           </a:solidFill>
@@ -9308,7 +9492,7 @@
           <a:sym typeface="Arial"/>
         </a:defRPr>
       </a:lvl7pPr>
-      <a:lvl8pPr lvl="7" marR="0" rtl="0" algn="l">
+      <a:lvl8pPr marR="0" lvl="7" algn="l" rtl="0">
         <a:lnSpc>
           <a:spcPct val="100000"/>
         </a:lnSpc>
@@ -9322,7 +9506,7 @@
           <a:srgbClr val="000000"/>
         </a:buClr>
         <a:buFont typeface="Arial"/>
-        <a:defRPr b="0" i="0" sz="1400" u="none" cap="none" strike="noStrike">
+        <a:defRPr sz="1400" b="0" i="0" u="none" strike="noStrike" cap="none">
           <a:solidFill>
             <a:srgbClr val="000000"/>
           </a:solidFill>
@@ -9332,7 +9516,7 @@
           <a:sym typeface="Arial"/>
         </a:defRPr>
       </a:lvl8pPr>
-      <a:lvl9pPr lvl="8" marR="0" rtl="0" algn="l">
+      <a:lvl9pPr marR="0" lvl="8" algn="l" rtl="0">
         <a:lnSpc>
           <a:spcPct val="100000"/>
         </a:lnSpc>
@@ -9346,7 +9530,7 @@
           <a:srgbClr val="000000"/>
         </a:buClr>
         <a:buFont typeface="Arial"/>
-        <a:defRPr b="0" i="0" sz="1400" u="none" cap="none" strike="noStrike">
+        <a:defRPr sz="1400" b="0" i="0" u="none" strike="noStrike" cap="none">
           <a:solidFill>
             <a:srgbClr val="000000"/>
           </a:solidFill>
@@ -9358,7 +9542,7 @@
       </a:lvl9pPr>
     </p:titleStyle>
     <p:bodyStyle>
-      <a:defPPr lvl="0" marR="0" rtl="0" algn="l">
+      <a:defPPr marR="0" lvl="0" algn="l" rtl="0">
         <a:lnSpc>
           <a:spcPct val="100000"/>
         </a:lnSpc>
@@ -9369,7 +9553,7 @@
           <a:spcPts val="0"/>
         </a:spcAft>
       </a:defPPr>
-      <a:lvl1pPr lvl="0" marR="0" rtl="0" algn="l">
+      <a:lvl1pPr marR="0" lvl="0" algn="l" rtl="0">
         <a:lnSpc>
           <a:spcPct val="100000"/>
         </a:lnSpc>
@@ -9383,7 +9567,7 @@
           <a:srgbClr val="000000"/>
         </a:buClr>
         <a:buFont typeface="Arial"/>
-        <a:defRPr b="0" i="0" sz="1400" u="none" cap="none" strike="noStrike">
+        <a:defRPr sz="1400" b="0" i="0" u="none" strike="noStrike" cap="none">
           <a:solidFill>
             <a:srgbClr val="000000"/>
           </a:solidFill>
@@ -9393,7 +9577,7 @@
           <a:sym typeface="Arial"/>
         </a:defRPr>
       </a:lvl1pPr>
-      <a:lvl2pPr lvl="1" marR="0" rtl="0" algn="l">
+      <a:lvl2pPr marR="0" lvl="1" algn="l" rtl="0">
         <a:lnSpc>
           <a:spcPct val="100000"/>
         </a:lnSpc>
@@ -9407,7 +9591,7 @@
           <a:srgbClr val="000000"/>
         </a:buClr>
         <a:buFont typeface="Arial"/>
-        <a:defRPr b="0" i="0" sz="1400" u="none" cap="none" strike="noStrike">
+        <a:defRPr sz="1400" b="0" i="0" u="none" strike="noStrike" cap="none">
           <a:solidFill>
             <a:srgbClr val="000000"/>
           </a:solidFill>
@@ -9417,7 +9601,7 @@
           <a:sym typeface="Arial"/>
         </a:defRPr>
       </a:lvl2pPr>
-      <a:lvl3pPr lvl="2" marR="0" rtl="0" algn="l">
+      <a:lvl3pPr marR="0" lvl="2" algn="l" rtl="0">
         <a:lnSpc>
           <a:spcPct val="100000"/>
         </a:lnSpc>
@@ -9431,7 +9615,7 @@
           <a:srgbClr val="000000"/>
         </a:buClr>
         <a:buFont typeface="Arial"/>
-        <a:defRPr b="0" i="0" sz="1400" u="none" cap="none" strike="noStrike">
+        <a:defRPr sz="1400" b="0" i="0" u="none" strike="noStrike" cap="none">
           <a:solidFill>
             <a:srgbClr val="000000"/>
           </a:solidFill>
@@ -9441,7 +9625,7 @@
           <a:sym typeface="Arial"/>
         </a:defRPr>
       </a:lvl3pPr>
-      <a:lvl4pPr lvl="3" marR="0" rtl="0" algn="l">
+      <a:lvl4pPr marR="0" lvl="3" algn="l" rtl="0">
         <a:lnSpc>
           <a:spcPct val="100000"/>
         </a:lnSpc>
@@ -9455,7 +9639,7 @@
           <a:srgbClr val="000000"/>
         </a:buClr>
         <a:buFont typeface="Arial"/>
-        <a:defRPr b="0" i="0" sz="1400" u="none" cap="none" strike="noStrike">
+        <a:defRPr sz="1400" b="0" i="0" u="none" strike="noStrike" cap="none">
           <a:solidFill>
             <a:srgbClr val="000000"/>
           </a:solidFill>
@@ -9465,7 +9649,7 @@
           <a:sym typeface="Arial"/>
         </a:defRPr>
       </a:lvl4pPr>
-      <a:lvl5pPr lvl="4" marR="0" rtl="0" algn="l">
+      <a:lvl5pPr marR="0" lvl="4" algn="l" rtl="0">
         <a:lnSpc>
           <a:spcPct val="100000"/>
         </a:lnSpc>
@@ -9479,7 +9663,7 @@
           <a:srgbClr val="000000"/>
         </a:buClr>
         <a:buFont typeface="Arial"/>
-        <a:defRPr b="0" i="0" sz="1400" u="none" cap="none" strike="noStrike">
+        <a:defRPr sz="1400" b="0" i="0" u="none" strike="noStrike" cap="none">
           <a:solidFill>
             <a:srgbClr val="000000"/>
           </a:solidFill>
@@ -9489,7 +9673,7 @@
           <a:sym typeface="Arial"/>
         </a:defRPr>
       </a:lvl5pPr>
-      <a:lvl6pPr lvl="5" marR="0" rtl="0" algn="l">
+      <a:lvl6pPr marR="0" lvl="5" algn="l" rtl="0">
         <a:lnSpc>
           <a:spcPct val="100000"/>
         </a:lnSpc>
@@ -9503,7 +9687,7 @@
           <a:srgbClr val="000000"/>
         </a:buClr>
         <a:buFont typeface="Arial"/>
-        <a:defRPr b="0" i="0" sz="1400" u="none" cap="none" strike="noStrike">
+        <a:defRPr sz="1400" b="0" i="0" u="none" strike="noStrike" cap="none">
           <a:solidFill>
             <a:srgbClr val="000000"/>
           </a:solidFill>
@@ -9513,7 +9697,7 @@
           <a:sym typeface="Arial"/>
         </a:defRPr>
       </a:lvl6pPr>
-      <a:lvl7pPr lvl="6" marR="0" rtl="0" algn="l">
+      <a:lvl7pPr marR="0" lvl="6" algn="l" rtl="0">
         <a:lnSpc>
           <a:spcPct val="100000"/>
         </a:lnSpc>
@@ -9527,7 +9711,7 @@
           <a:srgbClr val="000000"/>
         </a:buClr>
         <a:buFont typeface="Arial"/>
-        <a:defRPr b="0" i="0" sz="1400" u="none" cap="none" strike="noStrike">
+        <a:defRPr sz="1400" b="0" i="0" u="none" strike="noStrike" cap="none">
           <a:solidFill>
             <a:srgbClr val="000000"/>
           </a:solidFill>
@@ -9537,7 +9721,7 @@
           <a:sym typeface="Arial"/>
         </a:defRPr>
       </a:lvl7pPr>
-      <a:lvl8pPr lvl="7" marR="0" rtl="0" algn="l">
+      <a:lvl8pPr marR="0" lvl="7" algn="l" rtl="0">
         <a:lnSpc>
           <a:spcPct val="100000"/>
         </a:lnSpc>
@@ -9551,7 +9735,7 @@
           <a:srgbClr val="000000"/>
         </a:buClr>
         <a:buFont typeface="Arial"/>
-        <a:defRPr b="0" i="0" sz="1400" u="none" cap="none" strike="noStrike">
+        <a:defRPr sz="1400" b="0" i="0" u="none" strike="noStrike" cap="none">
           <a:solidFill>
             <a:srgbClr val="000000"/>
           </a:solidFill>
@@ -9561,7 +9745,7 @@
           <a:sym typeface="Arial"/>
         </a:defRPr>
       </a:lvl8pPr>
-      <a:lvl9pPr lvl="8" marR="0" rtl="0" algn="l">
+      <a:lvl9pPr marR="0" lvl="8" algn="l" rtl="0">
         <a:lnSpc>
           <a:spcPct val="100000"/>
         </a:lnSpc>
@@ -9575,7 +9759,7 @@
           <a:srgbClr val="000000"/>
         </a:buClr>
         <a:buFont typeface="Arial"/>
-        <a:defRPr b="0" i="0" sz="1400" u="none" cap="none" strike="noStrike">
+        <a:defRPr sz="1400" b="0" i="0" u="none" strike="noStrike" cap="none">
           <a:solidFill>
             <a:srgbClr val="000000"/>
           </a:solidFill>
@@ -9587,7 +9771,7 @@
       </a:lvl9pPr>
     </p:bodyStyle>
     <p:otherStyle>
-      <a:defPPr lvl="0" marR="0" rtl="0" algn="l">
+      <a:defPPr marR="0" lvl="0" algn="l" rtl="0">
         <a:lnSpc>
           <a:spcPct val="100000"/>
         </a:lnSpc>
@@ -9598,7 +9782,7 @@
           <a:spcPts val="0"/>
         </a:spcAft>
       </a:defPPr>
-      <a:lvl1pPr lvl="0" marR="0" rtl="0" algn="l">
+      <a:lvl1pPr marR="0" lvl="0" algn="l" rtl="0">
         <a:lnSpc>
           <a:spcPct val="100000"/>
         </a:lnSpc>
@@ -9612,7 +9796,7 @@
           <a:srgbClr val="000000"/>
         </a:buClr>
         <a:buFont typeface="Arial"/>
-        <a:defRPr b="0" i="0" sz="1400" u="none" cap="none" strike="noStrike">
+        <a:defRPr sz="1400" b="0" i="0" u="none" strike="noStrike" cap="none">
           <a:solidFill>
             <a:srgbClr val="000000"/>
           </a:solidFill>
@@ -9622,7 +9806,7 @@
           <a:sym typeface="Arial"/>
         </a:defRPr>
       </a:lvl1pPr>
-      <a:lvl2pPr lvl="1" marR="0" rtl="0" algn="l">
+      <a:lvl2pPr marR="0" lvl="1" algn="l" rtl="0">
         <a:lnSpc>
           <a:spcPct val="100000"/>
         </a:lnSpc>
@@ -9636,7 +9820,7 @@
           <a:srgbClr val="000000"/>
         </a:buClr>
         <a:buFont typeface="Arial"/>
-        <a:defRPr b="0" i="0" sz="1400" u="none" cap="none" strike="noStrike">
+        <a:defRPr sz="1400" b="0" i="0" u="none" strike="noStrike" cap="none">
           <a:solidFill>
             <a:srgbClr val="000000"/>
           </a:solidFill>
@@ -9646,7 +9830,7 @@
           <a:sym typeface="Arial"/>
         </a:defRPr>
       </a:lvl2pPr>
-      <a:lvl3pPr lvl="2" marR="0" rtl="0" algn="l">
+      <a:lvl3pPr marR="0" lvl="2" algn="l" rtl="0">
         <a:lnSpc>
           <a:spcPct val="100000"/>
         </a:lnSpc>
@@ -9660,7 +9844,7 @@
           <a:srgbClr val="000000"/>
         </a:buClr>
         <a:buFont typeface="Arial"/>
-        <a:defRPr b="0" i="0" sz="1400" u="none" cap="none" strike="noStrike">
+        <a:defRPr sz="1400" b="0" i="0" u="none" strike="noStrike" cap="none">
           <a:solidFill>
             <a:srgbClr val="000000"/>
           </a:solidFill>
@@ -9670,7 +9854,7 @@
           <a:sym typeface="Arial"/>
         </a:defRPr>
       </a:lvl3pPr>
-      <a:lvl4pPr lvl="3" marR="0" rtl="0" algn="l">
+      <a:lvl4pPr marR="0" lvl="3" algn="l" rtl="0">
         <a:lnSpc>
           <a:spcPct val="100000"/>
         </a:lnSpc>
@@ -9684,7 +9868,7 @@
           <a:srgbClr val="000000"/>
         </a:buClr>
         <a:buFont typeface="Arial"/>
-        <a:defRPr b="0" i="0" sz="1400" u="none" cap="none" strike="noStrike">
+        <a:defRPr sz="1400" b="0" i="0" u="none" strike="noStrike" cap="none">
           <a:solidFill>
             <a:srgbClr val="000000"/>
           </a:solidFill>
@@ -9694,7 +9878,7 @@
           <a:sym typeface="Arial"/>
         </a:defRPr>
       </a:lvl4pPr>
-      <a:lvl5pPr lvl="4" marR="0" rtl="0" algn="l">
+      <a:lvl5pPr marR="0" lvl="4" algn="l" rtl="0">
         <a:lnSpc>
           <a:spcPct val="100000"/>
         </a:lnSpc>
@@ -9708,7 +9892,7 @@
           <a:srgbClr val="000000"/>
         </a:buClr>
         <a:buFont typeface="Arial"/>
-        <a:defRPr b="0" i="0" sz="1400" u="none" cap="none" strike="noStrike">
+        <a:defRPr sz="1400" b="0" i="0" u="none" strike="noStrike" cap="none">
           <a:solidFill>
             <a:srgbClr val="000000"/>
           </a:solidFill>
@@ -9718,7 +9902,7 @@
           <a:sym typeface="Arial"/>
         </a:defRPr>
       </a:lvl5pPr>
-      <a:lvl6pPr lvl="5" marR="0" rtl="0" algn="l">
+      <a:lvl6pPr marR="0" lvl="5" algn="l" rtl="0">
         <a:lnSpc>
           <a:spcPct val="100000"/>
         </a:lnSpc>
@@ -9732,7 +9916,7 @@
           <a:srgbClr val="000000"/>
         </a:buClr>
         <a:buFont typeface="Arial"/>
-        <a:defRPr b="0" i="0" sz="1400" u="none" cap="none" strike="noStrike">
+        <a:defRPr sz="1400" b="0" i="0" u="none" strike="noStrike" cap="none">
           <a:solidFill>
             <a:srgbClr val="000000"/>
           </a:solidFill>
@@ -9742,7 +9926,7 @@
           <a:sym typeface="Arial"/>
         </a:defRPr>
       </a:lvl6pPr>
-      <a:lvl7pPr lvl="6" marR="0" rtl="0" algn="l">
+      <a:lvl7pPr marR="0" lvl="6" algn="l" rtl="0">
         <a:lnSpc>
           <a:spcPct val="100000"/>
         </a:lnSpc>
@@ -9756,7 +9940,7 @@
           <a:srgbClr val="000000"/>
         </a:buClr>
         <a:buFont typeface="Arial"/>
-        <a:defRPr b="0" i="0" sz="1400" u="none" cap="none" strike="noStrike">
+        <a:defRPr sz="1400" b="0" i="0" u="none" strike="noStrike" cap="none">
           <a:solidFill>
             <a:srgbClr val="000000"/>
           </a:solidFill>
@@ -9766,7 +9950,7 @@
           <a:sym typeface="Arial"/>
         </a:defRPr>
       </a:lvl7pPr>
-      <a:lvl8pPr lvl="7" marR="0" rtl="0" algn="l">
+      <a:lvl8pPr marR="0" lvl="7" algn="l" rtl="0">
         <a:lnSpc>
           <a:spcPct val="100000"/>
         </a:lnSpc>
@@ -9780,7 +9964,7 @@
           <a:srgbClr val="000000"/>
         </a:buClr>
         <a:buFont typeface="Arial"/>
-        <a:defRPr b="0" i="0" sz="1400" u="none" cap="none" strike="noStrike">
+        <a:defRPr sz="1400" b="0" i="0" u="none" strike="noStrike" cap="none">
           <a:solidFill>
             <a:srgbClr val="000000"/>
           </a:solidFill>
@@ -9790,7 +9974,7 @@
           <a:sym typeface="Arial"/>
         </a:defRPr>
       </a:lvl8pPr>
-      <a:lvl9pPr lvl="8" marR="0" rtl="0" algn="l">
+      <a:lvl9pPr marR="0" lvl="8" algn="l" rtl="0">
         <a:lnSpc>
           <a:spcPct val="100000"/>
         </a:lnSpc>
@@ -9804,7 +9988,7 @@
           <a:srgbClr val="000000"/>
         </a:buClr>
         <a:buFont typeface="Arial"/>
-        <a:defRPr b="0" i="0" sz="1400" u="none" cap="none" strike="noStrike">
+        <a:defRPr sz="1400" b="0" i="0" u="none" strike="noStrike" cap="none">
           <a:solidFill>
             <a:srgbClr val="000000"/>
           </a:solidFill>
@@ -9820,11 +10004,11 @@
 </file>
 
 <file path=ppt/slides/slide1.xml><?xml version="1.0" encoding="utf-8"?>
-<p:sld xmlns:a="http://schemas.openxmlformats.org/drawingml/2006/main" xmlns:r="http://schemas.openxmlformats.org/officeDocument/2006/relationships" xmlns:mc="http://schemas.openxmlformats.org/markup-compatibility/2006" xmlns:mv="urn:schemas-microsoft-com:mac:vml" xmlns:p="http://schemas.openxmlformats.org/presentationml/2006/main" xmlns:c="http://schemas.openxmlformats.org/drawingml/2006/chart" xmlns:dgm="http://schemas.openxmlformats.org/drawingml/2006/diagram" xmlns:o="urn:schemas-microsoft-com:office:office" xmlns:v="urn:schemas-microsoft-com:vml" xmlns:pvml="urn:schemas-microsoft-com:office:powerpoint" xmlns:com="http://schemas.openxmlformats.org/drawingml/2006/compatibility" xmlns:p14="http://schemas.microsoft.com/office/powerpoint/2010/main" xmlns:p15="http://schemas.microsoft.com/office/powerpoint/2012/main" xmlns:ahyp="http://schemas.microsoft.com/office/drawing/2018/hyperlinkcolor">
+<p:sld xmlns:a="http://schemas.openxmlformats.org/drawingml/2006/main" xmlns:r="http://schemas.openxmlformats.org/officeDocument/2006/relationships" xmlns:p="http://schemas.openxmlformats.org/presentationml/2006/main">
   <p:cSld>
     <p:spTree>
       <p:nvGrpSpPr>
-        <p:cNvPr id="85" name="Shape 85"/>
+        <p:cNvPr id="1" name="Shape 85"/>
         <p:cNvGrpSpPr/>
         <p:nvPr/>
       </p:nvGrpSpPr>
@@ -9839,7 +10023,9 @@
       <p:sp>
         <p:nvSpPr>
           <p:cNvPr id="86" name="Google Shape;86;p13"/>
-          <p:cNvSpPr txBox="1"/>
+          <p:cNvSpPr txBox="1">
+            <a:spLocks noGrp="1"/>
+          </p:cNvSpPr>
           <p:nvPr>
             <p:ph type="title"/>
           </p:nvPr>
@@ -9854,12 +10040,12 @@
           </a:prstGeom>
         </p:spPr>
         <p:txBody>
-          <a:bodyPr anchorCtr="0" anchor="ctr" bIns="91425" lIns="91425" spcFirstLastPara="1" rIns="91425" wrap="square" tIns="91425">
+          <a:bodyPr spcFirstLastPara="1" wrap="square" lIns="91425" tIns="91425" rIns="91425" bIns="91425" anchor="ctr" anchorCtr="0">
             <a:noAutofit/>
           </a:bodyPr>
           <a:lstStyle/>
           <a:p>
-            <a:pPr indent="0" lvl="0" marL="0" rtl="0" algn="ctr">
+            <a:pPr marL="0" lvl="0" indent="0" algn="ctr" rtl="0">
               <a:spcBef>
                 <a:spcPts val="0"/>
               </a:spcBef>
@@ -9875,7 +10061,7 @@
             <a:endParaRPr/>
           </a:p>
           <a:p>
-            <a:pPr indent="0" lvl="0" marL="0" rtl="0" algn="ctr">
+            <a:pPr marL="0" lvl="0" indent="0" algn="ctr" rtl="0">
               <a:spcBef>
                 <a:spcPts val="0"/>
               </a:spcBef>
@@ -9884,13 +10070,10 @@
               </a:spcAft>
               <a:buNone/>
             </a:pPr>
-            <a:r>
-              <a:t/>
-            </a:r>
             <a:endParaRPr/>
           </a:p>
           <a:p>
-            <a:pPr indent="0" lvl="0" marL="0" rtl="0" algn="ctr">
+            <a:pPr marL="0" lvl="0" indent="0" algn="ctr" rtl="0">
               <a:spcBef>
                 <a:spcPts val="0"/>
               </a:spcBef>
@@ -9906,7 +10089,7 @@
             <a:endParaRPr/>
           </a:p>
           <a:p>
-            <a:pPr indent="0" lvl="0" marL="0" rtl="0" algn="ctr">
+            <a:pPr marL="0" lvl="0" indent="0" algn="ctr" rtl="0">
               <a:spcBef>
                 <a:spcPts val="0"/>
               </a:spcBef>
@@ -9922,7 +10105,7 @@
             <a:endParaRPr/>
           </a:p>
           <a:p>
-            <a:pPr indent="0" lvl="0" marL="0" rtl="0" algn="ctr">
+            <a:pPr marL="0" lvl="0" indent="0" algn="ctr" rtl="0">
               <a:spcBef>
                 <a:spcPts val="0"/>
               </a:spcBef>
@@ -9931,9 +10114,6 @@
               </a:spcAft>
               <a:buNone/>
             </a:pPr>
-            <a:r>
-              <a:t/>
-            </a:r>
             <a:endParaRPr/>
           </a:p>
         </p:txBody>
@@ -9947,11 +10127,11 @@
 </file>
 
 <file path=ppt/slides/slide10.xml><?xml version="1.0" encoding="utf-8"?>
-<p:sld xmlns:a="http://schemas.openxmlformats.org/drawingml/2006/main" xmlns:r="http://schemas.openxmlformats.org/officeDocument/2006/relationships" xmlns:mc="http://schemas.openxmlformats.org/markup-compatibility/2006" xmlns:mv="urn:schemas-microsoft-com:mac:vml" xmlns:p="http://schemas.openxmlformats.org/presentationml/2006/main" xmlns:c="http://schemas.openxmlformats.org/drawingml/2006/chart" xmlns:dgm="http://schemas.openxmlformats.org/drawingml/2006/diagram" xmlns:o="urn:schemas-microsoft-com:office:office" xmlns:v="urn:schemas-microsoft-com:vml" xmlns:pvml="urn:schemas-microsoft-com:office:powerpoint" xmlns:com="http://schemas.openxmlformats.org/drawingml/2006/compatibility" xmlns:p14="http://schemas.microsoft.com/office/powerpoint/2010/main" xmlns:p15="http://schemas.microsoft.com/office/powerpoint/2012/main" xmlns:ahyp="http://schemas.microsoft.com/office/drawing/2018/hyperlinkcolor">
+<p:sld xmlns:a="http://schemas.openxmlformats.org/drawingml/2006/main" xmlns:r="http://schemas.openxmlformats.org/officeDocument/2006/relationships" xmlns:p="http://schemas.openxmlformats.org/presentationml/2006/main">
   <p:cSld>
     <p:spTree>
       <p:nvGrpSpPr>
-        <p:cNvPr id="138" name="Shape 138"/>
+        <p:cNvPr id="1" name="Shape 138"/>
         <p:cNvGrpSpPr/>
         <p:nvPr/>
       </p:nvGrpSpPr>
@@ -9966,7 +10146,9 @@
       <p:sp>
         <p:nvSpPr>
           <p:cNvPr id="139" name="Google Shape;139;p22"/>
-          <p:cNvSpPr txBox="1"/>
+          <p:cNvSpPr txBox="1">
+            <a:spLocks noGrp="1"/>
+          </p:cNvSpPr>
           <p:nvPr>
             <p:ph type="ctrTitle"/>
           </p:nvPr>
@@ -9981,12 +10163,12 @@
           </a:prstGeom>
         </p:spPr>
         <p:txBody>
-          <a:bodyPr anchorCtr="0" anchor="t" bIns="91425" lIns="91425" spcFirstLastPara="1" rIns="91425" wrap="square" tIns="91425">
+          <a:bodyPr spcFirstLastPara="1" wrap="square" lIns="91425" tIns="91425" rIns="91425" bIns="91425" anchor="t" anchorCtr="0">
             <a:noAutofit/>
           </a:bodyPr>
           <a:lstStyle/>
           <a:p>
-            <a:pPr indent="0" lvl="0" marL="0" rtl="0" algn="l">
+            <a:pPr marL="0" lvl="0" indent="0" algn="l" rtl="0">
               <a:spcBef>
                 <a:spcPts val="0"/>
               </a:spcBef>
@@ -10006,9 +10188,11 @@
       <p:sp>
         <p:nvSpPr>
           <p:cNvPr id="140" name="Google Shape;140;p22"/>
-          <p:cNvSpPr txBox="1"/>
+          <p:cNvSpPr txBox="1">
+            <a:spLocks noGrp="1"/>
+          </p:cNvSpPr>
           <p:nvPr>
-            <p:ph idx="1" type="subTitle"/>
+            <p:ph type="subTitle" idx="1"/>
           </p:nvPr>
         </p:nvSpPr>
         <p:spPr>
@@ -10021,12 +10205,12 @@
           </a:prstGeom>
         </p:spPr>
         <p:txBody>
-          <a:bodyPr anchorCtr="0" anchor="t" bIns="91425" lIns="91425" spcFirstLastPara="1" rIns="91425" wrap="square" tIns="91425">
+          <a:bodyPr spcFirstLastPara="1" wrap="square" lIns="91425" tIns="91425" rIns="91425" bIns="91425" anchor="t" anchorCtr="0">
             <a:noAutofit/>
           </a:bodyPr>
           <a:lstStyle/>
           <a:p>
-            <a:pPr indent="0" lvl="0" marL="0" rtl="0" algn="l">
+            <a:pPr marL="0" lvl="0" indent="0" algn="l" rtl="0">
               <a:spcBef>
                 <a:spcPts val="0"/>
               </a:spcBef>
@@ -10052,11 +10236,11 @@
 </file>
 
 <file path=ppt/slides/slide11.xml><?xml version="1.0" encoding="utf-8"?>
-<p:sld xmlns:a="http://schemas.openxmlformats.org/drawingml/2006/main" xmlns:r="http://schemas.openxmlformats.org/officeDocument/2006/relationships" xmlns:mc="http://schemas.openxmlformats.org/markup-compatibility/2006" xmlns:mv="urn:schemas-microsoft-com:mac:vml" xmlns:p="http://schemas.openxmlformats.org/presentationml/2006/main" xmlns:c="http://schemas.openxmlformats.org/drawingml/2006/chart" xmlns:dgm="http://schemas.openxmlformats.org/drawingml/2006/diagram" xmlns:o="urn:schemas-microsoft-com:office:office" xmlns:v="urn:schemas-microsoft-com:vml" xmlns:pvml="urn:schemas-microsoft-com:office:powerpoint" xmlns:com="http://schemas.openxmlformats.org/drawingml/2006/compatibility" xmlns:p14="http://schemas.microsoft.com/office/powerpoint/2010/main" xmlns:p15="http://schemas.microsoft.com/office/powerpoint/2012/main" xmlns:ahyp="http://schemas.microsoft.com/office/drawing/2018/hyperlinkcolor">
+<p:sld xmlns:a="http://schemas.openxmlformats.org/drawingml/2006/main" xmlns:r="http://schemas.openxmlformats.org/officeDocument/2006/relationships" xmlns:p="http://schemas.openxmlformats.org/presentationml/2006/main">
   <p:cSld>
     <p:spTree>
       <p:nvGrpSpPr>
-        <p:cNvPr id="144" name="Shape 144"/>
+        <p:cNvPr id="1" name="Shape 144"/>
         <p:cNvGrpSpPr/>
         <p:nvPr/>
       </p:nvGrpSpPr>
@@ -10071,7 +10255,9 @@
       <p:sp>
         <p:nvSpPr>
           <p:cNvPr id="145" name="Google Shape;145;p23"/>
-          <p:cNvSpPr txBox="1"/>
+          <p:cNvSpPr txBox="1">
+            <a:spLocks noGrp="1"/>
+          </p:cNvSpPr>
           <p:nvPr>
             <p:ph type="title"/>
           </p:nvPr>
@@ -10086,12 +10272,12 @@
           </a:prstGeom>
         </p:spPr>
         <p:txBody>
-          <a:bodyPr anchorCtr="0" anchor="t" bIns="91425" lIns="91425" spcFirstLastPara="1" rIns="91425" wrap="square" tIns="91425">
+          <a:bodyPr spcFirstLastPara="1" wrap="square" lIns="91425" tIns="91425" rIns="91425" bIns="91425" anchor="t" anchorCtr="0">
             <a:noAutofit/>
           </a:bodyPr>
           <a:lstStyle/>
           <a:p>
-            <a:pPr indent="0" lvl="0" marL="0" rtl="0" algn="l">
+            <a:pPr marL="0" lvl="0" indent="0" algn="l" rtl="0">
               <a:spcBef>
                 <a:spcPts val="0"/>
               </a:spcBef>
@@ -10111,9 +10297,11 @@
       <p:sp>
         <p:nvSpPr>
           <p:cNvPr id="146" name="Google Shape;146;p23"/>
-          <p:cNvSpPr txBox="1"/>
+          <p:cNvSpPr txBox="1">
+            <a:spLocks noGrp="1"/>
+          </p:cNvSpPr>
           <p:nvPr>
-            <p:ph idx="1" type="body"/>
+            <p:ph type="body" idx="1"/>
           </p:nvPr>
         </p:nvSpPr>
         <p:spPr>
@@ -10126,12 +10314,12 @@
           </a:prstGeom>
         </p:spPr>
         <p:txBody>
-          <a:bodyPr anchorCtr="0" anchor="t" bIns="91425" lIns="91425" spcFirstLastPara="1" rIns="91425" wrap="square" tIns="91425">
+          <a:bodyPr spcFirstLastPara="1" wrap="square" lIns="91425" tIns="91425" rIns="91425" bIns="91425" anchor="t" anchorCtr="0">
             <a:noAutofit/>
           </a:bodyPr>
           <a:lstStyle/>
           <a:p>
-            <a:pPr indent="-311150" lvl="0" marL="457200" rtl="0" algn="l">
+            <a:pPr marL="457200" lvl="0" indent="-311150" algn="l" rtl="0">
               <a:spcBef>
                 <a:spcPts val="0"/>
               </a:spcBef>
@@ -10148,7 +10336,7 @@
             <a:endParaRPr/>
           </a:p>
           <a:p>
-            <a:pPr indent="-311150" lvl="0" marL="457200" rtl="0" algn="l">
+            <a:pPr marL="457200" lvl="0" indent="-311150" algn="l" rtl="0">
               <a:spcBef>
                 <a:spcPts val="1000"/>
               </a:spcBef>
@@ -10165,7 +10353,7 @@
             <a:endParaRPr/>
           </a:p>
           <a:p>
-            <a:pPr indent="-311150" lvl="0" marL="457200" rtl="0" algn="l">
+            <a:pPr marL="457200" lvl="0" indent="-311150" algn="l" rtl="0">
               <a:spcBef>
                 <a:spcPts val="1000"/>
               </a:spcBef>
@@ -10182,7 +10370,7 @@
             <a:endParaRPr/>
           </a:p>
           <a:p>
-            <a:pPr indent="-311150" lvl="0" marL="457200" rtl="0" algn="l">
+            <a:pPr marL="457200" lvl="0" indent="-311150" algn="l" rtl="0">
               <a:spcBef>
                 <a:spcPts val="1000"/>
               </a:spcBef>
@@ -10210,7 +10398,7 @@
           <a:blip r:embed="rId3">
             <a:alphaModFix/>
           </a:blip>
-          <a:srcRect b="0" l="0" r="52644" t="0"/>
+          <a:srcRect r="52644"/>
           <a:stretch/>
         </p:blipFill>
         <p:spPr>
@@ -10237,7 +10425,7 @@
           <a:blip r:embed="rId4">
             <a:alphaModFix/>
           </a:blip>
-          <a:srcRect b="10578" l="0" r="0" t="0"/>
+          <a:srcRect b="10578"/>
           <a:stretch/>
         </p:blipFill>
         <p:spPr>
@@ -10263,11 +10451,11 @@
 </file>
 
 <file path=ppt/slides/slide12.xml><?xml version="1.0" encoding="utf-8"?>
-<p:sld xmlns:a="http://schemas.openxmlformats.org/drawingml/2006/main" xmlns:r="http://schemas.openxmlformats.org/officeDocument/2006/relationships" xmlns:mc="http://schemas.openxmlformats.org/markup-compatibility/2006" xmlns:mv="urn:schemas-microsoft-com:mac:vml" xmlns:p="http://schemas.openxmlformats.org/presentationml/2006/main" xmlns:c="http://schemas.openxmlformats.org/drawingml/2006/chart" xmlns:dgm="http://schemas.openxmlformats.org/drawingml/2006/diagram" xmlns:o="urn:schemas-microsoft-com:office:office" xmlns:v="urn:schemas-microsoft-com:vml" xmlns:pvml="urn:schemas-microsoft-com:office:powerpoint" xmlns:com="http://schemas.openxmlformats.org/drawingml/2006/compatibility" xmlns:p14="http://schemas.microsoft.com/office/powerpoint/2010/main" xmlns:p15="http://schemas.microsoft.com/office/powerpoint/2012/main" xmlns:ahyp="http://schemas.microsoft.com/office/drawing/2018/hyperlinkcolor">
+<p:sld xmlns:a="http://schemas.openxmlformats.org/drawingml/2006/main" xmlns:r="http://schemas.openxmlformats.org/officeDocument/2006/relationships" xmlns:p="http://schemas.openxmlformats.org/presentationml/2006/main">
   <p:cSld>
     <p:spTree>
       <p:nvGrpSpPr>
-        <p:cNvPr id="152" name="Shape 152"/>
+        <p:cNvPr id="1" name="Shape 152"/>
         <p:cNvGrpSpPr/>
         <p:nvPr/>
       </p:nvGrpSpPr>
@@ -10289,7 +10477,7 @@
           <a:blip r:embed="rId3">
             <a:alphaModFix/>
           </a:blip>
-          <a:srcRect b="0" l="24188" r="-350" t="0"/>
+          <a:srcRect l="24188" r="-350"/>
           <a:stretch/>
         </p:blipFill>
         <p:spPr>
@@ -10316,7 +10504,7 @@
           <a:blip r:embed="rId4">
             <a:alphaModFix/>
           </a:blip>
-          <a:srcRect b="0" l="22800" r="92" t="0"/>
+          <a:srcRect l="22800" r="92"/>
           <a:stretch/>
         </p:blipFill>
         <p:spPr>
@@ -10342,11 +10530,11 @@
 </file>
 
 <file path=ppt/slides/slide13.xml><?xml version="1.0" encoding="utf-8"?>
-<p:sld xmlns:a="http://schemas.openxmlformats.org/drawingml/2006/main" xmlns:r="http://schemas.openxmlformats.org/officeDocument/2006/relationships" xmlns:mc="http://schemas.openxmlformats.org/markup-compatibility/2006" xmlns:mv="urn:schemas-microsoft-com:mac:vml" xmlns:p="http://schemas.openxmlformats.org/presentationml/2006/main" xmlns:c="http://schemas.openxmlformats.org/drawingml/2006/chart" xmlns:dgm="http://schemas.openxmlformats.org/drawingml/2006/diagram" xmlns:o="urn:schemas-microsoft-com:office:office" xmlns:v="urn:schemas-microsoft-com:vml" xmlns:pvml="urn:schemas-microsoft-com:office:powerpoint" xmlns:com="http://schemas.openxmlformats.org/drawingml/2006/compatibility" xmlns:p14="http://schemas.microsoft.com/office/powerpoint/2010/main" xmlns:p15="http://schemas.microsoft.com/office/powerpoint/2012/main" xmlns:ahyp="http://schemas.microsoft.com/office/drawing/2018/hyperlinkcolor">
+<p:sld xmlns:a="http://schemas.openxmlformats.org/drawingml/2006/main" xmlns:r="http://schemas.openxmlformats.org/officeDocument/2006/relationships" xmlns:p="http://schemas.openxmlformats.org/presentationml/2006/main">
   <p:cSld>
     <p:spTree>
       <p:nvGrpSpPr>
-        <p:cNvPr id="158" name="Shape 158"/>
+        <p:cNvPr id="1" name="Shape 158"/>
         <p:cNvGrpSpPr/>
         <p:nvPr/>
       </p:nvGrpSpPr>
@@ -10368,7 +10556,7 @@
           <a:blip r:embed="rId3">
             <a:alphaModFix/>
           </a:blip>
-          <a:srcRect b="0" l="0" r="0" t="0"/>
+          <a:srcRect/>
           <a:stretch/>
         </p:blipFill>
         <p:spPr>
@@ -10388,9 +10576,11 @@
       <p:sp>
         <p:nvSpPr>
           <p:cNvPr id="160" name="Google Shape;160;p25"/>
-          <p:cNvSpPr txBox="1"/>
+          <p:cNvSpPr txBox="1">
+            <a:spLocks noGrp="1"/>
+          </p:cNvSpPr>
           <p:nvPr>
-            <p:ph idx="1" type="body"/>
+            <p:ph type="body" idx="1"/>
           </p:nvPr>
         </p:nvSpPr>
         <p:spPr>
@@ -10403,12 +10593,12 @@
           </a:prstGeom>
         </p:spPr>
         <p:txBody>
-          <a:bodyPr anchorCtr="0" anchor="t" bIns="91425" lIns="91425" spcFirstLastPara="1" rIns="91425" wrap="square" tIns="91425">
+          <a:bodyPr spcFirstLastPara="1" wrap="square" lIns="91425" tIns="91425" rIns="91425" bIns="91425" anchor="t" anchorCtr="0">
             <a:noAutofit/>
           </a:bodyPr>
           <a:lstStyle/>
           <a:p>
-            <a:pPr indent="0" lvl="0" marL="0" rtl="0" algn="l">
+            <a:pPr marL="0" lvl="0" indent="0" algn="l" rtl="0">
               <a:lnSpc>
                 <a:spcPct val="115000"/>
               </a:lnSpc>
@@ -10420,13 +10610,10 @@
               </a:spcAft>
               <a:buNone/>
             </a:pPr>
-            <a:r>
-              <a:t/>
-            </a:r>
             <a:endParaRPr/>
           </a:p>
           <a:p>
-            <a:pPr indent="0" lvl="0" marL="0" rtl="0" algn="l">
+            <a:pPr marL="0" lvl="0" indent="0" algn="l" rtl="0">
               <a:lnSpc>
                 <a:spcPct val="115000"/>
               </a:lnSpc>
@@ -10445,7 +10632,7 @@
             <a:endParaRPr/>
           </a:p>
           <a:p>
-            <a:pPr indent="0" lvl="0" marL="0" rtl="0" algn="l">
+            <a:pPr marL="0" lvl="0" indent="0" algn="l" rtl="0">
               <a:lnSpc>
                 <a:spcPct val="115000"/>
               </a:lnSpc>
@@ -10464,7 +10651,7 @@
             <a:endParaRPr/>
           </a:p>
           <a:p>
-            <a:pPr indent="0" lvl="0" marL="0" rtl="0" algn="l">
+            <a:pPr marL="0" lvl="0" indent="0" algn="l" rtl="0">
               <a:lnSpc>
                 <a:spcPct val="115000"/>
               </a:lnSpc>
@@ -10483,7 +10670,7 @@
             <a:endParaRPr/>
           </a:p>
           <a:p>
-            <a:pPr indent="0" lvl="0" marL="0" rtl="0" algn="l">
+            <a:pPr marL="0" lvl="0" indent="0" algn="l" rtl="0">
               <a:lnSpc>
                 <a:spcPct val="115000"/>
               </a:lnSpc>
@@ -10495,13 +10682,10 @@
               </a:spcAft>
               <a:buNone/>
             </a:pPr>
-            <a:r>
-              <a:t/>
-            </a:r>
             <a:endParaRPr/>
           </a:p>
           <a:p>
-            <a:pPr indent="0" lvl="0" marL="0" rtl="0" algn="l">
+            <a:pPr marL="0" lvl="0" indent="0" algn="l" rtl="0">
               <a:lnSpc>
                 <a:spcPct val="115000"/>
               </a:lnSpc>
@@ -10520,7 +10704,7 @@
             <a:endParaRPr/>
           </a:p>
           <a:p>
-            <a:pPr indent="0" lvl="0" marL="0" rtl="0" algn="l">
+            <a:pPr marL="0" lvl="0" indent="0" algn="l" rtl="0">
               <a:lnSpc>
                 <a:spcPct val="115000"/>
               </a:lnSpc>
@@ -10539,7 +10723,7 @@
             <a:endParaRPr/>
           </a:p>
           <a:p>
-            <a:pPr indent="0" lvl="0" marL="0" rtl="0" algn="l">
+            <a:pPr marL="0" lvl="0" indent="0" algn="l" rtl="0">
               <a:lnSpc>
                 <a:spcPct val="115000"/>
               </a:lnSpc>
@@ -10558,7 +10742,7 @@
             <a:endParaRPr/>
           </a:p>
           <a:p>
-            <a:pPr indent="0" lvl="0" marL="0" rtl="0" algn="l">
+            <a:pPr marL="0" lvl="0" indent="0" algn="l" rtl="0">
               <a:lnSpc>
                 <a:spcPct val="115000"/>
               </a:lnSpc>
@@ -10581,7 +10765,9 @@
       <p:sp>
         <p:nvSpPr>
           <p:cNvPr id="161" name="Google Shape;161;p25"/>
-          <p:cNvSpPr txBox="1"/>
+          <p:cNvSpPr txBox="1">
+            <a:spLocks noGrp="1"/>
+          </p:cNvSpPr>
           <p:nvPr>
             <p:ph type="title"/>
           </p:nvPr>
@@ -10596,12 +10782,12 @@
           </a:prstGeom>
         </p:spPr>
         <p:txBody>
-          <a:bodyPr anchorCtr="0" anchor="t" bIns="91425" lIns="91425" spcFirstLastPara="1" rIns="91425" wrap="square" tIns="91425">
+          <a:bodyPr spcFirstLastPara="1" wrap="square" lIns="91425" tIns="91425" rIns="91425" bIns="91425" anchor="t" anchorCtr="0">
             <a:noAutofit/>
           </a:bodyPr>
           <a:lstStyle/>
           <a:p>
-            <a:pPr indent="0" lvl="0" marL="0" rtl="0" algn="l">
+            <a:pPr marL="0" lvl="0" indent="0" algn="l" rtl="0">
               <a:spcBef>
                 <a:spcPts val="0"/>
               </a:spcBef>
@@ -10617,7 +10803,7 @@
             <a:endParaRPr/>
           </a:p>
           <a:p>
-            <a:pPr indent="0" lvl="0" marL="0" rtl="0" algn="l">
+            <a:pPr marL="0" lvl="0" indent="0" algn="l" rtl="0">
               <a:spcBef>
                 <a:spcPts val="0"/>
               </a:spcBef>
@@ -10643,11 +10829,11 @@
 </file>
 
 <file path=ppt/slides/slide14.xml><?xml version="1.0" encoding="utf-8"?>
-<p:sld xmlns:a="http://schemas.openxmlformats.org/drawingml/2006/main" xmlns:r="http://schemas.openxmlformats.org/officeDocument/2006/relationships" xmlns:mc="http://schemas.openxmlformats.org/markup-compatibility/2006" xmlns:mv="urn:schemas-microsoft-com:mac:vml" xmlns:p="http://schemas.openxmlformats.org/presentationml/2006/main" xmlns:c="http://schemas.openxmlformats.org/drawingml/2006/chart" xmlns:dgm="http://schemas.openxmlformats.org/drawingml/2006/diagram" xmlns:o="urn:schemas-microsoft-com:office:office" xmlns:v="urn:schemas-microsoft-com:vml" xmlns:pvml="urn:schemas-microsoft-com:office:powerpoint" xmlns:com="http://schemas.openxmlformats.org/drawingml/2006/compatibility" xmlns:p14="http://schemas.microsoft.com/office/powerpoint/2010/main" xmlns:p15="http://schemas.microsoft.com/office/powerpoint/2012/main" xmlns:ahyp="http://schemas.microsoft.com/office/drawing/2018/hyperlinkcolor">
+<p:sld xmlns:a="http://schemas.openxmlformats.org/drawingml/2006/main" xmlns:r="http://schemas.openxmlformats.org/officeDocument/2006/relationships" xmlns:p="http://schemas.openxmlformats.org/presentationml/2006/main">
   <p:cSld>
     <p:spTree>
       <p:nvGrpSpPr>
-        <p:cNvPr id="165" name="Shape 165"/>
+        <p:cNvPr id="1" name="Shape 165"/>
         <p:cNvGrpSpPr/>
         <p:nvPr/>
       </p:nvGrpSpPr>
@@ -10662,7 +10848,9 @@
       <p:sp>
         <p:nvSpPr>
           <p:cNvPr id="166" name="Google Shape;166;p26"/>
-          <p:cNvSpPr txBox="1"/>
+          <p:cNvSpPr txBox="1">
+            <a:spLocks noGrp="1"/>
+          </p:cNvSpPr>
           <p:nvPr>
             <p:ph type="title"/>
           </p:nvPr>
@@ -10677,12 +10865,12 @@
           </a:prstGeom>
         </p:spPr>
         <p:txBody>
-          <a:bodyPr anchorCtr="0" anchor="t" bIns="91425" lIns="91425" spcFirstLastPara="1" rIns="91425" wrap="square" tIns="91425">
+          <a:bodyPr spcFirstLastPara="1" wrap="square" lIns="91425" tIns="91425" rIns="91425" bIns="91425" anchor="t" anchorCtr="0">
             <a:noAutofit/>
           </a:bodyPr>
           <a:lstStyle/>
           <a:p>
-            <a:pPr indent="0" lvl="0" marL="0" rtl="0" algn="l">
+            <a:pPr marL="0" lvl="0" indent="0" algn="l" rtl="0">
               <a:spcBef>
                 <a:spcPts val="0"/>
               </a:spcBef>
@@ -10702,9 +10890,11 @@
       <p:sp>
         <p:nvSpPr>
           <p:cNvPr id="167" name="Google Shape;167;p26"/>
-          <p:cNvSpPr txBox="1"/>
+          <p:cNvSpPr txBox="1">
+            <a:spLocks noGrp="1"/>
+          </p:cNvSpPr>
           <p:nvPr>
-            <p:ph idx="1" type="body"/>
+            <p:ph type="body" idx="1"/>
           </p:nvPr>
         </p:nvSpPr>
         <p:spPr>
@@ -10717,12 +10907,12 @@
           </a:prstGeom>
         </p:spPr>
         <p:txBody>
-          <a:bodyPr anchorCtr="0" anchor="t" bIns="91425" lIns="91425" spcFirstLastPara="1" rIns="91425" wrap="square" tIns="91425">
+          <a:bodyPr spcFirstLastPara="1" wrap="square" lIns="91425" tIns="91425" rIns="91425" bIns="91425" anchor="t" anchorCtr="0">
             <a:noAutofit/>
           </a:bodyPr>
           <a:lstStyle/>
           <a:p>
-            <a:pPr indent="-311150" lvl="0" marL="457200" rtl="0" algn="l">
+            <a:pPr marL="457200" lvl="0" indent="-311150" algn="l" rtl="0">
               <a:spcBef>
                 <a:spcPts val="0"/>
               </a:spcBef>
@@ -10739,7 +10929,7 @@
             <a:endParaRPr/>
           </a:p>
           <a:p>
-            <a:pPr indent="-311150" lvl="1" marL="914400" rtl="0" algn="l">
+            <a:pPr marL="914400" lvl="1" indent="-311150" algn="l" rtl="0">
               <a:spcBef>
                 <a:spcPts val="0"/>
               </a:spcBef>
@@ -10756,7 +10946,7 @@
             <a:endParaRPr sz="1300"/>
           </a:p>
           <a:p>
-            <a:pPr indent="-311150" lvl="0" marL="457200" rtl="0" algn="l">
+            <a:pPr marL="457200" lvl="0" indent="-311150" algn="l" rtl="0">
               <a:spcBef>
                 <a:spcPts val="1000"/>
               </a:spcBef>
@@ -10773,7 +10963,7 @@
             <a:endParaRPr/>
           </a:p>
           <a:p>
-            <a:pPr indent="-311150" lvl="1" marL="914400" rtl="0" algn="l">
+            <a:pPr marL="914400" lvl="1" indent="-311150" algn="l" rtl="0">
               <a:spcBef>
                 <a:spcPts val="0"/>
               </a:spcBef>
@@ -10790,7 +10980,7 @@
             <a:endParaRPr sz="1300"/>
           </a:p>
           <a:p>
-            <a:pPr indent="-311150" lvl="0" marL="457200" rtl="0" algn="l">
+            <a:pPr marL="457200" lvl="0" indent="-311150" algn="l" rtl="0">
               <a:spcBef>
                 <a:spcPts val="1000"/>
               </a:spcBef>
@@ -10807,7 +10997,7 @@
             <a:endParaRPr/>
           </a:p>
           <a:p>
-            <a:pPr indent="-311150" lvl="1" marL="914400" rtl="0" algn="l">
+            <a:pPr marL="914400" lvl="1" indent="-311150" algn="l" rtl="0">
               <a:spcBef>
                 <a:spcPts val="0"/>
               </a:spcBef>
@@ -10834,11 +11024,11 @@
 </file>
 
 <file path=ppt/slides/slide15.xml><?xml version="1.0" encoding="utf-8"?>
-<p:sld xmlns:a="http://schemas.openxmlformats.org/drawingml/2006/main" xmlns:r="http://schemas.openxmlformats.org/officeDocument/2006/relationships" xmlns:mc="http://schemas.openxmlformats.org/markup-compatibility/2006" xmlns:mv="urn:schemas-microsoft-com:mac:vml" xmlns:p="http://schemas.openxmlformats.org/presentationml/2006/main" xmlns:c="http://schemas.openxmlformats.org/drawingml/2006/chart" xmlns:dgm="http://schemas.openxmlformats.org/drawingml/2006/diagram" xmlns:o="urn:schemas-microsoft-com:office:office" xmlns:v="urn:schemas-microsoft-com:vml" xmlns:pvml="urn:schemas-microsoft-com:office:powerpoint" xmlns:com="http://schemas.openxmlformats.org/drawingml/2006/compatibility" xmlns:p14="http://schemas.microsoft.com/office/powerpoint/2010/main" xmlns:p15="http://schemas.microsoft.com/office/powerpoint/2012/main" xmlns:ahyp="http://schemas.microsoft.com/office/drawing/2018/hyperlinkcolor">
+<p:sld xmlns:a="http://schemas.openxmlformats.org/drawingml/2006/main" xmlns:r="http://schemas.openxmlformats.org/officeDocument/2006/relationships" xmlns:p="http://schemas.openxmlformats.org/presentationml/2006/main">
   <p:cSld>
     <p:spTree>
       <p:nvGrpSpPr>
-        <p:cNvPr id="171" name="Shape 171"/>
+        <p:cNvPr id="1" name="Shape 171"/>
         <p:cNvGrpSpPr/>
         <p:nvPr/>
       </p:nvGrpSpPr>
@@ -10853,7 +11043,9 @@
       <p:sp>
         <p:nvSpPr>
           <p:cNvPr id="172" name="Google Shape;172;p27"/>
-          <p:cNvSpPr txBox="1"/>
+          <p:cNvSpPr txBox="1">
+            <a:spLocks noGrp="1"/>
+          </p:cNvSpPr>
           <p:nvPr>
             <p:ph type="ctrTitle"/>
           </p:nvPr>
@@ -10868,12 +11060,12 @@
           </a:prstGeom>
         </p:spPr>
         <p:txBody>
-          <a:bodyPr anchorCtr="0" anchor="t" bIns="91425" lIns="91425" spcFirstLastPara="1" rIns="91425" wrap="square" tIns="91425">
+          <a:bodyPr spcFirstLastPara="1" wrap="square" lIns="91425" tIns="91425" rIns="91425" bIns="91425" anchor="t" anchorCtr="0">
             <a:noAutofit/>
           </a:bodyPr>
           <a:lstStyle/>
           <a:p>
-            <a:pPr indent="0" lvl="0" marL="0" rtl="0" algn="l">
+            <a:pPr marL="0" lvl="0" indent="0" algn="l" rtl="0">
               <a:spcBef>
                 <a:spcPts val="0"/>
               </a:spcBef>
@@ -10893,9 +11085,11 @@
       <p:sp>
         <p:nvSpPr>
           <p:cNvPr id="173" name="Google Shape;173;p27"/>
-          <p:cNvSpPr txBox="1"/>
+          <p:cNvSpPr txBox="1">
+            <a:spLocks noGrp="1"/>
+          </p:cNvSpPr>
           <p:nvPr>
-            <p:ph idx="1" type="subTitle"/>
+            <p:ph type="subTitle" idx="1"/>
           </p:nvPr>
         </p:nvSpPr>
         <p:spPr>
@@ -10908,12 +11102,12 @@
           </a:prstGeom>
         </p:spPr>
         <p:txBody>
-          <a:bodyPr anchorCtr="0" anchor="t" bIns="91425" lIns="91425" spcFirstLastPara="1" rIns="91425" wrap="square" tIns="91425">
+          <a:bodyPr spcFirstLastPara="1" wrap="square" lIns="91425" tIns="91425" rIns="91425" bIns="91425" anchor="t" anchorCtr="0">
             <a:noAutofit/>
           </a:bodyPr>
           <a:lstStyle/>
           <a:p>
-            <a:pPr indent="0" lvl="0" marL="0" rtl="0" algn="l">
+            <a:pPr marL="0" lvl="0" indent="0" algn="l" rtl="0">
               <a:spcBef>
                 <a:spcPts val="0"/>
               </a:spcBef>
@@ -10939,11 +11133,11 @@
 </file>
 
 <file path=ppt/slides/slide16.xml><?xml version="1.0" encoding="utf-8"?>
-<p:sld xmlns:a="http://schemas.openxmlformats.org/drawingml/2006/main" xmlns:r="http://schemas.openxmlformats.org/officeDocument/2006/relationships" xmlns:mc="http://schemas.openxmlformats.org/markup-compatibility/2006" xmlns:mv="urn:schemas-microsoft-com:mac:vml" xmlns:p="http://schemas.openxmlformats.org/presentationml/2006/main" xmlns:c="http://schemas.openxmlformats.org/drawingml/2006/chart" xmlns:dgm="http://schemas.openxmlformats.org/drawingml/2006/diagram" xmlns:o="urn:schemas-microsoft-com:office:office" xmlns:v="urn:schemas-microsoft-com:vml" xmlns:pvml="urn:schemas-microsoft-com:office:powerpoint" xmlns:com="http://schemas.openxmlformats.org/drawingml/2006/compatibility" xmlns:p14="http://schemas.microsoft.com/office/powerpoint/2010/main" xmlns:p15="http://schemas.microsoft.com/office/powerpoint/2012/main" xmlns:ahyp="http://schemas.microsoft.com/office/drawing/2018/hyperlinkcolor">
+<p:sld xmlns:a="http://schemas.openxmlformats.org/drawingml/2006/main" xmlns:r="http://schemas.openxmlformats.org/officeDocument/2006/relationships" xmlns:p="http://schemas.openxmlformats.org/presentationml/2006/main">
   <p:cSld>
     <p:spTree>
       <p:nvGrpSpPr>
-        <p:cNvPr id="177" name="Shape 177"/>
+        <p:cNvPr id="1" name="Shape 177"/>
         <p:cNvGrpSpPr/>
         <p:nvPr/>
       </p:nvGrpSpPr>
@@ -10958,7 +11152,9 @@
       <p:sp>
         <p:nvSpPr>
           <p:cNvPr id="178" name="Google Shape;178;p28"/>
-          <p:cNvSpPr txBox="1"/>
+          <p:cNvSpPr txBox="1">
+            <a:spLocks noGrp="1"/>
+          </p:cNvSpPr>
           <p:nvPr>
             <p:ph type="title"/>
           </p:nvPr>
@@ -10973,12 +11169,12 @@
           </a:prstGeom>
         </p:spPr>
         <p:txBody>
-          <a:bodyPr anchorCtr="0" anchor="t" bIns="91425" lIns="91425" spcFirstLastPara="1" rIns="91425" wrap="square" tIns="91425">
+          <a:bodyPr spcFirstLastPara="1" wrap="square" lIns="91425" tIns="91425" rIns="91425" bIns="91425" anchor="t" anchorCtr="0">
             <a:noAutofit/>
           </a:bodyPr>
           <a:lstStyle/>
           <a:p>
-            <a:pPr indent="0" lvl="0" marL="0" rtl="0" algn="l">
+            <a:pPr marL="0" lvl="0" indent="0" algn="l" rtl="0">
               <a:spcBef>
                 <a:spcPts val="0"/>
               </a:spcBef>
@@ -10988,7 +11184,7 @@
               <a:buNone/>
             </a:pPr>
             <a:r>
-              <a:rPr b="0" lang="en" sz="3000">
+              <a:rPr lang="en" sz="3000" b="0">
                 <a:solidFill>
                   <a:srgbClr val="AF7B51"/>
                 </a:solidFill>
@@ -11006,9 +11202,11 @@
       <p:sp>
         <p:nvSpPr>
           <p:cNvPr id="179" name="Google Shape;179;p28"/>
-          <p:cNvSpPr txBox="1"/>
+          <p:cNvSpPr txBox="1">
+            <a:spLocks noGrp="1"/>
+          </p:cNvSpPr>
           <p:nvPr>
-            <p:ph idx="1" type="body"/>
+            <p:ph type="body" idx="1"/>
           </p:nvPr>
         </p:nvSpPr>
         <p:spPr>
@@ -11021,12 +11219,12 @@
           </a:prstGeom>
         </p:spPr>
         <p:txBody>
-          <a:bodyPr anchorCtr="0" anchor="t" bIns="91425" lIns="91425" spcFirstLastPara="1" rIns="91425" wrap="square" tIns="91425">
+          <a:bodyPr spcFirstLastPara="1" wrap="square" lIns="91425" tIns="91425" rIns="91425" bIns="91425" anchor="t" anchorCtr="0">
             <a:noAutofit/>
           </a:bodyPr>
           <a:lstStyle/>
           <a:p>
-            <a:pPr indent="0" lvl="0" marL="0" rtl="0" algn="l">
+            <a:pPr marL="0" lvl="0" indent="0" algn="l" rtl="0">
               <a:spcBef>
                 <a:spcPts val="0"/>
               </a:spcBef>
@@ -11058,7 +11256,7 @@
             </a:endParaRPr>
           </a:p>
           <a:p>
-            <a:pPr indent="0" lvl="0" marL="0" rtl="0" algn="l">
+            <a:pPr marL="0" lvl="0" indent="0" algn="l" rtl="0">
               <a:spcBef>
                 <a:spcPts val="1600"/>
               </a:spcBef>
@@ -11090,7 +11288,7 @@
             </a:endParaRPr>
           </a:p>
           <a:p>
-            <a:pPr indent="0" lvl="0" marL="0" rtl="0" algn="l">
+            <a:pPr marL="0" lvl="0" indent="0" algn="l" rtl="0">
               <a:spcBef>
                 <a:spcPts val="1600"/>
               </a:spcBef>
@@ -11122,7 +11320,7 @@
             </a:endParaRPr>
           </a:p>
           <a:p>
-            <a:pPr indent="0" lvl="0" marL="0" rtl="0" algn="l">
+            <a:pPr marL="0" lvl="0" indent="0" algn="l" rtl="0">
               <a:spcBef>
                 <a:spcPts val="1600"/>
               </a:spcBef>
@@ -11154,7 +11352,7 @@
             </a:endParaRPr>
           </a:p>
           <a:p>
-            <a:pPr indent="0" lvl="0" marL="0" rtl="0" algn="l">
+            <a:pPr marL="0" lvl="0" indent="0" algn="l" rtl="0">
               <a:spcBef>
                 <a:spcPts val="1600"/>
               </a:spcBef>
@@ -11186,7 +11384,7 @@
             </a:endParaRPr>
           </a:p>
           <a:p>
-            <a:pPr indent="0" lvl="0" marL="0" rtl="0" algn="l">
+            <a:pPr marL="0" lvl="0" indent="0" algn="l" rtl="0">
               <a:spcBef>
                 <a:spcPts val="1600"/>
               </a:spcBef>
@@ -11218,7 +11416,7 @@
             </a:endParaRPr>
           </a:p>
           <a:p>
-            <a:pPr indent="0" lvl="0" marL="0" rtl="0" algn="l">
+            <a:pPr marL="0" lvl="0" indent="0" algn="l" rtl="0">
               <a:spcBef>
                 <a:spcPts val="1600"/>
               </a:spcBef>
@@ -11252,11 +11450,11 @@
 </file>
 
 <file path=ppt/slides/slide17.xml><?xml version="1.0" encoding="utf-8"?>
-<p:sld xmlns:a="http://schemas.openxmlformats.org/drawingml/2006/main" xmlns:r="http://schemas.openxmlformats.org/officeDocument/2006/relationships" xmlns:mc="http://schemas.openxmlformats.org/markup-compatibility/2006" xmlns:mv="urn:schemas-microsoft-com:mac:vml" xmlns:p="http://schemas.openxmlformats.org/presentationml/2006/main" xmlns:c="http://schemas.openxmlformats.org/drawingml/2006/chart" xmlns:dgm="http://schemas.openxmlformats.org/drawingml/2006/diagram" xmlns:o="urn:schemas-microsoft-com:office:office" xmlns:v="urn:schemas-microsoft-com:vml" xmlns:pvml="urn:schemas-microsoft-com:office:powerpoint" xmlns:com="http://schemas.openxmlformats.org/drawingml/2006/compatibility" xmlns:p14="http://schemas.microsoft.com/office/powerpoint/2010/main" xmlns:p15="http://schemas.microsoft.com/office/powerpoint/2012/main" xmlns:ahyp="http://schemas.microsoft.com/office/drawing/2018/hyperlinkcolor">
+<p:sld xmlns:a="http://schemas.openxmlformats.org/drawingml/2006/main" xmlns:r="http://schemas.openxmlformats.org/officeDocument/2006/relationships" xmlns:p="http://schemas.openxmlformats.org/presentationml/2006/main">
   <p:cSld>
     <p:spTree>
       <p:nvGrpSpPr>
-        <p:cNvPr id="183" name="Shape 183"/>
+        <p:cNvPr id="1" name="Shape 183"/>
         <p:cNvGrpSpPr/>
         <p:nvPr/>
       </p:nvGrpSpPr>
@@ -11299,7 +11497,9 @@
       <p:sp>
         <p:nvSpPr>
           <p:cNvPr id="185" name="Google Shape;185;p29"/>
-          <p:cNvSpPr txBox="1"/>
+          <p:cNvSpPr txBox="1">
+            <a:spLocks noGrp="1"/>
+          </p:cNvSpPr>
           <p:nvPr>
             <p:ph type="title"/>
           </p:nvPr>
@@ -11314,12 +11514,12 @@
           </a:prstGeom>
         </p:spPr>
         <p:txBody>
-          <a:bodyPr anchorCtr="0" anchor="t" bIns="91425" lIns="91425" spcFirstLastPara="1" rIns="91425" wrap="square" tIns="91425">
+          <a:bodyPr spcFirstLastPara="1" wrap="square" lIns="91425" tIns="91425" rIns="91425" bIns="91425" anchor="t" anchorCtr="0">
             <a:noAutofit/>
           </a:bodyPr>
           <a:lstStyle/>
           <a:p>
-            <a:pPr indent="0" lvl="0" marL="0" rtl="0" algn="l">
+            <a:pPr marL="0" lvl="0" indent="0" algn="l" rtl="0">
               <a:spcBef>
                 <a:spcPts val="0"/>
               </a:spcBef>
@@ -11353,11 +11553,11 @@
 </file>
 
 <file path=ppt/slides/slide18.xml><?xml version="1.0" encoding="utf-8"?>
-<p:sld xmlns:a="http://schemas.openxmlformats.org/drawingml/2006/main" xmlns:r="http://schemas.openxmlformats.org/officeDocument/2006/relationships" xmlns:mc="http://schemas.openxmlformats.org/markup-compatibility/2006" xmlns:mv="urn:schemas-microsoft-com:mac:vml" xmlns:p="http://schemas.openxmlformats.org/presentationml/2006/main" xmlns:c="http://schemas.openxmlformats.org/drawingml/2006/chart" xmlns:dgm="http://schemas.openxmlformats.org/drawingml/2006/diagram" xmlns:o="urn:schemas-microsoft-com:office:office" xmlns:v="urn:schemas-microsoft-com:vml" xmlns:pvml="urn:schemas-microsoft-com:office:powerpoint" xmlns:com="http://schemas.openxmlformats.org/drawingml/2006/compatibility" xmlns:p14="http://schemas.microsoft.com/office/powerpoint/2010/main" xmlns:p15="http://schemas.microsoft.com/office/powerpoint/2012/main" xmlns:ahyp="http://schemas.microsoft.com/office/drawing/2018/hyperlinkcolor">
+<p:sld xmlns:a="http://schemas.openxmlformats.org/drawingml/2006/main" xmlns:r="http://schemas.openxmlformats.org/officeDocument/2006/relationships" xmlns:p="http://schemas.openxmlformats.org/presentationml/2006/main">
   <p:cSld>
     <p:spTree>
       <p:nvGrpSpPr>
-        <p:cNvPr id="189" name="Shape 189"/>
+        <p:cNvPr id="1" name="Shape 189"/>
         <p:cNvGrpSpPr/>
         <p:nvPr/>
       </p:nvGrpSpPr>
@@ -11372,7 +11572,9 @@
       <p:sp>
         <p:nvSpPr>
           <p:cNvPr id="190" name="Google Shape;190;p30"/>
-          <p:cNvSpPr txBox="1"/>
+          <p:cNvSpPr txBox="1">
+            <a:spLocks noGrp="1"/>
+          </p:cNvSpPr>
           <p:nvPr>
             <p:ph type="title"/>
           </p:nvPr>
@@ -11387,12 +11589,12 @@
           </a:prstGeom>
         </p:spPr>
         <p:txBody>
-          <a:bodyPr anchorCtr="0" anchor="t" bIns="91425" lIns="91425" spcFirstLastPara="1" rIns="91425" wrap="square" tIns="91425">
+          <a:bodyPr spcFirstLastPara="1" wrap="square" lIns="91425" tIns="91425" rIns="91425" bIns="91425" anchor="t" anchorCtr="0">
             <a:noAutofit/>
           </a:bodyPr>
           <a:lstStyle/>
           <a:p>
-            <a:pPr indent="0" lvl="0" marL="0" rtl="0" algn="l">
+            <a:pPr marL="0" lvl="0" indent="0" algn="l" rtl="0">
               <a:spcBef>
                 <a:spcPts val="0"/>
               </a:spcBef>
@@ -11446,11 +11648,11 @@
 </file>
 
 <file path=ppt/slides/slide19.xml><?xml version="1.0" encoding="utf-8"?>
-<p:sld xmlns:a="http://schemas.openxmlformats.org/drawingml/2006/main" xmlns:r="http://schemas.openxmlformats.org/officeDocument/2006/relationships" xmlns:mc="http://schemas.openxmlformats.org/markup-compatibility/2006" xmlns:mv="urn:schemas-microsoft-com:mac:vml" xmlns:p="http://schemas.openxmlformats.org/presentationml/2006/main" xmlns:c="http://schemas.openxmlformats.org/drawingml/2006/chart" xmlns:dgm="http://schemas.openxmlformats.org/drawingml/2006/diagram" xmlns:o="urn:schemas-microsoft-com:office:office" xmlns:v="urn:schemas-microsoft-com:vml" xmlns:pvml="urn:schemas-microsoft-com:office:powerpoint" xmlns:com="http://schemas.openxmlformats.org/drawingml/2006/compatibility" xmlns:p14="http://schemas.microsoft.com/office/powerpoint/2010/main" xmlns:p15="http://schemas.microsoft.com/office/powerpoint/2012/main" xmlns:ahyp="http://schemas.microsoft.com/office/drawing/2018/hyperlinkcolor">
+<p:sld xmlns:a="http://schemas.openxmlformats.org/drawingml/2006/main" xmlns:r="http://schemas.openxmlformats.org/officeDocument/2006/relationships" xmlns:p="http://schemas.openxmlformats.org/presentationml/2006/main">
   <p:cSld>
     <p:spTree>
       <p:nvGrpSpPr>
-        <p:cNvPr id="195" name="Shape 195"/>
+        <p:cNvPr id="1" name="Shape 195"/>
         <p:cNvGrpSpPr/>
         <p:nvPr/>
       </p:nvGrpSpPr>
@@ -11493,7 +11695,9 @@
       <p:sp>
         <p:nvSpPr>
           <p:cNvPr id="197" name="Google Shape;197;p31"/>
-          <p:cNvSpPr txBox="1"/>
+          <p:cNvSpPr txBox="1">
+            <a:spLocks noGrp="1"/>
+          </p:cNvSpPr>
           <p:nvPr>
             <p:ph type="title"/>
           </p:nvPr>
@@ -11508,12 +11712,12 @@
           </a:prstGeom>
         </p:spPr>
         <p:txBody>
-          <a:bodyPr anchorCtr="0" anchor="t" bIns="91425" lIns="91425" spcFirstLastPara="1" rIns="91425" wrap="square" tIns="91425">
+          <a:bodyPr spcFirstLastPara="1" wrap="square" lIns="91425" tIns="91425" rIns="91425" bIns="91425" anchor="t" anchorCtr="0">
             <a:noAutofit/>
           </a:bodyPr>
           <a:lstStyle/>
           <a:p>
-            <a:pPr indent="0" lvl="0" marL="0" rtl="0" algn="l">
+            <a:pPr marL="0" lvl="0" indent="0" algn="l" rtl="0">
               <a:spcBef>
                 <a:spcPts val="0"/>
               </a:spcBef>
@@ -11539,11 +11743,11 @@
 </file>
 
 <file path=ppt/slides/slide2.xml><?xml version="1.0" encoding="utf-8"?>
-<p:sld xmlns:a="http://schemas.openxmlformats.org/drawingml/2006/main" xmlns:r="http://schemas.openxmlformats.org/officeDocument/2006/relationships" xmlns:mc="http://schemas.openxmlformats.org/markup-compatibility/2006" xmlns:mv="urn:schemas-microsoft-com:mac:vml" xmlns:p="http://schemas.openxmlformats.org/presentationml/2006/main" xmlns:c="http://schemas.openxmlformats.org/drawingml/2006/chart" xmlns:dgm="http://schemas.openxmlformats.org/drawingml/2006/diagram" xmlns:o="urn:schemas-microsoft-com:office:office" xmlns:v="urn:schemas-microsoft-com:vml" xmlns:pvml="urn:schemas-microsoft-com:office:powerpoint" xmlns:com="http://schemas.openxmlformats.org/drawingml/2006/compatibility" xmlns:p14="http://schemas.microsoft.com/office/powerpoint/2010/main" xmlns:p15="http://schemas.microsoft.com/office/powerpoint/2012/main" xmlns:ahyp="http://schemas.microsoft.com/office/drawing/2018/hyperlinkcolor">
+<p:sld xmlns:a="http://schemas.openxmlformats.org/drawingml/2006/main" xmlns:r="http://schemas.openxmlformats.org/officeDocument/2006/relationships" xmlns:p="http://schemas.openxmlformats.org/presentationml/2006/main">
   <p:cSld>
     <p:spTree>
       <p:nvGrpSpPr>
-        <p:cNvPr id="90" name="Shape 90"/>
+        <p:cNvPr id="1" name="Shape 90"/>
         <p:cNvGrpSpPr/>
         <p:nvPr/>
       </p:nvGrpSpPr>
@@ -11558,7 +11762,9 @@
       <p:sp>
         <p:nvSpPr>
           <p:cNvPr id="91" name="Google Shape;91;p14"/>
-          <p:cNvSpPr txBox="1"/>
+          <p:cNvSpPr txBox="1">
+            <a:spLocks noGrp="1"/>
+          </p:cNvSpPr>
           <p:nvPr>
             <p:ph type="ctrTitle"/>
           </p:nvPr>
@@ -11573,12 +11779,12 @@
           </a:prstGeom>
         </p:spPr>
         <p:txBody>
-          <a:bodyPr anchorCtr="0" anchor="t" bIns="91425" lIns="91425" spcFirstLastPara="1" rIns="91425" wrap="square" tIns="91425">
+          <a:bodyPr spcFirstLastPara="1" wrap="square" lIns="91425" tIns="91425" rIns="91425" bIns="91425" anchor="t" anchorCtr="0">
             <a:noAutofit/>
           </a:bodyPr>
           <a:lstStyle/>
           <a:p>
-            <a:pPr indent="0" lvl="0" marL="0" rtl="0" algn="l">
+            <a:pPr marL="0" lvl="0" indent="0" algn="l" rtl="0">
               <a:spcBef>
                 <a:spcPts val="0"/>
               </a:spcBef>
@@ -11598,9 +11804,11 @@
       <p:sp>
         <p:nvSpPr>
           <p:cNvPr id="92" name="Google Shape;92;p14"/>
-          <p:cNvSpPr txBox="1"/>
+          <p:cNvSpPr txBox="1">
+            <a:spLocks noGrp="1"/>
+          </p:cNvSpPr>
           <p:nvPr>
-            <p:ph idx="1" type="subTitle"/>
+            <p:ph type="subTitle" idx="1"/>
           </p:nvPr>
         </p:nvSpPr>
         <p:spPr>
@@ -11613,12 +11821,12 @@
           </a:prstGeom>
         </p:spPr>
         <p:txBody>
-          <a:bodyPr anchorCtr="0" anchor="t" bIns="91425" lIns="91425" spcFirstLastPara="1" rIns="91425" wrap="square" tIns="91425">
+          <a:bodyPr spcFirstLastPara="1" wrap="square" lIns="91425" tIns="91425" rIns="91425" bIns="91425" anchor="t" anchorCtr="0">
             <a:noAutofit/>
           </a:bodyPr>
           <a:lstStyle/>
           <a:p>
-            <a:pPr indent="-330200" lvl="0" marL="457200" rtl="0" algn="l">
+            <a:pPr marL="457200" lvl="0" indent="-330200" algn="l" rtl="0">
               <a:spcBef>
                 <a:spcPts val="0"/>
               </a:spcBef>
@@ -11635,7 +11843,7 @@
             <a:endParaRPr/>
           </a:p>
           <a:p>
-            <a:pPr indent="-330200" lvl="0" marL="457200" rtl="0" algn="l">
+            <a:pPr marL="457200" lvl="0" indent="-330200" algn="l" rtl="0">
               <a:spcBef>
                 <a:spcPts val="0"/>
               </a:spcBef>
@@ -11652,7 +11860,7 @@
             <a:endParaRPr/>
           </a:p>
           <a:p>
-            <a:pPr indent="-330200" lvl="0" marL="457200" rtl="0" algn="l">
+            <a:pPr marL="457200" lvl="0" indent="-330200" algn="l" rtl="0">
               <a:spcBef>
                 <a:spcPts val="0"/>
               </a:spcBef>
@@ -11679,11 +11887,11 @@
 </file>
 
 <file path=ppt/slides/slide20.xml><?xml version="1.0" encoding="utf-8"?>
-<p:sld xmlns:a="http://schemas.openxmlformats.org/drawingml/2006/main" xmlns:r="http://schemas.openxmlformats.org/officeDocument/2006/relationships" xmlns:mc="http://schemas.openxmlformats.org/markup-compatibility/2006" xmlns:mv="urn:schemas-microsoft-com:mac:vml" xmlns:p="http://schemas.openxmlformats.org/presentationml/2006/main" xmlns:c="http://schemas.openxmlformats.org/drawingml/2006/chart" xmlns:dgm="http://schemas.openxmlformats.org/drawingml/2006/diagram" xmlns:o="urn:schemas-microsoft-com:office:office" xmlns:v="urn:schemas-microsoft-com:vml" xmlns:pvml="urn:schemas-microsoft-com:office:powerpoint" xmlns:com="http://schemas.openxmlformats.org/drawingml/2006/compatibility" xmlns:p14="http://schemas.microsoft.com/office/powerpoint/2010/main" xmlns:p15="http://schemas.microsoft.com/office/powerpoint/2012/main" xmlns:ahyp="http://schemas.microsoft.com/office/drawing/2018/hyperlinkcolor">
+<p:sld xmlns:a="http://schemas.openxmlformats.org/drawingml/2006/main" xmlns:r="http://schemas.openxmlformats.org/officeDocument/2006/relationships" xmlns:p="http://schemas.openxmlformats.org/presentationml/2006/main">
   <p:cSld>
     <p:spTree>
       <p:nvGrpSpPr>
-        <p:cNvPr id="201" name="Shape 201"/>
+        <p:cNvPr id="1" name="Shape 201"/>
         <p:cNvGrpSpPr/>
         <p:nvPr/>
       </p:nvGrpSpPr>
@@ -11698,7 +11906,9 @@
       <p:sp>
         <p:nvSpPr>
           <p:cNvPr id="202" name="Google Shape;202;p32"/>
-          <p:cNvSpPr txBox="1"/>
+          <p:cNvSpPr txBox="1">
+            <a:spLocks noGrp="1"/>
+          </p:cNvSpPr>
           <p:nvPr>
             <p:ph type="title"/>
           </p:nvPr>
@@ -11713,12 +11923,12 @@
           </a:prstGeom>
         </p:spPr>
         <p:txBody>
-          <a:bodyPr anchorCtr="0" anchor="t" bIns="91425" lIns="91425" spcFirstLastPara="1" rIns="91425" wrap="square" tIns="91425">
+          <a:bodyPr spcFirstLastPara="1" wrap="square" lIns="91425" tIns="91425" rIns="91425" bIns="91425" anchor="t" anchorCtr="0">
             <a:noAutofit/>
           </a:bodyPr>
           <a:lstStyle/>
           <a:p>
-            <a:pPr indent="0" lvl="0" marL="0" rtl="0" algn="l">
+            <a:pPr marL="0" lvl="0" indent="0" algn="l" rtl="0">
               <a:spcBef>
                 <a:spcPts val="0"/>
               </a:spcBef>
@@ -11776,11 +11986,11 @@
 </file>
 
 <file path=ppt/slides/slide21.xml><?xml version="1.0" encoding="utf-8"?>
-<p:sld xmlns:a="http://schemas.openxmlformats.org/drawingml/2006/main" xmlns:r="http://schemas.openxmlformats.org/officeDocument/2006/relationships" xmlns:mc="http://schemas.openxmlformats.org/markup-compatibility/2006" xmlns:mv="urn:schemas-microsoft-com:mac:vml" xmlns:p="http://schemas.openxmlformats.org/presentationml/2006/main" xmlns:c="http://schemas.openxmlformats.org/drawingml/2006/chart" xmlns:dgm="http://schemas.openxmlformats.org/drawingml/2006/diagram" xmlns:o="urn:schemas-microsoft-com:office:office" xmlns:v="urn:schemas-microsoft-com:vml" xmlns:pvml="urn:schemas-microsoft-com:office:powerpoint" xmlns:com="http://schemas.openxmlformats.org/drawingml/2006/compatibility" xmlns:p14="http://schemas.microsoft.com/office/powerpoint/2010/main" xmlns:p15="http://schemas.microsoft.com/office/powerpoint/2012/main" xmlns:ahyp="http://schemas.microsoft.com/office/drawing/2018/hyperlinkcolor">
+<p:sld xmlns:a="http://schemas.openxmlformats.org/drawingml/2006/main" xmlns:r="http://schemas.openxmlformats.org/officeDocument/2006/relationships" xmlns:p="http://schemas.openxmlformats.org/presentationml/2006/main">
   <p:cSld>
     <p:spTree>
       <p:nvGrpSpPr>
-        <p:cNvPr id="207" name="Shape 207"/>
+        <p:cNvPr id="1" name="Shape 207"/>
         <p:cNvGrpSpPr/>
         <p:nvPr/>
       </p:nvGrpSpPr>
@@ -11795,7 +12005,9 @@
       <p:sp>
         <p:nvSpPr>
           <p:cNvPr id="208" name="Google Shape;208;p33"/>
-          <p:cNvSpPr txBox="1"/>
+          <p:cNvSpPr txBox="1">
+            <a:spLocks noGrp="1"/>
+          </p:cNvSpPr>
           <p:nvPr>
             <p:ph type="title"/>
           </p:nvPr>
@@ -11810,12 +12022,12 @@
           </a:prstGeom>
         </p:spPr>
         <p:txBody>
-          <a:bodyPr anchorCtr="0" anchor="t" bIns="91425" lIns="91425" spcFirstLastPara="1" rIns="91425" wrap="square" tIns="91425">
+          <a:bodyPr spcFirstLastPara="1" wrap="square" lIns="91425" tIns="91425" rIns="91425" bIns="91425" anchor="t" anchorCtr="0">
             <a:noAutofit/>
           </a:bodyPr>
           <a:lstStyle/>
           <a:p>
-            <a:pPr indent="0" lvl="0" marL="0" rtl="0" algn="l">
+            <a:pPr marL="0" lvl="0" indent="0" algn="l" rtl="0">
               <a:spcBef>
                 <a:spcPts val="0"/>
               </a:spcBef>
@@ -11826,11 +12038,7 @@
             </a:pPr>
             <a:r>
               <a:rPr lang="en" sz="2400"/>
-              <a:t>Violation code counts for Commercial (COM) plate</a:t>
-            </a:r>
-            <a:r>
-              <a:rPr lang="en" sz="2400"/>
-              <a:t> </a:t>
+              <a:t>Violation code counts for Commercial (COM) plate </a:t>
             </a:r>
             <a:r>
               <a:rPr lang="en"/>
@@ -11877,11 +12085,11 @@
 </file>
 
 <file path=ppt/slides/slide22.xml><?xml version="1.0" encoding="utf-8"?>
-<p:sld xmlns:a="http://schemas.openxmlformats.org/drawingml/2006/main" xmlns:r="http://schemas.openxmlformats.org/officeDocument/2006/relationships" xmlns:mc="http://schemas.openxmlformats.org/markup-compatibility/2006" xmlns:mv="urn:schemas-microsoft-com:mac:vml" xmlns:p="http://schemas.openxmlformats.org/presentationml/2006/main" xmlns:c="http://schemas.openxmlformats.org/drawingml/2006/chart" xmlns:dgm="http://schemas.openxmlformats.org/drawingml/2006/diagram" xmlns:o="urn:schemas-microsoft-com:office:office" xmlns:v="urn:schemas-microsoft-com:vml" xmlns:pvml="urn:schemas-microsoft-com:office:powerpoint" xmlns:com="http://schemas.openxmlformats.org/drawingml/2006/compatibility" xmlns:p14="http://schemas.microsoft.com/office/powerpoint/2010/main" xmlns:p15="http://schemas.microsoft.com/office/powerpoint/2012/main" xmlns:ahyp="http://schemas.microsoft.com/office/drawing/2018/hyperlinkcolor">
+<p:sld xmlns:a="http://schemas.openxmlformats.org/drawingml/2006/main" xmlns:r="http://schemas.openxmlformats.org/officeDocument/2006/relationships" xmlns:p="http://schemas.openxmlformats.org/presentationml/2006/main">
   <p:cSld>
     <p:spTree>
       <p:nvGrpSpPr>
-        <p:cNvPr id="213" name="Shape 213"/>
+        <p:cNvPr id="1" name="Shape 213"/>
         <p:cNvGrpSpPr/>
         <p:nvPr/>
       </p:nvGrpSpPr>
@@ -11896,7 +12104,9 @@
       <p:sp>
         <p:nvSpPr>
           <p:cNvPr id="214" name="Google Shape;214;p34"/>
-          <p:cNvSpPr txBox="1"/>
+          <p:cNvSpPr txBox="1">
+            <a:spLocks noGrp="1"/>
+          </p:cNvSpPr>
           <p:nvPr>
             <p:ph type="title"/>
           </p:nvPr>
@@ -11911,12 +12121,12 @@
           </a:prstGeom>
         </p:spPr>
         <p:txBody>
-          <a:bodyPr anchorCtr="0" anchor="t" bIns="91425" lIns="91425" spcFirstLastPara="1" rIns="91425" wrap="square" tIns="91425">
+          <a:bodyPr spcFirstLastPara="1" wrap="square" lIns="91425" tIns="91425" rIns="91425" bIns="91425" anchor="t" anchorCtr="0">
             <a:noAutofit/>
           </a:bodyPr>
           <a:lstStyle/>
           <a:p>
-            <a:pPr indent="0" lvl="0" marL="0" rtl="0" algn="l">
+            <a:pPr marL="0" lvl="0" indent="0" algn="l" rtl="0">
               <a:spcBef>
                 <a:spcPts val="0"/>
               </a:spcBef>
@@ -11974,11 +12184,11 @@
 </file>
 
 <file path=ppt/slides/slide23.xml><?xml version="1.0" encoding="utf-8"?>
-<p:sld xmlns:a="http://schemas.openxmlformats.org/drawingml/2006/main" xmlns:r="http://schemas.openxmlformats.org/officeDocument/2006/relationships" xmlns:mc="http://schemas.openxmlformats.org/markup-compatibility/2006" xmlns:mv="urn:schemas-microsoft-com:mac:vml" xmlns:p="http://schemas.openxmlformats.org/presentationml/2006/main" xmlns:c="http://schemas.openxmlformats.org/drawingml/2006/chart" xmlns:dgm="http://schemas.openxmlformats.org/drawingml/2006/diagram" xmlns:o="urn:schemas-microsoft-com:office:office" xmlns:v="urn:schemas-microsoft-com:vml" xmlns:pvml="urn:schemas-microsoft-com:office:powerpoint" xmlns:com="http://schemas.openxmlformats.org/drawingml/2006/compatibility" xmlns:p14="http://schemas.microsoft.com/office/powerpoint/2010/main" xmlns:p15="http://schemas.microsoft.com/office/powerpoint/2012/main" xmlns:ahyp="http://schemas.microsoft.com/office/drawing/2018/hyperlinkcolor">
+<p:sld xmlns:a="http://schemas.openxmlformats.org/drawingml/2006/main" xmlns:r="http://schemas.openxmlformats.org/officeDocument/2006/relationships" xmlns:p="http://schemas.openxmlformats.org/presentationml/2006/main">
   <p:cSld>
     <p:spTree>
       <p:nvGrpSpPr>
-        <p:cNvPr id="219" name="Shape 219"/>
+        <p:cNvPr id="1" name="Shape 219"/>
         <p:cNvGrpSpPr/>
         <p:nvPr/>
       </p:nvGrpSpPr>
@@ -11993,7 +12203,9 @@
       <p:sp>
         <p:nvSpPr>
           <p:cNvPr id="220" name="Google Shape;220;p35"/>
-          <p:cNvSpPr txBox="1"/>
+          <p:cNvSpPr txBox="1">
+            <a:spLocks noGrp="1"/>
+          </p:cNvSpPr>
           <p:nvPr>
             <p:ph type="title"/>
           </p:nvPr>
@@ -12008,12 +12220,12 @@
           </a:prstGeom>
         </p:spPr>
         <p:txBody>
-          <a:bodyPr anchorCtr="0" anchor="t" bIns="91425" lIns="91425" spcFirstLastPara="1" rIns="91425" wrap="square" tIns="91425">
+          <a:bodyPr spcFirstLastPara="1" wrap="square" lIns="91425" tIns="91425" rIns="91425" bIns="91425" anchor="t" anchorCtr="0">
             <a:noAutofit/>
           </a:bodyPr>
           <a:lstStyle/>
           <a:p>
-            <a:pPr indent="0" lvl="0" marL="0" rtl="0" algn="l">
+            <a:pPr marL="0" lvl="0" indent="0" algn="l" rtl="0">
               <a:spcBef>
                 <a:spcPts val="0"/>
               </a:spcBef>
@@ -12033,9 +12245,11 @@
       <p:sp>
         <p:nvSpPr>
           <p:cNvPr id="221" name="Google Shape;221;p35"/>
-          <p:cNvSpPr txBox="1"/>
+          <p:cNvSpPr txBox="1">
+            <a:spLocks noGrp="1"/>
+          </p:cNvSpPr>
           <p:nvPr>
-            <p:ph idx="1" type="body"/>
+            <p:ph type="body" idx="1"/>
           </p:nvPr>
         </p:nvSpPr>
         <p:spPr>
@@ -12048,12 +12262,12 @@
           </a:prstGeom>
         </p:spPr>
         <p:txBody>
-          <a:bodyPr anchorCtr="0" anchor="t" bIns="91425" lIns="91425" spcFirstLastPara="1" rIns="91425" wrap="square" tIns="91425">
+          <a:bodyPr spcFirstLastPara="1" wrap="square" lIns="91425" tIns="91425" rIns="91425" bIns="91425" anchor="t" anchorCtr="0">
             <a:noAutofit/>
           </a:bodyPr>
           <a:lstStyle/>
           <a:p>
-            <a:pPr indent="0" lvl="0" marL="0" rtl="0" algn="l">
+            <a:pPr marL="0" lvl="0" indent="0" algn="l" rtl="0">
               <a:spcBef>
                 <a:spcPts val="0"/>
               </a:spcBef>
@@ -12062,9 +12276,6 @@
               </a:spcAft>
               <a:buNone/>
             </a:pPr>
-            <a:r>
-              <a:t/>
-            </a:r>
             <a:endParaRPr sz="1350">
               <a:solidFill>
                 <a:srgbClr val="000000"/>
@@ -12079,7 +12290,7 @@
             </a:endParaRPr>
           </a:p>
           <a:p>
-            <a:pPr indent="0" lvl="0" marL="0" rtl="0" algn="l">
+            <a:pPr marL="0" lvl="0" indent="0" algn="l" rtl="0">
               <a:spcBef>
                 <a:spcPts val="0"/>
               </a:spcBef>
@@ -12089,7 +12300,7 @@
               <a:buNone/>
             </a:pPr>
             <a:r>
-              <a:rPr b="1" lang="en" sz="1350">
+              <a:rPr lang="en" sz="1350" b="1">
                 <a:solidFill>
                   <a:srgbClr val="000000"/>
                 </a:solidFill>
@@ -12101,24 +12312,9 @@
                 <a:cs typeface="Calibri"/>
                 <a:sym typeface="Calibri"/>
               </a:rPr>
-              <a:t>C</a:t>
+              <a:t>Chi square 24634.82</a:t>
             </a:r>
-            <a:r>
-              <a:rPr b="1" lang="en" sz="1350">
-                <a:solidFill>
-                  <a:srgbClr val="000000"/>
-                </a:solidFill>
-                <a:highlight>
-                  <a:srgbClr val="FFFFFF"/>
-                </a:highlight>
-                <a:latin typeface="Calibri"/>
-                <a:ea typeface="Calibri"/>
-                <a:cs typeface="Calibri"/>
-                <a:sym typeface="Calibri"/>
-              </a:rPr>
-              <a:t>hi square 24634.82</a:t>
-            </a:r>
-            <a:endParaRPr b="1" sz="1350">
+            <a:endParaRPr sz="1350" b="1">
               <a:solidFill>
                 <a:srgbClr val="000000"/>
               </a:solidFill>
@@ -12132,7 +12328,7 @@
             </a:endParaRPr>
           </a:p>
           <a:p>
-            <a:pPr indent="0" lvl="0" marL="0" rtl="0" algn="l">
+            <a:pPr marL="0" lvl="0" indent="0" algn="l" rtl="0">
               <a:spcBef>
                 <a:spcPts val="1600"/>
               </a:spcBef>
@@ -12142,7 +12338,7 @@
               <a:buNone/>
             </a:pPr>
             <a:r>
-              <a:rPr b="1" lang="en" sz="1350">
+              <a:rPr lang="en" sz="1350" b="1">
                 <a:solidFill>
                   <a:srgbClr val="000000"/>
                 </a:solidFill>
@@ -12156,7 +12352,7 @@
               </a:rPr>
               <a:t>pvalue=0.0</a:t>
             </a:r>
-            <a:endParaRPr b="1" sz="1350">
+            <a:endParaRPr sz="1350" b="1">
               <a:solidFill>
                 <a:srgbClr val="000000"/>
               </a:solidFill>
@@ -12170,7 +12366,7 @@
             </a:endParaRPr>
           </a:p>
           <a:p>
-            <a:pPr indent="0" lvl="0" marL="0" rtl="0" algn="l">
+            <a:pPr marL="0" lvl="0" indent="0" algn="l" rtl="0">
               <a:spcBef>
                 <a:spcPts val="1600"/>
               </a:spcBef>
@@ -12180,7 +12376,7 @@
               <a:buNone/>
             </a:pPr>
             <a:r>
-              <a:rPr b="1" lang="en" sz="1350">
+              <a:rPr lang="en" sz="1350" b="1">
                 <a:solidFill>
                   <a:srgbClr val="000000"/>
                 </a:solidFill>
@@ -12194,7 +12390,7 @@
               </a:rPr>
               <a:t>Critical Value: 5.99</a:t>
             </a:r>
-            <a:endParaRPr b="1" sz="1350">
+            <a:endParaRPr sz="1350" b="1">
               <a:solidFill>
                 <a:srgbClr val="000000"/>
               </a:solidFill>
@@ -12208,7 +12404,7 @@
             </a:endParaRPr>
           </a:p>
           <a:p>
-            <a:pPr indent="0" lvl="0" marL="0" rtl="0" algn="l">
+            <a:pPr marL="0" lvl="0" indent="0" algn="l" rtl="0">
               <a:spcBef>
                 <a:spcPts val="1600"/>
               </a:spcBef>
@@ -12278,11 +12474,11 @@
 </file>
 
 <file path=ppt/slides/slide24.xml><?xml version="1.0" encoding="utf-8"?>
-<p:sld xmlns:a="http://schemas.openxmlformats.org/drawingml/2006/main" xmlns:r="http://schemas.openxmlformats.org/officeDocument/2006/relationships" xmlns:mc="http://schemas.openxmlformats.org/markup-compatibility/2006" xmlns:mv="urn:schemas-microsoft-com:mac:vml" xmlns:p="http://schemas.openxmlformats.org/presentationml/2006/main" xmlns:c="http://schemas.openxmlformats.org/drawingml/2006/chart" xmlns:dgm="http://schemas.openxmlformats.org/drawingml/2006/diagram" xmlns:o="urn:schemas-microsoft-com:office:office" xmlns:v="urn:schemas-microsoft-com:vml" xmlns:pvml="urn:schemas-microsoft-com:office:powerpoint" xmlns:com="http://schemas.openxmlformats.org/drawingml/2006/compatibility" xmlns:p14="http://schemas.microsoft.com/office/powerpoint/2010/main" xmlns:p15="http://schemas.microsoft.com/office/powerpoint/2012/main" xmlns:ahyp="http://schemas.microsoft.com/office/drawing/2018/hyperlinkcolor">
+<p:sld xmlns:a="http://schemas.openxmlformats.org/drawingml/2006/main" xmlns:r="http://schemas.openxmlformats.org/officeDocument/2006/relationships" xmlns:p="http://schemas.openxmlformats.org/presentationml/2006/main">
   <p:cSld>
     <p:spTree>
       <p:nvGrpSpPr>
-        <p:cNvPr id="226" name="Shape 226"/>
+        <p:cNvPr id="1" name="Shape 226"/>
         <p:cNvGrpSpPr/>
         <p:nvPr/>
       </p:nvGrpSpPr>
@@ -12297,7 +12493,9 @@
       <p:sp>
         <p:nvSpPr>
           <p:cNvPr id="227" name="Google Shape;227;p36"/>
-          <p:cNvSpPr txBox="1"/>
+          <p:cNvSpPr txBox="1">
+            <a:spLocks noGrp="1"/>
+          </p:cNvSpPr>
           <p:nvPr>
             <p:ph type="ctrTitle"/>
           </p:nvPr>
@@ -12312,12 +12510,12 @@
           </a:prstGeom>
         </p:spPr>
         <p:txBody>
-          <a:bodyPr anchorCtr="0" anchor="t" bIns="91425" lIns="91425" spcFirstLastPara="1" rIns="91425" wrap="square" tIns="91425">
+          <a:bodyPr spcFirstLastPara="1" wrap="square" lIns="91425" tIns="91425" rIns="91425" bIns="91425" anchor="t" anchorCtr="0">
             <a:noAutofit/>
           </a:bodyPr>
           <a:lstStyle/>
           <a:p>
-            <a:pPr indent="0" lvl="0" marL="0" rtl="0" algn="l">
+            <a:pPr marL="0" lvl="0" indent="0" algn="l" rtl="0">
               <a:spcBef>
                 <a:spcPts val="0"/>
               </a:spcBef>
@@ -12328,11 +12526,7 @@
             </a:pPr>
             <a:r>
               <a:rPr lang="en"/>
-              <a:t>Vehicle Body </a:t>
-            </a:r>
-            <a:r>
-              <a:rPr lang="en"/>
-              <a:t>Type</a:t>
+              <a:t>Vehicle Body Type</a:t>
             </a:r>
             <a:endParaRPr sz="4500"/>
           </a:p>
@@ -12341,9 +12535,11 @@
       <p:sp>
         <p:nvSpPr>
           <p:cNvPr id="228" name="Google Shape;228;p36"/>
-          <p:cNvSpPr txBox="1"/>
+          <p:cNvSpPr txBox="1">
+            <a:spLocks noGrp="1"/>
+          </p:cNvSpPr>
           <p:nvPr>
-            <p:ph idx="1" type="subTitle"/>
+            <p:ph type="subTitle" idx="1"/>
           </p:nvPr>
         </p:nvSpPr>
         <p:spPr>
@@ -12356,12 +12552,12 @@
           </a:prstGeom>
         </p:spPr>
         <p:txBody>
-          <a:bodyPr anchorCtr="0" anchor="t" bIns="91425" lIns="91425" spcFirstLastPara="1" rIns="91425" wrap="square" tIns="91425">
+          <a:bodyPr spcFirstLastPara="1" wrap="square" lIns="91425" tIns="91425" rIns="91425" bIns="91425" anchor="t" anchorCtr="0">
             <a:noAutofit/>
           </a:bodyPr>
           <a:lstStyle/>
           <a:p>
-            <a:pPr indent="0" lvl="0" marL="0" rtl="0" algn="l">
+            <a:pPr marL="0" lvl="0" indent="0" algn="l" rtl="0">
               <a:spcBef>
                 <a:spcPts val="0"/>
               </a:spcBef>
@@ -12387,11 +12583,11 @@
 </file>
 
 <file path=ppt/slides/slide25.xml><?xml version="1.0" encoding="utf-8"?>
-<p:sld xmlns:a="http://schemas.openxmlformats.org/drawingml/2006/main" xmlns:r="http://schemas.openxmlformats.org/officeDocument/2006/relationships" xmlns:mc="http://schemas.openxmlformats.org/markup-compatibility/2006" xmlns:mv="urn:schemas-microsoft-com:mac:vml" xmlns:p="http://schemas.openxmlformats.org/presentationml/2006/main" xmlns:c="http://schemas.openxmlformats.org/drawingml/2006/chart" xmlns:dgm="http://schemas.openxmlformats.org/drawingml/2006/diagram" xmlns:o="urn:schemas-microsoft-com:office:office" xmlns:v="urn:schemas-microsoft-com:vml" xmlns:pvml="urn:schemas-microsoft-com:office:powerpoint" xmlns:com="http://schemas.openxmlformats.org/drawingml/2006/compatibility" xmlns:p14="http://schemas.microsoft.com/office/powerpoint/2010/main" xmlns:p15="http://schemas.microsoft.com/office/powerpoint/2012/main" xmlns:ahyp="http://schemas.microsoft.com/office/drawing/2018/hyperlinkcolor">
+<p:sld xmlns:a="http://schemas.openxmlformats.org/drawingml/2006/main" xmlns:r="http://schemas.openxmlformats.org/officeDocument/2006/relationships" xmlns:p="http://schemas.openxmlformats.org/presentationml/2006/main">
   <p:cSld>
     <p:spTree>
       <p:nvGrpSpPr>
-        <p:cNvPr id="232" name="Shape 232"/>
+        <p:cNvPr id="1" name="Shape 232"/>
         <p:cNvGrpSpPr/>
         <p:nvPr/>
       </p:nvGrpSpPr>
@@ -12406,7 +12602,9 @@
       <p:sp>
         <p:nvSpPr>
           <p:cNvPr id="233" name="Google Shape;233;p37"/>
-          <p:cNvSpPr txBox="1"/>
+          <p:cNvSpPr txBox="1">
+            <a:spLocks noGrp="1"/>
+          </p:cNvSpPr>
           <p:nvPr>
             <p:ph type="title"/>
           </p:nvPr>
@@ -12421,12 +12619,12 @@
           </a:prstGeom>
         </p:spPr>
         <p:txBody>
-          <a:bodyPr anchorCtr="0" anchor="t" bIns="91425" lIns="91425" spcFirstLastPara="1" rIns="91425" wrap="square" tIns="91425">
+          <a:bodyPr spcFirstLastPara="1" wrap="square" lIns="91425" tIns="91425" rIns="91425" bIns="91425" anchor="t" anchorCtr="0">
             <a:noAutofit/>
           </a:bodyPr>
           <a:lstStyle/>
           <a:p>
-            <a:pPr indent="0" lvl="0" marL="0" rtl="0" algn="l">
+            <a:pPr marL="0" lvl="0" indent="0" algn="l" rtl="0">
               <a:spcBef>
                 <a:spcPts val="0"/>
               </a:spcBef>
@@ -12479,12 +12677,177 @@
 </p:sld>
 </file>
 
-<file path=ppt/slides/slide3.xml><?xml version="1.0" encoding="utf-8"?>
-<p:sld xmlns:a="http://schemas.openxmlformats.org/drawingml/2006/main" xmlns:r="http://schemas.openxmlformats.org/officeDocument/2006/relationships" xmlns:mc="http://schemas.openxmlformats.org/markup-compatibility/2006" xmlns:mv="urn:schemas-microsoft-com:mac:vml" xmlns:p="http://schemas.openxmlformats.org/presentationml/2006/main" xmlns:c="http://schemas.openxmlformats.org/drawingml/2006/chart" xmlns:dgm="http://schemas.openxmlformats.org/drawingml/2006/diagram" xmlns:o="urn:schemas-microsoft-com:office:office" xmlns:v="urn:schemas-microsoft-com:vml" xmlns:pvml="urn:schemas-microsoft-com:office:powerpoint" xmlns:com="http://schemas.openxmlformats.org/drawingml/2006/compatibility" xmlns:p14="http://schemas.microsoft.com/office/powerpoint/2010/main" xmlns:p15="http://schemas.microsoft.com/office/powerpoint/2012/main" xmlns:ahyp="http://schemas.microsoft.com/office/drawing/2018/hyperlinkcolor">
+<file path=ppt/slides/slide26.xml><?xml version="1.0" encoding="utf-8"?>
+<p:sld xmlns:a="http://schemas.openxmlformats.org/drawingml/2006/main" xmlns:r="http://schemas.openxmlformats.org/officeDocument/2006/relationships" xmlns:p="http://schemas.openxmlformats.org/presentationml/2006/main">
   <p:cSld>
     <p:spTree>
       <p:nvGrpSpPr>
-        <p:cNvPr id="96" name="Shape 96"/>
+        <p:cNvPr id="1" name=""/>
+        <p:cNvGrpSpPr/>
+        <p:nvPr/>
+      </p:nvGrpSpPr>
+      <p:grpSpPr>
+        <a:xfrm>
+          <a:off x="0" y="0"/>
+          <a:ext cx="0" cy="0"/>
+          <a:chOff x="0" y="0"/>
+          <a:chExt cx="0" cy="0"/>
+        </a:xfrm>
+      </p:grpSpPr>
+      <p:sp>
+        <p:nvSpPr>
+          <p:cNvPr id="2" name="Title 1">
+            <a:extLst>
+              <a:ext uri="{FF2B5EF4-FFF2-40B4-BE49-F238E27FC236}">
+                <a16:creationId xmlns:a16="http://schemas.microsoft.com/office/drawing/2014/main" id="{EE0554C7-897F-4A97-A709-B24A8114683A}"/>
+              </a:ext>
+            </a:extLst>
+          </p:cNvPr>
+          <p:cNvSpPr>
+            <a:spLocks noGrp="1"/>
+          </p:cNvSpPr>
+          <p:nvPr>
+            <p:ph type="title"/>
+          </p:nvPr>
+        </p:nvSpPr>
+        <p:spPr/>
+        <p:txBody>
+          <a:bodyPr/>
+          <a:lstStyle/>
+          <a:p>
+            <a:r>
+              <a:rPr lang="en-US" dirty="0"/>
+              <a:t>Conclusion</a:t>
+            </a:r>
+          </a:p>
+        </p:txBody>
+      </p:sp>
+      <p:sp>
+        <p:nvSpPr>
+          <p:cNvPr id="3" name="Text Placeholder 2">
+            <a:extLst>
+              <a:ext uri="{FF2B5EF4-FFF2-40B4-BE49-F238E27FC236}">
+                <a16:creationId xmlns:a16="http://schemas.microsoft.com/office/drawing/2014/main" id="{71A6D165-0D52-4DBA-BDAF-144B5EDD5DAB}"/>
+              </a:ext>
+            </a:extLst>
+          </p:cNvPr>
+          <p:cNvSpPr>
+            <a:spLocks noGrp="1"/>
+          </p:cNvSpPr>
+          <p:nvPr>
+            <p:ph type="body" idx="1"/>
+          </p:nvPr>
+        </p:nvSpPr>
+        <p:spPr/>
+        <p:txBody>
+          <a:bodyPr/>
+          <a:lstStyle/>
+          <a:p>
+            <a:r>
+              <a:rPr lang="en-US" dirty="0"/>
+              <a:t>The number of Violation Codes seems to correlate more with the general popularity of the vehicle’s properties.</a:t>
+            </a:r>
+          </a:p>
+          <a:p>
+            <a:r>
+              <a:rPr lang="en-US" dirty="0"/>
+              <a:t>Although the data is significant, the exact correlation is hard to decipher.</a:t>
+            </a:r>
+          </a:p>
+          <a:p>
+            <a:pPr lvl="1"/>
+            <a:r>
+              <a:rPr lang="en-US" dirty="0"/>
+              <a:t>With the data given, we can not say with utmost certainty that these vehicle properties add an additional bias to an officer’s want to ticket the driver. </a:t>
+            </a:r>
+          </a:p>
+          <a:p>
+            <a:pPr lvl="1"/>
+            <a:r>
+              <a:rPr lang="en-US" dirty="0"/>
+              <a:t>With more data, we can draw a more detailed conclusion.</a:t>
+            </a:r>
+          </a:p>
+        </p:txBody>
+      </p:sp>
+    </p:spTree>
+    <p:extLst>
+      <p:ext uri="{BB962C8B-B14F-4D97-AF65-F5344CB8AC3E}">
+        <p14:creationId xmlns:p14="http://schemas.microsoft.com/office/powerpoint/2010/main" val="2863356957"/>
+      </p:ext>
+    </p:extLst>
+  </p:cSld>
+  <p:clrMapOvr>
+    <a:masterClrMapping/>
+  </p:clrMapOvr>
+</p:sld>
+</file>
+
+<file path=ppt/slides/slide27.xml><?xml version="1.0" encoding="utf-8"?>
+<p:sld xmlns:a="http://schemas.openxmlformats.org/drawingml/2006/main" xmlns:r="http://schemas.openxmlformats.org/officeDocument/2006/relationships" xmlns:p="http://schemas.openxmlformats.org/presentationml/2006/main">
+  <p:cSld>
+    <p:spTree>
+      <p:nvGrpSpPr>
+        <p:cNvPr id="1" name=""/>
+        <p:cNvGrpSpPr/>
+        <p:nvPr/>
+      </p:nvGrpSpPr>
+      <p:grpSpPr>
+        <a:xfrm>
+          <a:off x="0" y="0"/>
+          <a:ext cx="0" cy="0"/>
+          <a:chOff x="0" y="0"/>
+          <a:chExt cx="0" cy="0"/>
+        </a:xfrm>
+      </p:grpSpPr>
+      <p:sp>
+        <p:nvSpPr>
+          <p:cNvPr id="4" name="Title 3">
+            <a:extLst>
+              <a:ext uri="{FF2B5EF4-FFF2-40B4-BE49-F238E27FC236}">
+                <a16:creationId xmlns:a16="http://schemas.microsoft.com/office/drawing/2014/main" id="{E53FF16A-F630-46A9-B431-D4190334E8B1}"/>
+              </a:ext>
+            </a:extLst>
+          </p:cNvPr>
+          <p:cNvSpPr>
+            <a:spLocks noGrp="1"/>
+          </p:cNvSpPr>
+          <p:nvPr>
+            <p:ph type="title"/>
+          </p:nvPr>
+        </p:nvSpPr>
+        <p:spPr/>
+        <p:txBody>
+          <a:bodyPr/>
+          <a:lstStyle/>
+          <a:p>
+            <a:pPr algn="ctr"/>
+            <a:r>
+              <a:rPr lang="en-US" sz="7200" dirty="0"/>
+              <a:t>Questions?</a:t>
+            </a:r>
+          </a:p>
+        </p:txBody>
+      </p:sp>
+    </p:spTree>
+    <p:extLst>
+      <p:ext uri="{BB962C8B-B14F-4D97-AF65-F5344CB8AC3E}">
+        <p14:creationId xmlns:p14="http://schemas.microsoft.com/office/powerpoint/2010/main" val="2805287615"/>
+      </p:ext>
+    </p:extLst>
+  </p:cSld>
+  <p:clrMapOvr>
+    <a:masterClrMapping/>
+  </p:clrMapOvr>
+</p:sld>
+</file>
+
+<file path=ppt/slides/slide3.xml><?xml version="1.0" encoding="utf-8"?>
+<p:sld xmlns:a="http://schemas.openxmlformats.org/drawingml/2006/main" xmlns:r="http://schemas.openxmlformats.org/officeDocument/2006/relationships" xmlns:p="http://schemas.openxmlformats.org/presentationml/2006/main">
+  <p:cSld>
+    <p:spTree>
+      <p:nvGrpSpPr>
+        <p:cNvPr id="1" name="Shape 96"/>
         <p:cNvGrpSpPr/>
         <p:nvPr/>
       </p:nvGrpSpPr>
@@ -12499,7 +12862,9 @@
       <p:sp>
         <p:nvSpPr>
           <p:cNvPr id="97" name="Google Shape;97;p15"/>
-          <p:cNvSpPr txBox="1"/>
+          <p:cNvSpPr txBox="1">
+            <a:spLocks noGrp="1"/>
+          </p:cNvSpPr>
           <p:nvPr>
             <p:ph type="ctrTitle"/>
           </p:nvPr>
@@ -12514,12 +12879,12 @@
           </a:prstGeom>
         </p:spPr>
         <p:txBody>
-          <a:bodyPr anchorCtr="0" anchor="t" bIns="91425" lIns="91425" spcFirstLastPara="1" rIns="91425" wrap="square" tIns="91425">
+          <a:bodyPr spcFirstLastPara="1" wrap="square" lIns="91425" tIns="91425" rIns="91425" bIns="91425" anchor="t" anchorCtr="0">
             <a:noAutofit/>
           </a:bodyPr>
           <a:lstStyle/>
           <a:p>
-            <a:pPr indent="0" lvl="0" marL="0" rtl="0" algn="l">
+            <a:pPr marL="0" lvl="0" indent="0" algn="l" rtl="0">
               <a:spcBef>
                 <a:spcPts val="0"/>
               </a:spcBef>
@@ -12535,7 +12900,7 @@
             <a:endParaRPr/>
           </a:p>
           <a:p>
-            <a:pPr indent="0" lvl="0" marL="0" rtl="0" algn="l">
+            <a:pPr marL="0" lvl="0" indent="0" algn="l" rtl="0">
               <a:spcBef>
                 <a:spcPts val="0"/>
               </a:spcBef>
@@ -12555,9 +12920,11 @@
       <p:sp>
         <p:nvSpPr>
           <p:cNvPr id="98" name="Google Shape;98;p15"/>
-          <p:cNvSpPr txBox="1"/>
+          <p:cNvSpPr txBox="1">
+            <a:spLocks noGrp="1"/>
+          </p:cNvSpPr>
           <p:nvPr>
-            <p:ph idx="1" type="subTitle"/>
+            <p:ph type="subTitle" idx="1"/>
           </p:nvPr>
         </p:nvSpPr>
         <p:spPr>
@@ -12570,12 +12937,12 @@
           </a:prstGeom>
         </p:spPr>
         <p:txBody>
-          <a:bodyPr anchorCtr="0" anchor="t" bIns="91425" lIns="91425" spcFirstLastPara="1" rIns="91425" wrap="square" tIns="91425">
+          <a:bodyPr spcFirstLastPara="1" wrap="square" lIns="91425" tIns="91425" rIns="91425" bIns="91425" anchor="t" anchorCtr="0">
             <a:noAutofit/>
           </a:bodyPr>
           <a:lstStyle/>
           <a:p>
-            <a:pPr indent="-330200" lvl="0" marL="457200" rtl="0" algn="l">
+            <a:pPr marL="457200" lvl="0" indent="-330200" algn="l" rtl="0">
               <a:spcBef>
                 <a:spcPts val="0"/>
               </a:spcBef>
@@ -12592,7 +12959,7 @@
             <a:endParaRPr/>
           </a:p>
           <a:p>
-            <a:pPr indent="-330200" lvl="0" marL="457200" rtl="0" algn="l">
+            <a:pPr marL="457200" lvl="0" indent="-330200" algn="l" rtl="0">
               <a:spcBef>
                 <a:spcPts val="0"/>
               </a:spcBef>
@@ -12609,7 +12976,7 @@
             <a:endParaRPr/>
           </a:p>
           <a:p>
-            <a:pPr indent="-330200" lvl="0" marL="457200" rtl="0" algn="l">
+            <a:pPr marL="457200" lvl="0" indent="-330200" algn="l" rtl="0">
               <a:spcBef>
                 <a:spcPts val="0"/>
               </a:spcBef>
@@ -12626,7 +12993,7 @@
             <a:endParaRPr/>
           </a:p>
           <a:p>
-            <a:pPr indent="-330200" lvl="0" marL="457200" rtl="0" algn="l">
+            <a:pPr marL="457200" lvl="0" indent="-330200" algn="l" rtl="0">
               <a:spcBef>
                 <a:spcPts val="0"/>
               </a:spcBef>
@@ -12653,11 +13020,11 @@
 </file>
 
 <file path=ppt/slides/slide4.xml><?xml version="1.0" encoding="utf-8"?>
-<p:sld xmlns:a="http://schemas.openxmlformats.org/drawingml/2006/main" xmlns:r="http://schemas.openxmlformats.org/officeDocument/2006/relationships" xmlns:mc="http://schemas.openxmlformats.org/markup-compatibility/2006" xmlns:mv="urn:schemas-microsoft-com:mac:vml" xmlns:p="http://schemas.openxmlformats.org/presentationml/2006/main" xmlns:c="http://schemas.openxmlformats.org/drawingml/2006/chart" xmlns:dgm="http://schemas.openxmlformats.org/drawingml/2006/diagram" xmlns:o="urn:schemas-microsoft-com:office:office" xmlns:v="urn:schemas-microsoft-com:vml" xmlns:pvml="urn:schemas-microsoft-com:office:powerpoint" xmlns:com="http://schemas.openxmlformats.org/drawingml/2006/compatibility" xmlns:p14="http://schemas.microsoft.com/office/powerpoint/2010/main" xmlns:p15="http://schemas.microsoft.com/office/powerpoint/2012/main" xmlns:ahyp="http://schemas.microsoft.com/office/drawing/2018/hyperlinkcolor">
+<p:sld xmlns:a="http://schemas.openxmlformats.org/drawingml/2006/main" xmlns:r="http://schemas.openxmlformats.org/officeDocument/2006/relationships" xmlns:p="http://schemas.openxmlformats.org/presentationml/2006/main">
   <p:cSld>
     <p:spTree>
       <p:nvGrpSpPr>
-        <p:cNvPr id="102" name="Shape 102"/>
+        <p:cNvPr id="1" name="Shape 102"/>
         <p:cNvGrpSpPr/>
         <p:nvPr/>
       </p:nvGrpSpPr>
@@ -12672,7 +13039,9 @@
       <p:sp>
         <p:nvSpPr>
           <p:cNvPr id="103" name="Google Shape;103;p16"/>
-          <p:cNvSpPr txBox="1"/>
+          <p:cNvSpPr txBox="1">
+            <a:spLocks noGrp="1"/>
+          </p:cNvSpPr>
           <p:nvPr>
             <p:ph type="ctrTitle"/>
           </p:nvPr>
@@ -12687,12 +13056,12 @@
           </a:prstGeom>
         </p:spPr>
         <p:txBody>
-          <a:bodyPr anchorCtr="0" anchor="t" bIns="91425" lIns="91425" spcFirstLastPara="1" rIns="91425" wrap="square" tIns="91425">
+          <a:bodyPr spcFirstLastPara="1" wrap="square" lIns="91425" tIns="91425" rIns="91425" bIns="91425" anchor="t" anchorCtr="0">
             <a:noAutofit/>
           </a:bodyPr>
           <a:lstStyle/>
           <a:p>
-            <a:pPr indent="0" lvl="0" marL="0" rtl="0" algn="l">
+            <a:pPr marL="0" lvl="0" indent="0" algn="l" rtl="0">
               <a:spcBef>
                 <a:spcPts val="0"/>
               </a:spcBef>
@@ -12712,9 +13081,11 @@
       <p:sp>
         <p:nvSpPr>
           <p:cNvPr id="104" name="Google Shape;104;p16"/>
-          <p:cNvSpPr txBox="1"/>
+          <p:cNvSpPr txBox="1">
+            <a:spLocks noGrp="1"/>
+          </p:cNvSpPr>
           <p:nvPr>
-            <p:ph idx="1" type="subTitle"/>
+            <p:ph type="subTitle" idx="1"/>
           </p:nvPr>
         </p:nvSpPr>
         <p:spPr>
@@ -12727,12 +13098,12 @@
           </a:prstGeom>
         </p:spPr>
         <p:txBody>
-          <a:bodyPr anchorCtr="0" anchor="t" bIns="91425" lIns="91425" spcFirstLastPara="1" rIns="91425" wrap="square" tIns="91425">
+          <a:bodyPr spcFirstLastPara="1" wrap="square" lIns="91425" tIns="91425" rIns="91425" bIns="91425" anchor="t" anchorCtr="0">
             <a:noAutofit/>
           </a:bodyPr>
           <a:lstStyle/>
           <a:p>
-            <a:pPr indent="0" lvl="0" marL="0" rtl="0" algn="l">
+            <a:pPr marL="0" lvl="0" indent="0" algn="l" rtl="0">
               <a:spcBef>
                 <a:spcPts val="0"/>
               </a:spcBef>
@@ -12757,7 +13128,7 @@
             <a:endParaRPr sz="2400" u="sng"/>
           </a:p>
           <a:p>
-            <a:pPr indent="-381000" lvl="0" marL="457200" rtl="0" algn="l">
+            <a:pPr marL="457200" lvl="0" indent="-381000" algn="l" rtl="0">
               <a:spcBef>
                 <a:spcPts val="0"/>
               </a:spcBef>
@@ -12795,12 +13166,12 @@
           </a:ln>
         </p:spPr>
         <p:txBody>
-          <a:bodyPr anchorCtr="0" anchor="t" bIns="91425" lIns="91425" spcFirstLastPara="1" rIns="91425" wrap="square" tIns="91425">
+          <a:bodyPr spcFirstLastPara="1" wrap="square" lIns="91425" tIns="91425" rIns="91425" bIns="91425" anchor="t" anchorCtr="0">
             <a:noAutofit/>
           </a:bodyPr>
           <a:lstStyle/>
           <a:p>
-            <a:pPr indent="0" lvl="0" marL="0" rtl="0" algn="l">
+            <a:pPr marL="0" lvl="0" indent="0" algn="l" rtl="0">
               <a:spcBef>
                 <a:spcPts val="0"/>
               </a:spcBef>
@@ -12839,7 +13210,7 @@
             </a:endParaRPr>
           </a:p>
           <a:p>
-            <a:pPr indent="-355600" lvl="0" marL="457200" rtl="0" algn="l">
+            <a:pPr marL="457200" lvl="0" indent="-355600" algn="l" rtl="0">
               <a:spcBef>
                 <a:spcPts val="0"/>
               </a:spcBef>
@@ -12867,7 +13238,7 @@
             </a:endParaRPr>
           </a:p>
           <a:p>
-            <a:pPr indent="-355600" lvl="0" marL="457200" rtl="0" algn="l">
+            <a:pPr marL="457200" lvl="0" indent="-355600" algn="l" rtl="0">
               <a:spcBef>
                 <a:spcPts val="0"/>
               </a:spcBef>
@@ -12905,11 +13276,11 @@
 </file>
 
 <file path=ppt/slides/slide5.xml><?xml version="1.0" encoding="utf-8"?>
-<p:sld xmlns:a="http://schemas.openxmlformats.org/drawingml/2006/main" xmlns:r="http://schemas.openxmlformats.org/officeDocument/2006/relationships" xmlns:mc="http://schemas.openxmlformats.org/markup-compatibility/2006" xmlns:mv="urn:schemas-microsoft-com:mac:vml" xmlns:p="http://schemas.openxmlformats.org/presentationml/2006/main" xmlns:c="http://schemas.openxmlformats.org/drawingml/2006/chart" xmlns:dgm="http://schemas.openxmlformats.org/drawingml/2006/diagram" xmlns:o="urn:schemas-microsoft-com:office:office" xmlns:v="urn:schemas-microsoft-com:vml" xmlns:pvml="urn:schemas-microsoft-com:office:powerpoint" xmlns:com="http://schemas.openxmlformats.org/drawingml/2006/compatibility" xmlns:p14="http://schemas.microsoft.com/office/powerpoint/2010/main" xmlns:p15="http://schemas.microsoft.com/office/powerpoint/2012/main" xmlns:ahyp="http://schemas.microsoft.com/office/drawing/2018/hyperlinkcolor">
+<p:sld xmlns:a="http://schemas.openxmlformats.org/drawingml/2006/main" xmlns:r="http://schemas.openxmlformats.org/officeDocument/2006/relationships" xmlns:p="http://schemas.openxmlformats.org/presentationml/2006/main">
   <p:cSld>
     <p:spTree>
       <p:nvGrpSpPr>
-        <p:cNvPr id="109" name="Shape 109"/>
+        <p:cNvPr id="1" name="Shape 109"/>
         <p:cNvGrpSpPr/>
         <p:nvPr/>
       </p:nvGrpSpPr>
@@ -12924,7 +13295,9 @@
       <p:sp>
         <p:nvSpPr>
           <p:cNvPr id="110" name="Google Shape;110;p17"/>
-          <p:cNvSpPr txBox="1"/>
+          <p:cNvSpPr txBox="1">
+            <a:spLocks noGrp="1"/>
+          </p:cNvSpPr>
           <p:nvPr>
             <p:ph type="ctrTitle"/>
           </p:nvPr>
@@ -12939,12 +13312,12 @@
           </a:prstGeom>
         </p:spPr>
         <p:txBody>
-          <a:bodyPr anchorCtr="0" anchor="t" bIns="91425" lIns="91425" spcFirstLastPara="1" rIns="91425" wrap="square" tIns="91425">
+          <a:bodyPr spcFirstLastPara="1" wrap="square" lIns="91425" tIns="91425" rIns="91425" bIns="91425" anchor="t" anchorCtr="0">
             <a:noAutofit/>
           </a:bodyPr>
           <a:lstStyle/>
           <a:p>
-            <a:pPr indent="0" lvl="0" marL="0" rtl="0" algn="l">
+            <a:pPr marL="0" lvl="0" indent="0" algn="l" rtl="0">
               <a:spcBef>
                 <a:spcPts val="0"/>
               </a:spcBef>
@@ -12960,7 +13333,7 @@
             <a:endParaRPr/>
           </a:p>
           <a:p>
-            <a:pPr indent="0" lvl="0" marL="0" rtl="0" algn="l">
+            <a:pPr marL="0" lvl="0" indent="0" algn="l" rtl="0">
               <a:spcBef>
                 <a:spcPts val="0"/>
               </a:spcBef>
@@ -12969,13 +13342,10 @@
               </a:spcAft>
               <a:buNone/>
             </a:pPr>
-            <a:r>
-              <a:t/>
-            </a:r>
             <a:endParaRPr/>
           </a:p>
           <a:p>
-            <a:pPr indent="0" lvl="0" marL="0" rtl="0" algn="l">
+            <a:pPr marL="0" lvl="0" indent="0" algn="l" rtl="0">
               <a:spcBef>
                 <a:spcPts val="0"/>
               </a:spcBef>
@@ -12984,9 +13354,6 @@
               </a:spcAft>
               <a:buNone/>
             </a:pPr>
-            <a:r>
-              <a:t/>
-            </a:r>
             <a:endParaRPr/>
           </a:p>
         </p:txBody>
@@ -12994,9 +13361,11 @@
       <p:sp>
         <p:nvSpPr>
           <p:cNvPr id="111" name="Google Shape;111;p17"/>
-          <p:cNvSpPr txBox="1"/>
+          <p:cNvSpPr txBox="1">
+            <a:spLocks noGrp="1"/>
+          </p:cNvSpPr>
           <p:nvPr>
-            <p:ph idx="1" type="subTitle"/>
+            <p:ph type="subTitle" idx="1"/>
           </p:nvPr>
         </p:nvSpPr>
         <p:spPr>
@@ -13009,12 +13378,12 @@
           </a:prstGeom>
         </p:spPr>
         <p:txBody>
-          <a:bodyPr anchorCtr="0" anchor="t" bIns="91425" lIns="91425" spcFirstLastPara="1" rIns="91425" wrap="square" tIns="91425">
+          <a:bodyPr spcFirstLastPara="1" wrap="square" lIns="91425" tIns="91425" rIns="91425" bIns="91425" anchor="t" anchorCtr="0">
             <a:noAutofit/>
           </a:bodyPr>
           <a:lstStyle/>
           <a:p>
-            <a:pPr indent="0" lvl="0" marL="0" rtl="0" algn="l">
+            <a:pPr marL="0" lvl="0" indent="0" algn="l" rtl="0">
               <a:spcBef>
                 <a:spcPts val="0"/>
               </a:spcBef>
@@ -13040,11 +13409,11 @@
 </file>
 
 <file path=ppt/slides/slide6.xml><?xml version="1.0" encoding="utf-8"?>
-<p:sld xmlns:a="http://schemas.openxmlformats.org/drawingml/2006/main" xmlns:r="http://schemas.openxmlformats.org/officeDocument/2006/relationships" xmlns:mc="http://schemas.openxmlformats.org/markup-compatibility/2006" xmlns:mv="urn:schemas-microsoft-com:mac:vml" xmlns:p="http://schemas.openxmlformats.org/presentationml/2006/main" xmlns:c="http://schemas.openxmlformats.org/drawingml/2006/chart" xmlns:dgm="http://schemas.openxmlformats.org/drawingml/2006/diagram" xmlns:o="urn:schemas-microsoft-com:office:office" xmlns:v="urn:schemas-microsoft-com:vml" xmlns:pvml="urn:schemas-microsoft-com:office:powerpoint" xmlns:com="http://schemas.openxmlformats.org/drawingml/2006/compatibility" xmlns:p14="http://schemas.microsoft.com/office/powerpoint/2010/main" xmlns:p15="http://schemas.microsoft.com/office/powerpoint/2012/main" xmlns:ahyp="http://schemas.microsoft.com/office/drawing/2018/hyperlinkcolor">
+<p:sld xmlns:a="http://schemas.openxmlformats.org/drawingml/2006/main" xmlns:r="http://schemas.openxmlformats.org/officeDocument/2006/relationships" xmlns:p="http://schemas.openxmlformats.org/presentationml/2006/main">
   <p:cSld>
     <p:spTree>
       <p:nvGrpSpPr>
-        <p:cNvPr id="115" name="Shape 115"/>
+        <p:cNvPr id="1" name="Shape 115"/>
         <p:cNvGrpSpPr/>
         <p:nvPr/>
       </p:nvGrpSpPr>
@@ -13093,11 +13462,11 @@
 </file>
 
 <file path=ppt/slides/slide7.xml><?xml version="1.0" encoding="utf-8"?>
-<p:sld xmlns:a="http://schemas.openxmlformats.org/drawingml/2006/main" xmlns:r="http://schemas.openxmlformats.org/officeDocument/2006/relationships" xmlns:mc="http://schemas.openxmlformats.org/markup-compatibility/2006" xmlns:mv="urn:schemas-microsoft-com:mac:vml" xmlns:p="http://schemas.openxmlformats.org/presentationml/2006/main" xmlns:c="http://schemas.openxmlformats.org/drawingml/2006/chart" xmlns:dgm="http://schemas.openxmlformats.org/drawingml/2006/diagram" xmlns:o="urn:schemas-microsoft-com:office:office" xmlns:v="urn:schemas-microsoft-com:vml" xmlns:pvml="urn:schemas-microsoft-com:office:powerpoint" xmlns:com="http://schemas.openxmlformats.org/drawingml/2006/compatibility" xmlns:p14="http://schemas.microsoft.com/office/powerpoint/2010/main" xmlns:p15="http://schemas.microsoft.com/office/powerpoint/2012/main" xmlns:ahyp="http://schemas.microsoft.com/office/drawing/2018/hyperlinkcolor">
+<p:sld xmlns:a="http://schemas.openxmlformats.org/drawingml/2006/main" xmlns:r="http://schemas.openxmlformats.org/officeDocument/2006/relationships" xmlns:p="http://schemas.openxmlformats.org/presentationml/2006/main">
   <p:cSld>
     <p:spTree>
       <p:nvGrpSpPr>
-        <p:cNvPr id="120" name="Shape 120"/>
+        <p:cNvPr id="1" name="Shape 120"/>
         <p:cNvGrpSpPr/>
         <p:nvPr/>
       </p:nvGrpSpPr>
@@ -13146,11 +13515,11 @@
 </file>
 
 <file path=ppt/slides/slide8.xml><?xml version="1.0" encoding="utf-8"?>
-<p:sld xmlns:a="http://schemas.openxmlformats.org/drawingml/2006/main" xmlns:r="http://schemas.openxmlformats.org/officeDocument/2006/relationships" xmlns:mc="http://schemas.openxmlformats.org/markup-compatibility/2006" xmlns:mv="urn:schemas-microsoft-com:mac:vml" xmlns:p="http://schemas.openxmlformats.org/presentationml/2006/main" xmlns:c="http://schemas.openxmlformats.org/drawingml/2006/chart" xmlns:dgm="http://schemas.openxmlformats.org/drawingml/2006/diagram" xmlns:o="urn:schemas-microsoft-com:office:office" xmlns:v="urn:schemas-microsoft-com:vml" xmlns:pvml="urn:schemas-microsoft-com:office:powerpoint" xmlns:com="http://schemas.openxmlformats.org/drawingml/2006/compatibility" xmlns:p14="http://schemas.microsoft.com/office/powerpoint/2010/main" xmlns:p15="http://schemas.microsoft.com/office/powerpoint/2012/main" xmlns:ahyp="http://schemas.microsoft.com/office/drawing/2018/hyperlinkcolor">
+<p:sld xmlns:a="http://schemas.openxmlformats.org/drawingml/2006/main" xmlns:r="http://schemas.openxmlformats.org/officeDocument/2006/relationships" xmlns:p="http://schemas.openxmlformats.org/presentationml/2006/main">
   <p:cSld>
     <p:spTree>
       <p:nvGrpSpPr>
-        <p:cNvPr id="125" name="Shape 125"/>
+        <p:cNvPr id="1" name="Shape 125"/>
         <p:cNvGrpSpPr/>
         <p:nvPr/>
       </p:nvGrpSpPr>
@@ -13165,7 +13534,9 @@
       <p:sp>
         <p:nvSpPr>
           <p:cNvPr id="126" name="Google Shape;126;p20"/>
-          <p:cNvSpPr txBox="1"/>
+          <p:cNvSpPr txBox="1">
+            <a:spLocks noGrp="1"/>
+          </p:cNvSpPr>
           <p:nvPr>
             <p:ph type="title"/>
           </p:nvPr>
@@ -13180,12 +13551,12 @@
           </a:prstGeom>
         </p:spPr>
         <p:txBody>
-          <a:bodyPr anchorCtr="0" anchor="t" bIns="91425" lIns="91425" spcFirstLastPara="1" rIns="91425" wrap="square" tIns="91425">
+          <a:bodyPr spcFirstLastPara="1" wrap="square" lIns="91425" tIns="91425" rIns="91425" bIns="91425" anchor="t" anchorCtr="0">
             <a:noAutofit/>
           </a:bodyPr>
           <a:lstStyle/>
           <a:p>
-            <a:pPr indent="0" lvl="0" marL="0" rtl="0" algn="l">
+            <a:pPr marL="0" lvl="0" indent="0" algn="l" rtl="0">
               <a:spcBef>
                 <a:spcPts val="0"/>
               </a:spcBef>
@@ -13205,9 +13576,11 @@
       <p:sp>
         <p:nvSpPr>
           <p:cNvPr id="127" name="Google Shape;127;p20"/>
-          <p:cNvSpPr txBox="1"/>
+          <p:cNvSpPr txBox="1">
+            <a:spLocks noGrp="1"/>
+          </p:cNvSpPr>
           <p:nvPr>
-            <p:ph idx="1" type="body"/>
+            <p:ph type="body" idx="1"/>
           </p:nvPr>
         </p:nvSpPr>
         <p:spPr>
@@ -13220,12 +13593,12 @@
           </a:prstGeom>
         </p:spPr>
         <p:txBody>
-          <a:bodyPr anchorCtr="0" anchor="t" bIns="91425" lIns="91425" spcFirstLastPara="1" rIns="91425" wrap="square" tIns="91425">
+          <a:bodyPr spcFirstLastPara="1" wrap="square" lIns="91425" tIns="91425" rIns="91425" bIns="91425" anchor="t" anchorCtr="0">
             <a:noAutofit/>
           </a:bodyPr>
           <a:lstStyle/>
           <a:p>
-            <a:pPr indent="0" lvl="0" marL="0" rtl="0" algn="l">
+            <a:pPr marL="0" lvl="0" indent="0" algn="l" rtl="0">
               <a:spcBef>
                 <a:spcPts val="0"/>
               </a:spcBef>
@@ -13234,9 +13607,6 @@
               </a:spcAft>
               <a:buNone/>
             </a:pPr>
-            <a:r>
-              <a:t/>
-            </a:r>
             <a:endParaRPr/>
           </a:p>
         </p:txBody>
@@ -13278,11 +13648,11 @@
 </file>
 
 <file path=ppt/slides/slide9.xml><?xml version="1.0" encoding="utf-8"?>
-<p:sld xmlns:a="http://schemas.openxmlformats.org/drawingml/2006/main" xmlns:r="http://schemas.openxmlformats.org/officeDocument/2006/relationships" xmlns:mc="http://schemas.openxmlformats.org/markup-compatibility/2006" xmlns:mv="urn:schemas-microsoft-com:mac:vml" xmlns:p="http://schemas.openxmlformats.org/presentationml/2006/main" xmlns:c="http://schemas.openxmlformats.org/drawingml/2006/chart" xmlns:dgm="http://schemas.openxmlformats.org/drawingml/2006/diagram" xmlns:o="urn:schemas-microsoft-com:office:office" xmlns:v="urn:schemas-microsoft-com:vml" xmlns:pvml="urn:schemas-microsoft-com:office:powerpoint" xmlns:com="http://schemas.openxmlformats.org/drawingml/2006/compatibility" xmlns:p14="http://schemas.microsoft.com/office/powerpoint/2010/main" xmlns:p15="http://schemas.microsoft.com/office/powerpoint/2012/main" xmlns:ahyp="http://schemas.microsoft.com/office/drawing/2018/hyperlinkcolor">
+<p:sld xmlns:a="http://schemas.openxmlformats.org/drawingml/2006/main" xmlns:r="http://schemas.openxmlformats.org/officeDocument/2006/relationships" xmlns:p="http://schemas.openxmlformats.org/presentationml/2006/main">
   <p:cSld>
     <p:spTree>
       <p:nvGrpSpPr>
-        <p:cNvPr id="132" name="Shape 132"/>
+        <p:cNvPr id="1" name="Shape 132"/>
         <p:cNvGrpSpPr/>
         <p:nvPr/>
       </p:nvGrpSpPr>
@@ -13297,7 +13667,9 @@
       <p:sp>
         <p:nvSpPr>
           <p:cNvPr id="133" name="Google Shape;133;p21"/>
-          <p:cNvSpPr txBox="1"/>
+          <p:cNvSpPr txBox="1">
+            <a:spLocks noGrp="1"/>
+          </p:cNvSpPr>
           <p:nvPr>
             <p:ph type="title"/>
           </p:nvPr>
@@ -13312,12 +13684,12 @@
           </a:prstGeom>
         </p:spPr>
         <p:txBody>
-          <a:bodyPr anchorCtr="0" anchor="t" bIns="91425" lIns="91425" spcFirstLastPara="1" rIns="91425" wrap="square" tIns="91425">
+          <a:bodyPr spcFirstLastPara="1" wrap="square" lIns="91425" tIns="91425" rIns="91425" bIns="91425" anchor="t" anchorCtr="0">
             <a:noAutofit/>
           </a:bodyPr>
           <a:lstStyle/>
           <a:p>
-            <a:pPr indent="0" lvl="0" marL="0" rtl="0" algn="l">
+            <a:pPr marL="0" lvl="0" indent="0" algn="l" rtl="0">
               <a:spcBef>
                 <a:spcPts val="0"/>
               </a:spcBef>
@@ -13337,9 +13709,11 @@
       <p:sp>
         <p:nvSpPr>
           <p:cNvPr id="134" name="Google Shape;134;p21"/>
-          <p:cNvSpPr txBox="1"/>
+          <p:cNvSpPr txBox="1">
+            <a:spLocks noGrp="1"/>
+          </p:cNvSpPr>
           <p:nvPr>
-            <p:ph idx="1" type="body"/>
+            <p:ph type="body" idx="1"/>
           </p:nvPr>
         </p:nvSpPr>
         <p:spPr>
@@ -13352,12 +13726,12 @@
           </a:prstGeom>
         </p:spPr>
         <p:txBody>
-          <a:bodyPr anchorCtr="0" anchor="t" bIns="91425" lIns="91425" spcFirstLastPara="1" rIns="91425" wrap="square" tIns="91425">
+          <a:bodyPr spcFirstLastPara="1" wrap="square" lIns="91425" tIns="91425" rIns="91425" bIns="91425" anchor="t" anchorCtr="0">
             <a:noAutofit/>
           </a:bodyPr>
           <a:lstStyle/>
           <a:p>
-            <a:pPr indent="-311150" lvl="0" marL="457200" rtl="0" algn="l">
+            <a:pPr marL="457200" lvl="0" indent="-311150" algn="l" rtl="0">
               <a:spcBef>
                 <a:spcPts val="0"/>
               </a:spcBef>
@@ -13396,7 +13770,7 @@
             </a:endParaRPr>
           </a:p>
           <a:p>
-            <a:pPr indent="-295275" lvl="1" marL="914400" rtl="0" algn="l">
+            <a:pPr marL="914400" lvl="1" indent="-295275" algn="l" rtl="0">
               <a:spcBef>
                 <a:spcPts val="0"/>
               </a:spcBef>
@@ -13439,7 +13813,7 @@
             </a:endParaRPr>
           </a:p>
           <a:p>
-            <a:pPr indent="-311150" lvl="0" marL="457200" rtl="0" algn="l">
+            <a:pPr marL="457200" lvl="0" indent="-311150" algn="l" rtl="0">
               <a:spcBef>
                 <a:spcPts val="0"/>
               </a:spcBef>
@@ -13456,7 +13830,7 @@
             <a:endParaRPr/>
           </a:p>
           <a:p>
-            <a:pPr indent="-298450" lvl="1" marL="914400" rtl="0" algn="l">
+            <a:pPr marL="914400" lvl="1" indent="-298450" algn="l" rtl="0">
               <a:spcBef>
                 <a:spcPts val="0"/>
               </a:spcBef>
@@ -13473,7 +13847,7 @@
             <a:endParaRPr/>
           </a:p>
           <a:p>
-            <a:pPr indent="-311150" lvl="0" marL="457200" rtl="0" algn="l">
+            <a:pPr marL="457200" lvl="0" indent="-311150" algn="l" rtl="0">
               <a:spcBef>
                 <a:spcPts val="0"/>
               </a:spcBef>
@@ -13490,7 +13864,7 @@
             <a:endParaRPr/>
           </a:p>
           <a:p>
-            <a:pPr indent="-311150" lvl="0" marL="457200" rtl="0" algn="l">
+            <a:pPr marL="457200" lvl="0" indent="-311150" algn="l" rtl="0">
               <a:spcBef>
                 <a:spcPts val="0"/>
               </a:spcBef>
@@ -13507,7 +13881,7 @@
             <a:endParaRPr/>
           </a:p>
           <a:p>
-            <a:pPr indent="-298450" lvl="1" marL="914400" rtl="0" algn="l">
+            <a:pPr marL="914400" lvl="1" indent="-298450" algn="l" rtl="0">
               <a:spcBef>
                 <a:spcPts val="0"/>
               </a:spcBef>
@@ -13524,7 +13898,7 @@
             <a:endParaRPr/>
           </a:p>
           <a:p>
-            <a:pPr indent="-311150" lvl="0" marL="457200" rtl="0" algn="l">
+            <a:pPr marL="457200" lvl="0" indent="-311150" algn="l" rtl="0">
               <a:spcBef>
                 <a:spcPts val="0"/>
               </a:spcBef>
@@ -13551,7 +13925,288 @@
 </file>
 
 <file path=ppt/theme/theme1.xml><?xml version="1.0" encoding="utf-8"?>
-<a:theme xmlns:a="http://schemas.openxmlformats.org/drawingml/2006/main" xmlns:r="http://schemas.openxmlformats.org/officeDocument/2006/relationships">
+<a:theme xmlns:a="http://schemas.openxmlformats.org/drawingml/2006/main" name="Streamline">
+  <a:themeElements>
+    <a:clrScheme name="Streamline">
+      <a:dk1>
+        <a:srgbClr val="1A9988"/>
+      </a:dk1>
+      <a:lt1>
+        <a:srgbClr val="FFFFFF"/>
+      </a:lt1>
+      <a:dk2>
+        <a:srgbClr val="1A1A1A"/>
+      </a:dk2>
+      <a:lt2>
+        <a:srgbClr val="E9EDEE"/>
+      </a:lt2>
+      <a:accent1>
+        <a:srgbClr val="595959"/>
+      </a:accent1>
+      <a:accent2>
+        <a:srgbClr val="6AA4C8"/>
+      </a:accent2>
+      <a:accent3>
+        <a:srgbClr val="EB5600"/>
+      </a:accent3>
+      <a:accent4>
+        <a:srgbClr val="A2FFE8"/>
+      </a:accent4>
+      <a:accent5>
+        <a:srgbClr val="1C3678"/>
+      </a:accent5>
+      <a:accent6>
+        <a:srgbClr val="FFB8A2"/>
+      </a:accent6>
+      <a:hlink>
+        <a:srgbClr val="1C3678"/>
+      </a:hlink>
+      <a:folHlink>
+        <a:srgbClr val="1C3678"/>
+      </a:folHlink>
+    </a:clrScheme>
+    <a:fontScheme name="Office">
+      <a:majorFont>
+        <a:latin typeface="Arial"/>
+        <a:ea typeface=""/>
+        <a:cs typeface=""/>
+        <a:font script="Jpan" typeface="ＭＳ Ｐゴシック"/>
+        <a:font script="Hang" typeface="맑은 고딕"/>
+        <a:font script="Hans" typeface="宋体"/>
+        <a:font script="Hant" typeface="新細明體"/>
+        <a:font script="Arab" typeface="Times New Roman"/>
+        <a:font script="Hebr" typeface="Times New Roman"/>
+        <a:font script="Thai" typeface="Angsana New"/>
+        <a:font script="Ethi" typeface="Nyala"/>
+        <a:font script="Beng" typeface="Vrinda"/>
+        <a:font script="Gujr" typeface="Shruti"/>
+        <a:font script="Khmr" typeface="MoolBoran"/>
+        <a:font script="Knda" typeface="Tunga"/>
+        <a:font script="Guru" typeface="Raavi"/>
+        <a:font script="Cans" typeface="Euphemia"/>
+        <a:font script="Cher" typeface="Plantagenet Cherokee"/>
+        <a:font script="Yiii" typeface="Microsoft Yi Baiti"/>
+        <a:font script="Tibt" typeface="Microsoft Himalaya"/>
+        <a:font script="Thaa" typeface="MV Boli"/>
+        <a:font script="Deva" typeface="Mangal"/>
+        <a:font script="Telu" typeface="Gautami"/>
+        <a:font script="Taml" typeface="Latha"/>
+        <a:font script="Syrc" typeface="Estrangelo Edessa"/>
+        <a:font script="Orya" typeface="Kalinga"/>
+        <a:font script="Mlym" typeface="Kartika"/>
+        <a:font script="Laoo" typeface="DokChampa"/>
+        <a:font script="Sinh" typeface="Iskoola Pota"/>
+        <a:font script="Mong" typeface="Mongolian Baiti"/>
+        <a:font script="Viet" typeface="Times New Roman"/>
+        <a:font script="Uigh" typeface="Microsoft Uighur"/>
+        <a:font script="Geor" typeface="Sylfaen"/>
+      </a:majorFont>
+      <a:minorFont>
+        <a:latin typeface="Arial"/>
+        <a:ea typeface=""/>
+        <a:cs typeface=""/>
+        <a:font script="Jpan" typeface="ＭＳ Ｐゴシック"/>
+        <a:font script="Hang" typeface="맑은 고딕"/>
+        <a:font script="Hans" typeface="宋体"/>
+        <a:font script="Hant" typeface="新細明體"/>
+        <a:font script="Arab" typeface="Arial"/>
+        <a:font script="Hebr" typeface="Arial"/>
+        <a:font script="Thai" typeface="Cordia New"/>
+        <a:font script="Ethi" typeface="Nyala"/>
+        <a:font script="Beng" typeface="Vrinda"/>
+        <a:font script="Gujr" typeface="Shruti"/>
+        <a:font script="Khmr" typeface="DaunPenh"/>
+        <a:font script="Knda" typeface="Tunga"/>
+        <a:font script="Guru" typeface="Raavi"/>
+        <a:font script="Cans" typeface="Euphemia"/>
+        <a:font script="Cher" typeface="Plantagenet Cherokee"/>
+        <a:font script="Yiii" typeface="Microsoft Yi Baiti"/>
+        <a:font script="Tibt" typeface="Microsoft Himalaya"/>
+        <a:font script="Thaa" typeface="MV Boli"/>
+        <a:font script="Deva" typeface="Mangal"/>
+        <a:font script="Telu" typeface="Gautami"/>
+        <a:font script="Taml" typeface="Latha"/>
+        <a:font script="Syrc" typeface="Estrangelo Edessa"/>
+        <a:font script="Orya" typeface="Kalinga"/>
+        <a:font script="Mlym" typeface="Kartika"/>
+        <a:font script="Laoo" typeface="DokChampa"/>
+        <a:font script="Sinh" typeface="Iskoola Pota"/>
+        <a:font script="Mong" typeface="Mongolian Baiti"/>
+        <a:font script="Viet" typeface="Arial"/>
+        <a:font script="Uigh" typeface="Microsoft Uighur"/>
+        <a:font script="Geor" typeface="Sylfaen"/>
+      </a:minorFont>
+    </a:fontScheme>
+    <a:fmtScheme name="Office">
+      <a:fillStyleLst>
+        <a:solidFill>
+          <a:schemeClr val="phClr"/>
+        </a:solidFill>
+        <a:gradFill rotWithShape="1">
+          <a:gsLst>
+            <a:gs pos="0">
+              <a:schemeClr val="phClr">
+                <a:tint val="50000"/>
+                <a:satMod val="300000"/>
+              </a:schemeClr>
+            </a:gs>
+            <a:gs pos="35000">
+              <a:schemeClr val="phClr">
+                <a:tint val="37000"/>
+                <a:satMod val="300000"/>
+              </a:schemeClr>
+            </a:gs>
+            <a:gs pos="100000">
+              <a:schemeClr val="phClr">
+                <a:tint val="15000"/>
+                <a:satMod val="350000"/>
+              </a:schemeClr>
+            </a:gs>
+          </a:gsLst>
+          <a:lin ang="16200000" scaled="1"/>
+        </a:gradFill>
+        <a:gradFill rotWithShape="1">
+          <a:gsLst>
+            <a:gs pos="0">
+              <a:schemeClr val="phClr">
+                <a:tint val="100000"/>
+                <a:shade val="100000"/>
+                <a:satMod val="130000"/>
+              </a:schemeClr>
+            </a:gs>
+            <a:gs pos="100000">
+              <a:schemeClr val="phClr">
+                <a:tint val="50000"/>
+                <a:shade val="100000"/>
+                <a:satMod val="350000"/>
+              </a:schemeClr>
+            </a:gs>
+          </a:gsLst>
+          <a:lin ang="16200000" scaled="0"/>
+        </a:gradFill>
+      </a:fillStyleLst>
+      <a:lnStyleLst>
+        <a:ln w="9525" cap="flat" cmpd="sng" algn="ctr">
+          <a:solidFill>
+            <a:schemeClr val="phClr">
+              <a:shade val="95000"/>
+              <a:satMod val="105000"/>
+            </a:schemeClr>
+          </a:solidFill>
+          <a:prstDash val="solid"/>
+        </a:ln>
+        <a:ln w="25400" cap="flat" cmpd="sng" algn="ctr">
+          <a:solidFill>
+            <a:schemeClr val="phClr"/>
+          </a:solidFill>
+          <a:prstDash val="solid"/>
+        </a:ln>
+        <a:ln w="38100" cap="flat" cmpd="sng" algn="ctr">
+          <a:solidFill>
+            <a:schemeClr val="phClr"/>
+          </a:solidFill>
+          <a:prstDash val="solid"/>
+        </a:ln>
+      </a:lnStyleLst>
+      <a:effectStyleLst>
+        <a:effectStyle>
+          <a:effectLst>
+            <a:outerShdw blurRad="40000" dist="20000" dir="5400000" rotWithShape="0">
+              <a:srgbClr val="000000">
+                <a:alpha val="38000"/>
+              </a:srgbClr>
+            </a:outerShdw>
+          </a:effectLst>
+        </a:effectStyle>
+        <a:effectStyle>
+          <a:effectLst>
+            <a:outerShdw blurRad="40000" dist="23000" dir="5400000" rotWithShape="0">
+              <a:srgbClr val="000000">
+                <a:alpha val="35000"/>
+              </a:srgbClr>
+            </a:outerShdw>
+          </a:effectLst>
+        </a:effectStyle>
+        <a:effectStyle>
+          <a:effectLst>
+            <a:outerShdw blurRad="40000" dist="23000" dir="5400000" rotWithShape="0">
+              <a:srgbClr val="000000">
+                <a:alpha val="35000"/>
+              </a:srgbClr>
+            </a:outerShdw>
+          </a:effectLst>
+          <a:scene3d>
+            <a:camera prst="orthographicFront">
+              <a:rot lat="0" lon="0" rev="0"/>
+            </a:camera>
+            <a:lightRig rig="threePt" dir="t">
+              <a:rot lat="0" lon="0" rev="1200000"/>
+            </a:lightRig>
+          </a:scene3d>
+          <a:sp3d>
+            <a:bevelT w="63500" h="25400"/>
+          </a:sp3d>
+        </a:effectStyle>
+      </a:effectStyleLst>
+      <a:bgFillStyleLst>
+        <a:solidFill>
+          <a:schemeClr val="phClr"/>
+        </a:solidFill>
+        <a:gradFill rotWithShape="1">
+          <a:gsLst>
+            <a:gs pos="0">
+              <a:schemeClr val="phClr">
+                <a:tint val="40000"/>
+                <a:satMod val="350000"/>
+              </a:schemeClr>
+            </a:gs>
+            <a:gs pos="40000">
+              <a:schemeClr val="phClr">
+                <a:tint val="45000"/>
+                <a:shade val="99000"/>
+                <a:satMod val="350000"/>
+              </a:schemeClr>
+            </a:gs>
+            <a:gs pos="100000">
+              <a:schemeClr val="phClr">
+                <a:shade val="20000"/>
+                <a:satMod val="255000"/>
+              </a:schemeClr>
+            </a:gs>
+          </a:gsLst>
+          <a:path path="circle">
+            <a:fillToRect l="50000" t="-80000" r="50000" b="180000"/>
+          </a:path>
+        </a:gradFill>
+        <a:gradFill rotWithShape="1">
+          <a:gsLst>
+            <a:gs pos="0">
+              <a:schemeClr val="phClr">
+                <a:tint val="80000"/>
+                <a:satMod val="300000"/>
+              </a:schemeClr>
+            </a:gs>
+            <a:gs pos="100000">
+              <a:schemeClr val="phClr">
+                <a:shade val="30000"/>
+                <a:satMod val="200000"/>
+              </a:schemeClr>
+            </a:gs>
+          </a:gsLst>
+          <a:path path="circle">
+            <a:fillToRect l="50000" t="50000" r="50000" b="50000"/>
+          </a:path>
+        </a:gradFill>
+      </a:bgFillStyleLst>
+    </a:fmtScheme>
+  </a:themeElements>
+  <a:objectDefaults/>
+  <a:extraClrSchemeLst/>
+</a:theme>
+</file>
+
+<file path=ppt/theme/theme2.xml><?xml version="1.0" encoding="utf-8"?>
+<a:theme xmlns:a="http://schemas.openxmlformats.org/drawingml/2006/main">
   <a:themeElements>
     <a:clrScheme name="Default">
       <a:dk1>
@@ -13826,284 +14481,7 @@
       </a:bgFillStyleLst>
     </a:fmtScheme>
   </a:themeElements>
-</a:theme>
-</file>
-
-<file path=ppt/theme/theme2.xml><?xml version="1.0" encoding="utf-8"?>
-<a:theme xmlns:a="http://schemas.openxmlformats.org/drawingml/2006/main" xmlns:r="http://schemas.openxmlformats.org/officeDocument/2006/relationships" name="Streamline">
-  <a:themeElements>
-    <a:clrScheme name="Streamline">
-      <a:dk1>
-        <a:srgbClr val="1A9988"/>
-      </a:dk1>
-      <a:lt1>
-        <a:srgbClr val="FFFFFF"/>
-      </a:lt1>
-      <a:dk2>
-        <a:srgbClr val="1A1A1A"/>
-      </a:dk2>
-      <a:lt2>
-        <a:srgbClr val="E9EDEE"/>
-      </a:lt2>
-      <a:accent1>
-        <a:srgbClr val="595959"/>
-      </a:accent1>
-      <a:accent2>
-        <a:srgbClr val="6AA4C8"/>
-      </a:accent2>
-      <a:accent3>
-        <a:srgbClr val="EB5600"/>
-      </a:accent3>
-      <a:accent4>
-        <a:srgbClr val="A2FFE8"/>
-      </a:accent4>
-      <a:accent5>
-        <a:srgbClr val="1C3678"/>
-      </a:accent5>
-      <a:accent6>
-        <a:srgbClr val="FFB8A2"/>
-      </a:accent6>
-      <a:hlink>
-        <a:srgbClr val="1C3678"/>
-      </a:hlink>
-      <a:folHlink>
-        <a:srgbClr val="1C3678"/>
-      </a:folHlink>
-    </a:clrScheme>
-    <a:fontScheme name="Office">
-      <a:majorFont>
-        <a:latin typeface="Arial"/>
-        <a:ea typeface=""/>
-        <a:cs typeface=""/>
-        <a:font script="Jpan" typeface="ＭＳ Ｐゴシック"/>
-        <a:font script="Hang" typeface="맑은 고딕"/>
-        <a:font script="Hans" typeface="宋体"/>
-        <a:font script="Hant" typeface="新細明體"/>
-        <a:font script="Arab" typeface="Times New Roman"/>
-        <a:font script="Hebr" typeface="Times New Roman"/>
-        <a:font script="Thai" typeface="Angsana New"/>
-        <a:font script="Ethi" typeface="Nyala"/>
-        <a:font script="Beng" typeface="Vrinda"/>
-        <a:font script="Gujr" typeface="Shruti"/>
-        <a:font script="Khmr" typeface="MoolBoran"/>
-        <a:font script="Knda" typeface="Tunga"/>
-        <a:font script="Guru" typeface="Raavi"/>
-        <a:font script="Cans" typeface="Euphemia"/>
-        <a:font script="Cher" typeface="Plantagenet Cherokee"/>
-        <a:font script="Yiii" typeface="Microsoft Yi Baiti"/>
-        <a:font script="Tibt" typeface="Microsoft Himalaya"/>
-        <a:font script="Thaa" typeface="MV Boli"/>
-        <a:font script="Deva" typeface="Mangal"/>
-        <a:font script="Telu" typeface="Gautami"/>
-        <a:font script="Taml" typeface="Latha"/>
-        <a:font script="Syrc" typeface="Estrangelo Edessa"/>
-        <a:font script="Orya" typeface="Kalinga"/>
-        <a:font script="Mlym" typeface="Kartika"/>
-        <a:font script="Laoo" typeface="DokChampa"/>
-        <a:font script="Sinh" typeface="Iskoola Pota"/>
-        <a:font script="Mong" typeface="Mongolian Baiti"/>
-        <a:font script="Viet" typeface="Times New Roman"/>
-        <a:font script="Uigh" typeface="Microsoft Uighur"/>
-        <a:font script="Geor" typeface="Sylfaen"/>
-      </a:majorFont>
-      <a:minorFont>
-        <a:latin typeface="Arial"/>
-        <a:ea typeface=""/>
-        <a:cs typeface=""/>
-        <a:font script="Jpan" typeface="ＭＳ Ｐゴシック"/>
-        <a:font script="Hang" typeface="맑은 고딕"/>
-        <a:font script="Hans" typeface="宋体"/>
-        <a:font script="Hant" typeface="新細明體"/>
-        <a:font script="Arab" typeface="Arial"/>
-        <a:font script="Hebr" typeface="Arial"/>
-        <a:font script="Thai" typeface="Cordia New"/>
-        <a:font script="Ethi" typeface="Nyala"/>
-        <a:font script="Beng" typeface="Vrinda"/>
-        <a:font script="Gujr" typeface="Shruti"/>
-        <a:font script="Khmr" typeface="DaunPenh"/>
-        <a:font script="Knda" typeface="Tunga"/>
-        <a:font script="Guru" typeface="Raavi"/>
-        <a:font script="Cans" typeface="Euphemia"/>
-        <a:font script="Cher" typeface="Plantagenet Cherokee"/>
-        <a:font script="Yiii" typeface="Microsoft Yi Baiti"/>
-        <a:font script="Tibt" typeface="Microsoft Himalaya"/>
-        <a:font script="Thaa" typeface="MV Boli"/>
-        <a:font script="Deva" typeface="Mangal"/>
-        <a:font script="Telu" typeface="Gautami"/>
-        <a:font script="Taml" typeface="Latha"/>
-        <a:font script="Syrc" typeface="Estrangelo Edessa"/>
-        <a:font script="Orya" typeface="Kalinga"/>
-        <a:font script="Mlym" typeface="Kartika"/>
-        <a:font script="Laoo" typeface="DokChampa"/>
-        <a:font script="Sinh" typeface="Iskoola Pota"/>
-        <a:font script="Mong" typeface="Mongolian Baiti"/>
-        <a:font script="Viet" typeface="Arial"/>
-        <a:font script="Uigh" typeface="Microsoft Uighur"/>
-        <a:font script="Geor" typeface="Sylfaen"/>
-      </a:minorFont>
-    </a:fontScheme>
-    <a:fmtScheme name="Office">
-      <a:fillStyleLst>
-        <a:solidFill>
-          <a:schemeClr val="phClr"/>
-        </a:solidFill>
-        <a:gradFill rotWithShape="1">
-          <a:gsLst>
-            <a:gs pos="0">
-              <a:schemeClr val="phClr">
-                <a:tint val="50000"/>
-                <a:satMod val="300000"/>
-              </a:schemeClr>
-            </a:gs>
-            <a:gs pos="35000">
-              <a:schemeClr val="phClr">
-                <a:tint val="37000"/>
-                <a:satMod val="300000"/>
-              </a:schemeClr>
-            </a:gs>
-            <a:gs pos="100000">
-              <a:schemeClr val="phClr">
-                <a:tint val="15000"/>
-                <a:satMod val="350000"/>
-              </a:schemeClr>
-            </a:gs>
-          </a:gsLst>
-          <a:lin ang="16200000" scaled="1"/>
-        </a:gradFill>
-        <a:gradFill rotWithShape="1">
-          <a:gsLst>
-            <a:gs pos="0">
-              <a:schemeClr val="phClr">
-                <a:tint val="100000"/>
-                <a:shade val="100000"/>
-                <a:satMod val="130000"/>
-              </a:schemeClr>
-            </a:gs>
-            <a:gs pos="100000">
-              <a:schemeClr val="phClr">
-                <a:tint val="50000"/>
-                <a:shade val="100000"/>
-                <a:satMod val="350000"/>
-              </a:schemeClr>
-            </a:gs>
-          </a:gsLst>
-          <a:lin ang="16200000" scaled="0"/>
-        </a:gradFill>
-      </a:fillStyleLst>
-      <a:lnStyleLst>
-        <a:ln w="9525" cap="flat" cmpd="sng" algn="ctr">
-          <a:solidFill>
-            <a:schemeClr val="phClr">
-              <a:shade val="95000"/>
-              <a:satMod val="105000"/>
-            </a:schemeClr>
-          </a:solidFill>
-          <a:prstDash val="solid"/>
-        </a:ln>
-        <a:ln w="25400" cap="flat" cmpd="sng" algn="ctr">
-          <a:solidFill>
-            <a:schemeClr val="phClr"/>
-          </a:solidFill>
-          <a:prstDash val="solid"/>
-        </a:ln>
-        <a:ln w="38100" cap="flat" cmpd="sng" algn="ctr">
-          <a:solidFill>
-            <a:schemeClr val="phClr"/>
-          </a:solidFill>
-          <a:prstDash val="solid"/>
-        </a:ln>
-      </a:lnStyleLst>
-      <a:effectStyleLst>
-        <a:effectStyle>
-          <a:effectLst>
-            <a:outerShdw blurRad="40000" dist="20000" dir="5400000" rotWithShape="0">
-              <a:srgbClr val="000000">
-                <a:alpha val="38000"/>
-              </a:srgbClr>
-            </a:outerShdw>
-          </a:effectLst>
-        </a:effectStyle>
-        <a:effectStyle>
-          <a:effectLst>
-            <a:outerShdw blurRad="40000" dist="23000" dir="5400000" rotWithShape="0">
-              <a:srgbClr val="000000">
-                <a:alpha val="35000"/>
-              </a:srgbClr>
-            </a:outerShdw>
-          </a:effectLst>
-        </a:effectStyle>
-        <a:effectStyle>
-          <a:effectLst>
-            <a:outerShdw blurRad="40000" dist="23000" dir="5400000" rotWithShape="0">
-              <a:srgbClr val="000000">
-                <a:alpha val="35000"/>
-              </a:srgbClr>
-            </a:outerShdw>
-          </a:effectLst>
-          <a:scene3d>
-            <a:camera prst="orthographicFront">
-              <a:rot lat="0" lon="0" rev="0"/>
-            </a:camera>
-            <a:lightRig rig="threePt" dir="t">
-              <a:rot lat="0" lon="0" rev="1200000"/>
-            </a:lightRig>
-          </a:scene3d>
-          <a:sp3d>
-            <a:bevelT w="63500" h="25400"/>
-          </a:sp3d>
-        </a:effectStyle>
-      </a:effectStyleLst>
-      <a:bgFillStyleLst>
-        <a:solidFill>
-          <a:schemeClr val="phClr"/>
-        </a:solidFill>
-        <a:gradFill rotWithShape="1">
-          <a:gsLst>
-            <a:gs pos="0">
-              <a:schemeClr val="phClr">
-                <a:tint val="40000"/>
-                <a:satMod val="350000"/>
-              </a:schemeClr>
-            </a:gs>
-            <a:gs pos="40000">
-              <a:schemeClr val="phClr">
-                <a:tint val="45000"/>
-                <a:shade val="99000"/>
-                <a:satMod val="350000"/>
-              </a:schemeClr>
-            </a:gs>
-            <a:gs pos="100000">
-              <a:schemeClr val="phClr">
-                <a:shade val="20000"/>
-                <a:satMod val="255000"/>
-              </a:schemeClr>
-            </a:gs>
-          </a:gsLst>
-          <a:path path="circle">
-            <a:fillToRect l="50000" t="-80000" r="50000" b="180000"/>
-          </a:path>
-        </a:gradFill>
-        <a:gradFill rotWithShape="1">
-          <a:gsLst>
-            <a:gs pos="0">
-              <a:schemeClr val="phClr">
-                <a:tint val="80000"/>
-                <a:satMod val="300000"/>
-              </a:schemeClr>
-            </a:gs>
-            <a:gs pos="100000">
-              <a:schemeClr val="phClr">
-                <a:shade val="30000"/>
-                <a:satMod val="200000"/>
-              </a:schemeClr>
-            </a:gs>
-          </a:gsLst>
-          <a:path path="circle">
-            <a:fillToRect l="50000" t="50000" r="50000" b="50000"/>
-          </a:path>
-        </a:gradFill>
-      </a:bgFillStyleLst>
-    </a:fmtScheme>
-  </a:themeElements>
+  <a:objectDefaults/>
+  <a:extraClrSchemeLst/>
 </a:theme>
 </file>
--- a/Project1_TrafficViolations.pptx
+++ b/Project1_TrafficViolations.pptx
@@ -5,7 +5,7 @@
     <p:sldMasterId id="2147483659" r:id="rId1"/>
   </p:sldMasterIdLst>
   <p:notesMasterIdLst>
-    <p:notesMasterId r:id="rId29"/>
+    <p:notesMasterId r:id="rId30"/>
   </p:notesMasterIdLst>
   <p:sldIdLst>
     <p:sldId id="256" r:id="rId2"/>
@@ -34,38 +34,39 @@
     <p:sldId id="279" r:id="rId25"/>
     <p:sldId id="280" r:id="rId26"/>
     <p:sldId id="281" r:id="rId27"/>
-    <p:sldId id="282" r:id="rId28"/>
+    <p:sldId id="283" r:id="rId28"/>
+    <p:sldId id="282" r:id="rId29"/>
   </p:sldIdLst>
   <p:sldSz cx="9144000" cy="5143500" type="screen16x9"/>
   <p:notesSz cx="6858000" cy="9144000"/>
   <p:embeddedFontLst>
     <p:embeddedFont>
       <p:font typeface="Calibri" panose="020F0502020204030204" pitchFamily="34" charset="0"/>
-      <p:regular r:id="rId30"/>
-      <p:bold r:id="rId31"/>
-      <p:italic r:id="rId32"/>
-      <p:boldItalic r:id="rId33"/>
+      <p:regular r:id="rId31"/>
+      <p:bold r:id="rId32"/>
+      <p:italic r:id="rId33"/>
+      <p:boldItalic r:id="rId34"/>
     </p:embeddedFont>
     <p:embeddedFont>
       <p:font typeface="Lato" panose="020B0604020202020204" charset="0"/>
-      <p:regular r:id="rId34"/>
-      <p:bold r:id="rId35"/>
-      <p:italic r:id="rId36"/>
-      <p:boldItalic r:id="rId37"/>
+      <p:regular r:id="rId35"/>
+      <p:bold r:id="rId36"/>
+      <p:italic r:id="rId37"/>
+      <p:boldItalic r:id="rId38"/>
     </p:embeddedFont>
     <p:embeddedFont>
       <p:font typeface="Nunito" panose="020B0604020202020204" charset="0"/>
-      <p:regular r:id="rId38"/>
-      <p:bold r:id="rId39"/>
-      <p:italic r:id="rId40"/>
-      <p:boldItalic r:id="rId41"/>
+      <p:regular r:id="rId39"/>
+      <p:bold r:id="rId40"/>
+      <p:italic r:id="rId41"/>
+      <p:boldItalic r:id="rId42"/>
     </p:embeddedFont>
     <p:embeddedFont>
       <p:font typeface="Raleway" panose="020B0604020202020204" charset="0"/>
-      <p:regular r:id="rId42"/>
-      <p:bold r:id="rId43"/>
-      <p:italic r:id="rId44"/>
-      <p:boldItalic r:id="rId45"/>
+      <p:regular r:id="rId43"/>
+      <p:bold r:id="rId44"/>
+      <p:italic r:id="rId45"/>
+      <p:boldItalic r:id="rId46"/>
     </p:embeddedFont>
   </p:embeddedFontLst>
   <p:defaultTextStyle>
@@ -12802,6 +12803,167 @@
       </p:grpSpPr>
       <p:sp>
         <p:nvSpPr>
+          <p:cNvPr id="2" name="Title 1">
+            <a:extLst>
+              <a:ext uri="{FF2B5EF4-FFF2-40B4-BE49-F238E27FC236}">
+                <a16:creationId xmlns:a16="http://schemas.microsoft.com/office/drawing/2014/main" id="{8A64AD94-0340-4682-9126-82960B0FF09D}"/>
+              </a:ext>
+            </a:extLst>
+          </p:cNvPr>
+          <p:cNvSpPr>
+            <a:spLocks noGrp="1"/>
+          </p:cNvSpPr>
+          <p:nvPr>
+            <p:ph type="title"/>
+          </p:nvPr>
+        </p:nvSpPr>
+        <p:spPr>
+          <a:xfrm>
+            <a:off x="789962" y="1251415"/>
+            <a:ext cx="7688700" cy="535200"/>
+          </a:xfrm>
+        </p:spPr>
+        <p:txBody>
+          <a:bodyPr/>
+          <a:lstStyle/>
+          <a:p>
+            <a:r>
+              <a:rPr lang="en-US" sz="5400" b="1" i="0" u="none" strike="noStrike" dirty="0">
+                <a:solidFill>
+                  <a:srgbClr val="1A1A1A"/>
+                </a:solidFill>
+                <a:effectLst/>
+                <a:latin typeface="Raleway" panose="020B0604020202020204" charset="0"/>
+              </a:rPr>
+              <a:t>Challenges:</a:t>
+            </a:r>
+            <a:endParaRPr lang="en-US" sz="6600" dirty="0"/>
+          </a:p>
+        </p:txBody>
+      </p:sp>
+      <p:sp>
+        <p:nvSpPr>
+          <p:cNvPr id="3" name="Text Placeholder 2">
+            <a:extLst>
+              <a:ext uri="{FF2B5EF4-FFF2-40B4-BE49-F238E27FC236}">
+                <a16:creationId xmlns:a16="http://schemas.microsoft.com/office/drawing/2014/main" id="{0529165A-75B7-49BD-B155-19E8295705DB}"/>
+              </a:ext>
+            </a:extLst>
+          </p:cNvPr>
+          <p:cNvSpPr>
+            <a:spLocks noGrp="1"/>
+          </p:cNvSpPr>
+          <p:nvPr>
+            <p:ph type="body" idx="1"/>
+          </p:nvPr>
+        </p:nvSpPr>
+        <p:spPr/>
+        <p:txBody>
+          <a:bodyPr/>
+          <a:lstStyle/>
+          <a:p>
+            <a:pPr rtl="0" fontAlgn="base">
+              <a:spcBef>
+                <a:spcPts val="0"/>
+              </a:spcBef>
+              <a:spcAft>
+                <a:spcPts val="0"/>
+              </a:spcAft>
+              <a:buFont typeface="Arial" panose="020B0604020202020204" pitchFamily="34" charset="0"/>
+              <a:buChar char="•"/>
+            </a:pPr>
+            <a:r>
+              <a:rPr lang="en-US" sz="1300" b="0" i="0" u="none" strike="noStrike" dirty="0">
+                <a:solidFill>
+                  <a:srgbClr val="595959"/>
+                </a:solidFill>
+                <a:effectLst/>
+                <a:latin typeface="Lato" panose="020B0604020202020204" charset="0"/>
+              </a:rPr>
+              <a:t>Source dataset</a:t>
+            </a:r>
+          </a:p>
+          <a:p>
+            <a:pPr marL="742950" lvl="1" indent="-285750" rtl="0" fontAlgn="base">
+              <a:spcBef>
+                <a:spcPts val="0"/>
+              </a:spcBef>
+              <a:spcAft>
+                <a:spcPts val="1600"/>
+              </a:spcAft>
+              <a:buFont typeface="Arial" panose="020B0604020202020204" pitchFamily="34" charset="0"/>
+              <a:buChar char="•"/>
+            </a:pPr>
+            <a:r>
+              <a:rPr lang="en-US" sz="1100" b="0" i="0" u="none" strike="noStrike" dirty="0">
+                <a:solidFill>
+                  <a:srgbClr val="595959"/>
+                </a:solidFill>
+                <a:effectLst/>
+                <a:latin typeface="Lato" panose="020B0604020202020204" charset="0"/>
+              </a:rPr>
+              <a:t>The initial file was &gt;4 million rows and crashed our computers</a:t>
+            </a:r>
+          </a:p>
+          <a:p>
+            <a:pPr marL="742950" lvl="1" indent="-285750" rtl="0" fontAlgn="base">
+              <a:spcBef>
+                <a:spcPts val="0"/>
+              </a:spcBef>
+              <a:spcAft>
+                <a:spcPts val="0"/>
+              </a:spcAft>
+              <a:buFont typeface="Arial" panose="020B0604020202020204" pitchFamily="34" charset="0"/>
+              <a:buChar char="•"/>
+            </a:pPr>
+            <a:r>
+              <a:rPr lang="en-US" sz="1100" b="0" i="0" u="none" strike="noStrike" dirty="0">
+                <a:solidFill>
+                  <a:srgbClr val="595959"/>
+                </a:solidFill>
+                <a:effectLst/>
+                <a:latin typeface="Lato" panose="020B0604020202020204" charset="0"/>
+              </a:rPr>
+              <a:t>Many fields were filled in manually, which led to inconsistent data</a:t>
+            </a:r>
+          </a:p>
+          <a:p>
+            <a:endParaRPr lang="en-US" dirty="0"/>
+          </a:p>
+        </p:txBody>
+      </p:sp>
+    </p:spTree>
+    <p:extLst>
+      <p:ext uri="{BB962C8B-B14F-4D97-AF65-F5344CB8AC3E}">
+        <p14:creationId xmlns:p14="http://schemas.microsoft.com/office/powerpoint/2010/main" val="2274599952"/>
+      </p:ext>
+    </p:extLst>
+  </p:cSld>
+  <p:clrMapOvr>
+    <a:masterClrMapping/>
+  </p:clrMapOvr>
+</p:sld>
+</file>
+
+<file path=ppt/slides/slide28.xml><?xml version="1.0" encoding="utf-8"?>
+<p:sld xmlns:a="http://schemas.openxmlformats.org/drawingml/2006/main" xmlns:r="http://schemas.openxmlformats.org/officeDocument/2006/relationships" xmlns:p="http://schemas.openxmlformats.org/presentationml/2006/main">
+  <p:cSld>
+    <p:spTree>
+      <p:nvGrpSpPr>
+        <p:cNvPr id="1" name=""/>
+        <p:cNvGrpSpPr/>
+        <p:nvPr/>
+      </p:nvGrpSpPr>
+      <p:grpSpPr>
+        <a:xfrm>
+          <a:off x="0" y="0"/>
+          <a:ext cx="0" cy="0"/>
+          <a:chOff x="0" y="0"/>
+          <a:chExt cx="0" cy="0"/>
+        </a:xfrm>
+      </p:grpSpPr>
+      <p:sp>
+        <p:nvSpPr>
           <p:cNvPr id="4" name="Title 3">
             <a:extLst>
               <a:ext uri="{FF2B5EF4-FFF2-40B4-BE49-F238E27FC236}">
